--- a/E1/diapo.PPTX
+++ b/E1/diapo.PPTX
@@ -5,7 +5,7 @@
     <p:sldMasterId id="2147483648" r:id="rId1"/>
   </p:sldMasterIdLst>
   <p:notesMasterIdLst>
-    <p:notesMasterId r:id="rId41"/>
+    <p:notesMasterId r:id="rId45"/>
   </p:notesMasterIdLst>
   <p:sldIdLst>
     <p:sldId id="256" r:id="rId2"/>
@@ -14,39 +14,43 @@
     <p:sldId id="262" r:id="rId5"/>
     <p:sldId id="263" r:id="rId6"/>
     <p:sldId id="266" r:id="rId7"/>
-    <p:sldId id="267" r:id="rId8"/>
-    <p:sldId id="268" r:id="rId9"/>
-    <p:sldId id="269" r:id="rId10"/>
-    <p:sldId id="270" r:id="rId11"/>
-    <p:sldId id="271" r:id="rId12"/>
-    <p:sldId id="274" r:id="rId13"/>
-    <p:sldId id="276" r:id="rId14"/>
-    <p:sldId id="272" r:id="rId15"/>
-    <p:sldId id="273" r:id="rId16"/>
-    <p:sldId id="277" r:id="rId17"/>
-    <p:sldId id="283" r:id="rId18"/>
-    <p:sldId id="280" r:id="rId19"/>
-    <p:sldId id="284" r:id="rId20"/>
-    <p:sldId id="285" r:id="rId21"/>
-    <p:sldId id="286" r:id="rId22"/>
-    <p:sldId id="302" r:id="rId23"/>
-    <p:sldId id="295" r:id="rId24"/>
-    <p:sldId id="287" r:id="rId25"/>
-    <p:sldId id="297" r:id="rId26"/>
-    <p:sldId id="294" r:id="rId27"/>
-    <p:sldId id="296" r:id="rId28"/>
-    <p:sldId id="299" r:id="rId29"/>
-    <p:sldId id="264" r:id="rId30"/>
-    <p:sldId id="298" r:id="rId31"/>
-    <p:sldId id="289" r:id="rId32"/>
-    <p:sldId id="290" r:id="rId33"/>
-    <p:sldId id="292" r:id="rId34"/>
-    <p:sldId id="293" r:id="rId35"/>
-    <p:sldId id="300" r:id="rId36"/>
-    <p:sldId id="301" r:id="rId37"/>
-    <p:sldId id="258" r:id="rId38"/>
-    <p:sldId id="279" r:id="rId39"/>
-    <p:sldId id="282" r:id="rId40"/>
+    <p:sldId id="279" r:id="rId8"/>
+    <p:sldId id="306" r:id="rId9"/>
+    <p:sldId id="267" r:id="rId10"/>
+    <p:sldId id="268" r:id="rId11"/>
+    <p:sldId id="269" r:id="rId12"/>
+    <p:sldId id="270" r:id="rId13"/>
+    <p:sldId id="271" r:id="rId14"/>
+    <p:sldId id="274" r:id="rId15"/>
+    <p:sldId id="276" r:id="rId16"/>
+    <p:sldId id="272" r:id="rId17"/>
+    <p:sldId id="273" r:id="rId18"/>
+    <p:sldId id="277" r:id="rId19"/>
+    <p:sldId id="283" r:id="rId20"/>
+    <p:sldId id="280" r:id="rId21"/>
+    <p:sldId id="284" r:id="rId22"/>
+    <p:sldId id="285" r:id="rId23"/>
+    <p:sldId id="286" r:id="rId24"/>
+    <p:sldId id="302" r:id="rId25"/>
+    <p:sldId id="295" r:id="rId26"/>
+    <p:sldId id="287" r:id="rId27"/>
+    <p:sldId id="297" r:id="rId28"/>
+    <p:sldId id="294" r:id="rId29"/>
+    <p:sldId id="296" r:id="rId30"/>
+    <p:sldId id="299" r:id="rId31"/>
+    <p:sldId id="264" r:id="rId32"/>
+    <p:sldId id="298" r:id="rId33"/>
+    <p:sldId id="289" r:id="rId34"/>
+    <p:sldId id="290" r:id="rId35"/>
+    <p:sldId id="292" r:id="rId36"/>
+    <p:sldId id="293" r:id="rId37"/>
+    <p:sldId id="300" r:id="rId38"/>
+    <p:sldId id="301" r:id="rId39"/>
+    <p:sldId id="303" r:id="rId40"/>
+    <p:sldId id="258" r:id="rId41"/>
+    <p:sldId id="305" r:id="rId42"/>
+    <p:sldId id="282" r:id="rId43"/>
+    <p:sldId id="304" r:id="rId44"/>
   </p:sldIdLst>
   <p:sldSz cx="12192000" cy="6858000"/>
   <p:notesSz cx="6858000" cy="9144000"/>
@@ -235,7 +239,7 @@
           <a:p>
             <a:fld id="{CBFE0C24-F68F-4E5D-B7EE-DD5107D4A260}" type="datetimeFigureOut">
               <a:rPr lang="fr-FR" smtClean="0"/>
-              <a:t>14/04/2024</a:t>
+              <a:t>27/05/2024</a:t>
             </a:fld>
             <a:endParaRPr lang="fr-FR"/>
           </a:p>
@@ -665,7 +669,7 @@
           <a:p>
             <a:fld id="{66AB49C7-41D5-4891-8EE8-309F74BEF086}" type="slidenum">
               <a:rPr lang="fr-FR" smtClean="0"/>
-              <a:t>12</a:t>
+              <a:t>14</a:t>
             </a:fld>
             <a:endParaRPr lang="fr-FR"/>
           </a:p>
@@ -760,7 +764,7 @@
           <a:p>
             <a:fld id="{66AB49C7-41D5-4891-8EE8-309F74BEF086}" type="slidenum">
               <a:rPr lang="fr-FR" smtClean="0"/>
-              <a:t>13</a:t>
+              <a:t>15</a:t>
             </a:fld>
             <a:endParaRPr lang="fr-FR"/>
           </a:p>
@@ -855,7 +859,7 @@
           <a:p>
             <a:fld id="{66AB49C7-41D5-4891-8EE8-309F74BEF086}" type="slidenum">
               <a:rPr lang="fr-FR" smtClean="0"/>
-              <a:t>14</a:t>
+              <a:t>16</a:t>
             </a:fld>
             <a:endParaRPr lang="fr-FR"/>
           </a:p>
@@ -950,7 +954,7 @@
           <a:p>
             <a:fld id="{66AB49C7-41D5-4891-8EE8-309F74BEF086}" type="slidenum">
               <a:rPr lang="fr-FR" smtClean="0"/>
-              <a:t>15</a:t>
+              <a:t>17</a:t>
             </a:fld>
             <a:endParaRPr lang="fr-FR"/>
           </a:p>
@@ -1153,7 +1157,7 @@
           <a:p>
             <a:fld id="{66AB49C7-41D5-4891-8EE8-309F74BEF086}" type="slidenum">
               <a:rPr lang="fr-FR" smtClean="0"/>
-              <a:t>16</a:t>
+              <a:t>18</a:t>
             </a:fld>
             <a:endParaRPr lang="fr-FR"/>
           </a:p>
@@ -1273,7 +1277,15 @@
             </a:r>
             <a:r>
               <a:rPr lang="fr-FR" baseline="0" dirty="0"/>
-              <a:t> choix des algorithmes ? Algorithmes qui ressortent le plus à l'issue de la veille technique</a:t>
+              <a:t> choix des algorithmes ? Algorithmes qui ressortent le plus à l'issue de la veille technique, </a:t>
+            </a:r>
+            <a:r>
+              <a:rPr lang="fr-FR" baseline="0" dirty="0" err="1"/>
+              <a:t>Probleme</a:t>
+            </a:r>
+            <a:r>
+              <a:rPr lang="fr-FR" baseline="0" dirty="0"/>
+              <a:t> de classification binaire</a:t>
             </a:r>
             <a:endParaRPr lang="fr-FR" dirty="0"/>
           </a:p>
@@ -1296,7 +1308,7 @@
           <a:p>
             <a:fld id="{66AB49C7-41D5-4891-8EE8-309F74BEF086}" type="slidenum">
               <a:rPr lang="fr-FR" smtClean="0"/>
-              <a:t>17</a:t>
+              <a:t>19</a:t>
             </a:fld>
             <a:endParaRPr lang="fr-FR"/>
           </a:p>
@@ -1380,7 +1392,7 @@
           <a:p>
             <a:fld id="{66AB49C7-41D5-4891-8EE8-309F74BEF086}" type="slidenum">
               <a:rPr lang="fr-FR" smtClean="0"/>
-              <a:t>18</a:t>
+              <a:t>20</a:t>
             </a:fld>
             <a:endParaRPr lang="fr-FR"/>
           </a:p>
@@ -1472,7 +1484,7 @@
           <a:p>
             <a:fld id="{66AB49C7-41D5-4891-8EE8-309F74BEF086}" type="slidenum">
               <a:rPr lang="fr-FR" smtClean="0"/>
-              <a:t>19</a:t>
+              <a:t>21</a:t>
             </a:fld>
             <a:endParaRPr lang="fr-FR"/>
           </a:p>
@@ -1620,7 +1632,7 @@
           <a:p>
             <a:fld id="{66AB49C7-41D5-4891-8EE8-309F74BEF086}" type="slidenum">
               <a:rPr lang="fr-FR" smtClean="0"/>
-              <a:t>20</a:t>
+              <a:t>22</a:t>
             </a:fld>
             <a:endParaRPr lang="fr-FR"/>
           </a:p>
@@ -1743,7 +1755,7 @@
           <a:p>
             <a:fld id="{66AB49C7-41D5-4891-8EE8-309F74BEF086}" type="slidenum">
               <a:rPr lang="fr-FR" smtClean="0"/>
-              <a:t>21</a:t>
+              <a:t>23</a:t>
             </a:fld>
             <a:endParaRPr lang="fr-FR"/>
           </a:p>
@@ -1933,7 +1945,7 @@
           <a:p>
             <a:fld id="{66AB49C7-41D5-4891-8EE8-309F74BEF086}" type="slidenum">
               <a:rPr lang="fr-FR" smtClean="0"/>
-              <a:t>22</a:t>
+              <a:t>24</a:t>
             </a:fld>
             <a:endParaRPr lang="fr-FR"/>
           </a:p>
@@ -2039,7 +2051,7 @@
           <a:p>
             <a:fld id="{66AB49C7-41D5-4891-8EE8-309F74BEF086}" type="slidenum">
               <a:rPr lang="fr-FR" smtClean="0"/>
-              <a:t>23</a:t>
+              <a:t>25</a:t>
             </a:fld>
             <a:endParaRPr lang="fr-FR"/>
           </a:p>
@@ -2143,7 +2155,7 @@
           <a:p>
             <a:fld id="{66AB49C7-41D5-4891-8EE8-309F74BEF086}" type="slidenum">
               <a:rPr lang="fr-FR" smtClean="0"/>
-              <a:t>24</a:t>
+              <a:t>26</a:t>
             </a:fld>
             <a:endParaRPr lang="fr-FR"/>
           </a:p>
@@ -2267,7 +2279,7 @@
           <a:p>
             <a:fld id="{66AB49C7-41D5-4891-8EE8-309F74BEF086}" type="slidenum">
               <a:rPr lang="fr-FR" smtClean="0"/>
-              <a:t>25</a:t>
+              <a:t>27</a:t>
             </a:fld>
             <a:endParaRPr lang="fr-FR"/>
           </a:p>
@@ -2372,7 +2384,7 @@
           <a:p>
             <a:fld id="{66AB49C7-41D5-4891-8EE8-309F74BEF086}" type="slidenum">
               <a:rPr lang="fr-FR" smtClean="0"/>
-              <a:t>26</a:t>
+              <a:t>28</a:t>
             </a:fld>
             <a:endParaRPr lang="fr-FR"/>
           </a:p>
@@ -2473,7 +2485,7 @@
           <a:p>
             <a:fld id="{66AB49C7-41D5-4891-8EE8-309F74BEF086}" type="slidenum">
               <a:rPr lang="fr-FR" smtClean="0"/>
-              <a:t>27</a:t>
+              <a:t>29</a:t>
             </a:fld>
             <a:endParaRPr lang="fr-FR"/>
           </a:p>
@@ -2574,7 +2586,7 @@
           <a:p>
             <a:fld id="{66AB49C7-41D5-4891-8EE8-309F74BEF086}" type="slidenum">
               <a:rPr lang="fr-FR" smtClean="0"/>
-              <a:t>28</a:t>
+              <a:t>30</a:t>
             </a:fld>
             <a:endParaRPr lang="fr-FR"/>
           </a:p>
@@ -2658,7 +2670,7 @@
           <a:p>
             <a:fld id="{66AB49C7-41D5-4891-8EE8-309F74BEF086}" type="slidenum">
               <a:rPr lang="fr-FR" smtClean="0"/>
-              <a:t>29</a:t>
+              <a:t>31</a:t>
             </a:fld>
             <a:endParaRPr lang="fr-FR"/>
           </a:p>
@@ -2742,7 +2754,7 @@
           <a:p>
             <a:fld id="{66AB49C7-41D5-4891-8EE8-309F74BEF086}" type="slidenum">
               <a:rPr lang="fr-FR" smtClean="0"/>
-              <a:t>30</a:t>
+              <a:t>32</a:t>
             </a:fld>
             <a:endParaRPr lang="fr-FR"/>
           </a:p>
@@ -2934,7 +2946,7 @@
           <a:p>
             <a:fld id="{66AB49C7-41D5-4891-8EE8-309F74BEF086}" type="slidenum">
               <a:rPr lang="fr-FR" smtClean="0"/>
-              <a:t>31</a:t>
+              <a:t>33</a:t>
             </a:fld>
             <a:endParaRPr lang="fr-FR"/>
           </a:p>
@@ -3213,7 +3225,7 @@
           <a:p>
             <a:fld id="{66AB49C7-41D5-4891-8EE8-309F74BEF086}" type="slidenum">
               <a:rPr lang="fr-FR" smtClean="0"/>
-              <a:t>32</a:t>
+              <a:t>34</a:t>
             </a:fld>
             <a:endParaRPr lang="fr-FR"/>
           </a:p>
@@ -3337,7 +3349,7 @@
           <a:p>
             <a:fld id="{66AB49C7-41D5-4891-8EE8-309F74BEF086}" type="slidenum">
               <a:rPr lang="fr-FR" smtClean="0"/>
-              <a:t>33</a:t>
+              <a:t>35</a:t>
             </a:fld>
             <a:endParaRPr lang="fr-FR"/>
           </a:p>
@@ -3529,7 +3541,7 @@
           <a:p>
             <a:fld id="{66AB49C7-41D5-4891-8EE8-309F74BEF086}" type="slidenum">
               <a:rPr lang="fr-FR" smtClean="0"/>
-              <a:t>34</a:t>
+              <a:t>36</a:t>
             </a:fld>
             <a:endParaRPr lang="fr-FR"/>
           </a:p>
@@ -3721,7 +3733,7 @@
           <a:p>
             <a:fld id="{66AB49C7-41D5-4891-8EE8-309F74BEF086}" type="slidenum">
               <a:rPr lang="fr-FR" smtClean="0"/>
-              <a:t>35</a:t>
+              <a:t>37</a:t>
             </a:fld>
             <a:endParaRPr lang="fr-FR"/>
           </a:p>
@@ -3913,7 +3925,7 @@
           <a:p>
             <a:fld id="{66AB49C7-41D5-4891-8EE8-309F74BEF086}" type="slidenum">
               <a:rPr lang="fr-FR" smtClean="0"/>
-              <a:t>36</a:t>
+              <a:t>38</a:t>
             </a:fld>
             <a:endParaRPr lang="fr-FR"/>
           </a:p>
@@ -3923,6 +3935,198 @@
     <p:extLst>
       <p:ext uri="{BB962C8B-B14F-4D97-AF65-F5344CB8AC3E}">
         <p14:creationId xmlns:p14="http://schemas.microsoft.com/office/powerpoint/2010/main" val="3742747047"/>
+      </p:ext>
+    </p:extLst>
+  </p:cSld>
+  <p:clrMapOvr>
+    <a:masterClrMapping/>
+  </p:clrMapOvr>
+</p:notes>
+</file>
+
+<file path=ppt/notesSlides/notesSlide35.xml><?xml version="1.0" encoding="utf-8"?>
+<p:notes xmlns:a="http://schemas.openxmlformats.org/drawingml/2006/main" xmlns:r="http://schemas.openxmlformats.org/officeDocument/2006/relationships" xmlns:p="http://schemas.openxmlformats.org/presentationml/2006/main">
+  <p:cSld>
+    <p:spTree>
+      <p:nvGrpSpPr>
+        <p:cNvPr id="1" name=""/>
+        <p:cNvGrpSpPr/>
+        <p:nvPr/>
+      </p:nvGrpSpPr>
+      <p:grpSpPr>
+        <a:xfrm>
+          <a:off x="0" y="0"/>
+          <a:ext cx="0" cy="0"/>
+          <a:chOff x="0" y="0"/>
+          <a:chExt cx="0" cy="0"/>
+        </a:xfrm>
+      </p:grpSpPr>
+      <p:sp>
+        <p:nvSpPr>
+          <p:cNvPr id="2" name="Espace réservé de l'image des diapositives 1"/>
+          <p:cNvSpPr>
+            <a:spLocks noGrp="1" noRot="1" noChangeAspect="1"/>
+          </p:cNvSpPr>
+          <p:nvPr>
+            <p:ph type="sldImg"/>
+          </p:nvPr>
+        </p:nvSpPr>
+        <p:spPr/>
+      </p:sp>
+      <p:sp>
+        <p:nvSpPr>
+          <p:cNvPr id="3" name="Espace réservé des notes 2"/>
+          <p:cNvSpPr>
+            <a:spLocks noGrp="1"/>
+          </p:cNvSpPr>
+          <p:nvPr>
+            <p:ph type="body" idx="1"/>
+          </p:nvPr>
+        </p:nvSpPr>
+        <p:spPr/>
+        <p:txBody>
+          <a:bodyPr/>
+          <a:lstStyle/>
+          <a:p>
+            <a:pPr marL="0" marR="0" indent="0" algn="l" defTabSz="914400" rtl="0" eaLnBrk="1" fontAlgn="auto" latinLnBrk="0" hangingPunct="1">
+              <a:lnSpc>
+                <a:spcPct val="100000"/>
+              </a:lnSpc>
+              <a:spcBef>
+                <a:spcPts val="0"/>
+              </a:spcBef>
+              <a:spcAft>
+                <a:spcPts val="0"/>
+              </a:spcAft>
+              <a:buClrTx/>
+              <a:buSzTx/>
+              <a:buFontTx/>
+              <a:buNone/>
+              <a:tabLst/>
+              <a:defRPr/>
+            </a:pPr>
+            <a:r>
+              <a:rPr lang="fr-FR" sz="1200" dirty="0"/>
+              <a:t>Créer les tables à </a:t>
+            </a:r>
+            <a:r>
+              <a:rPr lang="fr-FR" sz="1200" dirty="0" err="1"/>
+              <a:t>pardu</a:t>
+            </a:r>
+            <a:r>
+              <a:rPr lang="fr-FR" sz="1200" dirty="0"/>
+              <a:t> script SQL obtenu à partir du MLD </a:t>
+            </a:r>
+            <a:r>
+              <a:rPr lang="fr-FR" sz="1200" dirty="0" err="1"/>
+              <a:t>Jmerise</a:t>
+            </a:r>
+            <a:endParaRPr lang="fr-FR" sz="1200" dirty="0"/>
+          </a:p>
+          <a:p>
+            <a:pPr marL="0" marR="0" indent="0" algn="l" defTabSz="914400" rtl="0" eaLnBrk="1" fontAlgn="auto" latinLnBrk="0" hangingPunct="1">
+              <a:lnSpc>
+                <a:spcPct val="100000"/>
+              </a:lnSpc>
+              <a:spcBef>
+                <a:spcPts val="0"/>
+              </a:spcBef>
+              <a:spcAft>
+                <a:spcPts val="0"/>
+              </a:spcAft>
+              <a:buClrTx/>
+              <a:buSzTx/>
+              <a:buFontTx/>
+              <a:buNone/>
+              <a:tabLst/>
+              <a:defRPr/>
+            </a:pPr>
+            <a:r>
+              <a:rPr lang="fr-FR" sz="1200" dirty="0"/>
+              <a:t>Tester des insertions à distance via l'API </a:t>
+            </a:r>
+            <a:r>
+              <a:rPr lang="fr-FR" sz="1200" dirty="0" err="1"/>
+              <a:t>FastAPI</a:t>
+            </a:r>
+            <a:endParaRPr lang="fr-FR" sz="1200" dirty="0"/>
+          </a:p>
+          <a:p>
+            <a:pPr marL="0" marR="0" indent="0" algn="l" defTabSz="914400" rtl="0" eaLnBrk="1" fontAlgn="auto" latinLnBrk="0" hangingPunct="1">
+              <a:lnSpc>
+                <a:spcPct val="100000"/>
+              </a:lnSpc>
+              <a:spcBef>
+                <a:spcPts val="0"/>
+              </a:spcBef>
+              <a:spcAft>
+                <a:spcPts val="0"/>
+              </a:spcAft>
+              <a:buClrTx/>
+              <a:buSzTx/>
+              <a:buFontTx/>
+              <a:buNone/>
+              <a:tabLst/>
+              <a:defRPr/>
+            </a:pPr>
+            <a:r>
+              <a:rPr lang="fr-FR" sz="1200" dirty="0"/>
+              <a:t>Imbriquer les insertions dans les tir fonctionnalités de l'API</a:t>
+            </a:r>
+          </a:p>
+          <a:p>
+            <a:pPr marL="0" marR="0" indent="0" algn="l" defTabSz="914400" rtl="0" eaLnBrk="1" fontAlgn="auto" latinLnBrk="0" hangingPunct="1">
+              <a:lnSpc>
+                <a:spcPct val="100000"/>
+              </a:lnSpc>
+              <a:spcBef>
+                <a:spcPts val="0"/>
+              </a:spcBef>
+              <a:spcAft>
+                <a:spcPts val="0"/>
+              </a:spcAft>
+              <a:buClrTx/>
+              <a:buSzTx/>
+              <a:buFontTx/>
+              <a:buNone/>
+              <a:tabLst/>
+              <a:defRPr/>
+            </a:pPr>
+            <a:r>
+              <a:rPr lang="fr-FR" sz="1200" dirty="0"/>
+              <a:t>Tester la base sur l'application déployée</a:t>
+            </a:r>
+            <a:endParaRPr lang="fr-FR" dirty="0"/>
+          </a:p>
+        </p:txBody>
+      </p:sp>
+      <p:sp>
+        <p:nvSpPr>
+          <p:cNvPr id="4" name="Espace réservé du numéro de diapositive 3"/>
+          <p:cNvSpPr>
+            <a:spLocks noGrp="1"/>
+          </p:cNvSpPr>
+          <p:nvPr>
+            <p:ph type="sldNum" sz="quarter" idx="10"/>
+          </p:nvPr>
+        </p:nvSpPr>
+        <p:spPr/>
+        <p:txBody>
+          <a:bodyPr/>
+          <a:lstStyle/>
+          <a:p>
+            <a:fld id="{66AB49C7-41D5-4891-8EE8-309F74BEF086}" type="slidenum">
+              <a:rPr lang="fr-FR" smtClean="0"/>
+              <a:t>39</a:t>
+            </a:fld>
+            <a:endParaRPr lang="fr-FR"/>
+          </a:p>
+        </p:txBody>
+      </p:sp>
+    </p:spTree>
+    <p:extLst>
+      <p:ext uri="{BB962C8B-B14F-4D97-AF65-F5344CB8AC3E}">
+        <p14:creationId xmlns:p14="http://schemas.microsoft.com/office/powerpoint/2010/main" val="1991020285"/>
       </p:ext>
     </p:extLst>
   </p:cSld>
@@ -3990,24 +4194,6 @@
               <a:rPr lang="fr-FR" baseline="0" dirty="0"/>
               <a:t>Echange par mail</a:t>
             </a:r>
-          </a:p>
-          <a:p>
-            <a:endParaRPr lang="fr-FR" baseline="0" dirty="0"/>
-          </a:p>
-          <a:p>
-            <a:r>
-              <a:rPr lang="fr-FR" baseline="0" dirty="0"/>
-              <a:t>Le client m'a demandé de lui expliquer le fonctionnement de l'algorithme utilisé, c'était </a:t>
-            </a:r>
-            <a:r>
-              <a:rPr lang="fr-FR" baseline="0" dirty="0" err="1"/>
-              <a:t>intéréssant</a:t>
-            </a:r>
-            <a:r>
-              <a:rPr lang="fr-FR" baseline="0" dirty="0"/>
-              <a:t> car j'ai dû comprendre son fonctionnement exact.</a:t>
-            </a:r>
-            <a:endParaRPr lang="fr-FR" dirty="0"/>
           </a:p>
         </p:txBody>
       </p:sp>
@@ -4129,7 +4315,7 @@
           <a:p>
             <a:fld id="{66AB49C7-41D5-4891-8EE8-309F74BEF086}" type="slidenum">
               <a:rPr lang="fr-FR" smtClean="0"/>
-              <a:t>7</a:t>
+              <a:t>9</a:t>
             </a:fld>
             <a:endParaRPr lang="fr-FR"/>
           </a:p>
@@ -4213,7 +4399,7 @@
           <a:p>
             <a:fld id="{66AB49C7-41D5-4891-8EE8-309F74BEF086}" type="slidenum">
               <a:rPr lang="fr-FR" smtClean="0"/>
-              <a:t>8</a:t>
+              <a:t>10</a:t>
             </a:fld>
             <a:endParaRPr lang="fr-FR"/>
           </a:p>
@@ -4308,7 +4494,7 @@
           <a:p>
             <a:fld id="{66AB49C7-41D5-4891-8EE8-309F74BEF086}" type="slidenum">
               <a:rPr lang="fr-FR" smtClean="0"/>
-              <a:t>9</a:t>
+              <a:t>11</a:t>
             </a:fld>
             <a:endParaRPr lang="fr-FR"/>
           </a:p>
@@ -4427,7 +4613,7 @@
           <a:p>
             <a:fld id="{66AB49C7-41D5-4891-8EE8-309F74BEF086}" type="slidenum">
               <a:rPr lang="fr-FR" smtClean="0"/>
-              <a:t>10</a:t>
+              <a:t>12</a:t>
             </a:fld>
             <a:endParaRPr lang="fr-FR"/>
           </a:p>
@@ -4522,7 +4708,7 @@
           <a:p>
             <a:fld id="{66AB49C7-41D5-4891-8EE8-309F74BEF086}" type="slidenum">
               <a:rPr lang="fr-FR" smtClean="0"/>
-              <a:t>11</a:t>
+              <a:t>13</a:t>
             </a:fld>
             <a:endParaRPr lang="fr-FR"/>
           </a:p>
@@ -4688,7 +4874,7 @@
           <a:p>
             <a:fld id="{030A0348-A3C9-4805-B27F-CC97A10C8170}" type="datetime1">
               <a:rPr lang="fr-FR" smtClean="0"/>
-              <a:t>14/04/2024</a:t>
+              <a:t>27/05/2024</a:t>
             </a:fld>
             <a:endParaRPr lang="fr-FR"/>
           </a:p>
@@ -4886,7 +5072,7 @@
           <a:p>
             <a:fld id="{DCE26FB0-9262-4B4A-96F0-0E4239312FC9}" type="datetime1">
               <a:rPr lang="fr-FR" smtClean="0"/>
-              <a:t>14/04/2024</a:t>
+              <a:t>27/05/2024</a:t>
             </a:fld>
             <a:endParaRPr lang="fr-FR"/>
           </a:p>
@@ -5094,7 +5280,7 @@
           <a:p>
             <a:fld id="{CF16DD70-3CEB-41AB-9288-5B2248A624F7}" type="datetime1">
               <a:rPr lang="fr-FR" smtClean="0"/>
-              <a:t>14/04/2024</a:t>
+              <a:t>27/05/2024</a:t>
             </a:fld>
             <a:endParaRPr lang="fr-FR"/>
           </a:p>
@@ -5292,7 +5478,7 @@
           <a:p>
             <a:fld id="{4D7887B7-81BD-45F0-97E4-4FE1D12A0B8E}" type="datetime1">
               <a:rPr lang="fr-FR" smtClean="0"/>
-              <a:t>14/04/2024</a:t>
+              <a:t>27/05/2024</a:t>
             </a:fld>
             <a:endParaRPr lang="fr-FR"/>
           </a:p>
@@ -5567,7 +5753,7 @@
           <a:p>
             <a:fld id="{065B97D9-FE67-452A-817F-E159775EC87A}" type="datetime1">
               <a:rPr lang="fr-FR" smtClean="0"/>
-              <a:t>14/04/2024</a:t>
+              <a:t>27/05/2024</a:t>
             </a:fld>
             <a:endParaRPr lang="fr-FR"/>
           </a:p>
@@ -5832,7 +6018,7 @@
           <a:p>
             <a:fld id="{6FEFCD70-9C02-4267-93ED-DA067C1C5C5D}" type="datetime1">
               <a:rPr lang="fr-FR" smtClean="0"/>
-              <a:t>14/04/2024</a:t>
+              <a:t>27/05/2024</a:t>
             </a:fld>
             <a:endParaRPr lang="fr-FR"/>
           </a:p>
@@ -6244,7 +6430,7 @@
           <a:p>
             <a:fld id="{EF461CD4-FE43-42F8-BA27-3A02ADC01ECA}" type="datetime1">
               <a:rPr lang="fr-FR" smtClean="0"/>
-              <a:t>14/04/2024</a:t>
+              <a:t>27/05/2024</a:t>
             </a:fld>
             <a:endParaRPr lang="fr-FR"/>
           </a:p>
@@ -6385,7 +6571,7 @@
           <a:p>
             <a:fld id="{8C036F74-5381-4024-BAA9-5901F8ADC307}" type="datetime1">
               <a:rPr lang="fr-FR" smtClean="0"/>
-              <a:t>14/04/2024</a:t>
+              <a:t>27/05/2024</a:t>
             </a:fld>
             <a:endParaRPr lang="fr-FR"/>
           </a:p>
@@ -6498,7 +6684,7 @@
           <a:p>
             <a:fld id="{0E1DE3B3-7661-43C6-8BB5-DD17A2C56882}" type="datetime1">
               <a:rPr lang="fr-FR" smtClean="0"/>
-              <a:t>14/04/2024</a:t>
+              <a:t>27/05/2024</a:t>
             </a:fld>
             <a:endParaRPr lang="fr-FR"/>
           </a:p>
@@ -6809,7 +6995,7 @@
           <a:p>
             <a:fld id="{C7DFB586-B251-4F3F-8B11-085335CDA4D7}" type="datetime1">
               <a:rPr lang="fr-FR" smtClean="0"/>
-              <a:t>14/04/2024</a:t>
+              <a:t>27/05/2024</a:t>
             </a:fld>
             <a:endParaRPr lang="fr-FR"/>
           </a:p>
@@ -7100,7 +7286,7 @@
           <a:p>
             <a:fld id="{44952A61-B580-4658-88AF-604A7DCA20BD}" type="datetime1">
               <a:rPr lang="fr-FR" smtClean="0"/>
-              <a:t>14/04/2024</a:t>
+              <a:t>27/05/2024</a:t>
             </a:fld>
             <a:endParaRPr lang="fr-FR"/>
           </a:p>
@@ -7346,7 +7532,7 @@
           <a:p>
             <a:fld id="{22897EE6-CDD6-43C1-B320-A7CD1CE4582D}" type="datetime1">
               <a:rPr lang="fr-FR" smtClean="0"/>
-              <a:t>14/04/2024</a:t>
+              <a:t>27/05/2024</a:t>
             </a:fld>
             <a:endParaRPr lang="fr-FR"/>
           </a:p>
@@ -7935,24 +8121,24 @@
               <a:buNone/>
             </a:pPr>
             <a:r>
-              <a:rPr lang="fr-FR" sz="2300" u="sng" dirty="0" err="1"/>
-              <a:t>work_interfere</a:t>
-            </a:r>
-            <a:r>
-              <a:rPr lang="fr-FR" sz="2300" u="sng" dirty="0"/>
-              <a:t> :</a:t>
-            </a:r>
+              <a:rPr lang="fr-FR" sz="2500" u="sng" dirty="0"/>
+              <a:t>2.2 Analyse exploratoire des données :</a:t>
+            </a:r>
+          </a:p>
+          <a:p>
+            <a:pPr marL="0" indent="0">
+              <a:buNone/>
+            </a:pPr>
+            <a:endParaRPr lang="fr-FR" sz="2200" dirty="0"/>
+          </a:p>
+          <a:p>
+            <a:pPr marL="0" indent="0">
+              <a:buNone/>
+            </a:pPr>
             <a:r>
               <a:rPr lang="fr-FR" sz="2300" dirty="0"/>
-              <a:t> Si vous avez un problème de santé mental, à quelle fréquence sentez-vous que cela interfère avec votre travail ?</a:t>
-            </a:r>
-            <a:endParaRPr lang="fr-FR" sz="2300" u="sng" dirty="0"/>
-          </a:p>
-          <a:p>
-            <a:pPr marL="0" indent="0">
-              <a:buNone/>
-            </a:pPr>
-            <a:endParaRPr lang="fr-FR" sz="2200" dirty="0"/>
+              <a:t>1259 lignes et 27 colonnes</a:t>
+            </a:r>
           </a:p>
           <a:p>
             <a:pPr marL="0" indent="0">
@@ -7982,20 +8168,42 @@
         </p:blipFill>
         <p:spPr>
           <a:xfrm>
-            <a:off x="2599112" y="1686229"/>
-            <a:ext cx="5879870" cy="4114800"/>
+            <a:off x="554179" y="1849238"/>
+            <a:ext cx="3818316" cy="3865416"/>
           </a:xfrm>
           <a:prstGeom prst="rect">
             <a:avLst/>
           </a:prstGeom>
         </p:spPr>
       </p:pic>
+      <p:pic>
+        <p:nvPicPr>
+          <p:cNvPr id="7" name="Image 6"/>
+          <p:cNvPicPr/>
+          <p:nvPr/>
+        </p:nvPicPr>
+        <p:blipFill>
+          <a:blip r:embed="rId4"/>
+          <a:stretch>
+            <a:fillRect/>
+          </a:stretch>
+        </p:blipFill>
+        <p:spPr>
+          <a:xfrm>
+            <a:off x="5197934" y="2194219"/>
+            <a:ext cx="5822261" cy="3520435"/>
+          </a:xfrm>
+          <a:prstGeom prst="rect">
+            <a:avLst/>
+          </a:prstGeom>
+        </p:spPr>
+      </p:pic>
       <p:sp>
         <p:nvSpPr>
           <p:cNvPr id="2" name="Espace réservé du numéro de diapositive 1">
             <a:extLst>
               <a:ext uri="{FF2B5EF4-FFF2-40B4-BE49-F238E27FC236}">
-                <a16:creationId xmlns:a16="http://schemas.microsoft.com/office/drawing/2014/main" id="{998ED89F-ADF3-9CB1-3B27-D3A8A740F0CA}"/>
+                <a16:creationId xmlns:a16="http://schemas.microsoft.com/office/drawing/2014/main" id="{649067CC-BF41-5089-9E68-8B88E5697EBE}"/>
               </a:ext>
             </a:extLst>
           </p:cNvPr>
@@ -8024,7 +8232,7 @@
           <p:cNvPr id="4" name="ZoneTexte 3">
             <a:extLst>
               <a:ext uri="{FF2B5EF4-FFF2-40B4-BE49-F238E27FC236}">
-                <a16:creationId xmlns:a16="http://schemas.microsoft.com/office/drawing/2014/main" id="{FA31ED1A-979B-AA78-6C43-57A2599B7786}"/>
+                <a16:creationId xmlns:a16="http://schemas.microsoft.com/office/drawing/2014/main" id="{9C64543C-9B0C-AB1C-1EE2-E7DA7B39683E}"/>
               </a:ext>
             </a:extLst>
           </p:cNvPr>
@@ -8033,7 +8241,7 @@
         </p:nvSpPr>
         <p:spPr>
           <a:xfrm>
-            <a:off x="2599112" y="6063962"/>
+            <a:off x="490238" y="6063962"/>
             <a:ext cx="5431781" cy="292388"/>
           </a:xfrm>
           <a:prstGeom prst="rect">
@@ -8062,53 +8270,7 @@
                 <a:ea typeface="Calibri" panose="020F0502020204030204" pitchFamily="34" charset="0"/>
                 <a:cs typeface="Times New Roman" panose="02020603050405020304" pitchFamily="18" charset="0"/>
               </a:rPr>
-              <a:t>Figure </a:t>
-            </a:r>
-            <a:r>
-              <a:rPr lang="fr-FR" sz="1300" i="1" dirty="0">
-                <a:solidFill>
-                  <a:srgbClr val="44546A"/>
-                </a:solidFill>
-                <a:latin typeface="Calibri" panose="020F0502020204030204" pitchFamily="34" charset="0"/>
-                <a:ea typeface="Calibri" panose="020F0502020204030204" pitchFamily="34" charset="0"/>
-                <a:cs typeface="Times New Roman" panose="02020603050405020304" pitchFamily="18" charset="0"/>
-              </a:rPr>
-              <a:t>8</a:t>
-            </a:r>
-            <a:r>
-              <a:rPr lang="fr-FR" sz="1300" i="1" dirty="0">
-                <a:solidFill>
-                  <a:srgbClr val="44546A"/>
-                </a:solidFill>
-                <a:effectLst/>
-                <a:latin typeface="Calibri" panose="020F0502020204030204" pitchFamily="34" charset="0"/>
-                <a:ea typeface="Calibri" panose="020F0502020204030204" pitchFamily="34" charset="0"/>
-                <a:cs typeface="Times New Roman" panose="02020603050405020304" pitchFamily="18" charset="0"/>
-              </a:rPr>
-              <a:t> : </a:t>
-            </a:r>
-            <a:r>
-              <a:rPr lang="fr-FR" sz="1300" i="1" dirty="0">
-                <a:solidFill>
-                  <a:srgbClr val="44546A"/>
-                </a:solidFill>
-                <a:latin typeface="Calibri" panose="020F0502020204030204" pitchFamily="34" charset="0"/>
-                <a:ea typeface="Calibri" panose="020F0502020204030204" pitchFamily="34" charset="0"/>
-                <a:cs typeface="Times New Roman" panose="02020603050405020304" pitchFamily="18" charset="0"/>
-              </a:rPr>
-              <a:t>Corrélation</a:t>
-            </a:r>
-            <a:r>
-              <a:rPr lang="fr-FR" sz="1300" i="1" dirty="0">
-                <a:solidFill>
-                  <a:srgbClr val="44546A"/>
-                </a:solidFill>
-                <a:effectLst/>
-                <a:latin typeface="Calibri" panose="020F0502020204030204" pitchFamily="34" charset="0"/>
-                <a:ea typeface="Calibri" panose="020F0502020204030204" pitchFamily="34" charset="0"/>
-                <a:cs typeface="Times New Roman" panose="02020603050405020304" pitchFamily="18" charset="0"/>
-              </a:rPr>
-              <a:t> entre antécédents familiaux et </a:t>
+              <a:t>Figure 5 : Répartition des valeurs de la colonne "</a:t>
             </a:r>
             <a:r>
               <a:rPr lang="fr-FR" sz="1300" i="1" dirty="0" err="1">
@@ -8122,22 +8284,145 @@
               </a:rPr>
               <a:t>treatment</a:t>
             </a:r>
-            <a:endParaRPr lang="fr-FR" sz="1300" i="1" dirty="0">
-              <a:solidFill>
-                <a:srgbClr val="44546A"/>
-              </a:solidFill>
-              <a:effectLst/>
-              <a:latin typeface="Calibri" panose="020F0502020204030204" pitchFamily="34" charset="0"/>
-              <a:ea typeface="Calibri" panose="020F0502020204030204" pitchFamily="34" charset="0"/>
-              <a:cs typeface="Times New Roman" panose="02020603050405020304" pitchFamily="18" charset="0"/>
-            </a:endParaRPr>
+            <a:r>
+              <a:rPr lang="fr-FR" sz="1300" i="1" dirty="0">
+                <a:solidFill>
+                  <a:srgbClr val="44546A"/>
+                </a:solidFill>
+                <a:effectLst/>
+                <a:latin typeface="Calibri" panose="020F0502020204030204" pitchFamily="34" charset="0"/>
+                <a:ea typeface="Calibri" panose="020F0502020204030204" pitchFamily="34" charset="0"/>
+                <a:cs typeface="Times New Roman" panose="02020603050405020304" pitchFamily="18" charset="0"/>
+              </a:rPr>
+              <a:t>"</a:t>
+            </a:r>
+          </a:p>
+        </p:txBody>
+      </p:sp>
+      <p:sp>
+        <p:nvSpPr>
+          <p:cNvPr id="8" name="ZoneTexte 7">
+            <a:extLst>
+              <a:ext uri="{FF2B5EF4-FFF2-40B4-BE49-F238E27FC236}">
+                <a16:creationId xmlns:a16="http://schemas.microsoft.com/office/drawing/2014/main" id="{A815EA9C-DCA9-CDDB-95D0-AC0858940BC7}"/>
+              </a:ext>
+            </a:extLst>
+          </p:cNvPr>
+          <p:cNvSpPr txBox="1"/>
+          <p:nvPr/>
+        </p:nvSpPr>
+        <p:spPr>
+          <a:xfrm>
+            <a:off x="5197934" y="6064345"/>
+            <a:ext cx="5431781" cy="292388"/>
+          </a:xfrm>
+          <a:prstGeom prst="rect">
+            <a:avLst/>
+          </a:prstGeom>
+          <a:noFill/>
+        </p:spPr>
+        <p:txBody>
+          <a:bodyPr wrap="square" rtlCol="0">
+            <a:spAutoFit/>
+          </a:bodyPr>
+          <a:lstStyle/>
+          <a:p>
+            <a:pPr>
+              <a:spcAft>
+                <a:spcPts val="1000"/>
+              </a:spcAft>
+            </a:pPr>
+            <a:r>
+              <a:rPr lang="fr-FR" sz="1300" i="1" dirty="0">
+                <a:solidFill>
+                  <a:srgbClr val="44546A"/>
+                </a:solidFill>
+                <a:effectLst/>
+                <a:latin typeface="Calibri" panose="020F0502020204030204" pitchFamily="34" charset="0"/>
+                <a:ea typeface="Calibri" panose="020F0502020204030204" pitchFamily="34" charset="0"/>
+                <a:cs typeface="Times New Roman" panose="02020603050405020304" pitchFamily="18" charset="0"/>
+              </a:rPr>
+              <a:t>Figure 6 </a:t>
+            </a:r>
+            <a:r>
+              <a:rPr lang="fr-FR" sz="1300" i="1" dirty="0">
+                <a:solidFill>
+                  <a:srgbClr val="44546A"/>
+                </a:solidFill>
+                <a:latin typeface="Calibri" panose="020F0502020204030204" pitchFamily="34" charset="0"/>
+                <a:ea typeface="Calibri" panose="020F0502020204030204" pitchFamily="34" charset="0"/>
+                <a:cs typeface="Times New Roman" panose="02020603050405020304" pitchFamily="18" charset="0"/>
+              </a:rPr>
+              <a:t>: Corrélation entre la colonne traitement et les autres colonnes</a:t>
+            </a:r>
+          </a:p>
+        </p:txBody>
+      </p:sp>
+      <p:sp>
+        <p:nvSpPr>
+          <p:cNvPr id="6" name="Rectangle 5">
+            <a:extLst>
+              <a:ext uri="{FF2B5EF4-FFF2-40B4-BE49-F238E27FC236}">
+                <a16:creationId xmlns:a16="http://schemas.microsoft.com/office/drawing/2014/main" id="{FA473614-8DB0-77A0-B3B0-610111806DDB}"/>
+              </a:ext>
+            </a:extLst>
+          </p:cNvPr>
+          <p:cNvSpPr/>
+          <p:nvPr/>
+        </p:nvSpPr>
+        <p:spPr>
+          <a:xfrm>
+            <a:off x="11196706" y="237893"/>
+            <a:ext cx="648929" cy="294968"/>
+          </a:xfrm>
+          <a:prstGeom prst="rect">
+            <a:avLst/>
+          </a:prstGeom>
+          <a:solidFill>
+            <a:srgbClr val="FFC000"/>
+          </a:solidFill>
+          <a:ln w="3175">
+            <a:solidFill>
+              <a:schemeClr val="tx1"/>
+            </a:solidFill>
+          </a:ln>
+        </p:spPr>
+        <p:style>
+          <a:lnRef idx="2">
+            <a:schemeClr val="accent1">
+              <a:shade val="15000"/>
+            </a:schemeClr>
+          </a:lnRef>
+          <a:fillRef idx="1">
+            <a:schemeClr val="accent1"/>
+          </a:fillRef>
+          <a:effectRef idx="0">
+            <a:schemeClr val="accent1"/>
+          </a:effectRef>
+          <a:fontRef idx="minor">
+            <a:schemeClr val="lt1"/>
+          </a:fontRef>
+        </p:style>
+        <p:txBody>
+          <a:bodyPr rtlCol="0" anchor="ctr"/>
+          <a:lstStyle/>
+          <a:p>
+            <a:pPr algn="ctr"/>
+            <a:r>
+              <a:rPr lang="fr-FR" sz="1400" dirty="0">
+                <a:solidFill>
+                  <a:schemeClr val="tx1"/>
+                </a:solidFill>
+              </a:rPr>
+              <a:t>C1</a:t>
+            </a:r>
           </a:p>
         </p:txBody>
       </p:sp>
     </p:spTree>
     <p:extLst>
       <p:ext uri="{BB962C8B-B14F-4D97-AF65-F5344CB8AC3E}">
-        <p14:creationId xmlns:p14="http://schemas.microsoft.com/office/powerpoint/2010/main" val="365764181"/>
+        <p14:creationId xmlns:p14="http://schemas.microsoft.com/office/powerpoint/2010/main" val="2276690148"/>
       </p:ext>
     </p:extLst>
   </p:cSld>
@@ -8195,7 +8480,7 @@
             </a:pPr>
             <a:r>
               <a:rPr lang="fr-FR" sz="2300" u="sng" dirty="0" err="1"/>
-              <a:t>care_options</a:t>
+              <a:t>family_history</a:t>
             </a:r>
             <a:r>
               <a:rPr lang="fr-FR" sz="2300" u="sng" dirty="0"/>
@@ -8203,8 +8488,15 @@
             </a:r>
             <a:r>
               <a:rPr lang="fr-FR" sz="2300" dirty="0"/>
-              <a:t> Connaissez vous les prestations de votre entreprise en matière de santé mentale pour les employés ?</a:t>
-            </a:r>
+              <a:t> Antécédents familiaux</a:t>
+            </a:r>
+            <a:endParaRPr lang="fr-FR" sz="2300" u="sng" dirty="0"/>
+          </a:p>
+          <a:p>
+            <a:pPr marL="0" indent="0">
+              <a:buNone/>
+            </a:pPr>
+            <a:endParaRPr lang="fr-FR" sz="2200" dirty="0"/>
           </a:p>
           <a:p>
             <a:pPr marL="0" indent="0">
@@ -8216,7 +8508,7 @@
       </p:sp>
       <p:pic>
         <p:nvPicPr>
-          <p:cNvPr id="6" name="Image 5"/>
+          <p:cNvPr id="8" name="Image 7"/>
           <p:cNvPicPr/>
           <p:nvPr/>
         </p:nvPicPr>
@@ -8234,8 +8526,8 @@
         </p:blipFill>
         <p:spPr>
           <a:xfrm>
-            <a:off x="3048287" y="1385717"/>
-            <a:ext cx="5547074" cy="4665948"/>
+            <a:off x="2664893" y="1589924"/>
+            <a:ext cx="5514831" cy="4054418"/>
           </a:xfrm>
           <a:prstGeom prst="rect">
             <a:avLst/>
@@ -8247,7 +8539,7 @@
           <p:cNvPr id="2" name="Espace réservé du numéro de diapositive 1">
             <a:extLst>
               <a:ext uri="{FF2B5EF4-FFF2-40B4-BE49-F238E27FC236}">
-                <a16:creationId xmlns:a16="http://schemas.microsoft.com/office/drawing/2014/main" id="{51E63A46-2A31-84D7-4404-858D4C695F6C}"/>
+                <a16:creationId xmlns:a16="http://schemas.microsoft.com/office/drawing/2014/main" id="{C5803E93-B128-63F5-E939-9B9C049B9CB5}"/>
               </a:ext>
             </a:extLst>
           </p:cNvPr>
@@ -8276,7 +8568,7 @@
           <p:cNvPr id="4" name="ZoneTexte 3">
             <a:extLst>
               <a:ext uri="{FF2B5EF4-FFF2-40B4-BE49-F238E27FC236}">
-                <a16:creationId xmlns:a16="http://schemas.microsoft.com/office/drawing/2014/main" id="{1EF0B551-D632-FB10-6930-1129D51E33F3}"/>
+                <a16:creationId xmlns:a16="http://schemas.microsoft.com/office/drawing/2014/main" id="{2CFD114E-6817-2097-F75C-2BC7EB5AA3CB}"/>
               </a:ext>
             </a:extLst>
           </p:cNvPr>
@@ -8285,7 +8577,7 @@
         </p:nvSpPr>
         <p:spPr>
           <a:xfrm>
-            <a:off x="3048287" y="6246524"/>
+            <a:off x="2664893" y="5957157"/>
             <a:ext cx="5431781" cy="292388"/>
           </a:xfrm>
           <a:prstGeom prst="rect">
@@ -8299,6 +8591,11 @@
           </a:bodyPr>
           <a:lstStyle/>
           <a:p>
+            <a:pPr>
+              <a:spcAft>
+                <a:spcPts val="1000"/>
+              </a:spcAft>
+            </a:pPr>
             <a:r>
               <a:rPr lang="fr-FR" sz="1300" i="1" dirty="0">
                 <a:solidFill>
@@ -8309,7 +8606,7 @@
                 <a:ea typeface="Calibri" panose="020F0502020204030204" pitchFamily="34" charset="0"/>
                 <a:cs typeface="Times New Roman" panose="02020603050405020304" pitchFamily="18" charset="0"/>
               </a:rPr>
-              <a:t>Figure </a:t>
+              <a:t>Figure 7 : </a:t>
             </a:r>
             <a:r>
               <a:rPr lang="fr-FR" sz="1300" i="1" dirty="0">
@@ -8320,7 +8617,7 @@
                 <a:ea typeface="Calibri" panose="020F0502020204030204" pitchFamily="34" charset="0"/>
                 <a:cs typeface="Times New Roman" panose="02020603050405020304" pitchFamily="18" charset="0"/>
               </a:rPr>
-              <a:t>9</a:t>
+              <a:t>Corrélation</a:t>
             </a:r>
             <a:r>
               <a:rPr lang="fr-FR" sz="1300" i="1" dirty="0">
@@ -8332,18 +8629,7 @@
                 <a:ea typeface="Calibri" panose="020F0502020204030204" pitchFamily="34" charset="0"/>
                 <a:cs typeface="Times New Roman" panose="02020603050405020304" pitchFamily="18" charset="0"/>
               </a:rPr>
-              <a:t> </a:t>
-            </a:r>
-            <a:r>
-              <a:rPr lang="fr-FR" sz="1300" i="1" dirty="0">
-                <a:solidFill>
-                  <a:srgbClr val="44546A"/>
-                </a:solidFill>
-                <a:latin typeface="Calibri" panose="020F0502020204030204" pitchFamily="34" charset="0"/>
-                <a:ea typeface="Calibri" panose="020F0502020204030204" pitchFamily="34" charset="0"/>
-                <a:cs typeface="Times New Roman" panose="02020603050405020304" pitchFamily="18" charset="0"/>
-              </a:rPr>
-              <a:t>: Corrélation entre </a:t>
+              <a:t> entre antécédents familiaux et </a:t>
             </a:r>
             <a:r>
               <a:rPr lang="fr-FR" sz="1300" i="1" dirty="0" err="1">
@@ -8354,34 +8640,25 @@
                 <a:ea typeface="Calibri" panose="020F0502020204030204" pitchFamily="34" charset="0"/>
                 <a:cs typeface="Times New Roman" panose="02020603050405020304" pitchFamily="18" charset="0"/>
               </a:rPr>
-              <a:t>care_options</a:t>
-            </a:r>
-            <a:r>
-              <a:rPr lang="fr-FR" sz="1300" i="1" dirty="0">
+              <a:t>t</a:t>
+            </a:r>
+            <a:r>
+              <a:rPr lang="fr-FR" sz="1300" i="1" dirty="0" err="1">
                 <a:solidFill>
                   <a:srgbClr val="44546A"/>
                 </a:solidFill>
+                <a:effectLst/>
                 <a:latin typeface="Calibri" panose="020F0502020204030204" pitchFamily="34" charset="0"/>
                 <a:ea typeface="Calibri" panose="020F0502020204030204" pitchFamily="34" charset="0"/>
                 <a:cs typeface="Times New Roman" panose="02020603050405020304" pitchFamily="18" charset="0"/>
               </a:rPr>
-              <a:t> et </a:t>
-            </a:r>
-            <a:r>
-              <a:rPr lang="fr-FR" sz="1300" i="1" dirty="0" err="1">
-                <a:solidFill>
-                  <a:srgbClr val="44546A"/>
-                </a:solidFill>
-                <a:latin typeface="Calibri" panose="020F0502020204030204" pitchFamily="34" charset="0"/>
-                <a:ea typeface="Calibri" panose="020F0502020204030204" pitchFamily="34" charset="0"/>
-                <a:cs typeface="Times New Roman" panose="02020603050405020304" pitchFamily="18" charset="0"/>
-              </a:rPr>
-              <a:t>treatment</a:t>
+              <a:t>reatment</a:t>
             </a:r>
             <a:endParaRPr lang="fr-FR" sz="1300" i="1" dirty="0">
               <a:solidFill>
                 <a:srgbClr val="44546A"/>
               </a:solidFill>
+              <a:effectLst/>
               <a:latin typeface="Calibri" panose="020F0502020204030204" pitchFamily="34" charset="0"/>
               <a:ea typeface="Calibri" panose="020F0502020204030204" pitchFamily="34" charset="0"/>
               <a:cs typeface="Times New Roman" panose="02020603050405020304" pitchFamily="18" charset="0"/>
@@ -8392,7 +8669,7 @@
     </p:spTree>
     <p:extLst>
       <p:ext uri="{BB962C8B-B14F-4D97-AF65-F5344CB8AC3E}">
-        <p14:creationId xmlns:p14="http://schemas.microsoft.com/office/powerpoint/2010/main" val="193986178"/>
+        <p14:creationId xmlns:p14="http://schemas.microsoft.com/office/powerpoint/2010/main" val="3672431363"/>
       </p:ext>
     </p:extLst>
   </p:cSld>
@@ -8450,7 +8727,7 @@
             </a:pPr>
             <a:r>
               <a:rPr lang="fr-FR" sz="2300" u="sng" dirty="0" err="1"/>
-              <a:t>obs_consequence</a:t>
+              <a:t>work_interfere</a:t>
             </a:r>
             <a:r>
               <a:rPr lang="fr-FR" sz="2300" u="sng" dirty="0"/>
@@ -8458,8 +8735,15 @@
             </a:r>
             <a:r>
               <a:rPr lang="fr-FR" sz="2300" dirty="0"/>
-              <a:t> Avez-vous entendu parler ou observé des conséquences négatives pour les collègues souffrant de troubles mentaux sur votre lieu de travail ?</a:t>
-            </a:r>
+              <a:t> Si vous avez un problème de santé mental, à quelle fréquence sentez-vous que cela interfère avec votre travail ?</a:t>
+            </a:r>
+            <a:endParaRPr lang="fr-FR" sz="2300" u="sng" dirty="0"/>
+          </a:p>
+          <a:p>
+            <a:pPr marL="0" indent="0">
+              <a:buNone/>
+            </a:pPr>
+            <a:endParaRPr lang="fr-FR" sz="2200" dirty="0"/>
           </a:p>
           <a:p>
             <a:pPr marL="0" indent="0">
@@ -8489,8 +8773,8 @@
         </p:blipFill>
         <p:spPr>
           <a:xfrm>
-            <a:off x="3235379" y="1379911"/>
-            <a:ext cx="5359980" cy="4463936"/>
+            <a:off x="2599112" y="1686229"/>
+            <a:ext cx="5879870" cy="4114800"/>
           </a:xfrm>
           <a:prstGeom prst="rect">
             <a:avLst/>
@@ -8502,7 +8786,7 @@
           <p:cNvPr id="2" name="Espace réservé du numéro de diapositive 1">
             <a:extLst>
               <a:ext uri="{FF2B5EF4-FFF2-40B4-BE49-F238E27FC236}">
-                <a16:creationId xmlns:a16="http://schemas.microsoft.com/office/drawing/2014/main" id="{CBC51E27-0994-726E-6698-37F4055EF8B9}"/>
+                <a16:creationId xmlns:a16="http://schemas.microsoft.com/office/drawing/2014/main" id="{998ED89F-ADF3-9CB1-3B27-D3A8A740F0CA}"/>
               </a:ext>
             </a:extLst>
           </p:cNvPr>
@@ -8531,7 +8815,7 @@
           <p:cNvPr id="4" name="ZoneTexte 3">
             <a:extLst>
               <a:ext uri="{FF2B5EF4-FFF2-40B4-BE49-F238E27FC236}">
-                <a16:creationId xmlns:a16="http://schemas.microsoft.com/office/drawing/2014/main" id="{E950DEE8-1228-7BD4-0DCB-7C0D4B88BC3E}"/>
+                <a16:creationId xmlns:a16="http://schemas.microsoft.com/office/drawing/2014/main" id="{FA31ED1A-979B-AA78-6C43-57A2599B7786}"/>
               </a:ext>
             </a:extLst>
           </p:cNvPr>
@@ -8540,7 +8824,7 @@
         </p:nvSpPr>
         <p:spPr>
           <a:xfrm>
-            <a:off x="3235379" y="6190499"/>
+            <a:off x="2599112" y="6063962"/>
             <a:ext cx="5431781" cy="292388"/>
           </a:xfrm>
           <a:prstGeom prst="rect">
@@ -8554,6 +8838,11 @@
           </a:bodyPr>
           <a:lstStyle/>
           <a:p>
+            <a:pPr>
+              <a:spcAft>
+                <a:spcPts val="1000"/>
+              </a:spcAft>
+            </a:pPr>
             <a:r>
               <a:rPr lang="fr-FR" sz="1300" i="1" dirty="0">
                 <a:solidFill>
@@ -8564,7 +8853,7 @@
                 <a:ea typeface="Calibri" panose="020F0502020204030204" pitchFamily="34" charset="0"/>
                 <a:cs typeface="Times New Roman" panose="02020603050405020304" pitchFamily="18" charset="0"/>
               </a:rPr>
-              <a:t>Figure 10 </a:t>
+              <a:t>Figure </a:t>
             </a:r>
             <a:r>
               <a:rPr lang="fr-FR" sz="1300" i="1" dirty="0">
@@ -8575,18 +8864,19 @@
                 <a:ea typeface="Calibri" panose="020F0502020204030204" pitchFamily="34" charset="0"/>
                 <a:cs typeface="Times New Roman" panose="02020603050405020304" pitchFamily="18" charset="0"/>
               </a:rPr>
-              <a:t>: Corrélation entre </a:t>
-            </a:r>
-            <a:r>
-              <a:rPr lang="fr-FR" sz="1300" i="1" dirty="0" err="1">
+              <a:t>8</a:t>
+            </a:r>
+            <a:r>
+              <a:rPr lang="fr-FR" sz="1300" i="1" dirty="0">
                 <a:solidFill>
                   <a:srgbClr val="44546A"/>
                 </a:solidFill>
+                <a:effectLst/>
                 <a:latin typeface="Calibri" panose="020F0502020204030204" pitchFamily="34" charset="0"/>
                 <a:ea typeface="Calibri" panose="020F0502020204030204" pitchFamily="34" charset="0"/>
                 <a:cs typeface="Times New Roman" panose="02020603050405020304" pitchFamily="18" charset="0"/>
               </a:rPr>
-              <a:t>obs_consequence</a:t>
+              <a:t> : </a:t>
             </a:r>
             <a:r>
               <a:rPr lang="fr-FR" sz="1300" i="1" dirty="0">
@@ -8597,13 +8887,26 @@
                 <a:ea typeface="Calibri" panose="020F0502020204030204" pitchFamily="34" charset="0"/>
                 <a:cs typeface="Times New Roman" panose="02020603050405020304" pitchFamily="18" charset="0"/>
               </a:rPr>
-              <a:t> et </a:t>
+              <a:t>Corrélation</a:t>
+            </a:r>
+            <a:r>
+              <a:rPr lang="fr-FR" sz="1300" i="1" dirty="0">
+                <a:solidFill>
+                  <a:srgbClr val="44546A"/>
+                </a:solidFill>
+                <a:effectLst/>
+                <a:latin typeface="Calibri" panose="020F0502020204030204" pitchFamily="34" charset="0"/>
+                <a:ea typeface="Calibri" panose="020F0502020204030204" pitchFamily="34" charset="0"/>
+                <a:cs typeface="Times New Roman" panose="02020603050405020304" pitchFamily="18" charset="0"/>
+              </a:rPr>
+              <a:t> entre antécédents familiaux et </a:t>
             </a:r>
             <a:r>
               <a:rPr lang="fr-FR" sz="1300" i="1" dirty="0" err="1">
                 <a:solidFill>
                   <a:srgbClr val="44546A"/>
                 </a:solidFill>
+                <a:effectLst/>
                 <a:latin typeface="Calibri" panose="020F0502020204030204" pitchFamily="34" charset="0"/>
                 <a:ea typeface="Calibri" panose="020F0502020204030204" pitchFamily="34" charset="0"/>
                 <a:cs typeface="Times New Roman" panose="02020603050405020304" pitchFamily="18" charset="0"/>
@@ -8614,6 +8917,7 @@
               <a:solidFill>
                 <a:srgbClr val="44546A"/>
               </a:solidFill>
+              <a:effectLst/>
               <a:latin typeface="Calibri" panose="020F0502020204030204" pitchFamily="34" charset="0"/>
               <a:ea typeface="Calibri" panose="020F0502020204030204" pitchFamily="34" charset="0"/>
               <a:cs typeface="Times New Roman" panose="02020603050405020304" pitchFamily="18" charset="0"/>
@@ -8624,7 +8928,7 @@
     </p:spTree>
     <p:extLst>
       <p:ext uri="{BB962C8B-B14F-4D97-AF65-F5344CB8AC3E}">
-        <p14:creationId xmlns:p14="http://schemas.microsoft.com/office/powerpoint/2010/main" val="1291448673"/>
+        <p14:creationId xmlns:p14="http://schemas.microsoft.com/office/powerpoint/2010/main" val="365764181"/>
       </p:ext>
     </p:extLst>
   </p:cSld>
@@ -8674,19 +8978,30 @@
           </a:xfrm>
         </p:spPr>
         <p:txBody>
-          <a:bodyPr>
-            <a:normAutofit/>
-          </a:bodyPr>
-          <a:lstStyle/>
-          <a:p>
-            <a:pPr marL="0" indent="0">
-              <a:buNone/>
-            </a:pPr>
+          <a:bodyPr/>
+          <a:lstStyle/>
+          <a:p>
+            <a:pPr marL="0" indent="0">
+              <a:buNone/>
+            </a:pPr>
+            <a:r>
+              <a:rPr lang="fr-FR" sz="2300" u="sng" dirty="0" err="1"/>
+              <a:t>care_options</a:t>
+            </a:r>
             <a:r>
               <a:rPr lang="fr-FR" sz="2300" u="sng" dirty="0"/>
-              <a:t>genre :</a:t>
-            </a:r>
-            <a:endParaRPr lang="fr-FR" sz="2300" dirty="0"/>
+              <a:t> :</a:t>
+            </a:r>
+            <a:r>
+              <a:rPr lang="fr-FR" sz="2300" dirty="0"/>
+              <a:t> Connaissez vous les prestations de votre entreprise en matière de santé mentale pour les employés ?</a:t>
+            </a:r>
+          </a:p>
+          <a:p>
+            <a:pPr marL="0" indent="0">
+              <a:buNone/>
+            </a:pPr>
+            <a:endParaRPr lang="fr-FR" dirty="0"/>
           </a:p>
         </p:txBody>
       </p:sp>
@@ -8710,8 +9025,8 @@
         </p:blipFill>
         <p:spPr>
           <a:xfrm>
-            <a:off x="2832531" y="955965"/>
-            <a:ext cx="6330780" cy="4779816"/>
+            <a:off x="3048287" y="1385717"/>
+            <a:ext cx="5547074" cy="4665948"/>
           </a:xfrm>
           <a:prstGeom prst="rect">
             <a:avLst/>
@@ -8723,7 +9038,7 @@
           <p:cNvPr id="2" name="Espace réservé du numéro de diapositive 1">
             <a:extLst>
               <a:ext uri="{FF2B5EF4-FFF2-40B4-BE49-F238E27FC236}">
-                <a16:creationId xmlns:a16="http://schemas.microsoft.com/office/drawing/2014/main" id="{D85D2A30-397F-A020-ADC0-A3B4211A623C}"/>
+                <a16:creationId xmlns:a16="http://schemas.microsoft.com/office/drawing/2014/main" id="{51E63A46-2A31-84D7-4404-858D4C695F6C}"/>
               </a:ext>
             </a:extLst>
           </p:cNvPr>
@@ -8752,7 +9067,7 @@
           <p:cNvPr id="4" name="ZoneTexte 3">
             <a:extLst>
               <a:ext uri="{FF2B5EF4-FFF2-40B4-BE49-F238E27FC236}">
-                <a16:creationId xmlns:a16="http://schemas.microsoft.com/office/drawing/2014/main" id="{5232B333-1FEF-6C4F-147F-668653FBC679}"/>
+                <a16:creationId xmlns:a16="http://schemas.microsoft.com/office/drawing/2014/main" id="{1EF0B551-D632-FB10-6930-1129D51E33F3}"/>
               </a:ext>
             </a:extLst>
           </p:cNvPr>
@@ -8761,7 +9076,7 @@
         </p:nvSpPr>
         <p:spPr>
           <a:xfrm>
-            <a:off x="2832531" y="6063962"/>
+            <a:off x="3048287" y="6246524"/>
             <a:ext cx="5431781" cy="292388"/>
           </a:xfrm>
           <a:prstGeom prst="rect">
@@ -8796,7 +9111,7 @@
                 <a:ea typeface="Calibri" panose="020F0502020204030204" pitchFamily="34" charset="0"/>
                 <a:cs typeface="Times New Roman" panose="02020603050405020304" pitchFamily="18" charset="0"/>
               </a:rPr>
-              <a:t>11</a:t>
+              <a:t>9</a:t>
             </a:r>
             <a:r>
               <a:rPr lang="fr-FR" sz="1300" i="1" dirty="0">
@@ -8819,7 +9134,29 @@
                 <a:ea typeface="Calibri" panose="020F0502020204030204" pitchFamily="34" charset="0"/>
                 <a:cs typeface="Times New Roman" panose="02020603050405020304" pitchFamily="18" charset="0"/>
               </a:rPr>
-              <a:t>: Corrélation entre genre et </a:t>
+              <a:t>: Corrélation entre </a:t>
+            </a:r>
+            <a:r>
+              <a:rPr lang="fr-FR" sz="1300" i="1" dirty="0" err="1">
+                <a:solidFill>
+                  <a:srgbClr val="44546A"/>
+                </a:solidFill>
+                <a:latin typeface="Calibri" panose="020F0502020204030204" pitchFamily="34" charset="0"/>
+                <a:ea typeface="Calibri" panose="020F0502020204030204" pitchFamily="34" charset="0"/>
+                <a:cs typeface="Times New Roman" panose="02020603050405020304" pitchFamily="18" charset="0"/>
+              </a:rPr>
+              <a:t>care_options</a:t>
+            </a:r>
+            <a:r>
+              <a:rPr lang="fr-FR" sz="1300" i="1" dirty="0">
+                <a:solidFill>
+                  <a:srgbClr val="44546A"/>
+                </a:solidFill>
+                <a:latin typeface="Calibri" panose="020F0502020204030204" pitchFamily="34" charset="0"/>
+                <a:ea typeface="Calibri" panose="020F0502020204030204" pitchFamily="34" charset="0"/>
+                <a:cs typeface="Times New Roman" panose="02020603050405020304" pitchFamily="18" charset="0"/>
+              </a:rPr>
+              <a:t> et </a:t>
             </a:r>
             <a:r>
               <a:rPr lang="fr-FR" sz="1300" i="1" dirty="0" err="1">
@@ -8846,7 +9183,7 @@
     </p:spTree>
     <p:extLst>
       <p:ext uri="{BB962C8B-B14F-4D97-AF65-F5344CB8AC3E}">
-        <p14:creationId xmlns:p14="http://schemas.microsoft.com/office/powerpoint/2010/main" val="4231608795"/>
+        <p14:creationId xmlns:p14="http://schemas.microsoft.com/office/powerpoint/2010/main" val="193986178"/>
       </p:ext>
     </p:extLst>
   </p:cSld>
@@ -8904,7 +9241,7 @@
             </a:pPr>
             <a:r>
               <a:rPr lang="fr-FR" sz="2300" u="sng" dirty="0" err="1"/>
-              <a:t>benefits</a:t>
+              <a:t>obs_consequence</a:t>
             </a:r>
             <a:r>
               <a:rPr lang="fr-FR" sz="2300" u="sng" dirty="0"/>
@@ -8912,7 +9249,7 @@
             </a:r>
             <a:r>
               <a:rPr lang="fr-FR" sz="2300" dirty="0"/>
-              <a:t> Votre employeur offre-t-il des prestations en matière de santé mentale aux employés ?</a:t>
+              <a:t> Avez-vous entendu parler ou observé des conséquences négatives pour les collègues souffrant de troubles mentaux sur votre lieu de travail ?</a:t>
             </a:r>
           </a:p>
           <a:p>
@@ -8943,8 +9280,8 @@
         </p:blipFill>
         <p:spPr>
           <a:xfrm>
-            <a:off x="2565860" y="1562794"/>
-            <a:ext cx="5996250" cy="4447308"/>
+            <a:off x="3235379" y="1379911"/>
+            <a:ext cx="5359980" cy="4463936"/>
           </a:xfrm>
           <a:prstGeom prst="rect">
             <a:avLst/>
@@ -8956,7 +9293,7 @@
           <p:cNvPr id="2" name="Espace réservé du numéro de diapositive 1">
             <a:extLst>
               <a:ext uri="{FF2B5EF4-FFF2-40B4-BE49-F238E27FC236}">
-                <a16:creationId xmlns:a16="http://schemas.microsoft.com/office/drawing/2014/main" id="{852D6146-2910-AB91-B676-E884358C3ADA}"/>
+                <a16:creationId xmlns:a16="http://schemas.microsoft.com/office/drawing/2014/main" id="{CBC51E27-0994-726E-6698-37F4055EF8B9}"/>
               </a:ext>
             </a:extLst>
           </p:cNvPr>
@@ -8985,7 +9322,7 @@
           <p:cNvPr id="4" name="ZoneTexte 3">
             <a:extLst>
               <a:ext uri="{FF2B5EF4-FFF2-40B4-BE49-F238E27FC236}">
-                <a16:creationId xmlns:a16="http://schemas.microsoft.com/office/drawing/2014/main" id="{7BF16009-C623-FEA5-C718-2396060F5C0B}"/>
+                <a16:creationId xmlns:a16="http://schemas.microsoft.com/office/drawing/2014/main" id="{E950DEE8-1228-7BD4-0DCB-7C0D4B88BC3E}"/>
               </a:ext>
             </a:extLst>
           </p:cNvPr>
@@ -8994,7 +9331,7 @@
         </p:nvSpPr>
         <p:spPr>
           <a:xfrm>
-            <a:off x="2565860" y="6259947"/>
+            <a:off x="3235379" y="6190499"/>
             <a:ext cx="5431781" cy="292388"/>
           </a:xfrm>
           <a:prstGeom prst="rect">
@@ -9018,30 +9355,7 @@
                 <a:ea typeface="Calibri" panose="020F0502020204030204" pitchFamily="34" charset="0"/>
                 <a:cs typeface="Times New Roman" panose="02020603050405020304" pitchFamily="18" charset="0"/>
               </a:rPr>
-              <a:t>Figure </a:t>
-            </a:r>
-            <a:r>
-              <a:rPr lang="fr-FR" sz="1300" i="1" dirty="0">
-                <a:solidFill>
-                  <a:srgbClr val="44546A"/>
-                </a:solidFill>
-                <a:latin typeface="Calibri" panose="020F0502020204030204" pitchFamily="34" charset="0"/>
-                <a:ea typeface="Calibri" panose="020F0502020204030204" pitchFamily="34" charset="0"/>
-                <a:cs typeface="Times New Roman" panose="02020603050405020304" pitchFamily="18" charset="0"/>
-              </a:rPr>
-              <a:t>12</a:t>
-            </a:r>
-            <a:r>
-              <a:rPr lang="fr-FR" sz="1300" i="1" dirty="0">
-                <a:solidFill>
-                  <a:srgbClr val="44546A"/>
-                </a:solidFill>
-                <a:effectLst/>
-                <a:latin typeface="Calibri" panose="020F0502020204030204" pitchFamily="34" charset="0"/>
-                <a:ea typeface="Calibri" panose="020F0502020204030204" pitchFamily="34" charset="0"/>
-                <a:cs typeface="Times New Roman" panose="02020603050405020304" pitchFamily="18" charset="0"/>
-              </a:rPr>
-              <a:t> </a:t>
+              <a:t>Figure 10 </a:t>
             </a:r>
             <a:r>
               <a:rPr lang="fr-FR" sz="1300" i="1" dirty="0">
@@ -9063,7 +9377,7 @@
                 <a:ea typeface="Calibri" panose="020F0502020204030204" pitchFamily="34" charset="0"/>
                 <a:cs typeface="Times New Roman" panose="02020603050405020304" pitchFamily="18" charset="0"/>
               </a:rPr>
-              <a:t>benefits</a:t>
+              <a:t>obs_consequence</a:t>
             </a:r>
             <a:r>
               <a:rPr lang="fr-FR" sz="1300" i="1" dirty="0">
@@ -9101,7 +9415,7 @@
     </p:spTree>
     <p:extLst>
       <p:ext uri="{BB962C8B-B14F-4D97-AF65-F5344CB8AC3E}">
-        <p14:creationId xmlns:p14="http://schemas.microsoft.com/office/powerpoint/2010/main" val="200318154"/>
+        <p14:creationId xmlns:p14="http://schemas.microsoft.com/office/powerpoint/2010/main" val="1291448673"/>
       </p:ext>
     </p:extLst>
   </p:cSld>
@@ -9151,6 +9465,483 @@
           </a:xfrm>
         </p:spPr>
         <p:txBody>
+          <a:bodyPr>
+            <a:normAutofit/>
+          </a:bodyPr>
+          <a:lstStyle/>
+          <a:p>
+            <a:pPr marL="0" indent="0">
+              <a:buNone/>
+            </a:pPr>
+            <a:r>
+              <a:rPr lang="fr-FR" sz="2300" u="sng" dirty="0"/>
+              <a:t>genre :</a:t>
+            </a:r>
+            <a:endParaRPr lang="fr-FR" sz="2300" dirty="0"/>
+          </a:p>
+        </p:txBody>
+      </p:sp>
+      <p:pic>
+        <p:nvPicPr>
+          <p:cNvPr id="6" name="Image 5"/>
+          <p:cNvPicPr/>
+          <p:nvPr/>
+        </p:nvPicPr>
+        <p:blipFill>
+          <a:blip r:embed="rId3">
+            <a:extLst>
+              <a:ext uri="{28A0092B-C50C-407E-A947-70E740481C1C}">
+                <a14:useLocalDpi xmlns:a14="http://schemas.microsoft.com/office/drawing/2010/main" val="0"/>
+              </a:ext>
+            </a:extLst>
+          </a:blip>
+          <a:stretch>
+            <a:fillRect/>
+          </a:stretch>
+        </p:blipFill>
+        <p:spPr>
+          <a:xfrm>
+            <a:off x="2832531" y="955965"/>
+            <a:ext cx="6330780" cy="4779816"/>
+          </a:xfrm>
+          <a:prstGeom prst="rect">
+            <a:avLst/>
+          </a:prstGeom>
+        </p:spPr>
+      </p:pic>
+      <p:sp>
+        <p:nvSpPr>
+          <p:cNvPr id="2" name="Espace réservé du numéro de diapositive 1">
+            <a:extLst>
+              <a:ext uri="{FF2B5EF4-FFF2-40B4-BE49-F238E27FC236}">
+                <a16:creationId xmlns:a16="http://schemas.microsoft.com/office/drawing/2014/main" id="{D85D2A30-397F-A020-ADC0-A3B4211A623C}"/>
+              </a:ext>
+            </a:extLst>
+          </p:cNvPr>
+          <p:cNvSpPr>
+            <a:spLocks noGrp="1"/>
+          </p:cNvSpPr>
+          <p:nvPr>
+            <p:ph type="sldNum" sz="quarter" idx="12"/>
+          </p:nvPr>
+        </p:nvSpPr>
+        <p:spPr/>
+        <p:txBody>
+          <a:bodyPr/>
+          <a:lstStyle/>
+          <a:p>
+            <a:fld id="{BA06AB71-0B36-4B80-B991-039F7D68F8CB}" type="slidenum">
+              <a:rPr lang="fr-FR" smtClean="0"/>
+              <a:t>15</a:t>
+            </a:fld>
+            <a:endParaRPr lang="fr-FR"/>
+          </a:p>
+        </p:txBody>
+      </p:sp>
+      <p:sp>
+        <p:nvSpPr>
+          <p:cNvPr id="4" name="ZoneTexte 3">
+            <a:extLst>
+              <a:ext uri="{FF2B5EF4-FFF2-40B4-BE49-F238E27FC236}">
+                <a16:creationId xmlns:a16="http://schemas.microsoft.com/office/drawing/2014/main" id="{5232B333-1FEF-6C4F-147F-668653FBC679}"/>
+              </a:ext>
+            </a:extLst>
+          </p:cNvPr>
+          <p:cNvSpPr txBox="1"/>
+          <p:nvPr/>
+        </p:nvSpPr>
+        <p:spPr>
+          <a:xfrm>
+            <a:off x="2832531" y="6063962"/>
+            <a:ext cx="5431781" cy="292388"/>
+          </a:xfrm>
+          <a:prstGeom prst="rect">
+            <a:avLst/>
+          </a:prstGeom>
+          <a:noFill/>
+        </p:spPr>
+        <p:txBody>
+          <a:bodyPr wrap="square" rtlCol="0">
+            <a:spAutoFit/>
+          </a:bodyPr>
+          <a:lstStyle/>
+          <a:p>
+            <a:r>
+              <a:rPr lang="fr-FR" sz="1300" i="1" dirty="0">
+                <a:solidFill>
+                  <a:srgbClr val="44546A"/>
+                </a:solidFill>
+                <a:effectLst/>
+                <a:latin typeface="Calibri" panose="020F0502020204030204" pitchFamily="34" charset="0"/>
+                <a:ea typeface="Calibri" panose="020F0502020204030204" pitchFamily="34" charset="0"/>
+                <a:cs typeface="Times New Roman" panose="02020603050405020304" pitchFamily="18" charset="0"/>
+              </a:rPr>
+              <a:t>Figure </a:t>
+            </a:r>
+            <a:r>
+              <a:rPr lang="fr-FR" sz="1300" i="1" dirty="0">
+                <a:solidFill>
+                  <a:srgbClr val="44546A"/>
+                </a:solidFill>
+                <a:latin typeface="Calibri" panose="020F0502020204030204" pitchFamily="34" charset="0"/>
+                <a:ea typeface="Calibri" panose="020F0502020204030204" pitchFamily="34" charset="0"/>
+                <a:cs typeface="Times New Roman" panose="02020603050405020304" pitchFamily="18" charset="0"/>
+              </a:rPr>
+              <a:t>11</a:t>
+            </a:r>
+            <a:r>
+              <a:rPr lang="fr-FR" sz="1300" i="1" dirty="0">
+                <a:solidFill>
+                  <a:srgbClr val="44546A"/>
+                </a:solidFill>
+                <a:effectLst/>
+                <a:latin typeface="Calibri" panose="020F0502020204030204" pitchFamily="34" charset="0"/>
+                <a:ea typeface="Calibri" panose="020F0502020204030204" pitchFamily="34" charset="0"/>
+                <a:cs typeface="Times New Roman" panose="02020603050405020304" pitchFamily="18" charset="0"/>
+              </a:rPr>
+              <a:t> </a:t>
+            </a:r>
+            <a:r>
+              <a:rPr lang="fr-FR" sz="1300" i="1" dirty="0">
+                <a:solidFill>
+                  <a:srgbClr val="44546A"/>
+                </a:solidFill>
+                <a:latin typeface="Calibri" panose="020F0502020204030204" pitchFamily="34" charset="0"/>
+                <a:ea typeface="Calibri" panose="020F0502020204030204" pitchFamily="34" charset="0"/>
+                <a:cs typeface="Times New Roman" panose="02020603050405020304" pitchFamily="18" charset="0"/>
+              </a:rPr>
+              <a:t>: Corrélation entre genre et </a:t>
+            </a:r>
+            <a:r>
+              <a:rPr lang="fr-FR" sz="1300" i="1" dirty="0" err="1">
+                <a:solidFill>
+                  <a:srgbClr val="44546A"/>
+                </a:solidFill>
+                <a:latin typeface="Calibri" panose="020F0502020204030204" pitchFamily="34" charset="0"/>
+                <a:ea typeface="Calibri" panose="020F0502020204030204" pitchFamily="34" charset="0"/>
+                <a:cs typeface="Times New Roman" panose="02020603050405020304" pitchFamily="18" charset="0"/>
+              </a:rPr>
+              <a:t>treatment</a:t>
+            </a:r>
+            <a:endParaRPr lang="fr-FR" sz="1300" i="1" dirty="0">
+              <a:solidFill>
+                <a:srgbClr val="44546A"/>
+              </a:solidFill>
+              <a:latin typeface="Calibri" panose="020F0502020204030204" pitchFamily="34" charset="0"/>
+              <a:ea typeface="Calibri" panose="020F0502020204030204" pitchFamily="34" charset="0"/>
+              <a:cs typeface="Times New Roman" panose="02020603050405020304" pitchFamily="18" charset="0"/>
+            </a:endParaRPr>
+          </a:p>
+        </p:txBody>
+      </p:sp>
+    </p:spTree>
+    <p:extLst>
+      <p:ext uri="{BB962C8B-B14F-4D97-AF65-F5344CB8AC3E}">
+        <p14:creationId xmlns:p14="http://schemas.microsoft.com/office/powerpoint/2010/main" val="4231608795"/>
+      </p:ext>
+    </p:extLst>
+  </p:cSld>
+  <p:clrMapOvr>
+    <a:masterClrMapping/>
+  </p:clrMapOvr>
+</p:sld>
+</file>
+
+<file path=ppt/slides/slide16.xml><?xml version="1.0" encoding="utf-8"?>
+<p:sld xmlns:a="http://schemas.openxmlformats.org/drawingml/2006/main" xmlns:r="http://schemas.openxmlformats.org/officeDocument/2006/relationships" xmlns:p="http://schemas.openxmlformats.org/presentationml/2006/main">
+  <p:cSld>
+    <p:spTree>
+      <p:nvGrpSpPr>
+        <p:cNvPr id="1" name=""/>
+        <p:cNvGrpSpPr/>
+        <p:nvPr/>
+      </p:nvGrpSpPr>
+      <p:grpSpPr>
+        <a:xfrm>
+          <a:off x="0" y="0"/>
+          <a:ext cx="0" cy="0"/>
+          <a:chOff x="0" y="0"/>
+          <a:chExt cx="0" cy="0"/>
+        </a:xfrm>
+      </p:grpSpPr>
+      <p:sp>
+        <p:nvSpPr>
+          <p:cNvPr id="3" name="Espace réservé du contenu 2">
+            <a:extLst>
+              <a:ext uri="{FF2B5EF4-FFF2-40B4-BE49-F238E27FC236}">
+                <a16:creationId xmlns:a16="http://schemas.microsoft.com/office/drawing/2014/main" id="{6B409ECA-B691-5B1C-5CCA-878C261674CB}"/>
+              </a:ext>
+            </a:extLst>
+          </p:cNvPr>
+          <p:cNvSpPr>
+            <a:spLocks noGrp="1"/>
+          </p:cNvSpPr>
+          <p:nvPr>
+            <p:ph idx="1"/>
+          </p:nvPr>
+        </p:nvSpPr>
+        <p:spPr>
+          <a:xfrm>
+            <a:off x="150208" y="237893"/>
+            <a:ext cx="11695427" cy="5406449"/>
+          </a:xfrm>
+        </p:spPr>
+        <p:txBody>
+          <a:bodyPr/>
+          <a:lstStyle/>
+          <a:p>
+            <a:pPr marL="0" indent="0">
+              <a:buNone/>
+            </a:pPr>
+            <a:r>
+              <a:rPr lang="fr-FR" sz="2300" u="sng" dirty="0" err="1"/>
+              <a:t>benefits</a:t>
+            </a:r>
+            <a:r>
+              <a:rPr lang="fr-FR" sz="2300" u="sng" dirty="0"/>
+              <a:t> :</a:t>
+            </a:r>
+            <a:r>
+              <a:rPr lang="fr-FR" sz="2300" dirty="0"/>
+              <a:t> Votre employeur offre-t-il des prestations en matière de santé mentale aux employés ?</a:t>
+            </a:r>
+          </a:p>
+          <a:p>
+            <a:pPr marL="0" indent="0">
+              <a:buNone/>
+            </a:pPr>
+            <a:endParaRPr lang="fr-FR" dirty="0"/>
+          </a:p>
+        </p:txBody>
+      </p:sp>
+      <p:pic>
+        <p:nvPicPr>
+          <p:cNvPr id="5" name="Image 4"/>
+          <p:cNvPicPr/>
+          <p:nvPr/>
+        </p:nvPicPr>
+        <p:blipFill>
+          <a:blip r:embed="rId3">
+            <a:extLst>
+              <a:ext uri="{28A0092B-C50C-407E-A947-70E740481C1C}">
+                <a14:useLocalDpi xmlns:a14="http://schemas.microsoft.com/office/drawing/2010/main" val="0"/>
+              </a:ext>
+            </a:extLst>
+          </a:blip>
+          <a:stretch>
+            <a:fillRect/>
+          </a:stretch>
+        </p:blipFill>
+        <p:spPr>
+          <a:xfrm>
+            <a:off x="2565860" y="1562794"/>
+            <a:ext cx="5996250" cy="4447308"/>
+          </a:xfrm>
+          <a:prstGeom prst="rect">
+            <a:avLst/>
+          </a:prstGeom>
+        </p:spPr>
+      </p:pic>
+      <p:sp>
+        <p:nvSpPr>
+          <p:cNvPr id="2" name="Espace réservé du numéro de diapositive 1">
+            <a:extLst>
+              <a:ext uri="{FF2B5EF4-FFF2-40B4-BE49-F238E27FC236}">
+                <a16:creationId xmlns:a16="http://schemas.microsoft.com/office/drawing/2014/main" id="{852D6146-2910-AB91-B676-E884358C3ADA}"/>
+              </a:ext>
+            </a:extLst>
+          </p:cNvPr>
+          <p:cNvSpPr>
+            <a:spLocks noGrp="1"/>
+          </p:cNvSpPr>
+          <p:nvPr>
+            <p:ph type="sldNum" sz="quarter" idx="12"/>
+          </p:nvPr>
+        </p:nvSpPr>
+        <p:spPr/>
+        <p:txBody>
+          <a:bodyPr/>
+          <a:lstStyle/>
+          <a:p>
+            <a:fld id="{BA06AB71-0B36-4B80-B991-039F7D68F8CB}" type="slidenum">
+              <a:rPr lang="fr-FR" smtClean="0"/>
+              <a:t>16</a:t>
+            </a:fld>
+            <a:endParaRPr lang="fr-FR"/>
+          </a:p>
+        </p:txBody>
+      </p:sp>
+      <p:sp>
+        <p:nvSpPr>
+          <p:cNvPr id="4" name="ZoneTexte 3">
+            <a:extLst>
+              <a:ext uri="{FF2B5EF4-FFF2-40B4-BE49-F238E27FC236}">
+                <a16:creationId xmlns:a16="http://schemas.microsoft.com/office/drawing/2014/main" id="{7BF16009-C623-FEA5-C718-2396060F5C0B}"/>
+              </a:ext>
+            </a:extLst>
+          </p:cNvPr>
+          <p:cNvSpPr txBox="1"/>
+          <p:nvPr/>
+        </p:nvSpPr>
+        <p:spPr>
+          <a:xfrm>
+            <a:off x="2565860" y="6259947"/>
+            <a:ext cx="5431781" cy="292388"/>
+          </a:xfrm>
+          <a:prstGeom prst="rect">
+            <a:avLst/>
+          </a:prstGeom>
+          <a:noFill/>
+        </p:spPr>
+        <p:txBody>
+          <a:bodyPr wrap="square" rtlCol="0">
+            <a:spAutoFit/>
+          </a:bodyPr>
+          <a:lstStyle/>
+          <a:p>
+            <a:r>
+              <a:rPr lang="fr-FR" sz="1300" i="1" dirty="0">
+                <a:solidFill>
+                  <a:srgbClr val="44546A"/>
+                </a:solidFill>
+                <a:effectLst/>
+                <a:latin typeface="Calibri" panose="020F0502020204030204" pitchFamily="34" charset="0"/>
+                <a:ea typeface="Calibri" panose="020F0502020204030204" pitchFamily="34" charset="0"/>
+                <a:cs typeface="Times New Roman" panose="02020603050405020304" pitchFamily="18" charset="0"/>
+              </a:rPr>
+              <a:t>Figure </a:t>
+            </a:r>
+            <a:r>
+              <a:rPr lang="fr-FR" sz="1300" i="1" dirty="0">
+                <a:solidFill>
+                  <a:srgbClr val="44546A"/>
+                </a:solidFill>
+                <a:latin typeface="Calibri" panose="020F0502020204030204" pitchFamily="34" charset="0"/>
+                <a:ea typeface="Calibri" panose="020F0502020204030204" pitchFamily="34" charset="0"/>
+                <a:cs typeface="Times New Roman" panose="02020603050405020304" pitchFamily="18" charset="0"/>
+              </a:rPr>
+              <a:t>12</a:t>
+            </a:r>
+            <a:r>
+              <a:rPr lang="fr-FR" sz="1300" i="1" dirty="0">
+                <a:solidFill>
+                  <a:srgbClr val="44546A"/>
+                </a:solidFill>
+                <a:effectLst/>
+                <a:latin typeface="Calibri" panose="020F0502020204030204" pitchFamily="34" charset="0"/>
+                <a:ea typeface="Calibri" panose="020F0502020204030204" pitchFamily="34" charset="0"/>
+                <a:cs typeface="Times New Roman" panose="02020603050405020304" pitchFamily="18" charset="0"/>
+              </a:rPr>
+              <a:t> </a:t>
+            </a:r>
+            <a:r>
+              <a:rPr lang="fr-FR" sz="1300" i="1" dirty="0">
+                <a:solidFill>
+                  <a:srgbClr val="44546A"/>
+                </a:solidFill>
+                <a:latin typeface="Calibri" panose="020F0502020204030204" pitchFamily="34" charset="0"/>
+                <a:ea typeface="Calibri" panose="020F0502020204030204" pitchFamily="34" charset="0"/>
+                <a:cs typeface="Times New Roman" panose="02020603050405020304" pitchFamily="18" charset="0"/>
+              </a:rPr>
+              <a:t>: Corrélation entre </a:t>
+            </a:r>
+            <a:r>
+              <a:rPr lang="fr-FR" sz="1300" i="1" dirty="0" err="1">
+                <a:solidFill>
+                  <a:srgbClr val="44546A"/>
+                </a:solidFill>
+                <a:latin typeface="Calibri" panose="020F0502020204030204" pitchFamily="34" charset="0"/>
+                <a:ea typeface="Calibri" panose="020F0502020204030204" pitchFamily="34" charset="0"/>
+                <a:cs typeface="Times New Roman" panose="02020603050405020304" pitchFamily="18" charset="0"/>
+              </a:rPr>
+              <a:t>benefits</a:t>
+            </a:r>
+            <a:r>
+              <a:rPr lang="fr-FR" sz="1300" i="1" dirty="0">
+                <a:solidFill>
+                  <a:srgbClr val="44546A"/>
+                </a:solidFill>
+                <a:latin typeface="Calibri" panose="020F0502020204030204" pitchFamily="34" charset="0"/>
+                <a:ea typeface="Calibri" panose="020F0502020204030204" pitchFamily="34" charset="0"/>
+                <a:cs typeface="Times New Roman" panose="02020603050405020304" pitchFamily="18" charset="0"/>
+              </a:rPr>
+              <a:t> et </a:t>
+            </a:r>
+            <a:r>
+              <a:rPr lang="fr-FR" sz="1300" i="1" dirty="0" err="1">
+                <a:solidFill>
+                  <a:srgbClr val="44546A"/>
+                </a:solidFill>
+                <a:latin typeface="Calibri" panose="020F0502020204030204" pitchFamily="34" charset="0"/>
+                <a:ea typeface="Calibri" panose="020F0502020204030204" pitchFamily="34" charset="0"/>
+                <a:cs typeface="Times New Roman" panose="02020603050405020304" pitchFamily="18" charset="0"/>
+              </a:rPr>
+              <a:t>treatment</a:t>
+            </a:r>
+            <a:endParaRPr lang="fr-FR" sz="1300" i="1" dirty="0">
+              <a:solidFill>
+                <a:srgbClr val="44546A"/>
+              </a:solidFill>
+              <a:latin typeface="Calibri" panose="020F0502020204030204" pitchFamily="34" charset="0"/>
+              <a:ea typeface="Calibri" panose="020F0502020204030204" pitchFamily="34" charset="0"/>
+              <a:cs typeface="Times New Roman" panose="02020603050405020304" pitchFamily="18" charset="0"/>
+            </a:endParaRPr>
+          </a:p>
+        </p:txBody>
+      </p:sp>
+    </p:spTree>
+    <p:extLst>
+      <p:ext uri="{BB962C8B-B14F-4D97-AF65-F5344CB8AC3E}">
+        <p14:creationId xmlns:p14="http://schemas.microsoft.com/office/powerpoint/2010/main" val="200318154"/>
+      </p:ext>
+    </p:extLst>
+  </p:cSld>
+  <p:clrMapOvr>
+    <a:masterClrMapping/>
+  </p:clrMapOvr>
+</p:sld>
+</file>
+
+<file path=ppt/slides/slide17.xml><?xml version="1.0" encoding="utf-8"?>
+<p:sld xmlns:a="http://schemas.openxmlformats.org/drawingml/2006/main" xmlns:r="http://schemas.openxmlformats.org/officeDocument/2006/relationships" xmlns:p="http://schemas.openxmlformats.org/presentationml/2006/main">
+  <p:cSld>
+    <p:spTree>
+      <p:nvGrpSpPr>
+        <p:cNvPr id="1" name=""/>
+        <p:cNvGrpSpPr/>
+        <p:nvPr/>
+      </p:nvGrpSpPr>
+      <p:grpSpPr>
+        <a:xfrm>
+          <a:off x="0" y="0"/>
+          <a:ext cx="0" cy="0"/>
+          <a:chOff x="0" y="0"/>
+          <a:chExt cx="0" cy="0"/>
+        </a:xfrm>
+      </p:grpSpPr>
+      <p:sp>
+        <p:nvSpPr>
+          <p:cNvPr id="3" name="Espace réservé du contenu 2">
+            <a:extLst>
+              <a:ext uri="{FF2B5EF4-FFF2-40B4-BE49-F238E27FC236}">
+                <a16:creationId xmlns:a16="http://schemas.microsoft.com/office/drawing/2014/main" id="{6B409ECA-B691-5B1C-5CCA-878C261674CB}"/>
+              </a:ext>
+            </a:extLst>
+          </p:cNvPr>
+          <p:cNvSpPr>
+            <a:spLocks noGrp="1"/>
+          </p:cNvSpPr>
+          <p:nvPr>
+            <p:ph idx="1"/>
+          </p:nvPr>
+        </p:nvSpPr>
+        <p:spPr>
+          <a:xfrm>
+            <a:off x="150208" y="237893"/>
+            <a:ext cx="11695427" cy="5406449"/>
+          </a:xfrm>
+        </p:spPr>
+        <p:txBody>
           <a:bodyPr/>
           <a:lstStyle/>
           <a:p>
@@ -9229,7 +10020,7 @@
           <a:p>
             <a:fld id="{BA06AB71-0B36-4B80-B991-039F7D68F8CB}" type="slidenum">
               <a:rPr lang="fr-FR" smtClean="0"/>
-              <a:t>15</a:t>
+              <a:t>17</a:t>
             </a:fld>
             <a:endParaRPr lang="fr-FR"/>
           </a:p>
@@ -9366,7 +10157,7 @@
 </p:sld>
 </file>
 
-<file path=ppt/slides/slide16.xml><?xml version="1.0" encoding="utf-8"?>
+<file path=ppt/slides/slide18.xml><?xml version="1.0" encoding="utf-8"?>
 <p:sld xmlns:a="http://schemas.openxmlformats.org/drawingml/2006/main" xmlns:r="http://schemas.openxmlformats.org/officeDocument/2006/relationships" xmlns:p="http://schemas.openxmlformats.org/presentationml/2006/main">
   <p:cSld>
     <p:spTree>
@@ -9737,7 +10528,7 @@
           <a:p>
             <a:fld id="{BA06AB71-0B36-4B80-B991-039F7D68F8CB}" type="slidenum">
               <a:rPr lang="fr-FR" smtClean="0"/>
-              <a:t>16</a:t>
+              <a:t>18</a:t>
             </a:fld>
             <a:endParaRPr lang="fr-FR"/>
           </a:p>
@@ -9938,6 +10729,128 @@
           </a:prstGeom>
         </p:spPr>
       </p:pic>
+      <p:sp>
+        <p:nvSpPr>
+          <p:cNvPr id="7" name="Rectangle 6">
+            <a:extLst>
+              <a:ext uri="{FF2B5EF4-FFF2-40B4-BE49-F238E27FC236}">
+                <a16:creationId xmlns:a16="http://schemas.microsoft.com/office/drawing/2014/main" id="{653CBE2D-1E82-957C-A2FE-EA9E065D2006}"/>
+              </a:ext>
+            </a:extLst>
+          </p:cNvPr>
+          <p:cNvSpPr/>
+          <p:nvPr/>
+        </p:nvSpPr>
+        <p:spPr>
+          <a:xfrm>
+            <a:off x="11196706" y="237893"/>
+            <a:ext cx="648929" cy="294968"/>
+          </a:xfrm>
+          <a:prstGeom prst="rect">
+            <a:avLst/>
+          </a:prstGeom>
+          <a:solidFill>
+            <a:srgbClr val="FFC000"/>
+          </a:solidFill>
+          <a:ln w="3175">
+            <a:solidFill>
+              <a:schemeClr val="tx1"/>
+            </a:solidFill>
+          </a:ln>
+        </p:spPr>
+        <p:style>
+          <a:lnRef idx="2">
+            <a:schemeClr val="accent1">
+              <a:shade val="15000"/>
+            </a:schemeClr>
+          </a:lnRef>
+          <a:fillRef idx="1">
+            <a:schemeClr val="accent1"/>
+          </a:fillRef>
+          <a:effectRef idx="0">
+            <a:schemeClr val="accent1"/>
+          </a:effectRef>
+          <a:fontRef idx="minor">
+            <a:schemeClr val="lt1"/>
+          </a:fontRef>
+        </p:style>
+        <p:txBody>
+          <a:bodyPr rtlCol="0" anchor="ctr"/>
+          <a:lstStyle/>
+          <a:p>
+            <a:pPr algn="ctr"/>
+            <a:r>
+              <a:rPr lang="fr-FR" sz="1400" dirty="0">
+                <a:solidFill>
+                  <a:schemeClr val="tx1"/>
+                </a:solidFill>
+              </a:rPr>
+              <a:t>C2</a:t>
+            </a:r>
+          </a:p>
+        </p:txBody>
+      </p:sp>
+      <p:sp>
+        <p:nvSpPr>
+          <p:cNvPr id="8" name="Rectangle 7">
+            <a:extLst>
+              <a:ext uri="{FF2B5EF4-FFF2-40B4-BE49-F238E27FC236}">
+                <a16:creationId xmlns:a16="http://schemas.microsoft.com/office/drawing/2014/main" id="{35D57FA9-9DF4-95FF-4624-923B5019AB6C}"/>
+              </a:ext>
+            </a:extLst>
+          </p:cNvPr>
+          <p:cNvSpPr/>
+          <p:nvPr/>
+        </p:nvSpPr>
+        <p:spPr>
+          <a:xfrm>
+            <a:off x="11196706" y="611734"/>
+            <a:ext cx="648929" cy="294968"/>
+          </a:xfrm>
+          <a:prstGeom prst="rect">
+            <a:avLst/>
+          </a:prstGeom>
+          <a:solidFill>
+            <a:srgbClr val="FFC000"/>
+          </a:solidFill>
+          <a:ln w="3175">
+            <a:solidFill>
+              <a:schemeClr val="tx1"/>
+            </a:solidFill>
+          </a:ln>
+        </p:spPr>
+        <p:style>
+          <a:lnRef idx="2">
+            <a:schemeClr val="accent1">
+              <a:shade val="15000"/>
+            </a:schemeClr>
+          </a:lnRef>
+          <a:fillRef idx="1">
+            <a:schemeClr val="accent1"/>
+          </a:fillRef>
+          <a:effectRef idx="0">
+            <a:schemeClr val="accent1"/>
+          </a:effectRef>
+          <a:fontRef idx="minor">
+            <a:schemeClr val="lt1"/>
+          </a:fontRef>
+        </p:style>
+        <p:txBody>
+          <a:bodyPr rtlCol="0" anchor="ctr"/>
+          <a:lstStyle/>
+          <a:p>
+            <a:pPr algn="ctr"/>
+            <a:r>
+              <a:rPr lang="fr-FR" sz="1400" dirty="0">
+                <a:solidFill>
+                  <a:schemeClr val="tx1"/>
+                </a:solidFill>
+              </a:rPr>
+              <a:t>C3</a:t>
+            </a:r>
+          </a:p>
+        </p:txBody>
+      </p:sp>
     </p:spTree>
     <p:extLst>
       <p:ext uri="{BB962C8B-B14F-4D97-AF65-F5344CB8AC3E}">
@@ -9951,7 +10864,7 @@
 </p:sld>
 </file>
 
-<file path=ppt/slides/slide17.xml><?xml version="1.0" encoding="utf-8"?>
+<file path=ppt/slides/slide19.xml><?xml version="1.0" encoding="utf-8"?>
 <p:sld xmlns:a="http://schemas.openxmlformats.org/drawingml/2006/main" xmlns:r="http://schemas.openxmlformats.org/officeDocument/2006/relationships" xmlns:p="http://schemas.openxmlformats.org/presentationml/2006/main">
   <p:cSld>
     <p:spTree>
@@ -10084,7 +10997,7 @@
           <a:p>
             <a:fld id="{BA06AB71-0B36-4B80-B991-039F7D68F8CB}" type="slidenum">
               <a:rPr lang="fr-FR" smtClean="0"/>
-              <a:t>17</a:t>
+              <a:t>19</a:t>
             </a:fld>
             <a:endParaRPr lang="fr-FR"/>
           </a:p>
@@ -10257,6 +11170,108 @@
           </a:p>
           <a:p>
             <a:endParaRPr lang="fr-FR" dirty="0"/>
+          </a:p>
+        </p:txBody>
+      </p:sp>
+      <p:sp>
+        <p:nvSpPr>
+          <p:cNvPr id="5" name="Rectangle 4">
+            <a:extLst>
+              <a:ext uri="{FF2B5EF4-FFF2-40B4-BE49-F238E27FC236}">
+                <a16:creationId xmlns:a16="http://schemas.microsoft.com/office/drawing/2014/main" id="{7A18740F-4067-044E-6E8B-D23A1BD51B0C}"/>
+              </a:ext>
+            </a:extLst>
+          </p:cNvPr>
+          <p:cNvSpPr/>
+          <p:nvPr/>
+        </p:nvSpPr>
+        <p:spPr>
+          <a:xfrm>
+            <a:off x="11346581" y="247654"/>
+            <a:ext cx="648929" cy="294968"/>
+          </a:xfrm>
+          <a:prstGeom prst="rect">
+            <a:avLst/>
+          </a:prstGeom>
+          <a:solidFill>
+            <a:srgbClr val="FFC000"/>
+          </a:solidFill>
+          <a:ln w="3175">
+            <a:solidFill>
+              <a:schemeClr val="tx1"/>
+            </a:solidFill>
+          </a:ln>
+        </p:spPr>
+        <p:style>
+          <a:lnRef idx="2">
+            <a:schemeClr val="accent1">
+              <a:shade val="15000"/>
+            </a:schemeClr>
+          </a:lnRef>
+          <a:fillRef idx="1">
+            <a:schemeClr val="accent1"/>
+          </a:fillRef>
+          <a:effectRef idx="0">
+            <a:schemeClr val="accent1"/>
+          </a:effectRef>
+          <a:fontRef idx="minor">
+            <a:schemeClr val="lt1"/>
+          </a:fontRef>
+        </p:style>
+        <p:txBody>
+          <a:bodyPr rtlCol="0" anchor="ctr"/>
+          <a:lstStyle/>
+          <a:p>
+            <a:pPr algn="ctr"/>
+            <a:r>
+              <a:rPr lang="fr-FR" sz="1400" dirty="0">
+                <a:solidFill>
+                  <a:schemeClr val="tx1"/>
+                </a:solidFill>
+              </a:rPr>
+              <a:t>C5</a:t>
+            </a:r>
+          </a:p>
+        </p:txBody>
+      </p:sp>
+      <p:sp>
+        <p:nvSpPr>
+          <p:cNvPr id="6" name="ZoneTexte 5">
+            <a:extLst>
+              <a:ext uri="{FF2B5EF4-FFF2-40B4-BE49-F238E27FC236}">
+                <a16:creationId xmlns:a16="http://schemas.microsoft.com/office/drawing/2014/main" id="{3D310684-7C86-011F-5439-0EB5A6C31DD2}"/>
+              </a:ext>
+            </a:extLst>
+          </p:cNvPr>
+          <p:cNvSpPr txBox="1"/>
+          <p:nvPr/>
+        </p:nvSpPr>
+        <p:spPr>
+          <a:xfrm>
+            <a:off x="235296" y="5494904"/>
+            <a:ext cx="11495922" cy="646331"/>
+          </a:xfrm>
+          <a:prstGeom prst="rect">
+            <a:avLst/>
+          </a:prstGeom>
+          <a:noFill/>
+        </p:spPr>
+        <p:txBody>
+          <a:bodyPr wrap="square" rtlCol="0">
+            <a:spAutoFit/>
+          </a:bodyPr>
+          <a:lstStyle/>
+          <a:p>
+            <a:r>
+              <a:rPr lang="fr-FR" dirty="0"/>
+              <a:t>Librairie simple d’utilisation</a:t>
+            </a:r>
+          </a:p>
+          <a:p>
+            <a:r>
+              <a:rPr lang="fr-FR" dirty="0"/>
+              <a:t>Algorithmes qui ressortent le plus lors de la veille technique, dans les problématiques de classification binaire </a:t>
+            </a:r>
           </a:p>
         </p:txBody>
       </p:sp>
@@ -10273,7 +11288,201 @@
 </p:sld>
 </file>
 
-<file path=ppt/slides/slide18.xml><?xml version="1.0" encoding="utf-8"?>
+<file path=ppt/slides/slide2.xml><?xml version="1.0" encoding="utf-8"?>
+<p:sld xmlns:a="http://schemas.openxmlformats.org/drawingml/2006/main" xmlns:r="http://schemas.openxmlformats.org/officeDocument/2006/relationships" xmlns:p="http://schemas.openxmlformats.org/presentationml/2006/main">
+  <p:cSld>
+    <p:spTree>
+      <p:nvGrpSpPr>
+        <p:cNvPr id="1" name=""/>
+        <p:cNvGrpSpPr/>
+        <p:nvPr/>
+      </p:nvGrpSpPr>
+      <p:grpSpPr>
+        <a:xfrm>
+          <a:off x="0" y="0"/>
+          <a:ext cx="0" cy="0"/>
+          <a:chOff x="0" y="0"/>
+          <a:chExt cx="0" cy="0"/>
+        </a:xfrm>
+      </p:grpSpPr>
+      <p:sp>
+        <p:nvSpPr>
+          <p:cNvPr id="2" name="Titre 1">
+            <a:extLst>
+              <a:ext uri="{FF2B5EF4-FFF2-40B4-BE49-F238E27FC236}">
+                <a16:creationId xmlns:a16="http://schemas.microsoft.com/office/drawing/2014/main" id="{E9C259C4-15CF-5FF1-5FA6-82A0B80722A6}"/>
+              </a:ext>
+            </a:extLst>
+          </p:cNvPr>
+          <p:cNvSpPr>
+            <a:spLocks noGrp="1"/>
+          </p:cNvSpPr>
+          <p:nvPr>
+            <p:ph type="title"/>
+          </p:nvPr>
+        </p:nvSpPr>
+        <p:spPr>
+          <a:xfrm>
+            <a:off x="108645" y="133084"/>
+            <a:ext cx="10490081" cy="714814"/>
+          </a:xfrm>
+        </p:spPr>
+        <p:txBody>
+          <a:bodyPr/>
+          <a:lstStyle/>
+          <a:p>
+            <a:r>
+              <a:rPr lang="fr-FR" dirty="0"/>
+              <a:t>1. Introduction</a:t>
+            </a:r>
+          </a:p>
+        </p:txBody>
+      </p:sp>
+      <p:sp>
+        <p:nvSpPr>
+          <p:cNvPr id="3" name="Espace réservé du contenu 2">
+            <a:extLst>
+              <a:ext uri="{FF2B5EF4-FFF2-40B4-BE49-F238E27FC236}">
+                <a16:creationId xmlns:a16="http://schemas.microsoft.com/office/drawing/2014/main" id="{6B409ECA-B691-5B1C-5CCA-878C261674CB}"/>
+              </a:ext>
+            </a:extLst>
+          </p:cNvPr>
+          <p:cNvSpPr>
+            <a:spLocks noGrp="1"/>
+          </p:cNvSpPr>
+          <p:nvPr>
+            <p:ph idx="1"/>
+          </p:nvPr>
+        </p:nvSpPr>
+        <p:spPr>
+          <a:xfrm>
+            <a:off x="108645" y="898899"/>
+            <a:ext cx="11695427" cy="5406449"/>
+          </a:xfrm>
+        </p:spPr>
+        <p:txBody>
+          <a:bodyPr/>
+          <a:lstStyle/>
+          <a:p>
+            <a:pPr marL="0" indent="0">
+              <a:buNone/>
+            </a:pPr>
+            <a:endParaRPr lang="fr-FR" sz="2500" u="sng" dirty="0"/>
+          </a:p>
+          <a:p>
+            <a:pPr marL="0" indent="0">
+              <a:buNone/>
+            </a:pPr>
+            <a:r>
+              <a:rPr lang="fr-FR" sz="2500" u="sng" dirty="0"/>
+              <a:t>1.1 Contexte</a:t>
+            </a:r>
+            <a:endParaRPr lang="fr-FR" u="sng" dirty="0"/>
+          </a:p>
+          <a:p>
+            <a:pPr marL="0" indent="0">
+              <a:buNone/>
+            </a:pPr>
+            <a:endParaRPr lang="fr-FR" u="sng" dirty="0"/>
+          </a:p>
+          <a:p>
+            <a:pPr marL="0" indent="0">
+              <a:buNone/>
+            </a:pPr>
+            <a:r>
+              <a:rPr lang="fr-FR" sz="2300" dirty="0"/>
+              <a:t>- Hausse des cas de soucis de santé mentale : </a:t>
+            </a:r>
+            <a:r>
+              <a:rPr lang="fr-FR" sz="2300" b="1" dirty="0"/>
+              <a:t>Les cas d’anxiété et de dépression sont en hausse de 25 % dans le monde en raison de la pandémie de COVID-19 </a:t>
+            </a:r>
+            <a:r>
+              <a:rPr lang="fr-FR" sz="2300" dirty="0"/>
+              <a:t>(OMS)</a:t>
+            </a:r>
+          </a:p>
+          <a:p>
+            <a:pPr marL="0" indent="0">
+              <a:buNone/>
+            </a:pPr>
+            <a:endParaRPr lang="fr-FR" sz="2300" dirty="0"/>
+          </a:p>
+          <a:p>
+            <a:pPr marL="0" indent="0">
+              <a:buNone/>
+            </a:pPr>
+            <a:r>
+              <a:rPr lang="fr-FR" sz="2300" dirty="0"/>
+              <a:t>- 25% des Français se sont sentis déprimés pendant plusieurs semaines au moins au cours de l'année précédente. </a:t>
+            </a:r>
+          </a:p>
+          <a:p>
+            <a:pPr marL="0" indent="0">
+              <a:buNone/>
+            </a:pPr>
+            <a:endParaRPr lang="fr-FR" sz="2300" dirty="0"/>
+          </a:p>
+          <a:p>
+            <a:pPr marL="0" indent="0">
+              <a:buNone/>
+            </a:pPr>
+            <a:r>
+              <a:rPr lang="fr-FR" sz="2300" dirty="0"/>
+              <a:t>- Près d'une personne sur dix (9%) a envisagé le suicide ou l'automutilation au cours de l'année passée. (Ipsos)</a:t>
+            </a:r>
+          </a:p>
+          <a:p>
+            <a:pPr marL="0" indent="0">
+              <a:buNone/>
+            </a:pPr>
+            <a:endParaRPr lang="fr-FR" dirty="0"/>
+          </a:p>
+        </p:txBody>
+      </p:sp>
+      <p:sp>
+        <p:nvSpPr>
+          <p:cNvPr id="4" name="Espace réservé du numéro de diapositive 3">
+            <a:extLst>
+              <a:ext uri="{FF2B5EF4-FFF2-40B4-BE49-F238E27FC236}">
+                <a16:creationId xmlns:a16="http://schemas.microsoft.com/office/drawing/2014/main" id="{6AF8CBB2-DFF3-0D98-A730-9B20741C3B18}"/>
+              </a:ext>
+            </a:extLst>
+          </p:cNvPr>
+          <p:cNvSpPr>
+            <a:spLocks noGrp="1"/>
+          </p:cNvSpPr>
+          <p:nvPr>
+            <p:ph type="sldNum" sz="quarter" idx="12"/>
+          </p:nvPr>
+        </p:nvSpPr>
+        <p:spPr/>
+        <p:txBody>
+          <a:bodyPr/>
+          <a:lstStyle/>
+          <a:p>
+            <a:fld id="{BA06AB71-0B36-4B80-B991-039F7D68F8CB}" type="slidenum">
+              <a:rPr lang="fr-FR" smtClean="0"/>
+              <a:t>2</a:t>
+            </a:fld>
+            <a:endParaRPr lang="fr-FR"/>
+          </a:p>
+        </p:txBody>
+      </p:sp>
+    </p:spTree>
+    <p:extLst>
+      <p:ext uri="{BB962C8B-B14F-4D97-AF65-F5344CB8AC3E}">
+        <p14:creationId xmlns:p14="http://schemas.microsoft.com/office/powerpoint/2010/main" val="2928106828"/>
+      </p:ext>
+    </p:extLst>
+  </p:cSld>
+  <p:clrMapOvr>
+    <a:masterClrMapping/>
+  </p:clrMapOvr>
+</p:sld>
+</file>
+
+<file path=ppt/slides/slide20.xml><?xml version="1.0" encoding="utf-8"?>
 <p:sld xmlns:a="http://schemas.openxmlformats.org/drawingml/2006/main" xmlns:r="http://schemas.openxmlformats.org/officeDocument/2006/relationships" xmlns:p="http://schemas.openxmlformats.org/presentationml/2006/main">
   <p:cSld>
     <p:spTree>
@@ -10404,7 +11613,7 @@
           <a:p>
             <a:fld id="{BA06AB71-0B36-4B80-B991-039F7D68F8CB}" type="slidenum">
               <a:rPr lang="fr-FR" smtClean="0"/>
-              <a:t>18</a:t>
+              <a:t>20</a:t>
             </a:fld>
             <a:endParaRPr lang="fr-FR"/>
           </a:p>
@@ -10722,6 +11931,67 @@
           </a:p>
         </p:txBody>
       </p:sp>
+      <p:sp>
+        <p:nvSpPr>
+          <p:cNvPr id="8" name="Rectangle 7">
+            <a:extLst>
+              <a:ext uri="{FF2B5EF4-FFF2-40B4-BE49-F238E27FC236}">
+                <a16:creationId xmlns:a16="http://schemas.microsoft.com/office/drawing/2014/main" id="{6CE3AE80-D9BB-39A0-D1C0-9BF6450CDC6C}"/>
+              </a:ext>
+            </a:extLst>
+          </p:cNvPr>
+          <p:cNvSpPr/>
+          <p:nvPr/>
+        </p:nvSpPr>
+        <p:spPr>
+          <a:xfrm>
+            <a:off x="11346581" y="247654"/>
+            <a:ext cx="648929" cy="294968"/>
+          </a:xfrm>
+          <a:prstGeom prst="rect">
+            <a:avLst/>
+          </a:prstGeom>
+          <a:solidFill>
+            <a:srgbClr val="FFC000"/>
+          </a:solidFill>
+          <a:ln w="3175">
+            <a:solidFill>
+              <a:schemeClr val="tx1"/>
+            </a:solidFill>
+          </a:ln>
+        </p:spPr>
+        <p:style>
+          <a:lnRef idx="2">
+            <a:schemeClr val="accent1">
+              <a:shade val="15000"/>
+            </a:schemeClr>
+          </a:lnRef>
+          <a:fillRef idx="1">
+            <a:schemeClr val="accent1"/>
+          </a:fillRef>
+          <a:effectRef idx="0">
+            <a:schemeClr val="accent1"/>
+          </a:effectRef>
+          <a:fontRef idx="minor">
+            <a:schemeClr val="lt1"/>
+          </a:fontRef>
+        </p:style>
+        <p:txBody>
+          <a:bodyPr rtlCol="0" anchor="ctr"/>
+          <a:lstStyle/>
+          <a:p>
+            <a:pPr algn="ctr"/>
+            <a:r>
+              <a:rPr lang="fr-FR" sz="1400" dirty="0">
+                <a:solidFill>
+                  <a:schemeClr val="tx1"/>
+                </a:solidFill>
+              </a:rPr>
+              <a:t>C4</a:t>
+            </a:r>
+          </a:p>
+        </p:txBody>
+      </p:sp>
     </p:spTree>
     <p:extLst>
       <p:ext uri="{BB962C8B-B14F-4D97-AF65-F5344CB8AC3E}">
@@ -10735,7 +12005,7 @@
 </p:sld>
 </file>
 
-<file path=ppt/slides/slide19.xml><?xml version="1.0" encoding="utf-8"?>
+<file path=ppt/slides/slide21.xml><?xml version="1.0" encoding="utf-8"?>
 <p:sld xmlns:a="http://schemas.openxmlformats.org/drawingml/2006/main" xmlns:r="http://schemas.openxmlformats.org/officeDocument/2006/relationships" xmlns:p="http://schemas.openxmlformats.org/presentationml/2006/main">
   <p:cSld>
     <p:spTree>
@@ -10876,8 +12146,8 @@
         </p:blipFill>
         <p:spPr>
           <a:xfrm>
-            <a:off x="367334" y="1367092"/>
-            <a:ext cx="3009900" cy="533400"/>
+            <a:off x="367334" y="1367091"/>
+            <a:ext cx="3411260" cy="604527"/>
           </a:xfrm>
           <a:prstGeom prst="rect">
             <a:avLst/>
@@ -10931,7 +12201,7 @@
           <a:p>
             <a:fld id="{BA06AB71-0B36-4B80-B991-039F7D68F8CB}" type="slidenum">
               <a:rPr lang="fr-FR" smtClean="0"/>
-              <a:t>19</a:t>
+              <a:t>21</a:t>
             </a:fld>
             <a:endParaRPr lang="fr-FR"/>
           </a:p>
@@ -10951,7 +12221,7 @@
         </p:nvSpPr>
         <p:spPr>
           <a:xfrm>
-            <a:off x="3636592" y="1487598"/>
+            <a:off x="3945354" y="1455748"/>
             <a:ext cx="5431781" cy="292388"/>
           </a:xfrm>
           <a:prstGeom prst="rect">
@@ -11207,201 +12477,7 @@
 </p:sld>
 </file>
 
-<file path=ppt/slides/slide2.xml><?xml version="1.0" encoding="utf-8"?>
-<p:sld xmlns:a="http://schemas.openxmlformats.org/drawingml/2006/main" xmlns:r="http://schemas.openxmlformats.org/officeDocument/2006/relationships" xmlns:p="http://schemas.openxmlformats.org/presentationml/2006/main">
-  <p:cSld>
-    <p:spTree>
-      <p:nvGrpSpPr>
-        <p:cNvPr id="1" name=""/>
-        <p:cNvGrpSpPr/>
-        <p:nvPr/>
-      </p:nvGrpSpPr>
-      <p:grpSpPr>
-        <a:xfrm>
-          <a:off x="0" y="0"/>
-          <a:ext cx="0" cy="0"/>
-          <a:chOff x="0" y="0"/>
-          <a:chExt cx="0" cy="0"/>
-        </a:xfrm>
-      </p:grpSpPr>
-      <p:sp>
-        <p:nvSpPr>
-          <p:cNvPr id="2" name="Titre 1">
-            <a:extLst>
-              <a:ext uri="{FF2B5EF4-FFF2-40B4-BE49-F238E27FC236}">
-                <a16:creationId xmlns:a16="http://schemas.microsoft.com/office/drawing/2014/main" id="{E9C259C4-15CF-5FF1-5FA6-82A0B80722A6}"/>
-              </a:ext>
-            </a:extLst>
-          </p:cNvPr>
-          <p:cNvSpPr>
-            <a:spLocks noGrp="1"/>
-          </p:cNvSpPr>
-          <p:nvPr>
-            <p:ph type="title"/>
-          </p:nvPr>
-        </p:nvSpPr>
-        <p:spPr>
-          <a:xfrm>
-            <a:off x="108645" y="133084"/>
-            <a:ext cx="10490081" cy="714814"/>
-          </a:xfrm>
-        </p:spPr>
-        <p:txBody>
-          <a:bodyPr/>
-          <a:lstStyle/>
-          <a:p>
-            <a:r>
-              <a:rPr lang="fr-FR" dirty="0"/>
-              <a:t>1. Introduction</a:t>
-            </a:r>
-          </a:p>
-        </p:txBody>
-      </p:sp>
-      <p:sp>
-        <p:nvSpPr>
-          <p:cNvPr id="3" name="Espace réservé du contenu 2">
-            <a:extLst>
-              <a:ext uri="{FF2B5EF4-FFF2-40B4-BE49-F238E27FC236}">
-                <a16:creationId xmlns:a16="http://schemas.microsoft.com/office/drawing/2014/main" id="{6B409ECA-B691-5B1C-5CCA-878C261674CB}"/>
-              </a:ext>
-            </a:extLst>
-          </p:cNvPr>
-          <p:cNvSpPr>
-            <a:spLocks noGrp="1"/>
-          </p:cNvSpPr>
-          <p:nvPr>
-            <p:ph idx="1"/>
-          </p:nvPr>
-        </p:nvSpPr>
-        <p:spPr>
-          <a:xfrm>
-            <a:off x="108645" y="898899"/>
-            <a:ext cx="11695427" cy="5406449"/>
-          </a:xfrm>
-        </p:spPr>
-        <p:txBody>
-          <a:bodyPr/>
-          <a:lstStyle/>
-          <a:p>
-            <a:pPr marL="0" indent="0">
-              <a:buNone/>
-            </a:pPr>
-            <a:endParaRPr lang="fr-FR" sz="2500" u="sng" dirty="0"/>
-          </a:p>
-          <a:p>
-            <a:pPr marL="0" indent="0">
-              <a:buNone/>
-            </a:pPr>
-            <a:r>
-              <a:rPr lang="fr-FR" sz="2500" u="sng" dirty="0"/>
-              <a:t>1.1 Contexte</a:t>
-            </a:r>
-            <a:endParaRPr lang="fr-FR" u="sng" dirty="0"/>
-          </a:p>
-          <a:p>
-            <a:pPr marL="0" indent="0">
-              <a:buNone/>
-            </a:pPr>
-            <a:endParaRPr lang="fr-FR" u="sng" dirty="0"/>
-          </a:p>
-          <a:p>
-            <a:pPr marL="0" indent="0">
-              <a:buNone/>
-            </a:pPr>
-            <a:r>
-              <a:rPr lang="fr-FR" sz="2300" dirty="0"/>
-              <a:t>- Hausse des cas de soucis de santé mentale : </a:t>
-            </a:r>
-            <a:r>
-              <a:rPr lang="fr-FR" sz="2300" b="1" dirty="0"/>
-              <a:t>Les cas d’anxiété et de dépression sont en hausse de 25 % dans le monde en raison de la pandémie de COVID-19 </a:t>
-            </a:r>
-            <a:r>
-              <a:rPr lang="fr-FR" sz="2300" dirty="0"/>
-              <a:t>(OMS)</a:t>
-            </a:r>
-          </a:p>
-          <a:p>
-            <a:pPr marL="0" indent="0">
-              <a:buNone/>
-            </a:pPr>
-            <a:endParaRPr lang="fr-FR" sz="2300" dirty="0"/>
-          </a:p>
-          <a:p>
-            <a:pPr marL="0" indent="0">
-              <a:buNone/>
-            </a:pPr>
-            <a:r>
-              <a:rPr lang="fr-FR" sz="2300" dirty="0"/>
-              <a:t>- 25% des Français se sont sentis déprimés pendant plusieurs semaines au moins au cours de l'année précédente. </a:t>
-            </a:r>
-          </a:p>
-          <a:p>
-            <a:pPr marL="0" indent="0">
-              <a:buNone/>
-            </a:pPr>
-            <a:endParaRPr lang="fr-FR" sz="2300" dirty="0"/>
-          </a:p>
-          <a:p>
-            <a:pPr marL="0" indent="0">
-              <a:buNone/>
-            </a:pPr>
-            <a:r>
-              <a:rPr lang="fr-FR" sz="2300" dirty="0"/>
-              <a:t>- Près d'une personne sur dix (9%) a envisagé le suicide ou l'automutilation au cours de l'année passée. (Ipsos)</a:t>
-            </a:r>
-          </a:p>
-          <a:p>
-            <a:pPr marL="0" indent="0">
-              <a:buNone/>
-            </a:pPr>
-            <a:endParaRPr lang="fr-FR" dirty="0"/>
-          </a:p>
-        </p:txBody>
-      </p:sp>
-      <p:sp>
-        <p:nvSpPr>
-          <p:cNvPr id="4" name="Espace réservé du numéro de diapositive 3">
-            <a:extLst>
-              <a:ext uri="{FF2B5EF4-FFF2-40B4-BE49-F238E27FC236}">
-                <a16:creationId xmlns:a16="http://schemas.microsoft.com/office/drawing/2014/main" id="{6AF8CBB2-DFF3-0D98-A730-9B20741C3B18}"/>
-              </a:ext>
-            </a:extLst>
-          </p:cNvPr>
-          <p:cNvSpPr>
-            <a:spLocks noGrp="1"/>
-          </p:cNvSpPr>
-          <p:nvPr>
-            <p:ph type="sldNum" sz="quarter" idx="12"/>
-          </p:nvPr>
-        </p:nvSpPr>
-        <p:spPr/>
-        <p:txBody>
-          <a:bodyPr/>
-          <a:lstStyle/>
-          <a:p>
-            <a:fld id="{BA06AB71-0B36-4B80-B991-039F7D68F8CB}" type="slidenum">
-              <a:rPr lang="fr-FR" smtClean="0"/>
-              <a:t>2</a:t>
-            </a:fld>
-            <a:endParaRPr lang="fr-FR"/>
-          </a:p>
-        </p:txBody>
-      </p:sp>
-    </p:spTree>
-    <p:extLst>
-      <p:ext uri="{BB962C8B-B14F-4D97-AF65-F5344CB8AC3E}">
-        <p14:creationId xmlns:p14="http://schemas.microsoft.com/office/powerpoint/2010/main" val="2928106828"/>
-      </p:ext>
-    </p:extLst>
-  </p:cSld>
-  <p:clrMapOvr>
-    <a:masterClrMapping/>
-  </p:clrMapOvr>
-</p:sld>
-</file>
-
-<file path=ppt/slides/slide20.xml><?xml version="1.0" encoding="utf-8"?>
+<file path=ppt/slides/slide22.xml><?xml version="1.0" encoding="utf-8"?>
 <p:sld xmlns:a="http://schemas.openxmlformats.org/drawingml/2006/main" xmlns:r="http://schemas.openxmlformats.org/officeDocument/2006/relationships" xmlns:p="http://schemas.openxmlformats.org/presentationml/2006/main">
   <p:cSld>
     <p:spTree>
@@ -11531,7 +12607,7 @@
           <a:p>
             <a:fld id="{BA06AB71-0B36-4B80-B991-039F7D68F8CB}" type="slidenum">
               <a:rPr lang="fr-FR" smtClean="0"/>
-              <a:t>20</a:t>
+              <a:t>22</a:t>
             </a:fld>
             <a:endParaRPr lang="fr-FR"/>
           </a:p>
@@ -11693,6 +12769,67 @@
               <a:ea typeface="Calibri" panose="020F0502020204030204" pitchFamily="34" charset="0"/>
               <a:cs typeface="Times New Roman" panose="02020603050405020304" pitchFamily="18" charset="0"/>
             </a:endParaRPr>
+          </a:p>
+        </p:txBody>
+      </p:sp>
+      <p:sp>
+        <p:nvSpPr>
+          <p:cNvPr id="6" name="Rectangle 5">
+            <a:extLst>
+              <a:ext uri="{FF2B5EF4-FFF2-40B4-BE49-F238E27FC236}">
+                <a16:creationId xmlns:a16="http://schemas.microsoft.com/office/drawing/2014/main" id="{F41BBC5A-3C5B-A801-096B-19B5705C3457}"/>
+              </a:ext>
+            </a:extLst>
+          </p:cNvPr>
+          <p:cNvSpPr/>
+          <p:nvPr/>
+        </p:nvSpPr>
+        <p:spPr>
+          <a:xfrm>
+            <a:off x="11346581" y="247654"/>
+            <a:ext cx="648929" cy="294968"/>
+          </a:xfrm>
+          <a:prstGeom prst="rect">
+            <a:avLst/>
+          </a:prstGeom>
+          <a:solidFill>
+            <a:srgbClr val="FFC000"/>
+          </a:solidFill>
+          <a:ln w="3175">
+            <a:solidFill>
+              <a:schemeClr val="tx1"/>
+            </a:solidFill>
+          </a:ln>
+        </p:spPr>
+        <p:style>
+          <a:lnRef idx="2">
+            <a:schemeClr val="accent1">
+              <a:shade val="15000"/>
+            </a:schemeClr>
+          </a:lnRef>
+          <a:fillRef idx="1">
+            <a:schemeClr val="accent1"/>
+          </a:fillRef>
+          <a:effectRef idx="0">
+            <a:schemeClr val="accent1"/>
+          </a:effectRef>
+          <a:fontRef idx="minor">
+            <a:schemeClr val="lt1"/>
+          </a:fontRef>
+        </p:style>
+        <p:txBody>
+          <a:bodyPr rtlCol="0" anchor="ctr"/>
+          <a:lstStyle/>
+          <a:p>
+            <a:pPr algn="ctr"/>
+            <a:r>
+              <a:rPr lang="fr-FR" sz="1400" dirty="0">
+                <a:solidFill>
+                  <a:schemeClr val="tx1"/>
+                </a:solidFill>
+              </a:rPr>
+              <a:t>C6</a:t>
+            </a:r>
           </a:p>
         </p:txBody>
       </p:sp>
@@ -11709,7 +12846,7 @@
 </p:sld>
 </file>
 
-<file path=ppt/slides/slide21.xml><?xml version="1.0" encoding="utf-8"?>
+<file path=ppt/slides/slide23.xml><?xml version="1.0" encoding="utf-8"?>
 <p:sld xmlns:a="http://schemas.openxmlformats.org/drawingml/2006/main" xmlns:r="http://schemas.openxmlformats.org/officeDocument/2006/relationships" xmlns:p="http://schemas.openxmlformats.org/presentationml/2006/main">
   <p:cSld>
     <p:spTree>
@@ -11897,7 +13034,7 @@
           <a:p>
             <a:fld id="{BA06AB71-0B36-4B80-B991-039F7D68F8CB}" type="slidenum">
               <a:rPr lang="fr-FR" smtClean="0"/>
-              <a:t>21</a:t>
+              <a:t>23</a:t>
             </a:fld>
             <a:endParaRPr lang="fr-FR"/>
           </a:p>
@@ -12159,7 +13296,7 @@
 </p:sld>
 </file>
 
-<file path=ppt/slides/slide22.xml><?xml version="1.0" encoding="utf-8"?>
+<file path=ppt/slides/slide24.xml><?xml version="1.0" encoding="utf-8"?>
 <p:sld xmlns:a="http://schemas.openxmlformats.org/drawingml/2006/main" xmlns:r="http://schemas.openxmlformats.org/officeDocument/2006/relationships" xmlns:p="http://schemas.openxmlformats.org/presentationml/2006/main">
   <p:cSld>
     <p:spTree>
@@ -12208,7 +13345,7 @@
               <a:buNone/>
             </a:pPr>
             <a:r>
-              <a:rPr lang="fr-FR" sz="2100" dirty="0"/>
+              <a:rPr lang="fr-FR" sz="2300" dirty="0"/>
               <a:t>Précision = vrais positifs / </a:t>
             </a:r>
           </a:p>
@@ -12217,7 +13354,7 @@
               <a:buNone/>
             </a:pPr>
             <a:r>
-              <a:rPr lang="fr-FR" sz="2100" dirty="0"/>
+              <a:rPr lang="fr-FR" sz="2300" dirty="0"/>
               <a:t>(vrais positifs + faux positifs)</a:t>
             </a:r>
           </a:p>
@@ -12225,18 +13362,18 @@
             <a:pPr marL="0" indent="0">
               <a:buNone/>
             </a:pPr>
-            <a:endParaRPr lang="fr-FR" sz="2100" dirty="0"/>
-          </a:p>
-          <a:p>
-            <a:pPr marL="0" indent="0">
-              <a:buNone/>
-            </a:pPr>
-            <a:r>
-              <a:rPr lang="fr-FR" sz="2100" dirty="0" err="1"/>
+            <a:endParaRPr lang="fr-FR" sz="2300" dirty="0"/>
+          </a:p>
+          <a:p>
+            <a:pPr marL="0" indent="0">
+              <a:buNone/>
+            </a:pPr>
+            <a:r>
+              <a:rPr lang="fr-FR" sz="2300" dirty="0" err="1"/>
               <a:t>Recall</a:t>
             </a:r>
             <a:r>
-              <a:rPr lang="fr-FR" sz="2100" dirty="0"/>
+              <a:rPr lang="fr-FR" sz="2300" dirty="0"/>
               <a:t> = vrais positifs / </a:t>
             </a:r>
           </a:p>
@@ -12245,7 +13382,7 @@
               <a:buNone/>
             </a:pPr>
             <a:r>
-              <a:rPr lang="fr-FR" sz="2100" dirty="0"/>
+              <a:rPr lang="fr-FR" sz="2300" dirty="0"/>
               <a:t>(vrais positifs + faux négatifs)</a:t>
             </a:r>
           </a:p>
@@ -12274,7 +13411,7 @@
           <a:p>
             <a:fld id="{BA06AB71-0B36-4B80-B991-039F7D68F8CB}" type="slidenum">
               <a:rPr lang="fr-FR" smtClean="0"/>
-              <a:t>22</a:t>
+              <a:t>24</a:t>
             </a:fld>
             <a:endParaRPr lang="fr-FR"/>
           </a:p>
@@ -12394,7 +13531,7 @@
 </p:sld>
 </file>
 
-<file path=ppt/slides/slide23.xml><?xml version="1.0" encoding="utf-8"?>
+<file path=ppt/slides/slide25.xml><?xml version="1.0" encoding="utf-8"?>
 <p:sld xmlns:a="http://schemas.openxmlformats.org/drawingml/2006/main" xmlns:r="http://schemas.openxmlformats.org/officeDocument/2006/relationships" xmlns:p="http://schemas.openxmlformats.org/presentationml/2006/main">
   <p:cSld>
     <p:spTree>
@@ -12481,7 +13618,7 @@
           <a:p>
             <a:fld id="{BA06AB71-0B36-4B80-B991-039F7D68F8CB}" type="slidenum">
               <a:rPr lang="fr-FR" smtClean="0"/>
-              <a:t>23</a:t>
+              <a:t>25</a:t>
             </a:fld>
             <a:endParaRPr lang="fr-FR"/>
           </a:p>
@@ -12634,6 +13771,67 @@
           </a:prstGeom>
         </p:spPr>
       </p:pic>
+      <p:sp>
+        <p:nvSpPr>
+          <p:cNvPr id="2" name="Rectangle 1">
+            <a:extLst>
+              <a:ext uri="{FF2B5EF4-FFF2-40B4-BE49-F238E27FC236}">
+                <a16:creationId xmlns:a16="http://schemas.microsoft.com/office/drawing/2014/main" id="{DB482D99-764B-DAD2-5065-CEC5D5B9571D}"/>
+              </a:ext>
+            </a:extLst>
+          </p:cNvPr>
+          <p:cNvSpPr/>
+          <p:nvPr/>
+        </p:nvSpPr>
+        <p:spPr>
+          <a:xfrm>
+            <a:off x="11346581" y="247654"/>
+            <a:ext cx="648929" cy="294968"/>
+          </a:xfrm>
+          <a:prstGeom prst="rect">
+            <a:avLst/>
+          </a:prstGeom>
+          <a:solidFill>
+            <a:srgbClr val="FFC000"/>
+          </a:solidFill>
+          <a:ln w="3175">
+            <a:solidFill>
+              <a:schemeClr val="tx1"/>
+            </a:solidFill>
+          </a:ln>
+        </p:spPr>
+        <p:style>
+          <a:lnRef idx="2">
+            <a:schemeClr val="accent1">
+              <a:shade val="15000"/>
+            </a:schemeClr>
+          </a:lnRef>
+          <a:fillRef idx="1">
+            <a:schemeClr val="accent1"/>
+          </a:fillRef>
+          <a:effectRef idx="0">
+            <a:schemeClr val="accent1"/>
+          </a:effectRef>
+          <a:fontRef idx="minor">
+            <a:schemeClr val="lt1"/>
+          </a:fontRef>
+        </p:style>
+        <p:txBody>
+          <a:bodyPr rtlCol="0" anchor="ctr"/>
+          <a:lstStyle/>
+          <a:p>
+            <a:pPr algn="ctr"/>
+            <a:r>
+              <a:rPr lang="fr-FR" sz="1400" dirty="0">
+                <a:solidFill>
+                  <a:schemeClr val="tx1"/>
+                </a:solidFill>
+              </a:rPr>
+              <a:t>C9</a:t>
+            </a:r>
+          </a:p>
+        </p:txBody>
+      </p:sp>
     </p:spTree>
     <p:extLst>
       <p:ext uri="{BB962C8B-B14F-4D97-AF65-F5344CB8AC3E}">
@@ -12647,7 +13845,7 @@
 </p:sld>
 </file>
 
-<file path=ppt/slides/slide24.xml><?xml version="1.0" encoding="utf-8"?>
+<file path=ppt/slides/slide26.xml><?xml version="1.0" encoding="utf-8"?>
 <p:sld xmlns:a="http://schemas.openxmlformats.org/drawingml/2006/main" xmlns:r="http://schemas.openxmlformats.org/officeDocument/2006/relationships" xmlns:p="http://schemas.openxmlformats.org/presentationml/2006/main">
   <p:cSld>
     <p:spTree>
@@ -12820,7 +14018,7 @@
           <a:p>
             <a:fld id="{BA06AB71-0B36-4B80-B991-039F7D68F8CB}" type="slidenum">
               <a:rPr lang="fr-FR" smtClean="0"/>
-              <a:t>24</a:t>
+              <a:t>26</a:t>
             </a:fld>
             <a:endParaRPr lang="fr-FR" dirty="0"/>
           </a:p>
@@ -12985,7 +14183,7 @@
 </p:sld>
 </file>
 
-<file path=ppt/slides/slide25.xml><?xml version="1.0" encoding="utf-8"?>
+<file path=ppt/slides/slide27.xml><?xml version="1.0" encoding="utf-8"?>
 <p:sld xmlns:a="http://schemas.openxmlformats.org/drawingml/2006/main" xmlns:r="http://schemas.openxmlformats.org/officeDocument/2006/relationships" xmlns:p="http://schemas.openxmlformats.org/presentationml/2006/main">
   <p:cSld>
     <p:spTree>
@@ -13117,7 +14315,7 @@
           <a:p>
             <a:fld id="{BA06AB71-0B36-4B80-B991-039F7D68F8CB}" type="slidenum">
               <a:rPr lang="fr-FR" smtClean="0"/>
-              <a:t>25</a:t>
+              <a:t>27</a:t>
             </a:fld>
             <a:endParaRPr lang="fr-FR" dirty="0"/>
           </a:p>
@@ -13247,6 +14445,67 @@
           </a:p>
         </p:txBody>
       </p:sp>
+      <p:sp>
+        <p:nvSpPr>
+          <p:cNvPr id="4" name="Rectangle 3">
+            <a:extLst>
+              <a:ext uri="{FF2B5EF4-FFF2-40B4-BE49-F238E27FC236}">
+                <a16:creationId xmlns:a16="http://schemas.microsoft.com/office/drawing/2014/main" id="{9642F436-6C52-8B9D-D466-FC1DD408E222}"/>
+              </a:ext>
+            </a:extLst>
+          </p:cNvPr>
+          <p:cNvSpPr/>
+          <p:nvPr/>
+        </p:nvSpPr>
+        <p:spPr>
+          <a:xfrm>
+            <a:off x="11346581" y="247654"/>
+            <a:ext cx="648929" cy="294968"/>
+          </a:xfrm>
+          <a:prstGeom prst="rect">
+            <a:avLst/>
+          </a:prstGeom>
+          <a:solidFill>
+            <a:srgbClr val="FFC000"/>
+          </a:solidFill>
+          <a:ln w="3175">
+            <a:solidFill>
+              <a:schemeClr val="tx1"/>
+            </a:solidFill>
+          </a:ln>
+        </p:spPr>
+        <p:style>
+          <a:lnRef idx="2">
+            <a:schemeClr val="accent1">
+              <a:shade val="15000"/>
+            </a:schemeClr>
+          </a:lnRef>
+          <a:fillRef idx="1">
+            <a:schemeClr val="accent1"/>
+          </a:fillRef>
+          <a:effectRef idx="0">
+            <a:schemeClr val="accent1"/>
+          </a:effectRef>
+          <a:fontRef idx="minor">
+            <a:schemeClr val="lt1"/>
+          </a:fontRef>
+        </p:style>
+        <p:txBody>
+          <a:bodyPr rtlCol="0" anchor="ctr"/>
+          <a:lstStyle/>
+          <a:p>
+            <a:pPr algn="ctr"/>
+            <a:r>
+              <a:rPr lang="fr-FR" sz="1400" dirty="0">
+                <a:solidFill>
+                  <a:schemeClr val="tx1"/>
+                </a:solidFill>
+              </a:rPr>
+              <a:t>C10</a:t>
+            </a:r>
+          </a:p>
+        </p:txBody>
+      </p:sp>
     </p:spTree>
     <p:extLst>
       <p:ext uri="{BB962C8B-B14F-4D97-AF65-F5344CB8AC3E}">
@@ -13260,7 +14519,7 @@
 </p:sld>
 </file>
 
-<file path=ppt/slides/slide26.xml><?xml version="1.0" encoding="utf-8"?>
+<file path=ppt/slides/slide28.xml><?xml version="1.0" encoding="utf-8"?>
 <p:sld xmlns:a="http://schemas.openxmlformats.org/drawingml/2006/main" xmlns:r="http://schemas.openxmlformats.org/officeDocument/2006/relationships" xmlns:p="http://schemas.openxmlformats.org/presentationml/2006/main">
   <p:cSld>
     <p:spTree>
@@ -13300,7 +14559,7 @@
           <a:p>
             <a:fld id="{BA06AB71-0B36-4B80-B991-039F7D68F8CB}" type="slidenum">
               <a:rPr lang="fr-FR" smtClean="0"/>
-              <a:t>26</a:t>
+              <a:t>28</a:t>
             </a:fld>
             <a:endParaRPr lang="fr-FR"/>
           </a:p>
@@ -13443,294 +14702,6 @@
 </p:sld>
 </file>
 
-<file path=ppt/slides/slide27.xml><?xml version="1.0" encoding="utf-8"?>
-<p:sld xmlns:a="http://schemas.openxmlformats.org/drawingml/2006/main" xmlns:r="http://schemas.openxmlformats.org/officeDocument/2006/relationships" xmlns:p="http://schemas.openxmlformats.org/presentationml/2006/main">
-  <p:cSld>
-    <p:spTree>
-      <p:nvGrpSpPr>
-        <p:cNvPr id="1" name=""/>
-        <p:cNvGrpSpPr/>
-        <p:nvPr/>
-      </p:nvGrpSpPr>
-      <p:grpSpPr>
-        <a:xfrm>
-          <a:off x="0" y="0"/>
-          <a:ext cx="0" cy="0"/>
-          <a:chOff x="0" y="0"/>
-          <a:chExt cx="0" cy="0"/>
-        </a:xfrm>
-      </p:grpSpPr>
-      <p:sp>
-        <p:nvSpPr>
-          <p:cNvPr id="2" name="Espace réservé du numéro de diapositive 1">
-            <a:extLst>
-              <a:ext uri="{FF2B5EF4-FFF2-40B4-BE49-F238E27FC236}">
-                <a16:creationId xmlns:a16="http://schemas.microsoft.com/office/drawing/2014/main" id="{2072E990-D5A1-07FE-55AF-A1121BE84B74}"/>
-              </a:ext>
-            </a:extLst>
-          </p:cNvPr>
-          <p:cNvSpPr>
-            <a:spLocks noGrp="1"/>
-          </p:cNvSpPr>
-          <p:nvPr>
-            <p:ph type="sldNum" sz="quarter" idx="12"/>
-          </p:nvPr>
-        </p:nvSpPr>
-        <p:spPr/>
-        <p:txBody>
-          <a:bodyPr/>
-          <a:lstStyle/>
-          <a:p>
-            <a:fld id="{BA06AB71-0B36-4B80-B991-039F7D68F8CB}" type="slidenum">
-              <a:rPr lang="fr-FR" smtClean="0"/>
-              <a:t>27</a:t>
-            </a:fld>
-            <a:endParaRPr lang="fr-FR" dirty="0"/>
-          </a:p>
-        </p:txBody>
-      </p:sp>
-      <p:sp>
-        <p:nvSpPr>
-          <p:cNvPr id="12" name="Espace réservé du contenu 2">
-            <a:extLst>
-              <a:ext uri="{FF2B5EF4-FFF2-40B4-BE49-F238E27FC236}">
-                <a16:creationId xmlns:a16="http://schemas.microsoft.com/office/drawing/2014/main" id="{CB5625BA-CF46-87C4-5BAB-F7D8EFBDAD88}"/>
-              </a:ext>
-            </a:extLst>
-          </p:cNvPr>
-          <p:cNvSpPr>
-            <a:spLocks noGrp="1"/>
-          </p:cNvSpPr>
-          <p:nvPr>
-            <p:ph idx="1"/>
-          </p:nvPr>
-        </p:nvSpPr>
-        <p:spPr>
-          <a:xfrm>
-            <a:off x="2497732" y="2857030"/>
-            <a:ext cx="7373651" cy="454593"/>
-          </a:xfrm>
-        </p:spPr>
-        <p:txBody>
-          <a:bodyPr>
-            <a:normAutofit/>
-          </a:bodyPr>
-          <a:lstStyle/>
-          <a:p>
-            <a:pPr marL="0" indent="0">
-              <a:buNone/>
-            </a:pPr>
-            <a:r>
-              <a:rPr lang="fr-FR" sz="2500" u="sng" dirty="0"/>
-              <a:t>3.4 Réponse apportée pour la partie fonctionnalité</a:t>
-            </a:r>
-          </a:p>
-          <a:p>
-            <a:pPr marL="0" indent="0">
-              <a:buNone/>
-            </a:pPr>
-            <a:endParaRPr lang="fr-FR" sz="2300" dirty="0"/>
-          </a:p>
-          <a:p>
-            <a:pPr marL="0" indent="0">
-              <a:buNone/>
-            </a:pPr>
-            <a:endParaRPr lang="fr-FR" sz="2300" dirty="0"/>
-          </a:p>
-          <a:p>
-            <a:pPr marL="0" indent="0">
-              <a:buNone/>
-            </a:pPr>
-            <a:endParaRPr lang="fr-FR" sz="2300" dirty="0"/>
-          </a:p>
-          <a:p>
-            <a:pPr marL="0" indent="0">
-              <a:buNone/>
-            </a:pPr>
-            <a:endParaRPr lang="fr-FR" sz="2300" dirty="0"/>
-          </a:p>
-          <a:p>
-            <a:pPr marL="0" indent="0">
-              <a:buNone/>
-            </a:pPr>
-            <a:endParaRPr lang="fr-FR" sz="2300" dirty="0"/>
-          </a:p>
-          <a:p>
-            <a:pPr marL="0" indent="0">
-              <a:buNone/>
-            </a:pPr>
-            <a:endParaRPr lang="fr-FR" sz="2300" dirty="0"/>
-          </a:p>
-          <a:p>
-            <a:pPr marL="0" indent="0">
-              <a:buNone/>
-            </a:pPr>
-            <a:endParaRPr lang="fr-FR" sz="2300" dirty="0"/>
-          </a:p>
-          <a:p>
-            <a:pPr marL="0" indent="0">
-              <a:buNone/>
-            </a:pPr>
-            <a:endParaRPr lang="fr-FR" sz="2300" dirty="0"/>
-          </a:p>
-          <a:p>
-            <a:pPr marL="0" indent="0">
-              <a:buNone/>
-            </a:pPr>
-            <a:endParaRPr lang="fr-FR" sz="2300" dirty="0"/>
-          </a:p>
-        </p:txBody>
-      </p:sp>
-    </p:spTree>
-    <p:extLst>
-      <p:ext uri="{BB962C8B-B14F-4D97-AF65-F5344CB8AC3E}">
-        <p14:creationId xmlns:p14="http://schemas.microsoft.com/office/powerpoint/2010/main" val="660259246"/>
-      </p:ext>
-    </p:extLst>
-  </p:cSld>
-  <p:clrMapOvr>
-    <a:masterClrMapping/>
-  </p:clrMapOvr>
-</p:sld>
-</file>
-
-<file path=ppt/slides/slide28.xml><?xml version="1.0" encoding="utf-8"?>
-<p:sld xmlns:a="http://schemas.openxmlformats.org/drawingml/2006/main" xmlns:r="http://schemas.openxmlformats.org/officeDocument/2006/relationships" xmlns:p="http://schemas.openxmlformats.org/presentationml/2006/main">
-  <p:cSld>
-    <p:spTree>
-      <p:nvGrpSpPr>
-        <p:cNvPr id="1" name=""/>
-        <p:cNvGrpSpPr/>
-        <p:nvPr/>
-      </p:nvGrpSpPr>
-      <p:grpSpPr>
-        <a:xfrm>
-          <a:off x="0" y="0"/>
-          <a:ext cx="0" cy="0"/>
-          <a:chOff x="0" y="0"/>
-          <a:chExt cx="0" cy="0"/>
-        </a:xfrm>
-      </p:grpSpPr>
-      <p:sp>
-        <p:nvSpPr>
-          <p:cNvPr id="2" name="Espace réservé du numéro de diapositive 1">
-            <a:extLst>
-              <a:ext uri="{FF2B5EF4-FFF2-40B4-BE49-F238E27FC236}">
-                <a16:creationId xmlns:a16="http://schemas.microsoft.com/office/drawing/2014/main" id="{2072E990-D5A1-07FE-55AF-A1121BE84B74}"/>
-              </a:ext>
-            </a:extLst>
-          </p:cNvPr>
-          <p:cNvSpPr>
-            <a:spLocks noGrp="1"/>
-          </p:cNvSpPr>
-          <p:nvPr>
-            <p:ph type="sldNum" sz="quarter" idx="12"/>
-          </p:nvPr>
-        </p:nvSpPr>
-        <p:spPr/>
-        <p:txBody>
-          <a:bodyPr/>
-          <a:lstStyle/>
-          <a:p>
-            <a:fld id="{BA06AB71-0B36-4B80-B991-039F7D68F8CB}" type="slidenum">
-              <a:rPr lang="fr-FR" smtClean="0"/>
-              <a:t>28</a:t>
-            </a:fld>
-            <a:endParaRPr lang="fr-FR" dirty="0"/>
-          </a:p>
-        </p:txBody>
-      </p:sp>
-      <p:sp>
-        <p:nvSpPr>
-          <p:cNvPr id="4" name="ZoneTexte 3">
-            <a:extLst>
-              <a:ext uri="{FF2B5EF4-FFF2-40B4-BE49-F238E27FC236}">
-                <a16:creationId xmlns:a16="http://schemas.microsoft.com/office/drawing/2014/main" id="{B0F8D779-244A-CD97-EDA4-BCA4E918FAB0}"/>
-              </a:ext>
-            </a:extLst>
-          </p:cNvPr>
-          <p:cNvSpPr txBox="1"/>
-          <p:nvPr/>
-        </p:nvSpPr>
-        <p:spPr>
-          <a:xfrm>
-            <a:off x="8775564" y="5742892"/>
-            <a:ext cx="3301655" cy="492443"/>
-          </a:xfrm>
-          <a:prstGeom prst="rect">
-            <a:avLst/>
-          </a:prstGeom>
-          <a:noFill/>
-        </p:spPr>
-        <p:txBody>
-          <a:bodyPr wrap="square" rtlCol="0">
-            <a:spAutoFit/>
-          </a:bodyPr>
-          <a:lstStyle/>
-          <a:p>
-            <a:pPr>
-              <a:spcAft>
-                <a:spcPts val="1000"/>
-              </a:spcAft>
-            </a:pPr>
-            <a:r>
-              <a:rPr lang="fr-FR" sz="1300" i="1" dirty="0">
-                <a:solidFill>
-                  <a:srgbClr val="44546A"/>
-                </a:solidFill>
-                <a:effectLst/>
-                <a:latin typeface="Calibri" panose="020F0502020204030204" pitchFamily="34" charset="0"/>
-                <a:ea typeface="Calibri" panose="020F0502020204030204" pitchFamily="34" charset="0"/>
-                <a:cs typeface="Times New Roman" panose="02020603050405020304" pitchFamily="18" charset="0"/>
-              </a:rPr>
-              <a:t>Figure 31 : Fonctionnalité de prédiction de l’API</a:t>
-            </a:r>
-          </a:p>
-        </p:txBody>
-      </p:sp>
-      <p:pic>
-        <p:nvPicPr>
-          <p:cNvPr id="7" name="Image 6">
-            <a:extLst>
-              <a:ext uri="{FF2B5EF4-FFF2-40B4-BE49-F238E27FC236}">
-                <a16:creationId xmlns:a16="http://schemas.microsoft.com/office/drawing/2014/main" id="{7AA08103-538B-19D2-1719-4811C8285952}"/>
-              </a:ext>
-            </a:extLst>
-          </p:cNvPr>
-          <p:cNvPicPr>
-            <a:picLocks noChangeAspect="1"/>
-          </p:cNvPicPr>
-          <p:nvPr/>
-        </p:nvPicPr>
-        <p:blipFill>
-          <a:blip r:embed="rId3"/>
-          <a:stretch>
-            <a:fillRect/>
-          </a:stretch>
-        </p:blipFill>
-        <p:spPr>
-          <a:xfrm>
-            <a:off x="3102015" y="119604"/>
-            <a:ext cx="5551217" cy="6601871"/>
-          </a:xfrm>
-          <a:prstGeom prst="rect">
-            <a:avLst/>
-          </a:prstGeom>
-        </p:spPr>
-      </p:pic>
-    </p:spTree>
-    <p:extLst>
-      <p:ext uri="{BB962C8B-B14F-4D97-AF65-F5344CB8AC3E}">
-        <p14:creationId xmlns:p14="http://schemas.microsoft.com/office/powerpoint/2010/main" val="3161320663"/>
-      </p:ext>
-    </p:extLst>
-  </p:cSld>
-  <p:clrMapOvr>
-    <a:masterClrMapping/>
-  </p:clrMapOvr>
-</p:sld>
-</file>
-
 <file path=ppt/slides/slide29.xml><?xml version="1.0" encoding="utf-8"?>
 <p:sld xmlns:a="http://schemas.openxmlformats.org/drawingml/2006/main" xmlns:r="http://schemas.openxmlformats.org/officeDocument/2006/relationships" xmlns:p="http://schemas.openxmlformats.org/presentationml/2006/main">
   <p:cSld>
@@ -13753,7 +14724,7 @@
           <p:cNvPr id="2" name="Espace réservé du numéro de diapositive 1">
             <a:extLst>
               <a:ext uri="{FF2B5EF4-FFF2-40B4-BE49-F238E27FC236}">
-                <a16:creationId xmlns:a16="http://schemas.microsoft.com/office/drawing/2014/main" id="{B43EAA50-324B-5536-C9EB-45900FE9CD33}"/>
+                <a16:creationId xmlns:a16="http://schemas.microsoft.com/office/drawing/2014/main" id="{2072E990-D5A1-07FE-55AF-A1121BE84B74}"/>
               </a:ext>
             </a:extLst>
           </p:cNvPr>
@@ -13773,152 +14744,30 @@
               <a:rPr lang="fr-FR" smtClean="0"/>
               <a:t>29</a:t>
             </a:fld>
-            <a:endParaRPr lang="fr-FR"/>
-          </a:p>
-        </p:txBody>
-      </p:sp>
-      <p:pic>
-        <p:nvPicPr>
-          <p:cNvPr id="8" name="Image 7">
-            <a:extLst>
-              <a:ext uri="{FF2B5EF4-FFF2-40B4-BE49-F238E27FC236}">
-                <a16:creationId xmlns:a16="http://schemas.microsoft.com/office/drawing/2014/main" id="{64A50A99-0429-75B1-49C4-2B4679A3477A}"/>
-              </a:ext>
-            </a:extLst>
-          </p:cNvPr>
-          <p:cNvPicPr>
-            <a:picLocks noChangeAspect="1"/>
-          </p:cNvPicPr>
-          <p:nvPr/>
-        </p:nvPicPr>
-        <p:blipFill>
-          <a:blip r:embed="rId3"/>
-          <a:stretch>
-            <a:fillRect/>
-          </a:stretch>
-        </p:blipFill>
+            <a:endParaRPr lang="fr-FR" dirty="0"/>
+          </a:p>
+        </p:txBody>
+      </p:sp>
+      <p:sp>
+        <p:nvSpPr>
+          <p:cNvPr id="12" name="Espace réservé du contenu 2">
+            <a:extLst>
+              <a:ext uri="{FF2B5EF4-FFF2-40B4-BE49-F238E27FC236}">
+                <a16:creationId xmlns:a16="http://schemas.microsoft.com/office/drawing/2014/main" id="{CB5625BA-CF46-87C4-5BAB-F7D8EFBDAD88}"/>
+              </a:ext>
+            </a:extLst>
+          </p:cNvPr>
+          <p:cNvSpPr>
+            <a:spLocks noGrp="1"/>
+          </p:cNvSpPr>
+          <p:nvPr>
+            <p:ph idx="1"/>
+          </p:nvPr>
+        </p:nvSpPr>
         <p:spPr>
           <a:xfrm>
-            <a:off x="2359046" y="2116406"/>
-            <a:ext cx="6164378" cy="2625187"/>
-          </a:xfrm>
-          <a:prstGeom prst="rect">
-            <a:avLst/>
-          </a:prstGeom>
-        </p:spPr>
-      </p:pic>
-      <p:sp>
-        <p:nvSpPr>
-          <p:cNvPr id="10" name="ZoneTexte 9">
-            <a:extLst>
-              <a:ext uri="{FF2B5EF4-FFF2-40B4-BE49-F238E27FC236}">
-                <a16:creationId xmlns:a16="http://schemas.microsoft.com/office/drawing/2014/main" id="{85DEA9E9-3F50-22CA-61B6-8B9A1E3E0BBB}"/>
-              </a:ext>
-            </a:extLst>
-          </p:cNvPr>
-          <p:cNvSpPr txBox="1"/>
-          <p:nvPr/>
-        </p:nvSpPr>
-        <p:spPr>
-          <a:xfrm>
-            <a:off x="2359046" y="4995100"/>
-            <a:ext cx="5431781" cy="292388"/>
-          </a:xfrm>
-          <a:prstGeom prst="rect">
-            <a:avLst/>
-          </a:prstGeom>
-          <a:noFill/>
-        </p:spPr>
-        <p:txBody>
-          <a:bodyPr wrap="square" rtlCol="0">
-            <a:spAutoFit/>
-          </a:bodyPr>
-          <a:lstStyle/>
-          <a:p>
-            <a:pPr>
-              <a:spcAft>
-                <a:spcPts val="1000"/>
-              </a:spcAft>
-            </a:pPr>
-            <a:r>
-              <a:rPr lang="fr-FR" sz="1300" i="1" dirty="0">
-                <a:solidFill>
-                  <a:srgbClr val="44546A"/>
-                </a:solidFill>
-                <a:effectLst/>
-                <a:latin typeface="Calibri" panose="020F0502020204030204" pitchFamily="34" charset="0"/>
-                <a:ea typeface="Calibri" panose="020F0502020204030204" pitchFamily="34" charset="0"/>
-                <a:cs typeface="Times New Roman" panose="02020603050405020304" pitchFamily="18" charset="0"/>
-              </a:rPr>
-              <a:t>Figure </a:t>
-            </a:r>
-            <a:r>
-              <a:rPr lang="fr-FR" sz="1300" i="1" dirty="0">
-                <a:solidFill>
-                  <a:srgbClr val="44546A"/>
-                </a:solidFill>
-                <a:latin typeface="Calibri" panose="020F0502020204030204" pitchFamily="34" charset="0"/>
-                <a:ea typeface="Calibri" panose="020F0502020204030204" pitchFamily="34" charset="0"/>
-                <a:cs typeface="Times New Roman" panose="02020603050405020304" pitchFamily="18" charset="0"/>
-              </a:rPr>
-              <a:t>32</a:t>
-            </a:r>
-            <a:r>
-              <a:rPr lang="fr-FR" sz="1300" i="1" dirty="0">
-                <a:solidFill>
-                  <a:srgbClr val="44546A"/>
-                </a:solidFill>
-                <a:effectLst/>
-                <a:latin typeface="Calibri" panose="020F0502020204030204" pitchFamily="34" charset="0"/>
-                <a:ea typeface="Calibri" panose="020F0502020204030204" pitchFamily="34" charset="0"/>
-                <a:cs typeface="Times New Roman" panose="02020603050405020304" pitchFamily="18" charset="0"/>
-              </a:rPr>
-              <a:t> : Page de </a:t>
-            </a:r>
-            <a:r>
-              <a:rPr lang="fr-FR" sz="1300" i="1" dirty="0" err="1">
-                <a:solidFill>
-                  <a:srgbClr val="44546A"/>
-                </a:solidFill>
-                <a:effectLst/>
-                <a:latin typeface="Calibri" panose="020F0502020204030204" pitchFamily="34" charset="0"/>
-                <a:ea typeface="Calibri" panose="020F0502020204030204" pitchFamily="34" charset="0"/>
-                <a:cs typeface="Times New Roman" panose="02020603050405020304" pitchFamily="18" charset="0"/>
-              </a:rPr>
-              <a:t>connextion</a:t>
-            </a:r>
-            <a:endParaRPr lang="fr-FR" sz="1300" i="1" dirty="0">
-              <a:solidFill>
-                <a:srgbClr val="44546A"/>
-              </a:solidFill>
-              <a:effectLst/>
-              <a:latin typeface="Calibri" panose="020F0502020204030204" pitchFamily="34" charset="0"/>
-              <a:ea typeface="Calibri" panose="020F0502020204030204" pitchFamily="34" charset="0"/>
-              <a:cs typeface="Times New Roman" panose="02020603050405020304" pitchFamily="18" charset="0"/>
-            </a:endParaRPr>
-          </a:p>
-        </p:txBody>
-      </p:sp>
-      <p:sp>
-        <p:nvSpPr>
-          <p:cNvPr id="11" name="Espace réservé du contenu 2">
-            <a:extLst>
-              <a:ext uri="{FF2B5EF4-FFF2-40B4-BE49-F238E27FC236}">
-                <a16:creationId xmlns:a16="http://schemas.microsoft.com/office/drawing/2014/main" id="{70F4B2F8-A283-7627-78D3-F064146BCEA8}"/>
-              </a:ext>
-            </a:extLst>
-          </p:cNvPr>
-          <p:cNvSpPr>
-            <a:spLocks noGrp="1"/>
-          </p:cNvSpPr>
-          <p:nvPr>
-            <p:ph idx="1"/>
-          </p:nvPr>
-        </p:nvSpPr>
-        <p:spPr>
-          <a:xfrm>
-            <a:off x="92019" y="182015"/>
-            <a:ext cx="7338927" cy="628213"/>
+            <a:off x="2497732" y="2857030"/>
+            <a:ext cx="7373651" cy="454593"/>
           </a:xfrm>
         </p:spPr>
         <p:txBody>
@@ -13932,13 +14781,8 @@
             </a:pPr>
             <a:r>
               <a:rPr lang="fr-FR" sz="2500" u="sng" dirty="0"/>
-              <a:t>3.5 Réponse apportée pour la partie </a:t>
-            </a:r>
-            <a:r>
-              <a:rPr lang="fr-FR" sz="2500" u="sng" dirty="0" err="1"/>
-              <a:t>front-end</a:t>
-            </a:r>
-            <a:endParaRPr lang="fr-FR" sz="2500" u="sng" dirty="0"/>
+              <a:t>3.4 Réponse apportée pour la partie fonctionnalité</a:t>
+            </a:r>
           </a:p>
           <a:p>
             <a:pPr marL="0" indent="0">
@@ -13999,7 +14843,7 @@
     </p:spTree>
     <p:extLst>
       <p:ext uri="{BB962C8B-B14F-4D97-AF65-F5344CB8AC3E}">
-        <p14:creationId xmlns:p14="http://schemas.microsoft.com/office/powerpoint/2010/main" val="94984337"/>
+        <p14:creationId xmlns:p14="http://schemas.microsoft.com/office/powerpoint/2010/main" val="660259246"/>
       </p:ext>
     </p:extLst>
   </p:cSld>
@@ -14210,68 +15054,12 @@
           <a:chExt cx="0" cy="0"/>
         </a:xfrm>
       </p:grpSpPr>
-      <p:pic>
-        <p:nvPicPr>
-          <p:cNvPr id="5" name="Image 4" descr="Une image contenant texte, capture d’écran, Police"/>
-          <p:cNvPicPr/>
-          <p:nvPr/>
-        </p:nvPicPr>
-        <p:blipFill>
-          <a:blip r:embed="rId3">
-            <a:extLst>
-              <a:ext uri="{28A0092B-C50C-407E-A947-70E740481C1C}">
-                <a14:useLocalDpi xmlns:a14="http://schemas.microsoft.com/office/drawing/2010/main" val="0"/>
-              </a:ext>
-            </a:extLst>
-          </a:blip>
-          <a:stretch>
-            <a:fillRect/>
-          </a:stretch>
-        </p:blipFill>
-        <p:spPr>
-          <a:xfrm>
-            <a:off x="174567" y="613056"/>
-            <a:ext cx="4964592" cy="5743294"/>
-          </a:xfrm>
-          <a:prstGeom prst="rect">
-            <a:avLst/>
-          </a:prstGeom>
-        </p:spPr>
-      </p:pic>
-      <p:pic>
-        <p:nvPicPr>
-          <p:cNvPr id="9" name="Image 8" descr="Une image contenant texte, capture d’écran, Police&#10;&#10;Description générée automatiquement"/>
-          <p:cNvPicPr/>
-          <p:nvPr/>
-        </p:nvPicPr>
-        <p:blipFill>
-          <a:blip r:embed="rId4">
-            <a:extLst>
-              <a:ext uri="{28A0092B-C50C-407E-A947-70E740481C1C}">
-                <a14:useLocalDpi xmlns:a14="http://schemas.microsoft.com/office/drawing/2010/main" val="0"/>
-              </a:ext>
-            </a:extLst>
-          </a:blip>
-          <a:stretch>
-            <a:fillRect/>
-          </a:stretch>
-        </p:blipFill>
-        <p:spPr>
-          <a:xfrm>
-            <a:off x="5399540" y="1284790"/>
-            <a:ext cx="6510809" cy="4977114"/>
-          </a:xfrm>
-          <a:prstGeom prst="rect">
-            <a:avLst/>
-          </a:prstGeom>
-        </p:spPr>
-      </p:pic>
       <p:sp>
         <p:nvSpPr>
           <p:cNvPr id="2" name="Espace réservé du numéro de diapositive 1">
             <a:extLst>
               <a:ext uri="{FF2B5EF4-FFF2-40B4-BE49-F238E27FC236}">
-                <a16:creationId xmlns:a16="http://schemas.microsoft.com/office/drawing/2014/main" id="{B43EAA50-324B-5536-C9EB-45900FE9CD33}"/>
+                <a16:creationId xmlns:a16="http://schemas.microsoft.com/office/drawing/2014/main" id="{2072E990-D5A1-07FE-55AF-A1121BE84B74}"/>
               </a:ext>
             </a:extLst>
           </p:cNvPr>
@@ -14291,7 +15079,7 @@
               <a:rPr lang="fr-FR" smtClean="0"/>
               <a:t>30</a:t>
             </a:fld>
-            <a:endParaRPr lang="fr-FR"/>
+            <a:endParaRPr lang="fr-FR" dirty="0"/>
           </a:p>
         </p:txBody>
       </p:sp>
@@ -14300,7 +15088,7 @@
           <p:cNvPr id="4" name="ZoneTexte 3">
             <a:extLst>
               <a:ext uri="{FF2B5EF4-FFF2-40B4-BE49-F238E27FC236}">
-                <a16:creationId xmlns:a16="http://schemas.microsoft.com/office/drawing/2014/main" id="{E0FB1136-83DB-B2C2-5E8A-5203A60B8BA6}"/>
+                <a16:creationId xmlns:a16="http://schemas.microsoft.com/office/drawing/2014/main" id="{B0F8D779-244A-CD97-EDA4-BCA4E918FAB0}"/>
               </a:ext>
             </a:extLst>
           </p:cNvPr>
@@ -14309,8 +15097,8 @@
         </p:nvSpPr>
         <p:spPr>
           <a:xfrm>
-            <a:off x="174567" y="6490538"/>
-            <a:ext cx="5431781" cy="292388"/>
+            <a:off x="8775564" y="5742892"/>
+            <a:ext cx="3301655" cy="492443"/>
           </a:xfrm>
           <a:prstGeom prst="rect">
             <a:avLst/>
@@ -14338,78 +15126,159 @@
                 <a:ea typeface="Calibri" panose="020F0502020204030204" pitchFamily="34" charset="0"/>
                 <a:cs typeface="Times New Roman" panose="02020603050405020304" pitchFamily="18" charset="0"/>
               </a:rPr>
-              <a:t>Figure </a:t>
-            </a:r>
-            <a:r>
-              <a:rPr lang="fr-FR" sz="1300" i="1" dirty="0">
-                <a:solidFill>
-                  <a:srgbClr val="44546A"/>
-                </a:solidFill>
-                <a:latin typeface="Calibri" panose="020F0502020204030204" pitchFamily="34" charset="0"/>
-                <a:ea typeface="Calibri" panose="020F0502020204030204" pitchFamily="34" charset="0"/>
-                <a:cs typeface="Times New Roman" panose="02020603050405020304" pitchFamily="18" charset="0"/>
-              </a:rPr>
-              <a:t>33</a:t>
-            </a:r>
-            <a:r>
-              <a:rPr lang="fr-FR" sz="1300" i="1" dirty="0">
-                <a:solidFill>
-                  <a:srgbClr val="44546A"/>
-                </a:solidFill>
-                <a:effectLst/>
-                <a:latin typeface="Calibri" panose="020F0502020204030204" pitchFamily="34" charset="0"/>
-                <a:ea typeface="Calibri" panose="020F0502020204030204" pitchFamily="34" charset="0"/>
-                <a:cs typeface="Times New Roman" panose="02020603050405020304" pitchFamily="18" charset="0"/>
-              </a:rPr>
-              <a:t> : Haut de page application</a:t>
-            </a:r>
-          </a:p>
-        </p:txBody>
-      </p:sp>
-      <p:sp>
-        <p:nvSpPr>
-          <p:cNvPr id="6" name="ZoneTexte 5">
-            <a:extLst>
-              <a:ext uri="{FF2B5EF4-FFF2-40B4-BE49-F238E27FC236}">
-                <a16:creationId xmlns:a16="http://schemas.microsoft.com/office/drawing/2014/main" id="{356F9AB9-C0B4-8FBC-248A-E778146FE9F2}"/>
-              </a:ext>
-            </a:extLst>
-          </p:cNvPr>
-          <p:cNvSpPr txBox="1"/>
+              <a:t>Figure 31 : Fonctionnalité de prédiction de l’API</a:t>
+            </a:r>
+          </a:p>
+        </p:txBody>
+      </p:sp>
+      <p:pic>
+        <p:nvPicPr>
+          <p:cNvPr id="7" name="Image 6">
+            <a:extLst>
+              <a:ext uri="{FF2B5EF4-FFF2-40B4-BE49-F238E27FC236}">
+                <a16:creationId xmlns:a16="http://schemas.microsoft.com/office/drawing/2014/main" id="{7AA08103-538B-19D2-1719-4811C8285952}"/>
+              </a:ext>
+            </a:extLst>
+          </p:cNvPr>
+          <p:cNvPicPr>
+            <a:picLocks noChangeAspect="1"/>
+          </p:cNvPicPr>
           <p:nvPr/>
-        </p:nvSpPr>
+        </p:nvPicPr>
+        <p:blipFill>
+          <a:blip r:embed="rId3"/>
+          <a:stretch>
+            <a:fillRect/>
+          </a:stretch>
+        </p:blipFill>
         <p:spPr>
           <a:xfrm>
-            <a:off x="5414315" y="6523533"/>
-            <a:ext cx="5431781" cy="292388"/>
+            <a:off x="3102015" y="119604"/>
+            <a:ext cx="5551217" cy="6601871"/>
           </a:xfrm>
           <a:prstGeom prst="rect">
             <a:avLst/>
           </a:prstGeom>
-          <a:noFill/>
         </p:spPr>
-        <p:txBody>
-          <a:bodyPr wrap="square" rtlCol="0">
-            <a:spAutoFit/>
-          </a:bodyPr>
-          <a:lstStyle/>
-          <a:p>
-            <a:pPr>
-              <a:spcAft>
-                <a:spcPts val="1000"/>
-              </a:spcAft>
-            </a:pPr>
-            <a:r>
-              <a:rPr lang="fr-FR" sz="1300" i="1" dirty="0">
+      </p:pic>
+      <p:sp>
+        <p:nvSpPr>
+          <p:cNvPr id="3" name="Rectangle 2">
+            <a:extLst>
+              <a:ext uri="{FF2B5EF4-FFF2-40B4-BE49-F238E27FC236}">
+                <a16:creationId xmlns:a16="http://schemas.microsoft.com/office/drawing/2014/main" id="{85122AD0-B816-D600-3CE3-C186B9BF1DC0}"/>
+              </a:ext>
+            </a:extLst>
+          </p:cNvPr>
+          <p:cNvSpPr/>
+          <p:nvPr/>
+        </p:nvSpPr>
+        <p:spPr>
+          <a:xfrm>
+            <a:off x="11346581" y="247654"/>
+            <a:ext cx="648929" cy="294968"/>
+          </a:xfrm>
+          <a:prstGeom prst="rect">
+            <a:avLst/>
+          </a:prstGeom>
+          <a:solidFill>
+            <a:srgbClr val="FFC000"/>
+          </a:solidFill>
+          <a:ln w="3175">
+            <a:solidFill>
+              <a:schemeClr val="tx1"/>
+            </a:solidFill>
+          </a:ln>
+        </p:spPr>
+        <p:style>
+          <a:lnRef idx="2">
+            <a:schemeClr val="accent1">
+              <a:shade val="15000"/>
+            </a:schemeClr>
+          </a:lnRef>
+          <a:fillRef idx="1">
+            <a:schemeClr val="accent1"/>
+          </a:fillRef>
+          <a:effectRef idx="0">
+            <a:schemeClr val="accent1"/>
+          </a:effectRef>
+          <a:fontRef idx="minor">
+            <a:schemeClr val="lt1"/>
+          </a:fontRef>
+        </p:style>
+        <p:txBody>
+          <a:bodyPr rtlCol="0" anchor="ctr"/>
+          <a:lstStyle/>
+          <a:p>
+            <a:pPr algn="ctr"/>
+            <a:r>
+              <a:rPr lang="fr-FR" sz="1400" dirty="0">
                 <a:solidFill>
-                  <a:srgbClr val="44546A"/>
+                  <a:schemeClr val="tx1"/>
                 </a:solidFill>
-                <a:effectLst/>
-                <a:latin typeface="Calibri" panose="020F0502020204030204" pitchFamily="34" charset="0"/>
-                <a:ea typeface="Calibri" panose="020F0502020204030204" pitchFamily="34" charset="0"/>
-                <a:cs typeface="Times New Roman" panose="02020603050405020304" pitchFamily="18" charset="0"/>
               </a:rPr>
-              <a:t>Figure 34 : Bas de page application</a:t>
+              <a:t>C7</a:t>
+            </a:r>
+          </a:p>
+        </p:txBody>
+      </p:sp>
+      <p:sp>
+        <p:nvSpPr>
+          <p:cNvPr id="5" name="Rectangle 4">
+            <a:extLst>
+              <a:ext uri="{FF2B5EF4-FFF2-40B4-BE49-F238E27FC236}">
+                <a16:creationId xmlns:a16="http://schemas.microsoft.com/office/drawing/2014/main" id="{A1586991-E5E3-BDFC-6A48-84C1C3E5B45D}"/>
+              </a:ext>
+            </a:extLst>
+          </p:cNvPr>
+          <p:cNvSpPr/>
+          <p:nvPr/>
+        </p:nvSpPr>
+        <p:spPr>
+          <a:xfrm>
+            <a:off x="11346581" y="603396"/>
+            <a:ext cx="648929" cy="294968"/>
+          </a:xfrm>
+          <a:prstGeom prst="rect">
+            <a:avLst/>
+          </a:prstGeom>
+          <a:solidFill>
+            <a:srgbClr val="FFC000"/>
+          </a:solidFill>
+          <a:ln w="3175">
+            <a:solidFill>
+              <a:schemeClr val="tx1"/>
+            </a:solidFill>
+          </a:ln>
+        </p:spPr>
+        <p:style>
+          <a:lnRef idx="2">
+            <a:schemeClr val="accent1">
+              <a:shade val="15000"/>
+            </a:schemeClr>
+          </a:lnRef>
+          <a:fillRef idx="1">
+            <a:schemeClr val="accent1"/>
+          </a:fillRef>
+          <a:effectRef idx="0">
+            <a:schemeClr val="accent1"/>
+          </a:effectRef>
+          <a:fontRef idx="minor">
+            <a:schemeClr val="lt1"/>
+          </a:fontRef>
+        </p:style>
+        <p:txBody>
+          <a:bodyPr rtlCol="0" anchor="ctr"/>
+          <a:lstStyle/>
+          <a:p>
+            <a:pPr algn="ctr"/>
+            <a:r>
+              <a:rPr lang="fr-FR" sz="1400" dirty="0">
+                <a:solidFill>
+                  <a:schemeClr val="tx1"/>
+                </a:solidFill>
+              </a:rPr>
+              <a:t>C11</a:t>
             </a:r>
           </a:p>
         </p:txBody>
@@ -14417,7 +15286,7 @@
     </p:spTree>
     <p:extLst>
       <p:ext uri="{BB962C8B-B14F-4D97-AF65-F5344CB8AC3E}">
-        <p14:creationId xmlns:p14="http://schemas.microsoft.com/office/powerpoint/2010/main" val="1271047005"/>
+        <p14:creationId xmlns:p14="http://schemas.microsoft.com/office/powerpoint/2010/main" val="3161320663"/>
       </p:ext>
     </p:extLst>
   </p:cSld>
@@ -14446,6 +15315,579 @@
       </p:grpSpPr>
       <p:sp>
         <p:nvSpPr>
+          <p:cNvPr id="2" name="Espace réservé du numéro de diapositive 1">
+            <a:extLst>
+              <a:ext uri="{FF2B5EF4-FFF2-40B4-BE49-F238E27FC236}">
+                <a16:creationId xmlns:a16="http://schemas.microsoft.com/office/drawing/2014/main" id="{B43EAA50-324B-5536-C9EB-45900FE9CD33}"/>
+              </a:ext>
+            </a:extLst>
+          </p:cNvPr>
+          <p:cNvSpPr>
+            <a:spLocks noGrp="1"/>
+          </p:cNvSpPr>
+          <p:nvPr>
+            <p:ph type="sldNum" sz="quarter" idx="12"/>
+          </p:nvPr>
+        </p:nvSpPr>
+        <p:spPr/>
+        <p:txBody>
+          <a:bodyPr/>
+          <a:lstStyle/>
+          <a:p>
+            <a:fld id="{BA06AB71-0B36-4B80-B991-039F7D68F8CB}" type="slidenum">
+              <a:rPr lang="fr-FR" smtClean="0"/>
+              <a:t>31</a:t>
+            </a:fld>
+            <a:endParaRPr lang="fr-FR"/>
+          </a:p>
+        </p:txBody>
+      </p:sp>
+      <p:pic>
+        <p:nvPicPr>
+          <p:cNvPr id="8" name="Image 7">
+            <a:extLst>
+              <a:ext uri="{FF2B5EF4-FFF2-40B4-BE49-F238E27FC236}">
+                <a16:creationId xmlns:a16="http://schemas.microsoft.com/office/drawing/2014/main" id="{64A50A99-0429-75B1-49C4-2B4679A3477A}"/>
+              </a:ext>
+            </a:extLst>
+          </p:cNvPr>
+          <p:cNvPicPr>
+            <a:picLocks noChangeAspect="1"/>
+          </p:cNvPicPr>
+          <p:nvPr/>
+        </p:nvPicPr>
+        <p:blipFill>
+          <a:blip r:embed="rId3"/>
+          <a:stretch>
+            <a:fillRect/>
+          </a:stretch>
+        </p:blipFill>
+        <p:spPr>
+          <a:xfrm>
+            <a:off x="2359046" y="2116406"/>
+            <a:ext cx="6164378" cy="2625187"/>
+          </a:xfrm>
+          <a:prstGeom prst="rect">
+            <a:avLst/>
+          </a:prstGeom>
+        </p:spPr>
+      </p:pic>
+      <p:sp>
+        <p:nvSpPr>
+          <p:cNvPr id="10" name="ZoneTexte 9">
+            <a:extLst>
+              <a:ext uri="{FF2B5EF4-FFF2-40B4-BE49-F238E27FC236}">
+                <a16:creationId xmlns:a16="http://schemas.microsoft.com/office/drawing/2014/main" id="{85DEA9E9-3F50-22CA-61B6-8B9A1E3E0BBB}"/>
+              </a:ext>
+            </a:extLst>
+          </p:cNvPr>
+          <p:cNvSpPr txBox="1"/>
+          <p:nvPr/>
+        </p:nvSpPr>
+        <p:spPr>
+          <a:xfrm>
+            <a:off x="2359046" y="4995100"/>
+            <a:ext cx="5431781" cy="292388"/>
+          </a:xfrm>
+          <a:prstGeom prst="rect">
+            <a:avLst/>
+          </a:prstGeom>
+          <a:noFill/>
+        </p:spPr>
+        <p:txBody>
+          <a:bodyPr wrap="square" rtlCol="0">
+            <a:spAutoFit/>
+          </a:bodyPr>
+          <a:lstStyle/>
+          <a:p>
+            <a:pPr>
+              <a:spcAft>
+                <a:spcPts val="1000"/>
+              </a:spcAft>
+            </a:pPr>
+            <a:r>
+              <a:rPr lang="fr-FR" sz="1300" i="1" dirty="0">
+                <a:solidFill>
+                  <a:srgbClr val="44546A"/>
+                </a:solidFill>
+                <a:effectLst/>
+                <a:latin typeface="Calibri" panose="020F0502020204030204" pitchFamily="34" charset="0"/>
+                <a:ea typeface="Calibri" panose="020F0502020204030204" pitchFamily="34" charset="0"/>
+                <a:cs typeface="Times New Roman" panose="02020603050405020304" pitchFamily="18" charset="0"/>
+              </a:rPr>
+              <a:t>Figure </a:t>
+            </a:r>
+            <a:r>
+              <a:rPr lang="fr-FR" sz="1300" i="1" dirty="0">
+                <a:solidFill>
+                  <a:srgbClr val="44546A"/>
+                </a:solidFill>
+                <a:latin typeface="Calibri" panose="020F0502020204030204" pitchFamily="34" charset="0"/>
+                <a:ea typeface="Calibri" panose="020F0502020204030204" pitchFamily="34" charset="0"/>
+                <a:cs typeface="Times New Roman" panose="02020603050405020304" pitchFamily="18" charset="0"/>
+              </a:rPr>
+              <a:t>32</a:t>
+            </a:r>
+            <a:r>
+              <a:rPr lang="fr-FR" sz="1300" i="1" dirty="0">
+                <a:solidFill>
+                  <a:srgbClr val="44546A"/>
+                </a:solidFill>
+                <a:effectLst/>
+                <a:latin typeface="Calibri" panose="020F0502020204030204" pitchFamily="34" charset="0"/>
+                <a:ea typeface="Calibri" panose="020F0502020204030204" pitchFamily="34" charset="0"/>
+                <a:cs typeface="Times New Roman" panose="02020603050405020304" pitchFamily="18" charset="0"/>
+              </a:rPr>
+              <a:t> : Page de </a:t>
+            </a:r>
+            <a:r>
+              <a:rPr lang="fr-FR" sz="1300" i="1" dirty="0" err="1">
+                <a:solidFill>
+                  <a:srgbClr val="44546A"/>
+                </a:solidFill>
+                <a:effectLst/>
+                <a:latin typeface="Calibri" panose="020F0502020204030204" pitchFamily="34" charset="0"/>
+                <a:ea typeface="Calibri" panose="020F0502020204030204" pitchFamily="34" charset="0"/>
+                <a:cs typeface="Times New Roman" panose="02020603050405020304" pitchFamily="18" charset="0"/>
+              </a:rPr>
+              <a:t>connextion</a:t>
+            </a:r>
+            <a:endParaRPr lang="fr-FR" sz="1300" i="1" dirty="0">
+              <a:solidFill>
+                <a:srgbClr val="44546A"/>
+              </a:solidFill>
+              <a:effectLst/>
+              <a:latin typeface="Calibri" panose="020F0502020204030204" pitchFamily="34" charset="0"/>
+              <a:ea typeface="Calibri" panose="020F0502020204030204" pitchFamily="34" charset="0"/>
+              <a:cs typeface="Times New Roman" panose="02020603050405020304" pitchFamily="18" charset="0"/>
+            </a:endParaRPr>
+          </a:p>
+        </p:txBody>
+      </p:sp>
+      <p:sp>
+        <p:nvSpPr>
+          <p:cNvPr id="11" name="Espace réservé du contenu 2">
+            <a:extLst>
+              <a:ext uri="{FF2B5EF4-FFF2-40B4-BE49-F238E27FC236}">
+                <a16:creationId xmlns:a16="http://schemas.microsoft.com/office/drawing/2014/main" id="{70F4B2F8-A283-7627-78D3-F064146BCEA8}"/>
+              </a:ext>
+            </a:extLst>
+          </p:cNvPr>
+          <p:cNvSpPr>
+            <a:spLocks noGrp="1"/>
+          </p:cNvSpPr>
+          <p:nvPr>
+            <p:ph idx="1"/>
+          </p:nvPr>
+        </p:nvSpPr>
+        <p:spPr>
+          <a:xfrm>
+            <a:off x="92019" y="182015"/>
+            <a:ext cx="7338927" cy="628213"/>
+          </a:xfrm>
+        </p:spPr>
+        <p:txBody>
+          <a:bodyPr>
+            <a:normAutofit/>
+          </a:bodyPr>
+          <a:lstStyle/>
+          <a:p>
+            <a:pPr marL="0" indent="0">
+              <a:buNone/>
+            </a:pPr>
+            <a:r>
+              <a:rPr lang="fr-FR" sz="2500" u="sng" dirty="0"/>
+              <a:t>3.5 Réponse apportée pour la partie </a:t>
+            </a:r>
+            <a:r>
+              <a:rPr lang="fr-FR" sz="2500" u="sng" dirty="0" err="1"/>
+              <a:t>front-end</a:t>
+            </a:r>
+            <a:endParaRPr lang="fr-FR" sz="2500" u="sng" dirty="0"/>
+          </a:p>
+          <a:p>
+            <a:pPr marL="0" indent="0">
+              <a:buNone/>
+            </a:pPr>
+            <a:endParaRPr lang="fr-FR" sz="2300" dirty="0"/>
+          </a:p>
+          <a:p>
+            <a:pPr marL="0" indent="0">
+              <a:buNone/>
+            </a:pPr>
+            <a:endParaRPr lang="fr-FR" sz="2300" dirty="0"/>
+          </a:p>
+          <a:p>
+            <a:pPr marL="0" indent="0">
+              <a:buNone/>
+            </a:pPr>
+            <a:endParaRPr lang="fr-FR" sz="2300" dirty="0"/>
+          </a:p>
+          <a:p>
+            <a:pPr marL="0" indent="0">
+              <a:buNone/>
+            </a:pPr>
+            <a:endParaRPr lang="fr-FR" sz="2300" dirty="0"/>
+          </a:p>
+          <a:p>
+            <a:pPr marL="0" indent="0">
+              <a:buNone/>
+            </a:pPr>
+            <a:endParaRPr lang="fr-FR" sz="2300" dirty="0"/>
+          </a:p>
+          <a:p>
+            <a:pPr marL="0" indent="0">
+              <a:buNone/>
+            </a:pPr>
+            <a:endParaRPr lang="fr-FR" sz="2300" dirty="0"/>
+          </a:p>
+          <a:p>
+            <a:pPr marL="0" indent="0">
+              <a:buNone/>
+            </a:pPr>
+            <a:endParaRPr lang="fr-FR" sz="2300" dirty="0"/>
+          </a:p>
+          <a:p>
+            <a:pPr marL="0" indent="0">
+              <a:buNone/>
+            </a:pPr>
+            <a:endParaRPr lang="fr-FR" sz="2300" dirty="0"/>
+          </a:p>
+          <a:p>
+            <a:pPr marL="0" indent="0">
+              <a:buNone/>
+            </a:pPr>
+            <a:endParaRPr lang="fr-FR" sz="2300" dirty="0"/>
+          </a:p>
+        </p:txBody>
+      </p:sp>
+      <p:sp>
+        <p:nvSpPr>
+          <p:cNvPr id="3" name="Rectangle 2">
+            <a:extLst>
+              <a:ext uri="{FF2B5EF4-FFF2-40B4-BE49-F238E27FC236}">
+                <a16:creationId xmlns:a16="http://schemas.microsoft.com/office/drawing/2014/main" id="{7B948004-DDB9-1195-8858-8213AC1F2BE0}"/>
+              </a:ext>
+            </a:extLst>
+          </p:cNvPr>
+          <p:cNvSpPr/>
+          <p:nvPr/>
+        </p:nvSpPr>
+        <p:spPr>
+          <a:xfrm>
+            <a:off x="11272186" y="224303"/>
+            <a:ext cx="648929" cy="294968"/>
+          </a:xfrm>
+          <a:prstGeom prst="rect">
+            <a:avLst/>
+          </a:prstGeom>
+          <a:solidFill>
+            <a:srgbClr val="FFC000"/>
+          </a:solidFill>
+          <a:ln w="3175">
+            <a:solidFill>
+              <a:schemeClr val="tx1"/>
+            </a:solidFill>
+          </a:ln>
+        </p:spPr>
+        <p:style>
+          <a:lnRef idx="2">
+            <a:schemeClr val="accent1">
+              <a:shade val="15000"/>
+            </a:schemeClr>
+          </a:lnRef>
+          <a:fillRef idx="1">
+            <a:schemeClr val="accent1"/>
+          </a:fillRef>
+          <a:effectRef idx="0">
+            <a:schemeClr val="accent1"/>
+          </a:effectRef>
+          <a:fontRef idx="minor">
+            <a:schemeClr val="lt1"/>
+          </a:fontRef>
+        </p:style>
+        <p:txBody>
+          <a:bodyPr rtlCol="0" anchor="ctr"/>
+          <a:lstStyle/>
+          <a:p>
+            <a:pPr algn="ctr"/>
+            <a:r>
+              <a:rPr lang="fr-FR" sz="1400" dirty="0">
+                <a:solidFill>
+                  <a:schemeClr val="tx1"/>
+                </a:solidFill>
+              </a:rPr>
+              <a:t>C13</a:t>
+            </a:r>
+          </a:p>
+        </p:txBody>
+      </p:sp>
+    </p:spTree>
+    <p:extLst>
+      <p:ext uri="{BB962C8B-B14F-4D97-AF65-F5344CB8AC3E}">
+        <p14:creationId xmlns:p14="http://schemas.microsoft.com/office/powerpoint/2010/main" val="94984337"/>
+      </p:ext>
+    </p:extLst>
+  </p:cSld>
+  <p:clrMapOvr>
+    <a:masterClrMapping/>
+  </p:clrMapOvr>
+</p:sld>
+</file>
+
+<file path=ppt/slides/slide32.xml><?xml version="1.0" encoding="utf-8"?>
+<p:sld xmlns:a="http://schemas.openxmlformats.org/drawingml/2006/main" xmlns:r="http://schemas.openxmlformats.org/officeDocument/2006/relationships" xmlns:p="http://schemas.openxmlformats.org/presentationml/2006/main">
+  <p:cSld>
+    <p:spTree>
+      <p:nvGrpSpPr>
+        <p:cNvPr id="1" name=""/>
+        <p:cNvGrpSpPr/>
+        <p:nvPr/>
+      </p:nvGrpSpPr>
+      <p:grpSpPr>
+        <a:xfrm>
+          <a:off x="0" y="0"/>
+          <a:ext cx="0" cy="0"/>
+          <a:chOff x="0" y="0"/>
+          <a:chExt cx="0" cy="0"/>
+        </a:xfrm>
+      </p:grpSpPr>
+      <p:pic>
+        <p:nvPicPr>
+          <p:cNvPr id="5" name="Image 4" descr="Une image contenant texte, capture d’écran, Police"/>
+          <p:cNvPicPr/>
+          <p:nvPr/>
+        </p:nvPicPr>
+        <p:blipFill>
+          <a:blip r:embed="rId3">
+            <a:extLst>
+              <a:ext uri="{28A0092B-C50C-407E-A947-70E740481C1C}">
+                <a14:useLocalDpi xmlns:a14="http://schemas.microsoft.com/office/drawing/2010/main" val="0"/>
+              </a:ext>
+            </a:extLst>
+          </a:blip>
+          <a:stretch>
+            <a:fillRect/>
+          </a:stretch>
+        </p:blipFill>
+        <p:spPr>
+          <a:xfrm>
+            <a:off x="174567" y="613056"/>
+            <a:ext cx="4964592" cy="5743294"/>
+          </a:xfrm>
+          <a:prstGeom prst="rect">
+            <a:avLst/>
+          </a:prstGeom>
+        </p:spPr>
+      </p:pic>
+      <p:pic>
+        <p:nvPicPr>
+          <p:cNvPr id="9" name="Image 8" descr="Une image contenant texte, capture d’écran, Police&#10;&#10;Description générée automatiquement"/>
+          <p:cNvPicPr/>
+          <p:nvPr/>
+        </p:nvPicPr>
+        <p:blipFill>
+          <a:blip r:embed="rId4">
+            <a:extLst>
+              <a:ext uri="{28A0092B-C50C-407E-A947-70E740481C1C}">
+                <a14:useLocalDpi xmlns:a14="http://schemas.microsoft.com/office/drawing/2010/main" val="0"/>
+              </a:ext>
+            </a:extLst>
+          </a:blip>
+          <a:stretch>
+            <a:fillRect/>
+          </a:stretch>
+        </p:blipFill>
+        <p:spPr>
+          <a:xfrm>
+            <a:off x="5399540" y="1284790"/>
+            <a:ext cx="6510809" cy="4977114"/>
+          </a:xfrm>
+          <a:prstGeom prst="rect">
+            <a:avLst/>
+          </a:prstGeom>
+        </p:spPr>
+      </p:pic>
+      <p:sp>
+        <p:nvSpPr>
+          <p:cNvPr id="2" name="Espace réservé du numéro de diapositive 1">
+            <a:extLst>
+              <a:ext uri="{FF2B5EF4-FFF2-40B4-BE49-F238E27FC236}">
+                <a16:creationId xmlns:a16="http://schemas.microsoft.com/office/drawing/2014/main" id="{B43EAA50-324B-5536-C9EB-45900FE9CD33}"/>
+              </a:ext>
+            </a:extLst>
+          </p:cNvPr>
+          <p:cNvSpPr>
+            <a:spLocks noGrp="1"/>
+          </p:cNvSpPr>
+          <p:nvPr>
+            <p:ph type="sldNum" sz="quarter" idx="12"/>
+          </p:nvPr>
+        </p:nvSpPr>
+        <p:spPr/>
+        <p:txBody>
+          <a:bodyPr/>
+          <a:lstStyle/>
+          <a:p>
+            <a:fld id="{BA06AB71-0B36-4B80-B991-039F7D68F8CB}" type="slidenum">
+              <a:rPr lang="fr-FR" smtClean="0"/>
+              <a:t>32</a:t>
+            </a:fld>
+            <a:endParaRPr lang="fr-FR"/>
+          </a:p>
+        </p:txBody>
+      </p:sp>
+      <p:sp>
+        <p:nvSpPr>
+          <p:cNvPr id="4" name="ZoneTexte 3">
+            <a:extLst>
+              <a:ext uri="{FF2B5EF4-FFF2-40B4-BE49-F238E27FC236}">
+                <a16:creationId xmlns:a16="http://schemas.microsoft.com/office/drawing/2014/main" id="{E0FB1136-83DB-B2C2-5E8A-5203A60B8BA6}"/>
+              </a:ext>
+            </a:extLst>
+          </p:cNvPr>
+          <p:cNvSpPr txBox="1"/>
+          <p:nvPr/>
+        </p:nvSpPr>
+        <p:spPr>
+          <a:xfrm>
+            <a:off x="174567" y="6490538"/>
+            <a:ext cx="5431781" cy="292388"/>
+          </a:xfrm>
+          <a:prstGeom prst="rect">
+            <a:avLst/>
+          </a:prstGeom>
+          <a:noFill/>
+        </p:spPr>
+        <p:txBody>
+          <a:bodyPr wrap="square" rtlCol="0">
+            <a:spAutoFit/>
+          </a:bodyPr>
+          <a:lstStyle/>
+          <a:p>
+            <a:pPr>
+              <a:spcAft>
+                <a:spcPts val="1000"/>
+              </a:spcAft>
+            </a:pPr>
+            <a:r>
+              <a:rPr lang="fr-FR" sz="1300" i="1" dirty="0">
+                <a:solidFill>
+                  <a:srgbClr val="44546A"/>
+                </a:solidFill>
+                <a:effectLst/>
+                <a:latin typeface="Calibri" panose="020F0502020204030204" pitchFamily="34" charset="0"/>
+                <a:ea typeface="Calibri" panose="020F0502020204030204" pitchFamily="34" charset="0"/>
+                <a:cs typeface="Times New Roman" panose="02020603050405020304" pitchFamily="18" charset="0"/>
+              </a:rPr>
+              <a:t>Figure </a:t>
+            </a:r>
+            <a:r>
+              <a:rPr lang="fr-FR" sz="1300" i="1" dirty="0">
+                <a:solidFill>
+                  <a:srgbClr val="44546A"/>
+                </a:solidFill>
+                <a:latin typeface="Calibri" panose="020F0502020204030204" pitchFamily="34" charset="0"/>
+                <a:ea typeface="Calibri" panose="020F0502020204030204" pitchFamily="34" charset="0"/>
+                <a:cs typeface="Times New Roman" panose="02020603050405020304" pitchFamily="18" charset="0"/>
+              </a:rPr>
+              <a:t>33</a:t>
+            </a:r>
+            <a:r>
+              <a:rPr lang="fr-FR" sz="1300" i="1" dirty="0">
+                <a:solidFill>
+                  <a:srgbClr val="44546A"/>
+                </a:solidFill>
+                <a:effectLst/>
+                <a:latin typeface="Calibri" panose="020F0502020204030204" pitchFamily="34" charset="0"/>
+                <a:ea typeface="Calibri" panose="020F0502020204030204" pitchFamily="34" charset="0"/>
+                <a:cs typeface="Times New Roman" panose="02020603050405020304" pitchFamily="18" charset="0"/>
+              </a:rPr>
+              <a:t> : Haut de page application</a:t>
+            </a:r>
+          </a:p>
+        </p:txBody>
+      </p:sp>
+      <p:sp>
+        <p:nvSpPr>
+          <p:cNvPr id="6" name="ZoneTexte 5">
+            <a:extLst>
+              <a:ext uri="{FF2B5EF4-FFF2-40B4-BE49-F238E27FC236}">
+                <a16:creationId xmlns:a16="http://schemas.microsoft.com/office/drawing/2014/main" id="{356F9AB9-C0B4-8FBC-248A-E778146FE9F2}"/>
+              </a:ext>
+            </a:extLst>
+          </p:cNvPr>
+          <p:cNvSpPr txBox="1"/>
+          <p:nvPr/>
+        </p:nvSpPr>
+        <p:spPr>
+          <a:xfrm>
+            <a:off x="5414315" y="6523533"/>
+            <a:ext cx="5431781" cy="292388"/>
+          </a:xfrm>
+          <a:prstGeom prst="rect">
+            <a:avLst/>
+          </a:prstGeom>
+          <a:noFill/>
+        </p:spPr>
+        <p:txBody>
+          <a:bodyPr wrap="square" rtlCol="0">
+            <a:spAutoFit/>
+          </a:bodyPr>
+          <a:lstStyle/>
+          <a:p>
+            <a:pPr>
+              <a:spcAft>
+                <a:spcPts val="1000"/>
+              </a:spcAft>
+            </a:pPr>
+            <a:r>
+              <a:rPr lang="fr-FR" sz="1300" i="1" dirty="0">
+                <a:solidFill>
+                  <a:srgbClr val="44546A"/>
+                </a:solidFill>
+                <a:effectLst/>
+                <a:latin typeface="Calibri" panose="020F0502020204030204" pitchFamily="34" charset="0"/>
+                <a:ea typeface="Calibri" panose="020F0502020204030204" pitchFamily="34" charset="0"/>
+                <a:cs typeface="Times New Roman" panose="02020603050405020304" pitchFamily="18" charset="0"/>
+              </a:rPr>
+              <a:t>Figure 34 : Bas de page application</a:t>
+            </a:r>
+          </a:p>
+        </p:txBody>
+      </p:sp>
+    </p:spTree>
+    <p:extLst>
+      <p:ext uri="{BB962C8B-B14F-4D97-AF65-F5344CB8AC3E}">
+        <p14:creationId xmlns:p14="http://schemas.microsoft.com/office/powerpoint/2010/main" val="1271047005"/>
+      </p:ext>
+    </p:extLst>
+  </p:cSld>
+  <p:clrMapOvr>
+    <a:masterClrMapping/>
+  </p:clrMapOvr>
+</p:sld>
+</file>
+
+<file path=ppt/slides/slide33.xml><?xml version="1.0" encoding="utf-8"?>
+<p:sld xmlns:a="http://schemas.openxmlformats.org/drawingml/2006/main" xmlns:r="http://schemas.openxmlformats.org/officeDocument/2006/relationships" xmlns:p="http://schemas.openxmlformats.org/presentationml/2006/main">
+  <p:cSld>
+    <p:spTree>
+      <p:nvGrpSpPr>
+        <p:cNvPr id="1" name=""/>
+        <p:cNvGrpSpPr/>
+        <p:nvPr/>
+      </p:nvGrpSpPr>
+      <p:grpSpPr>
+        <a:xfrm>
+          <a:off x="0" y="0"/>
+          <a:ext cx="0" cy="0"/>
+          <a:chOff x="0" y="0"/>
+          <a:chExt cx="0" cy="0"/>
+        </a:xfrm>
+      </p:grpSpPr>
+      <p:sp>
+        <p:nvSpPr>
           <p:cNvPr id="3" name="Espace réservé du contenu 2">
             <a:extLst>
               <a:ext uri="{FF2B5EF4-FFF2-40B4-BE49-F238E27FC236}">
@@ -14540,7 +15982,7 @@
           <a:p>
             <a:fld id="{BA06AB71-0B36-4B80-B991-039F7D68F8CB}" type="slidenum">
               <a:rPr lang="fr-FR" smtClean="0"/>
-              <a:t>31</a:t>
+              <a:t>33</a:t>
             </a:fld>
             <a:endParaRPr lang="fr-FR"/>
           </a:p>
@@ -14680,7 +16122,7 @@
 </p:sld>
 </file>
 
-<file path=ppt/slides/slide32.xml><?xml version="1.0" encoding="utf-8"?>
+<file path=ppt/slides/slide34.xml><?xml version="1.0" encoding="utf-8"?>
 <p:sld xmlns:a="http://schemas.openxmlformats.org/drawingml/2006/main" xmlns:r="http://schemas.openxmlformats.org/officeDocument/2006/relationships" xmlns:p="http://schemas.openxmlformats.org/presentationml/2006/main">
   <p:cSld>
     <p:spTree>
@@ -14720,7 +16162,7 @@
           <a:p>
             <a:fld id="{BA06AB71-0B36-4B80-B991-039F7D68F8CB}" type="slidenum">
               <a:rPr lang="fr-FR" smtClean="0"/>
-              <a:t>32</a:t>
+              <a:t>34</a:t>
             </a:fld>
             <a:endParaRPr lang="fr-FR"/>
           </a:p>
@@ -14860,514 +16302,6 @@
     <p:extLst>
       <p:ext uri="{BB962C8B-B14F-4D97-AF65-F5344CB8AC3E}">
         <p14:creationId xmlns:p14="http://schemas.microsoft.com/office/powerpoint/2010/main" val="509310578"/>
-      </p:ext>
-    </p:extLst>
-  </p:cSld>
-  <p:clrMapOvr>
-    <a:masterClrMapping/>
-  </p:clrMapOvr>
-</p:sld>
-</file>
-
-<file path=ppt/slides/slide33.xml><?xml version="1.0" encoding="utf-8"?>
-<p:sld xmlns:a="http://schemas.openxmlformats.org/drawingml/2006/main" xmlns:r="http://schemas.openxmlformats.org/officeDocument/2006/relationships" xmlns:p="http://schemas.openxmlformats.org/presentationml/2006/main">
-  <p:cSld>
-    <p:spTree>
-      <p:nvGrpSpPr>
-        <p:cNvPr id="1" name=""/>
-        <p:cNvGrpSpPr/>
-        <p:nvPr/>
-      </p:nvGrpSpPr>
-      <p:grpSpPr>
-        <a:xfrm>
-          <a:off x="0" y="0"/>
-          <a:ext cx="0" cy="0"/>
-          <a:chOff x="0" y="0"/>
-          <a:chExt cx="0" cy="0"/>
-        </a:xfrm>
-      </p:grpSpPr>
-      <p:sp>
-        <p:nvSpPr>
-          <p:cNvPr id="2" name="ZoneTexte 1"/>
-          <p:cNvSpPr txBox="1"/>
-          <p:nvPr/>
-        </p:nvSpPr>
-        <p:spPr>
-          <a:xfrm>
-            <a:off x="274320" y="224444"/>
-            <a:ext cx="11446626" cy="3308598"/>
-          </a:xfrm>
-          <a:prstGeom prst="rect">
-            <a:avLst/>
-          </a:prstGeom>
-          <a:noFill/>
-        </p:spPr>
-        <p:txBody>
-          <a:bodyPr wrap="square" rtlCol="0">
-            <a:spAutoFit/>
-          </a:bodyPr>
-          <a:lstStyle/>
-          <a:p>
-            <a:r>
-              <a:rPr lang="fr-FR" sz="2500" u="sng" dirty="0"/>
-              <a:t>3.7 Monitorage de l'application</a:t>
-            </a:r>
-          </a:p>
-          <a:p>
-            <a:endParaRPr lang="fr-FR" sz="2300" dirty="0"/>
-          </a:p>
-          <a:p>
-            <a:r>
-              <a:rPr lang="fr-FR" sz="2300" dirty="0"/>
-              <a:t>Script python de </a:t>
-            </a:r>
-            <a:r>
-              <a:rPr lang="fr-FR" sz="2300" dirty="0" err="1"/>
-              <a:t>tracking</a:t>
-            </a:r>
-            <a:r>
-              <a:rPr lang="fr-FR" sz="2300" dirty="0"/>
-              <a:t> des performances</a:t>
-            </a:r>
-          </a:p>
-          <a:p>
-            <a:endParaRPr lang="fr-FR" sz="2300" dirty="0"/>
-          </a:p>
-          <a:p>
-            <a:r>
-              <a:rPr lang="fr-FR" sz="2300" dirty="0"/>
-              <a:t>Effectue des requêtes d'API toutes les 5 secondes, les questionnaires insérés lors des tests sont automatiquement effacés de la base.</a:t>
-            </a:r>
-          </a:p>
-          <a:p>
-            <a:endParaRPr lang="fr-FR" sz="2300" dirty="0"/>
-          </a:p>
-          <a:p>
-            <a:r>
-              <a:rPr lang="fr-FR" sz="2300" dirty="0"/>
-              <a:t>Envoi d'un mail en cas d'erreur</a:t>
-            </a:r>
-          </a:p>
-          <a:p>
-            <a:endParaRPr lang="fr-FR" sz="2300" u="sng" dirty="0"/>
-          </a:p>
-        </p:txBody>
-      </p:sp>
-      <p:sp>
-        <p:nvSpPr>
-          <p:cNvPr id="3" name="Espace réservé du numéro de diapositive 2">
-            <a:extLst>
-              <a:ext uri="{FF2B5EF4-FFF2-40B4-BE49-F238E27FC236}">
-                <a16:creationId xmlns:a16="http://schemas.microsoft.com/office/drawing/2014/main" id="{9B6B62C4-31E2-59AD-FC2B-F1CE071E4464}"/>
-              </a:ext>
-            </a:extLst>
-          </p:cNvPr>
-          <p:cNvSpPr>
-            <a:spLocks noGrp="1"/>
-          </p:cNvSpPr>
-          <p:nvPr>
-            <p:ph type="sldNum" sz="quarter" idx="12"/>
-          </p:nvPr>
-        </p:nvSpPr>
-        <p:spPr/>
-        <p:txBody>
-          <a:bodyPr/>
-          <a:lstStyle/>
-          <a:p>
-            <a:fld id="{BA06AB71-0B36-4B80-B991-039F7D68F8CB}" type="slidenum">
-              <a:rPr lang="fr-FR" smtClean="0"/>
-              <a:t>33</a:t>
-            </a:fld>
-            <a:endParaRPr lang="fr-FR"/>
-          </a:p>
-        </p:txBody>
-      </p:sp>
-      <p:pic>
-        <p:nvPicPr>
-          <p:cNvPr id="5" name="Image 4">
-            <a:extLst>
-              <a:ext uri="{FF2B5EF4-FFF2-40B4-BE49-F238E27FC236}">
-                <a16:creationId xmlns:a16="http://schemas.microsoft.com/office/drawing/2014/main" id="{EE5A752F-DFCD-8B60-9208-DC887933D782}"/>
-              </a:ext>
-            </a:extLst>
-          </p:cNvPr>
-          <p:cNvPicPr>
-            <a:picLocks noChangeAspect="1"/>
-          </p:cNvPicPr>
-          <p:nvPr/>
-        </p:nvPicPr>
-        <p:blipFill>
-          <a:blip r:embed="rId3"/>
-          <a:stretch>
-            <a:fillRect/>
-          </a:stretch>
-        </p:blipFill>
-        <p:spPr>
-          <a:xfrm>
-            <a:off x="989495" y="3861642"/>
-            <a:ext cx="3656776" cy="1462711"/>
-          </a:xfrm>
-          <a:prstGeom prst="rect">
-            <a:avLst/>
-          </a:prstGeom>
-        </p:spPr>
-      </p:pic>
-      <p:sp>
-        <p:nvSpPr>
-          <p:cNvPr id="6" name="ZoneTexte 5">
-            <a:extLst>
-              <a:ext uri="{FF2B5EF4-FFF2-40B4-BE49-F238E27FC236}">
-                <a16:creationId xmlns:a16="http://schemas.microsoft.com/office/drawing/2014/main" id="{74EDA618-F1EC-9DA2-E06A-A28B0D5ADC3D}"/>
-              </a:ext>
-            </a:extLst>
-          </p:cNvPr>
-          <p:cNvSpPr txBox="1"/>
-          <p:nvPr/>
-        </p:nvSpPr>
-        <p:spPr>
-          <a:xfrm>
-            <a:off x="896898" y="5360565"/>
-            <a:ext cx="5431781" cy="292388"/>
-          </a:xfrm>
-          <a:prstGeom prst="rect">
-            <a:avLst/>
-          </a:prstGeom>
-          <a:noFill/>
-        </p:spPr>
-        <p:txBody>
-          <a:bodyPr wrap="square" rtlCol="0">
-            <a:spAutoFit/>
-          </a:bodyPr>
-          <a:lstStyle/>
-          <a:p>
-            <a:pPr>
-              <a:spcAft>
-                <a:spcPts val="1000"/>
-              </a:spcAft>
-            </a:pPr>
-            <a:r>
-              <a:rPr lang="fr-FR" sz="1300" i="1" dirty="0">
-                <a:solidFill>
-                  <a:srgbClr val="44546A"/>
-                </a:solidFill>
-                <a:effectLst/>
-                <a:latin typeface="Calibri" panose="020F0502020204030204" pitchFamily="34" charset="0"/>
-                <a:ea typeface="Calibri" panose="020F0502020204030204" pitchFamily="34" charset="0"/>
-                <a:cs typeface="Times New Roman" panose="02020603050405020304" pitchFamily="18" charset="0"/>
-              </a:rPr>
-              <a:t>Figure 37 : </a:t>
-            </a:r>
-            <a:r>
-              <a:rPr lang="fr-FR" sz="1300" i="1" dirty="0">
-                <a:solidFill>
-                  <a:srgbClr val="44546A"/>
-                </a:solidFill>
-                <a:latin typeface="Calibri" panose="020F0502020204030204" pitchFamily="34" charset="0"/>
-                <a:ea typeface="Calibri" panose="020F0502020204030204" pitchFamily="34" charset="0"/>
-                <a:cs typeface="Times New Roman" panose="02020603050405020304" pitchFamily="18" charset="0"/>
-              </a:rPr>
-              <a:t>Exemple de mails reçus avec une erreur</a:t>
-            </a:r>
-            <a:endParaRPr lang="fr-FR" sz="1300" i="1" dirty="0">
-              <a:solidFill>
-                <a:srgbClr val="44546A"/>
-              </a:solidFill>
-              <a:effectLst/>
-              <a:latin typeface="Calibri" panose="020F0502020204030204" pitchFamily="34" charset="0"/>
-              <a:ea typeface="Calibri" panose="020F0502020204030204" pitchFamily="34" charset="0"/>
-              <a:cs typeface="Times New Roman" panose="02020603050405020304" pitchFamily="18" charset="0"/>
-            </a:endParaRPr>
-          </a:p>
-        </p:txBody>
-      </p:sp>
-    </p:spTree>
-    <p:extLst>
-      <p:ext uri="{BB962C8B-B14F-4D97-AF65-F5344CB8AC3E}">
-        <p14:creationId xmlns:p14="http://schemas.microsoft.com/office/powerpoint/2010/main" val="2384512076"/>
-      </p:ext>
-    </p:extLst>
-  </p:cSld>
-  <p:clrMapOvr>
-    <a:masterClrMapping/>
-  </p:clrMapOvr>
-</p:sld>
-</file>
-
-<file path=ppt/slides/slide34.xml><?xml version="1.0" encoding="utf-8"?>
-<p:sld xmlns:a="http://schemas.openxmlformats.org/drawingml/2006/main" xmlns:r="http://schemas.openxmlformats.org/officeDocument/2006/relationships" xmlns:p="http://schemas.openxmlformats.org/presentationml/2006/main">
-  <p:cSld>
-    <p:spTree>
-      <p:nvGrpSpPr>
-        <p:cNvPr id="1" name=""/>
-        <p:cNvGrpSpPr/>
-        <p:nvPr/>
-      </p:nvGrpSpPr>
-      <p:grpSpPr>
-        <a:xfrm>
-          <a:off x="0" y="0"/>
-          <a:ext cx="0" cy="0"/>
-          <a:chOff x="0" y="0"/>
-          <a:chExt cx="0" cy="0"/>
-        </a:xfrm>
-      </p:grpSpPr>
-      <p:sp>
-        <p:nvSpPr>
-          <p:cNvPr id="2" name="ZoneTexte 1"/>
-          <p:cNvSpPr txBox="1"/>
-          <p:nvPr/>
-        </p:nvSpPr>
-        <p:spPr>
-          <a:xfrm>
-            <a:off x="145279" y="224443"/>
-            <a:ext cx="6665719" cy="2600712"/>
-          </a:xfrm>
-          <a:prstGeom prst="rect">
-            <a:avLst/>
-          </a:prstGeom>
-          <a:noFill/>
-        </p:spPr>
-        <p:txBody>
-          <a:bodyPr wrap="square" rtlCol="0">
-            <a:spAutoFit/>
-          </a:bodyPr>
-          <a:lstStyle/>
-          <a:p>
-            <a:r>
-              <a:rPr lang="fr-FR" sz="2500" u="sng" dirty="0"/>
-              <a:t>3.8 Tests automatisés</a:t>
-            </a:r>
-          </a:p>
-          <a:p>
-            <a:endParaRPr lang="fr-FR" sz="2300" u="sng" dirty="0"/>
-          </a:p>
-          <a:p>
-            <a:r>
-              <a:rPr lang="fr-FR" sz="2300" dirty="0"/>
-              <a:t>Fichier .</a:t>
-            </a:r>
-            <a:r>
-              <a:rPr lang="fr-FR" sz="2300" dirty="0" err="1"/>
-              <a:t>yml</a:t>
-            </a:r>
-            <a:r>
-              <a:rPr lang="fr-FR" sz="2300" dirty="0"/>
-              <a:t> à la racine du répertoire </a:t>
-            </a:r>
-            <a:r>
-              <a:rPr lang="fr-FR" sz="2300" dirty="0" err="1"/>
-              <a:t>Github</a:t>
-            </a:r>
-            <a:r>
-              <a:rPr lang="fr-FR" sz="2300" dirty="0"/>
-              <a:t>.</a:t>
-            </a:r>
-          </a:p>
-          <a:p>
-            <a:endParaRPr lang="fr-FR" sz="2300" dirty="0"/>
-          </a:p>
-          <a:p>
-            <a:r>
-              <a:rPr lang="fr-FR" sz="2300" dirty="0"/>
-              <a:t>Le fichier lance le script de test </a:t>
-            </a:r>
-            <a:r>
-              <a:rPr lang="fr-FR" sz="2300" dirty="0" err="1"/>
-              <a:t>Pytest</a:t>
-            </a:r>
-            <a:r>
-              <a:rPr lang="fr-FR" sz="2300" dirty="0"/>
-              <a:t> à chaque push et pull sur </a:t>
-            </a:r>
-            <a:r>
-              <a:rPr lang="fr-FR" sz="2300" dirty="0" err="1"/>
-              <a:t>github</a:t>
-            </a:r>
-            <a:r>
-              <a:rPr lang="fr-FR" sz="2300" dirty="0"/>
-              <a:t>.</a:t>
-            </a:r>
-          </a:p>
-          <a:p>
-            <a:endParaRPr lang="fr-FR" sz="2300" dirty="0"/>
-          </a:p>
-        </p:txBody>
-      </p:sp>
-      <p:pic>
-        <p:nvPicPr>
-          <p:cNvPr id="3" name="Image 2"/>
-          <p:cNvPicPr>
-            <a:picLocks noChangeAspect="1"/>
-          </p:cNvPicPr>
-          <p:nvPr/>
-        </p:nvPicPr>
-        <p:blipFill>
-          <a:blip r:embed="rId3"/>
-          <a:stretch>
-            <a:fillRect/>
-          </a:stretch>
-        </p:blipFill>
-        <p:spPr>
-          <a:xfrm>
-            <a:off x="6939978" y="257773"/>
-            <a:ext cx="4252741" cy="6098577"/>
-          </a:xfrm>
-          <a:prstGeom prst="rect">
-            <a:avLst/>
-          </a:prstGeom>
-        </p:spPr>
-      </p:pic>
-      <p:sp>
-        <p:nvSpPr>
-          <p:cNvPr id="5" name="Espace réservé du numéro de diapositive 4">
-            <a:extLst>
-              <a:ext uri="{FF2B5EF4-FFF2-40B4-BE49-F238E27FC236}">
-                <a16:creationId xmlns:a16="http://schemas.microsoft.com/office/drawing/2014/main" id="{DD8B8DDE-C5A7-9CE8-93A7-58AB08487FE8}"/>
-              </a:ext>
-            </a:extLst>
-          </p:cNvPr>
-          <p:cNvSpPr>
-            <a:spLocks noGrp="1"/>
-          </p:cNvSpPr>
-          <p:nvPr>
-            <p:ph type="sldNum" sz="quarter" idx="12"/>
-          </p:nvPr>
-        </p:nvSpPr>
-        <p:spPr/>
-        <p:txBody>
-          <a:bodyPr/>
-          <a:lstStyle/>
-          <a:p>
-            <a:fld id="{BA06AB71-0B36-4B80-B991-039F7D68F8CB}" type="slidenum">
-              <a:rPr lang="fr-FR" smtClean="0"/>
-              <a:t>34</a:t>
-            </a:fld>
-            <a:endParaRPr lang="fr-FR" dirty="0"/>
-          </a:p>
-        </p:txBody>
-      </p:sp>
-      <p:sp>
-        <p:nvSpPr>
-          <p:cNvPr id="6" name="ZoneTexte 5">
-            <a:extLst>
-              <a:ext uri="{FF2B5EF4-FFF2-40B4-BE49-F238E27FC236}">
-                <a16:creationId xmlns:a16="http://schemas.microsoft.com/office/drawing/2014/main" id="{5159B86C-8E2C-EB3B-C9F6-355B12B2A402}"/>
-              </a:ext>
-            </a:extLst>
-          </p:cNvPr>
-          <p:cNvSpPr txBox="1"/>
-          <p:nvPr/>
-        </p:nvSpPr>
-        <p:spPr>
-          <a:xfrm>
-            <a:off x="6939978" y="6429087"/>
-            <a:ext cx="5431781" cy="292388"/>
-          </a:xfrm>
-          <a:prstGeom prst="rect">
-            <a:avLst/>
-          </a:prstGeom>
-          <a:noFill/>
-        </p:spPr>
-        <p:txBody>
-          <a:bodyPr wrap="square" rtlCol="0">
-            <a:spAutoFit/>
-          </a:bodyPr>
-          <a:lstStyle/>
-          <a:p>
-            <a:pPr>
-              <a:spcAft>
-                <a:spcPts val="1000"/>
-              </a:spcAft>
-            </a:pPr>
-            <a:r>
-              <a:rPr lang="fr-FR" sz="1300" i="1" dirty="0">
-                <a:solidFill>
-                  <a:srgbClr val="44546A"/>
-                </a:solidFill>
-                <a:effectLst/>
-                <a:latin typeface="Calibri" panose="020F0502020204030204" pitchFamily="34" charset="0"/>
-                <a:ea typeface="Calibri" panose="020F0502020204030204" pitchFamily="34" charset="0"/>
-                <a:cs typeface="Times New Roman" panose="02020603050405020304" pitchFamily="18" charset="0"/>
-              </a:rPr>
-              <a:t>Figure </a:t>
-            </a:r>
-            <a:r>
-              <a:rPr lang="fr-FR" sz="1300" i="1" dirty="0">
-                <a:solidFill>
-                  <a:srgbClr val="44546A"/>
-                </a:solidFill>
-                <a:latin typeface="Calibri" panose="020F0502020204030204" pitchFamily="34" charset="0"/>
-                <a:ea typeface="Calibri" panose="020F0502020204030204" pitchFamily="34" charset="0"/>
-                <a:cs typeface="Times New Roman" panose="02020603050405020304" pitchFamily="18" charset="0"/>
-              </a:rPr>
-              <a:t>38</a:t>
-            </a:r>
-            <a:r>
-              <a:rPr lang="fr-FR" sz="1300" i="1" dirty="0">
-                <a:solidFill>
-                  <a:srgbClr val="44546A"/>
-                </a:solidFill>
-                <a:effectLst/>
-                <a:latin typeface="Calibri" panose="020F0502020204030204" pitchFamily="34" charset="0"/>
-                <a:ea typeface="Calibri" panose="020F0502020204030204" pitchFamily="34" charset="0"/>
-                <a:cs typeface="Times New Roman" panose="02020603050405020304" pitchFamily="18" charset="0"/>
-              </a:rPr>
-              <a:t> : Fichier .</a:t>
-            </a:r>
-            <a:r>
-              <a:rPr lang="fr-FR" sz="1300" i="1" dirty="0" err="1">
-                <a:solidFill>
-                  <a:srgbClr val="44546A"/>
-                </a:solidFill>
-                <a:effectLst/>
-                <a:latin typeface="Calibri" panose="020F0502020204030204" pitchFamily="34" charset="0"/>
-                <a:ea typeface="Calibri" panose="020F0502020204030204" pitchFamily="34" charset="0"/>
-                <a:cs typeface="Times New Roman" panose="02020603050405020304" pitchFamily="18" charset="0"/>
-              </a:rPr>
-              <a:t>yml</a:t>
-            </a:r>
-            <a:r>
-              <a:rPr lang="fr-FR" sz="1300" i="1" dirty="0">
-                <a:solidFill>
-                  <a:srgbClr val="44546A"/>
-                </a:solidFill>
-                <a:effectLst/>
-                <a:latin typeface="Calibri" panose="020F0502020204030204" pitchFamily="34" charset="0"/>
-                <a:ea typeface="Calibri" panose="020F0502020204030204" pitchFamily="34" charset="0"/>
-                <a:cs typeface="Times New Roman" panose="02020603050405020304" pitchFamily="18" charset="0"/>
-              </a:rPr>
-              <a:t> pour </a:t>
-            </a:r>
-            <a:r>
-              <a:rPr lang="fr-FR" sz="1300" i="1" dirty="0" err="1">
-                <a:solidFill>
-                  <a:srgbClr val="44546A"/>
-                </a:solidFill>
-                <a:effectLst/>
-                <a:latin typeface="Calibri" panose="020F0502020204030204" pitchFamily="34" charset="0"/>
-                <a:ea typeface="Calibri" panose="020F0502020204030204" pitchFamily="34" charset="0"/>
-                <a:cs typeface="Times New Roman" panose="02020603050405020304" pitchFamily="18" charset="0"/>
-              </a:rPr>
-              <a:t>Github</a:t>
-            </a:r>
-            <a:r>
-              <a:rPr lang="fr-FR" sz="1300" i="1" dirty="0">
-                <a:solidFill>
-                  <a:srgbClr val="44546A"/>
-                </a:solidFill>
-                <a:effectLst/>
-                <a:latin typeface="Calibri" panose="020F0502020204030204" pitchFamily="34" charset="0"/>
-                <a:ea typeface="Calibri" panose="020F0502020204030204" pitchFamily="34" charset="0"/>
-                <a:cs typeface="Times New Roman" panose="02020603050405020304" pitchFamily="18" charset="0"/>
-              </a:rPr>
-              <a:t> actions</a:t>
-            </a:r>
-          </a:p>
-        </p:txBody>
-      </p:sp>
-    </p:spTree>
-    <p:extLst>
-      <p:ext uri="{BB962C8B-B14F-4D97-AF65-F5344CB8AC3E}">
-        <p14:creationId xmlns:p14="http://schemas.microsoft.com/office/powerpoint/2010/main" val="661805809"/>
       </p:ext>
     </p:extLst>
   </p:cSld>
@@ -15396,10 +16330,77 @@
       </p:grpSpPr>
       <p:sp>
         <p:nvSpPr>
-          <p:cNvPr id="5" name="Espace réservé du numéro de diapositive 4">
-            <a:extLst>
-              <a:ext uri="{FF2B5EF4-FFF2-40B4-BE49-F238E27FC236}">
-                <a16:creationId xmlns:a16="http://schemas.microsoft.com/office/drawing/2014/main" id="{DD8B8DDE-C5A7-9CE8-93A7-58AB08487FE8}"/>
+          <p:cNvPr id="2" name="ZoneTexte 1"/>
+          <p:cNvSpPr txBox="1"/>
+          <p:nvPr/>
+        </p:nvSpPr>
+        <p:spPr>
+          <a:xfrm>
+            <a:off x="274320" y="224444"/>
+            <a:ext cx="11446626" cy="3308598"/>
+          </a:xfrm>
+          <a:prstGeom prst="rect">
+            <a:avLst/>
+          </a:prstGeom>
+          <a:noFill/>
+        </p:spPr>
+        <p:txBody>
+          <a:bodyPr wrap="square" rtlCol="0">
+            <a:spAutoFit/>
+          </a:bodyPr>
+          <a:lstStyle/>
+          <a:p>
+            <a:r>
+              <a:rPr lang="fr-FR" sz="2500" u="sng" dirty="0"/>
+              <a:t>3.7 Monitorage de l'application</a:t>
+            </a:r>
+          </a:p>
+          <a:p>
+            <a:endParaRPr lang="fr-FR" sz="2300" dirty="0"/>
+          </a:p>
+          <a:p>
+            <a:r>
+              <a:rPr lang="fr-FR" sz="2300" dirty="0"/>
+              <a:t>Script python de </a:t>
+            </a:r>
+            <a:r>
+              <a:rPr lang="fr-FR" sz="2300" dirty="0" err="1"/>
+              <a:t>tracking</a:t>
+            </a:r>
+            <a:r>
+              <a:rPr lang="fr-FR" sz="2300" dirty="0"/>
+              <a:t> des performances</a:t>
+            </a:r>
+          </a:p>
+          <a:p>
+            <a:endParaRPr lang="fr-FR" sz="2300" dirty="0"/>
+          </a:p>
+          <a:p>
+            <a:r>
+              <a:rPr lang="fr-FR" sz="2300" dirty="0"/>
+              <a:t>Effectue des requêtes d'API toutes les 5 secondes, les questionnaires insérés lors des tests sont automatiquement effacés de la base.</a:t>
+            </a:r>
+          </a:p>
+          <a:p>
+            <a:endParaRPr lang="fr-FR" sz="2300" dirty="0"/>
+          </a:p>
+          <a:p>
+            <a:r>
+              <a:rPr lang="fr-FR" sz="2300" dirty="0"/>
+              <a:t>Envoi d'un mail en cas d'erreur</a:t>
+            </a:r>
+          </a:p>
+          <a:p>
+            <a:endParaRPr lang="fr-FR" sz="2300" u="sng" dirty="0"/>
+          </a:p>
+        </p:txBody>
+      </p:sp>
+      <p:sp>
+        <p:nvSpPr>
+          <p:cNvPr id="3" name="Espace réservé du numéro de diapositive 2">
+            <a:extLst>
+              <a:ext uri="{FF2B5EF4-FFF2-40B4-BE49-F238E27FC236}">
+                <a16:creationId xmlns:a16="http://schemas.microsoft.com/office/drawing/2014/main" id="{9B6B62C4-31E2-59AD-FC2B-F1CE071E4464}"/>
               </a:ext>
             </a:extLst>
           </p:cNvPr>
@@ -15418,6 +16419,569 @@
             <a:fld id="{BA06AB71-0B36-4B80-B991-039F7D68F8CB}" type="slidenum">
               <a:rPr lang="fr-FR" smtClean="0"/>
               <a:t>35</a:t>
+            </a:fld>
+            <a:endParaRPr lang="fr-FR"/>
+          </a:p>
+        </p:txBody>
+      </p:sp>
+      <p:pic>
+        <p:nvPicPr>
+          <p:cNvPr id="5" name="Image 4">
+            <a:extLst>
+              <a:ext uri="{FF2B5EF4-FFF2-40B4-BE49-F238E27FC236}">
+                <a16:creationId xmlns:a16="http://schemas.microsoft.com/office/drawing/2014/main" id="{EE5A752F-DFCD-8B60-9208-DC887933D782}"/>
+              </a:ext>
+            </a:extLst>
+          </p:cNvPr>
+          <p:cNvPicPr>
+            <a:picLocks noChangeAspect="1"/>
+          </p:cNvPicPr>
+          <p:nvPr/>
+        </p:nvPicPr>
+        <p:blipFill>
+          <a:blip r:embed="rId3"/>
+          <a:stretch>
+            <a:fillRect/>
+          </a:stretch>
+        </p:blipFill>
+        <p:spPr>
+          <a:xfrm>
+            <a:off x="989495" y="3861642"/>
+            <a:ext cx="3656776" cy="1462711"/>
+          </a:xfrm>
+          <a:prstGeom prst="rect">
+            <a:avLst/>
+          </a:prstGeom>
+        </p:spPr>
+      </p:pic>
+      <p:sp>
+        <p:nvSpPr>
+          <p:cNvPr id="6" name="ZoneTexte 5">
+            <a:extLst>
+              <a:ext uri="{FF2B5EF4-FFF2-40B4-BE49-F238E27FC236}">
+                <a16:creationId xmlns:a16="http://schemas.microsoft.com/office/drawing/2014/main" id="{74EDA618-F1EC-9DA2-E06A-A28B0D5ADC3D}"/>
+              </a:ext>
+            </a:extLst>
+          </p:cNvPr>
+          <p:cNvSpPr txBox="1"/>
+          <p:nvPr/>
+        </p:nvSpPr>
+        <p:spPr>
+          <a:xfrm>
+            <a:off x="896898" y="5360565"/>
+            <a:ext cx="5431781" cy="292388"/>
+          </a:xfrm>
+          <a:prstGeom prst="rect">
+            <a:avLst/>
+          </a:prstGeom>
+          <a:noFill/>
+        </p:spPr>
+        <p:txBody>
+          <a:bodyPr wrap="square" rtlCol="0">
+            <a:spAutoFit/>
+          </a:bodyPr>
+          <a:lstStyle/>
+          <a:p>
+            <a:pPr>
+              <a:spcAft>
+                <a:spcPts val="1000"/>
+              </a:spcAft>
+            </a:pPr>
+            <a:r>
+              <a:rPr lang="fr-FR" sz="1300" i="1" dirty="0">
+                <a:solidFill>
+                  <a:srgbClr val="44546A"/>
+                </a:solidFill>
+                <a:effectLst/>
+                <a:latin typeface="Calibri" panose="020F0502020204030204" pitchFamily="34" charset="0"/>
+                <a:ea typeface="Calibri" panose="020F0502020204030204" pitchFamily="34" charset="0"/>
+                <a:cs typeface="Times New Roman" panose="02020603050405020304" pitchFamily="18" charset="0"/>
+              </a:rPr>
+              <a:t>Figure 37 : </a:t>
+            </a:r>
+            <a:r>
+              <a:rPr lang="fr-FR" sz="1300" i="1" dirty="0">
+                <a:solidFill>
+                  <a:srgbClr val="44546A"/>
+                </a:solidFill>
+                <a:latin typeface="Calibri" panose="020F0502020204030204" pitchFamily="34" charset="0"/>
+                <a:ea typeface="Calibri" panose="020F0502020204030204" pitchFamily="34" charset="0"/>
+                <a:cs typeface="Times New Roman" panose="02020603050405020304" pitchFamily="18" charset="0"/>
+              </a:rPr>
+              <a:t>Exemple de mails reçus avec une erreur</a:t>
+            </a:r>
+            <a:endParaRPr lang="fr-FR" sz="1300" i="1" dirty="0">
+              <a:solidFill>
+                <a:srgbClr val="44546A"/>
+              </a:solidFill>
+              <a:effectLst/>
+              <a:latin typeface="Calibri" panose="020F0502020204030204" pitchFamily="34" charset="0"/>
+              <a:ea typeface="Calibri" panose="020F0502020204030204" pitchFamily="34" charset="0"/>
+              <a:cs typeface="Times New Roman" panose="02020603050405020304" pitchFamily="18" charset="0"/>
+            </a:endParaRPr>
+          </a:p>
+        </p:txBody>
+      </p:sp>
+      <p:sp>
+        <p:nvSpPr>
+          <p:cNvPr id="4" name="Rectangle 3">
+            <a:extLst>
+              <a:ext uri="{FF2B5EF4-FFF2-40B4-BE49-F238E27FC236}">
+                <a16:creationId xmlns:a16="http://schemas.microsoft.com/office/drawing/2014/main" id="{70B7D3CF-DF35-EA9F-3C3A-16F0EA0AAF14}"/>
+              </a:ext>
+            </a:extLst>
+          </p:cNvPr>
+          <p:cNvSpPr/>
+          <p:nvPr/>
+        </p:nvSpPr>
+        <p:spPr>
+          <a:xfrm>
+            <a:off x="11029335" y="363340"/>
+            <a:ext cx="648929" cy="294968"/>
+          </a:xfrm>
+          <a:prstGeom prst="rect">
+            <a:avLst/>
+          </a:prstGeom>
+          <a:solidFill>
+            <a:srgbClr val="FFC000"/>
+          </a:solidFill>
+          <a:ln w="3175">
+            <a:solidFill>
+              <a:schemeClr val="tx1"/>
+            </a:solidFill>
+          </a:ln>
+        </p:spPr>
+        <p:style>
+          <a:lnRef idx="2">
+            <a:schemeClr val="accent1">
+              <a:shade val="15000"/>
+            </a:schemeClr>
+          </a:lnRef>
+          <a:fillRef idx="1">
+            <a:schemeClr val="accent1"/>
+          </a:fillRef>
+          <a:effectRef idx="0">
+            <a:schemeClr val="accent1"/>
+          </a:effectRef>
+          <a:fontRef idx="minor">
+            <a:schemeClr val="lt1"/>
+          </a:fontRef>
+        </p:style>
+        <p:txBody>
+          <a:bodyPr rtlCol="0" anchor="ctr"/>
+          <a:lstStyle/>
+          <a:p>
+            <a:pPr algn="ctr"/>
+            <a:r>
+              <a:rPr lang="fr-FR" sz="1400" dirty="0">
+                <a:solidFill>
+                  <a:schemeClr val="tx1"/>
+                </a:solidFill>
+              </a:rPr>
+              <a:t>C15</a:t>
+            </a:r>
+          </a:p>
+        </p:txBody>
+      </p:sp>
+    </p:spTree>
+    <p:extLst>
+      <p:ext uri="{BB962C8B-B14F-4D97-AF65-F5344CB8AC3E}">
+        <p14:creationId xmlns:p14="http://schemas.microsoft.com/office/powerpoint/2010/main" val="2384512076"/>
+      </p:ext>
+    </p:extLst>
+  </p:cSld>
+  <p:clrMapOvr>
+    <a:masterClrMapping/>
+  </p:clrMapOvr>
+</p:sld>
+</file>
+
+<file path=ppt/slides/slide36.xml><?xml version="1.0" encoding="utf-8"?>
+<p:sld xmlns:a="http://schemas.openxmlformats.org/drawingml/2006/main" xmlns:r="http://schemas.openxmlformats.org/officeDocument/2006/relationships" xmlns:p="http://schemas.openxmlformats.org/presentationml/2006/main">
+  <p:cSld>
+    <p:spTree>
+      <p:nvGrpSpPr>
+        <p:cNvPr id="1" name=""/>
+        <p:cNvGrpSpPr/>
+        <p:nvPr/>
+      </p:nvGrpSpPr>
+      <p:grpSpPr>
+        <a:xfrm>
+          <a:off x="0" y="0"/>
+          <a:ext cx="0" cy="0"/>
+          <a:chOff x="0" y="0"/>
+          <a:chExt cx="0" cy="0"/>
+        </a:xfrm>
+      </p:grpSpPr>
+      <p:sp>
+        <p:nvSpPr>
+          <p:cNvPr id="2" name="ZoneTexte 1"/>
+          <p:cNvSpPr txBox="1"/>
+          <p:nvPr/>
+        </p:nvSpPr>
+        <p:spPr>
+          <a:xfrm>
+            <a:off x="145279" y="224443"/>
+            <a:ext cx="6665719" cy="2600712"/>
+          </a:xfrm>
+          <a:prstGeom prst="rect">
+            <a:avLst/>
+          </a:prstGeom>
+          <a:noFill/>
+        </p:spPr>
+        <p:txBody>
+          <a:bodyPr wrap="square" rtlCol="0">
+            <a:spAutoFit/>
+          </a:bodyPr>
+          <a:lstStyle/>
+          <a:p>
+            <a:r>
+              <a:rPr lang="fr-FR" sz="2500" u="sng" dirty="0"/>
+              <a:t>3.8 Tests automatisés</a:t>
+            </a:r>
+          </a:p>
+          <a:p>
+            <a:endParaRPr lang="fr-FR" sz="2300" u="sng" dirty="0"/>
+          </a:p>
+          <a:p>
+            <a:r>
+              <a:rPr lang="fr-FR" sz="2300" dirty="0"/>
+              <a:t>Fichier .</a:t>
+            </a:r>
+            <a:r>
+              <a:rPr lang="fr-FR" sz="2300" dirty="0" err="1"/>
+              <a:t>yml</a:t>
+            </a:r>
+            <a:r>
+              <a:rPr lang="fr-FR" sz="2300" dirty="0"/>
+              <a:t> à la racine du répertoire </a:t>
+            </a:r>
+            <a:r>
+              <a:rPr lang="fr-FR" sz="2300" dirty="0" err="1"/>
+              <a:t>Github</a:t>
+            </a:r>
+            <a:r>
+              <a:rPr lang="fr-FR" sz="2300" dirty="0"/>
+              <a:t>.</a:t>
+            </a:r>
+          </a:p>
+          <a:p>
+            <a:endParaRPr lang="fr-FR" sz="2300" dirty="0"/>
+          </a:p>
+          <a:p>
+            <a:r>
+              <a:rPr lang="fr-FR" sz="2300" dirty="0"/>
+              <a:t>Le fichier lance le script de test </a:t>
+            </a:r>
+            <a:r>
+              <a:rPr lang="fr-FR" sz="2300" dirty="0" err="1"/>
+              <a:t>Pytest</a:t>
+            </a:r>
+            <a:r>
+              <a:rPr lang="fr-FR" sz="2300" dirty="0"/>
+              <a:t> à chaque push et pull sur </a:t>
+            </a:r>
+            <a:r>
+              <a:rPr lang="fr-FR" sz="2300" dirty="0" err="1"/>
+              <a:t>github</a:t>
+            </a:r>
+            <a:r>
+              <a:rPr lang="fr-FR" sz="2300" dirty="0"/>
+              <a:t>.</a:t>
+            </a:r>
+          </a:p>
+          <a:p>
+            <a:endParaRPr lang="fr-FR" sz="2300" dirty="0"/>
+          </a:p>
+        </p:txBody>
+      </p:sp>
+      <p:pic>
+        <p:nvPicPr>
+          <p:cNvPr id="3" name="Image 2"/>
+          <p:cNvPicPr>
+            <a:picLocks noChangeAspect="1"/>
+          </p:cNvPicPr>
+          <p:nvPr/>
+        </p:nvPicPr>
+        <p:blipFill>
+          <a:blip r:embed="rId3"/>
+          <a:stretch>
+            <a:fillRect/>
+          </a:stretch>
+        </p:blipFill>
+        <p:spPr>
+          <a:xfrm>
+            <a:off x="6939978" y="257773"/>
+            <a:ext cx="4252741" cy="6098577"/>
+          </a:xfrm>
+          <a:prstGeom prst="rect">
+            <a:avLst/>
+          </a:prstGeom>
+        </p:spPr>
+      </p:pic>
+      <p:sp>
+        <p:nvSpPr>
+          <p:cNvPr id="5" name="Espace réservé du numéro de diapositive 4">
+            <a:extLst>
+              <a:ext uri="{FF2B5EF4-FFF2-40B4-BE49-F238E27FC236}">
+                <a16:creationId xmlns:a16="http://schemas.microsoft.com/office/drawing/2014/main" id="{DD8B8DDE-C5A7-9CE8-93A7-58AB08487FE8}"/>
+              </a:ext>
+            </a:extLst>
+          </p:cNvPr>
+          <p:cNvSpPr>
+            <a:spLocks noGrp="1"/>
+          </p:cNvSpPr>
+          <p:nvPr>
+            <p:ph type="sldNum" sz="quarter" idx="12"/>
+          </p:nvPr>
+        </p:nvSpPr>
+        <p:spPr/>
+        <p:txBody>
+          <a:bodyPr/>
+          <a:lstStyle/>
+          <a:p>
+            <a:fld id="{BA06AB71-0B36-4B80-B991-039F7D68F8CB}" type="slidenum">
+              <a:rPr lang="fr-FR" smtClean="0"/>
+              <a:t>36</a:t>
+            </a:fld>
+            <a:endParaRPr lang="fr-FR" dirty="0"/>
+          </a:p>
+        </p:txBody>
+      </p:sp>
+      <p:sp>
+        <p:nvSpPr>
+          <p:cNvPr id="6" name="ZoneTexte 5">
+            <a:extLst>
+              <a:ext uri="{FF2B5EF4-FFF2-40B4-BE49-F238E27FC236}">
+                <a16:creationId xmlns:a16="http://schemas.microsoft.com/office/drawing/2014/main" id="{5159B86C-8E2C-EB3B-C9F6-355B12B2A402}"/>
+              </a:ext>
+            </a:extLst>
+          </p:cNvPr>
+          <p:cNvSpPr txBox="1"/>
+          <p:nvPr/>
+        </p:nvSpPr>
+        <p:spPr>
+          <a:xfrm>
+            <a:off x="6939978" y="6429087"/>
+            <a:ext cx="5431781" cy="292388"/>
+          </a:xfrm>
+          <a:prstGeom prst="rect">
+            <a:avLst/>
+          </a:prstGeom>
+          <a:noFill/>
+        </p:spPr>
+        <p:txBody>
+          <a:bodyPr wrap="square" rtlCol="0">
+            <a:spAutoFit/>
+          </a:bodyPr>
+          <a:lstStyle/>
+          <a:p>
+            <a:pPr>
+              <a:spcAft>
+                <a:spcPts val="1000"/>
+              </a:spcAft>
+            </a:pPr>
+            <a:r>
+              <a:rPr lang="fr-FR" sz="1300" i="1" dirty="0">
+                <a:solidFill>
+                  <a:srgbClr val="44546A"/>
+                </a:solidFill>
+                <a:effectLst/>
+                <a:latin typeface="Calibri" panose="020F0502020204030204" pitchFamily="34" charset="0"/>
+                <a:ea typeface="Calibri" panose="020F0502020204030204" pitchFamily="34" charset="0"/>
+                <a:cs typeface="Times New Roman" panose="02020603050405020304" pitchFamily="18" charset="0"/>
+              </a:rPr>
+              <a:t>Figure </a:t>
+            </a:r>
+            <a:r>
+              <a:rPr lang="fr-FR" sz="1300" i="1" dirty="0">
+                <a:solidFill>
+                  <a:srgbClr val="44546A"/>
+                </a:solidFill>
+                <a:latin typeface="Calibri" panose="020F0502020204030204" pitchFamily="34" charset="0"/>
+                <a:ea typeface="Calibri" panose="020F0502020204030204" pitchFamily="34" charset="0"/>
+                <a:cs typeface="Times New Roman" panose="02020603050405020304" pitchFamily="18" charset="0"/>
+              </a:rPr>
+              <a:t>38</a:t>
+            </a:r>
+            <a:r>
+              <a:rPr lang="fr-FR" sz="1300" i="1" dirty="0">
+                <a:solidFill>
+                  <a:srgbClr val="44546A"/>
+                </a:solidFill>
+                <a:effectLst/>
+                <a:latin typeface="Calibri" panose="020F0502020204030204" pitchFamily="34" charset="0"/>
+                <a:ea typeface="Calibri" panose="020F0502020204030204" pitchFamily="34" charset="0"/>
+                <a:cs typeface="Times New Roman" panose="02020603050405020304" pitchFamily="18" charset="0"/>
+              </a:rPr>
+              <a:t> : Fichier .</a:t>
+            </a:r>
+            <a:r>
+              <a:rPr lang="fr-FR" sz="1300" i="1" dirty="0" err="1">
+                <a:solidFill>
+                  <a:srgbClr val="44546A"/>
+                </a:solidFill>
+                <a:effectLst/>
+                <a:latin typeface="Calibri" panose="020F0502020204030204" pitchFamily="34" charset="0"/>
+                <a:ea typeface="Calibri" panose="020F0502020204030204" pitchFamily="34" charset="0"/>
+                <a:cs typeface="Times New Roman" panose="02020603050405020304" pitchFamily="18" charset="0"/>
+              </a:rPr>
+              <a:t>yml</a:t>
+            </a:r>
+            <a:r>
+              <a:rPr lang="fr-FR" sz="1300" i="1" dirty="0">
+                <a:solidFill>
+                  <a:srgbClr val="44546A"/>
+                </a:solidFill>
+                <a:effectLst/>
+                <a:latin typeface="Calibri" panose="020F0502020204030204" pitchFamily="34" charset="0"/>
+                <a:ea typeface="Calibri" panose="020F0502020204030204" pitchFamily="34" charset="0"/>
+                <a:cs typeface="Times New Roman" panose="02020603050405020304" pitchFamily="18" charset="0"/>
+              </a:rPr>
+              <a:t> pour </a:t>
+            </a:r>
+            <a:r>
+              <a:rPr lang="fr-FR" sz="1300" i="1" dirty="0" err="1">
+                <a:solidFill>
+                  <a:srgbClr val="44546A"/>
+                </a:solidFill>
+                <a:effectLst/>
+                <a:latin typeface="Calibri" panose="020F0502020204030204" pitchFamily="34" charset="0"/>
+                <a:ea typeface="Calibri" panose="020F0502020204030204" pitchFamily="34" charset="0"/>
+                <a:cs typeface="Times New Roman" panose="02020603050405020304" pitchFamily="18" charset="0"/>
+              </a:rPr>
+              <a:t>Github</a:t>
+            </a:r>
+            <a:r>
+              <a:rPr lang="fr-FR" sz="1300" i="1" dirty="0">
+                <a:solidFill>
+                  <a:srgbClr val="44546A"/>
+                </a:solidFill>
+                <a:effectLst/>
+                <a:latin typeface="Calibri" panose="020F0502020204030204" pitchFamily="34" charset="0"/>
+                <a:ea typeface="Calibri" panose="020F0502020204030204" pitchFamily="34" charset="0"/>
+                <a:cs typeface="Times New Roman" panose="02020603050405020304" pitchFamily="18" charset="0"/>
+              </a:rPr>
+              <a:t> actions</a:t>
+            </a:r>
+          </a:p>
+        </p:txBody>
+      </p:sp>
+      <p:sp>
+        <p:nvSpPr>
+          <p:cNvPr id="4" name="Rectangle 3">
+            <a:extLst>
+              <a:ext uri="{FF2B5EF4-FFF2-40B4-BE49-F238E27FC236}">
+                <a16:creationId xmlns:a16="http://schemas.microsoft.com/office/drawing/2014/main" id="{E7B24DBD-F522-1D7F-3CF6-DB8D99FFBA46}"/>
+              </a:ext>
+            </a:extLst>
+          </p:cNvPr>
+          <p:cNvSpPr/>
+          <p:nvPr/>
+        </p:nvSpPr>
+        <p:spPr>
+          <a:xfrm>
+            <a:off x="11346581" y="603396"/>
+            <a:ext cx="648929" cy="294968"/>
+          </a:xfrm>
+          <a:prstGeom prst="rect">
+            <a:avLst/>
+          </a:prstGeom>
+          <a:solidFill>
+            <a:srgbClr val="FFC000"/>
+          </a:solidFill>
+          <a:ln w="3175">
+            <a:solidFill>
+              <a:schemeClr val="tx1"/>
+            </a:solidFill>
+          </a:ln>
+        </p:spPr>
+        <p:style>
+          <a:lnRef idx="2">
+            <a:schemeClr val="accent1">
+              <a:shade val="15000"/>
+            </a:schemeClr>
+          </a:lnRef>
+          <a:fillRef idx="1">
+            <a:schemeClr val="accent1"/>
+          </a:fillRef>
+          <a:effectRef idx="0">
+            <a:schemeClr val="accent1"/>
+          </a:effectRef>
+          <a:fontRef idx="minor">
+            <a:schemeClr val="lt1"/>
+          </a:fontRef>
+        </p:style>
+        <p:txBody>
+          <a:bodyPr rtlCol="0" anchor="ctr"/>
+          <a:lstStyle/>
+          <a:p>
+            <a:pPr algn="ctr"/>
+            <a:r>
+              <a:rPr lang="fr-FR" sz="1400" dirty="0">
+                <a:solidFill>
+                  <a:schemeClr val="tx1"/>
+                </a:solidFill>
+              </a:rPr>
+              <a:t>C12</a:t>
+            </a:r>
+          </a:p>
+        </p:txBody>
+      </p:sp>
+    </p:spTree>
+    <p:extLst>
+      <p:ext uri="{BB962C8B-B14F-4D97-AF65-F5344CB8AC3E}">
+        <p14:creationId xmlns:p14="http://schemas.microsoft.com/office/powerpoint/2010/main" val="661805809"/>
+      </p:ext>
+    </p:extLst>
+  </p:cSld>
+  <p:clrMapOvr>
+    <a:masterClrMapping/>
+  </p:clrMapOvr>
+</p:sld>
+</file>
+
+<file path=ppt/slides/slide37.xml><?xml version="1.0" encoding="utf-8"?>
+<p:sld xmlns:a="http://schemas.openxmlformats.org/drawingml/2006/main" xmlns:r="http://schemas.openxmlformats.org/officeDocument/2006/relationships" xmlns:p="http://schemas.openxmlformats.org/presentationml/2006/main">
+  <p:cSld>
+    <p:spTree>
+      <p:nvGrpSpPr>
+        <p:cNvPr id="1" name=""/>
+        <p:cNvGrpSpPr/>
+        <p:nvPr/>
+      </p:nvGrpSpPr>
+      <p:grpSpPr>
+        <a:xfrm>
+          <a:off x="0" y="0"/>
+          <a:ext cx="0" cy="0"/>
+          <a:chOff x="0" y="0"/>
+          <a:chExt cx="0" cy="0"/>
+        </a:xfrm>
+      </p:grpSpPr>
+      <p:sp>
+        <p:nvSpPr>
+          <p:cNvPr id="5" name="Espace réservé du numéro de diapositive 4">
+            <a:extLst>
+              <a:ext uri="{FF2B5EF4-FFF2-40B4-BE49-F238E27FC236}">
+                <a16:creationId xmlns:a16="http://schemas.microsoft.com/office/drawing/2014/main" id="{DD8B8DDE-C5A7-9CE8-93A7-58AB08487FE8}"/>
+              </a:ext>
+            </a:extLst>
+          </p:cNvPr>
+          <p:cNvSpPr>
+            <a:spLocks noGrp="1"/>
+          </p:cNvSpPr>
+          <p:nvPr>
+            <p:ph type="sldNum" sz="quarter" idx="12"/>
+          </p:nvPr>
+        </p:nvSpPr>
+        <p:spPr/>
+        <p:txBody>
+          <a:bodyPr/>
+          <a:lstStyle/>
+          <a:p>
+            <a:fld id="{BA06AB71-0B36-4B80-B991-039F7D68F8CB}" type="slidenum">
+              <a:rPr lang="fr-FR" smtClean="0"/>
+              <a:t>37</a:t>
             </a:fld>
             <a:endParaRPr lang="fr-FR" dirty="0"/>
           </a:p>
@@ -15537,7 +17101,7 @@
 </p:sld>
 </file>
 
-<file path=ppt/slides/slide36.xml><?xml version="1.0" encoding="utf-8"?>
+<file path=ppt/slides/slide38.xml><?xml version="1.0" encoding="utf-8"?>
 <p:sld xmlns:a="http://schemas.openxmlformats.org/drawingml/2006/main" xmlns:r="http://schemas.openxmlformats.org/officeDocument/2006/relationships" xmlns:p="http://schemas.openxmlformats.org/presentationml/2006/main">
   <p:cSld>
     <p:spTree>
@@ -15577,7 +17141,7 @@
           <a:p>
             <a:fld id="{BA06AB71-0B36-4B80-B991-039F7D68F8CB}" type="slidenum">
               <a:rPr lang="fr-FR" smtClean="0"/>
-              <a:t>36</a:t>
+              <a:t>38</a:t>
             </a:fld>
             <a:endParaRPr lang="fr-FR" dirty="0"/>
           </a:p>
@@ -15598,7 +17162,7 @@
         <p:spPr>
           <a:xfrm>
             <a:off x="145279" y="212868"/>
-            <a:ext cx="5495450" cy="5770811"/>
+            <a:ext cx="5431781" cy="6463308"/>
           </a:xfrm>
           <a:prstGeom prst="rect">
             <a:avLst/>
@@ -15624,53 +17188,53 @@
           </a:p>
           <a:p>
             <a:r>
-              <a:rPr lang="fr-FR" sz="2100" dirty="0"/>
+              <a:rPr lang="fr-FR" sz="2300" dirty="0"/>
               <a:t>Il faut au préalable avoir créé deux environnements virtuels, un dans app et un dans api, puis installer les requirements.txt,</a:t>
             </a:r>
           </a:p>
           <a:p>
             <a:r>
-              <a:rPr lang="fr-FR" sz="2100" dirty="0"/>
+              <a:rPr lang="fr-FR" sz="2300" dirty="0"/>
               <a:t>et </a:t>
             </a:r>
             <a:r>
-              <a:rPr lang="fr-FR" sz="2100" dirty="0" err="1"/>
+              <a:rPr lang="fr-FR" sz="2300" dirty="0" err="1"/>
               <a:t>éxécuter</a:t>
             </a:r>
             <a:r>
-              <a:rPr lang="fr-FR" sz="2100" dirty="0"/>
+              <a:rPr lang="fr-FR" sz="2300" dirty="0"/>
               <a:t> le script .bat.</a:t>
             </a:r>
           </a:p>
           <a:p>
-            <a:endParaRPr lang="fr-FR" sz="2100" dirty="0"/>
-          </a:p>
-          <a:p>
-            <a:r>
-              <a:rPr lang="fr-FR" sz="2100" dirty="0"/>
+            <a:endParaRPr lang="fr-FR" sz="2300" dirty="0"/>
+          </a:p>
+          <a:p>
+            <a:r>
+              <a:rPr lang="fr-FR" sz="2300" dirty="0"/>
               <a:t>Le script ouvre 3 terminaux, ce qui permet de lancer à la fois le back, le front, et le </a:t>
             </a:r>
             <a:r>
-              <a:rPr lang="fr-FR" sz="2100" dirty="0" err="1"/>
+              <a:rPr lang="fr-FR" sz="2300" dirty="0" err="1"/>
               <a:t>tracking</a:t>
             </a:r>
             <a:r>
-              <a:rPr lang="fr-FR" sz="2100" dirty="0"/>
+              <a:rPr lang="fr-FR" sz="2300" dirty="0"/>
               <a:t>.</a:t>
             </a:r>
           </a:p>
           <a:p>
-            <a:endParaRPr lang="fr-FR" sz="2100" dirty="0"/>
-          </a:p>
-          <a:p>
-            <a:endParaRPr lang="fr-FR" sz="2100" dirty="0"/>
-          </a:p>
-          <a:p>
-            <a:endParaRPr lang="fr-FR" sz="2100" dirty="0"/>
-          </a:p>
-          <a:p>
-            <a:r>
-              <a:rPr lang="fr-FR" sz="2100" dirty="0"/>
+            <a:endParaRPr lang="fr-FR" sz="2300" dirty="0"/>
+          </a:p>
+          <a:p>
+            <a:endParaRPr lang="fr-FR" sz="2300" dirty="0"/>
+          </a:p>
+          <a:p>
+            <a:endParaRPr lang="fr-FR" sz="2300" dirty="0"/>
+          </a:p>
+          <a:p>
+            <a:r>
+              <a:rPr lang="fr-FR" sz="2300" dirty="0"/>
               <a:t>Démonstration vidéo</a:t>
             </a:r>
           </a:p>
@@ -15767,518 +17331,6 @@
     <p:extLst>
       <p:ext uri="{BB962C8B-B14F-4D97-AF65-F5344CB8AC3E}">
         <p14:creationId xmlns:p14="http://schemas.microsoft.com/office/powerpoint/2010/main" val="789456968"/>
-      </p:ext>
-    </p:extLst>
-  </p:cSld>
-  <p:clrMapOvr>
-    <a:masterClrMapping/>
-  </p:clrMapOvr>
-</p:sld>
-</file>
-
-<file path=ppt/slides/slide37.xml><?xml version="1.0" encoding="utf-8"?>
-<p:sld xmlns:a="http://schemas.openxmlformats.org/drawingml/2006/main" xmlns:r="http://schemas.openxmlformats.org/officeDocument/2006/relationships" xmlns:p="http://schemas.openxmlformats.org/presentationml/2006/main">
-  <p:cSld>
-    <p:spTree>
-      <p:nvGrpSpPr>
-        <p:cNvPr id="1" name=""/>
-        <p:cNvGrpSpPr/>
-        <p:nvPr/>
-      </p:nvGrpSpPr>
-      <p:grpSpPr>
-        <a:xfrm>
-          <a:off x="0" y="0"/>
-          <a:ext cx="0" cy="0"/>
-          <a:chOff x="0" y="0"/>
-          <a:chExt cx="0" cy="0"/>
-        </a:xfrm>
-      </p:grpSpPr>
-      <p:sp>
-        <p:nvSpPr>
-          <p:cNvPr id="2" name="Titre 1"/>
-          <p:cNvSpPr>
-            <a:spLocks noGrp="1"/>
-          </p:cNvSpPr>
-          <p:nvPr>
-            <p:ph type="title"/>
-          </p:nvPr>
-        </p:nvSpPr>
-        <p:spPr>
-          <a:xfrm>
-            <a:off x="206433" y="198871"/>
-            <a:ext cx="10515600" cy="723842"/>
-          </a:xfrm>
-        </p:spPr>
-        <p:txBody>
-          <a:bodyPr/>
-          <a:lstStyle/>
-          <a:p>
-            <a:r>
-              <a:rPr lang="fr-FR" dirty="0"/>
-              <a:t>Références</a:t>
-            </a:r>
-          </a:p>
-        </p:txBody>
-      </p:sp>
-      <p:sp>
-        <p:nvSpPr>
-          <p:cNvPr id="3" name="Espace réservé du contenu 2"/>
-          <p:cNvSpPr>
-            <a:spLocks noGrp="1"/>
-          </p:cNvSpPr>
-          <p:nvPr>
-            <p:ph idx="1"/>
-          </p:nvPr>
-        </p:nvSpPr>
-        <p:spPr>
-          <a:xfrm>
-            <a:off x="314498" y="1285297"/>
-            <a:ext cx="10515600" cy="5373197"/>
-          </a:xfrm>
-        </p:spPr>
-        <p:txBody>
-          <a:bodyPr/>
-          <a:lstStyle/>
-          <a:p>
-            <a:pPr marL="0" indent="0">
-              <a:buNone/>
-            </a:pPr>
-            <a:r>
-              <a:rPr lang="fr-FR" sz="1200" u="sng" dirty="0"/>
-              <a:t>Contexte :</a:t>
-            </a:r>
-          </a:p>
-          <a:p>
-            <a:r>
-              <a:rPr lang="fr-FR" sz="1200" dirty="0"/>
-              <a:t>https://www.who.int/fr/news/item/02-03-2022-covid-19-pandemic-triggers-25-increase-in-prevalence-of-anxiety-and-depression-worldwide</a:t>
-            </a:r>
-          </a:p>
-          <a:p>
-            <a:r>
-              <a:rPr lang="fr-FR" sz="1200" dirty="0"/>
-              <a:t>https://www.ipsos.com/fr-fr/le-monde-en-chiffres-la-sante-mentale-des-francais</a:t>
-            </a:r>
-          </a:p>
-          <a:p>
-            <a:pPr marL="0" indent="0">
-              <a:buNone/>
-            </a:pPr>
-            <a:endParaRPr lang="fr-FR" sz="1200" dirty="0"/>
-          </a:p>
-          <a:p>
-            <a:pPr marL="0" indent="0">
-              <a:buNone/>
-            </a:pPr>
-            <a:r>
-              <a:rPr lang="fr-FR" sz="1200" u="sng" dirty="0" err="1"/>
-              <a:t>Dataset</a:t>
-            </a:r>
-            <a:r>
-              <a:rPr lang="fr-FR" sz="1200" u="sng" dirty="0"/>
-              <a:t> :</a:t>
-            </a:r>
-            <a:r>
-              <a:rPr lang="fr-FR" sz="1200" dirty="0"/>
-              <a:t> </a:t>
-            </a:r>
-          </a:p>
-          <a:p>
-            <a:r>
-              <a:rPr lang="fr-FR" sz="1200" dirty="0"/>
-              <a:t>https://www.kaggle.com/datasets/osmi/mental-health-in-tech-survey/data</a:t>
-            </a:r>
-          </a:p>
-          <a:p>
-            <a:pPr marL="0" indent="0">
-              <a:buNone/>
-            </a:pPr>
-            <a:endParaRPr lang="fr-FR" sz="1200" dirty="0"/>
-          </a:p>
-          <a:p>
-            <a:pPr marL="0" indent="0">
-              <a:buNone/>
-            </a:pPr>
-            <a:r>
-              <a:rPr lang="fr-FR" sz="1200" u="sng" dirty="0"/>
-              <a:t>Références veille technique :</a:t>
-            </a:r>
-          </a:p>
-          <a:p>
-            <a:r>
-              <a:rPr lang="fr-FR" sz="1200" dirty="0"/>
-              <a:t>https://datascientest.com/algorithme-de-classification-definition-et-principaux-modeles.</a:t>
-            </a:r>
-          </a:p>
-          <a:p>
-            <a:r>
-              <a:rPr lang="fr-FR" sz="1200" dirty="0" err="1"/>
-              <a:t>Machine_learnia</a:t>
-            </a:r>
-            <a:r>
-              <a:rPr lang="fr-FR" sz="1200" dirty="0"/>
-              <a:t>. https://www.youtube.com/watch?v=EUD07IiviJg&amp;list=PLO_fdPEVlfKqUF5BPKjGSh7aV9aBshrpY.</a:t>
-            </a:r>
-          </a:p>
-          <a:p>
-            <a:r>
-              <a:rPr lang="fr-FR" sz="1200" dirty="0" err="1"/>
-              <a:t>ChatGPT</a:t>
-            </a:r>
-            <a:r>
-              <a:rPr lang="fr-FR" sz="1200" dirty="0"/>
-              <a:t>. https://chat.openai.com/.</a:t>
-            </a:r>
-          </a:p>
-          <a:p>
-            <a:r>
-              <a:rPr lang="fr-FR" sz="1200" dirty="0" err="1"/>
-              <a:t>Statquest</a:t>
-            </a:r>
-            <a:r>
-              <a:rPr lang="fr-FR" sz="1200" dirty="0"/>
-              <a:t>. https://www.youtube.com/watch?v=_L39rN6gz7Y&amp;t=813s</a:t>
-            </a:r>
-          </a:p>
-        </p:txBody>
-      </p:sp>
-      <p:sp>
-        <p:nvSpPr>
-          <p:cNvPr id="4" name="Espace réservé du numéro de diapositive 3">
-            <a:extLst>
-              <a:ext uri="{FF2B5EF4-FFF2-40B4-BE49-F238E27FC236}">
-                <a16:creationId xmlns:a16="http://schemas.microsoft.com/office/drawing/2014/main" id="{FFB4440B-008E-876A-E874-9CC32E7D378C}"/>
-              </a:ext>
-            </a:extLst>
-          </p:cNvPr>
-          <p:cNvSpPr>
-            <a:spLocks noGrp="1"/>
-          </p:cNvSpPr>
-          <p:nvPr>
-            <p:ph type="sldNum" sz="quarter" idx="12"/>
-          </p:nvPr>
-        </p:nvSpPr>
-        <p:spPr/>
-        <p:txBody>
-          <a:bodyPr/>
-          <a:lstStyle/>
-          <a:p>
-            <a:fld id="{BA06AB71-0B36-4B80-B991-039F7D68F8CB}" type="slidenum">
-              <a:rPr lang="fr-FR" smtClean="0"/>
-              <a:t>37</a:t>
-            </a:fld>
-            <a:endParaRPr lang="fr-FR"/>
-          </a:p>
-        </p:txBody>
-      </p:sp>
-    </p:spTree>
-    <p:extLst>
-      <p:ext uri="{BB962C8B-B14F-4D97-AF65-F5344CB8AC3E}">
-        <p14:creationId xmlns:p14="http://schemas.microsoft.com/office/powerpoint/2010/main" val="1510801444"/>
-      </p:ext>
-    </p:extLst>
-  </p:cSld>
-  <p:clrMapOvr>
-    <a:masterClrMapping/>
-  </p:clrMapOvr>
-</p:sld>
-</file>
-
-<file path=ppt/slides/slide38.xml><?xml version="1.0" encoding="utf-8"?>
-<p:sld xmlns:a="http://schemas.openxmlformats.org/drawingml/2006/main" xmlns:r="http://schemas.openxmlformats.org/officeDocument/2006/relationships" xmlns:p="http://schemas.openxmlformats.org/presentationml/2006/main">
-  <p:cSld>
-    <p:spTree>
-      <p:nvGrpSpPr>
-        <p:cNvPr id="1" name=""/>
-        <p:cNvGrpSpPr/>
-        <p:nvPr/>
-      </p:nvGrpSpPr>
-      <p:grpSpPr>
-        <a:xfrm>
-          <a:off x="0" y="0"/>
-          <a:ext cx="0" cy="0"/>
-          <a:chOff x="0" y="0"/>
-          <a:chExt cx="0" cy="0"/>
-        </a:xfrm>
-      </p:grpSpPr>
-      <p:sp>
-        <p:nvSpPr>
-          <p:cNvPr id="2" name="Titre 1"/>
-          <p:cNvSpPr>
-            <a:spLocks noGrp="1"/>
-          </p:cNvSpPr>
-          <p:nvPr>
-            <p:ph type="title"/>
-          </p:nvPr>
-        </p:nvSpPr>
-        <p:spPr>
-          <a:xfrm>
-            <a:off x="114993" y="140681"/>
-            <a:ext cx="10515600" cy="682279"/>
-          </a:xfrm>
-        </p:spPr>
-        <p:txBody>
-          <a:bodyPr>
-            <a:normAutofit fontScale="90000"/>
-          </a:bodyPr>
-          <a:lstStyle/>
-          <a:p>
-            <a:r>
-              <a:rPr lang="fr-FR" dirty="0"/>
-              <a:t>Annexe</a:t>
-            </a:r>
-          </a:p>
-        </p:txBody>
-      </p:sp>
-      <p:sp>
-        <p:nvSpPr>
-          <p:cNvPr id="3" name="Espace réservé du contenu 2"/>
-          <p:cNvSpPr>
-            <a:spLocks noGrp="1"/>
-          </p:cNvSpPr>
-          <p:nvPr>
-            <p:ph idx="1"/>
-          </p:nvPr>
-        </p:nvSpPr>
-        <p:spPr>
-          <a:xfrm>
-            <a:off x="114993" y="919537"/>
-            <a:ext cx="10515600" cy="5772208"/>
-          </a:xfrm>
-        </p:spPr>
-        <p:txBody>
-          <a:bodyPr>
-            <a:noAutofit/>
-          </a:bodyPr>
-          <a:lstStyle/>
-          <a:p>
-            <a:pPr marL="0" indent="0">
-              <a:buNone/>
-            </a:pPr>
-            <a:r>
-              <a:rPr lang="fr-FR" sz="1200" u="sng" dirty="0"/>
-              <a:t>Comptes rendus d'avancement</a:t>
-            </a:r>
-          </a:p>
-          <a:p>
-            <a:pPr marL="0" indent="0">
-              <a:buNone/>
-            </a:pPr>
-            <a:r>
-              <a:rPr lang="fr-FR" sz="1200" dirty="0"/>
-              <a:t>Les réunions se sont déroulées les jeudis, à 14 heures, avec le Pr René Gallimard et Pr Hervé </a:t>
-            </a:r>
-            <a:r>
-              <a:rPr lang="fr-FR" sz="1200" dirty="0" err="1"/>
-              <a:t>Ducroc</a:t>
-            </a:r>
-            <a:r>
-              <a:rPr lang="fr-FR" sz="1200" dirty="0"/>
-              <a:t>.</a:t>
-            </a:r>
-          </a:p>
-          <a:p>
-            <a:pPr marL="0" indent="0">
-              <a:buNone/>
-            </a:pPr>
-            <a:r>
-              <a:rPr lang="fr-FR" sz="1200" u="sng" dirty="0"/>
-              <a:t>Rapport 1, 29 février</a:t>
-            </a:r>
-            <a:endParaRPr lang="fr-FR" sz="1200" dirty="0"/>
-          </a:p>
-          <a:p>
-            <a:pPr marL="0" indent="0">
-              <a:buNone/>
-            </a:pPr>
-            <a:r>
-              <a:rPr lang="fr-FR" sz="1200" dirty="0"/>
-              <a:t>Présentation du fichier d'analyse exploratoire des données :</a:t>
-            </a:r>
-          </a:p>
-          <a:p>
-            <a:pPr marL="0" indent="0">
-              <a:buNone/>
-            </a:pPr>
-            <a:r>
-              <a:rPr lang="fr-FR" sz="1200" dirty="0"/>
-              <a:t>		- Stratégie adoptée pour les valeurs manquantes, colonnes inutiles, lignes supprimées, simplification de la colonne "Genre".</a:t>
-            </a:r>
-          </a:p>
-          <a:p>
-            <a:pPr marL="0" indent="0">
-              <a:buNone/>
-            </a:pPr>
-            <a:r>
-              <a:rPr lang="fr-FR" sz="1200" dirty="0"/>
-              <a:t>		- Graphiques de représentation des données et interprétation</a:t>
-            </a:r>
-          </a:p>
-          <a:p>
-            <a:pPr marL="0" indent="0">
-              <a:buNone/>
-            </a:pPr>
-            <a:r>
-              <a:rPr lang="fr-FR" sz="1200" dirty="0"/>
-              <a:t>		- Résumé des stratégie adaptées (script python)</a:t>
-            </a:r>
-          </a:p>
-          <a:p>
-            <a:pPr marL="0" indent="0">
-              <a:buNone/>
-            </a:pPr>
-            <a:r>
-              <a:rPr lang="fr-FR" sz="1200" dirty="0"/>
-              <a:t>Nous nous sommes mis d'accord sur les stratégies adoptées de nettoyage de données, nous avons exploré ensemble les résultats de l'analyse exploratoire des données.  </a:t>
-            </a:r>
-          </a:p>
-          <a:p>
-            <a:pPr marL="0" indent="0">
-              <a:buNone/>
-            </a:pPr>
-            <a:r>
-              <a:rPr lang="fr-FR" sz="1200" dirty="0"/>
-              <a:t> </a:t>
-            </a:r>
-          </a:p>
-          <a:p>
-            <a:pPr marL="0" indent="0">
-              <a:buNone/>
-            </a:pPr>
-            <a:r>
-              <a:rPr lang="fr-FR" sz="1200" u="sng" dirty="0"/>
-              <a:t>Rapport 2, 7 mars</a:t>
-            </a:r>
-            <a:endParaRPr lang="fr-FR" sz="1200" dirty="0"/>
-          </a:p>
-          <a:p>
-            <a:pPr marL="0" indent="0">
-              <a:buNone/>
-            </a:pPr>
-            <a:r>
-              <a:rPr lang="fr-FR" sz="1200" dirty="0"/>
-              <a:t>Présentation de l'entraînement du modèle et des résultats :</a:t>
-            </a:r>
-          </a:p>
-          <a:p>
-            <a:pPr marL="0" indent="0">
-              <a:buNone/>
-            </a:pPr>
-            <a:r>
-              <a:rPr lang="fr-FR" sz="1200" dirty="0"/>
-              <a:t>		- Vulgarisation du machine </a:t>
-            </a:r>
-            <a:r>
-              <a:rPr lang="fr-FR" sz="1200" dirty="0" err="1"/>
-              <a:t>learning</a:t>
-            </a:r>
-            <a:endParaRPr lang="fr-FR" sz="1200" dirty="0"/>
-          </a:p>
-          <a:p>
-            <a:pPr marL="0" indent="0">
-              <a:buNone/>
-            </a:pPr>
-            <a:r>
-              <a:rPr lang="fr-FR" sz="1200" dirty="0"/>
-              <a:t>		- Présentation des résultats </a:t>
-            </a:r>
-          </a:p>
-          <a:p>
-            <a:pPr marL="0" indent="0">
-              <a:buNone/>
-            </a:pPr>
-            <a:r>
-              <a:rPr lang="fr-FR" sz="1200" dirty="0"/>
-              <a:t>		- Présentation d'un test</a:t>
-            </a:r>
-          </a:p>
-          <a:p>
-            <a:pPr marL="0" indent="0">
-              <a:buNone/>
-            </a:pPr>
-            <a:r>
-              <a:rPr lang="fr-FR" sz="1200" dirty="0"/>
-              <a:t>Lors de l'analyse des résultats, les professeurs ont cherché à savoir le fonctionnement interne du meilleur modèle, à savoir régression logistique, je me suis donc informé et leur ai présenté son fonctionnement.</a:t>
-            </a:r>
-          </a:p>
-          <a:p>
-            <a:pPr marL="0" indent="0">
-              <a:buNone/>
-            </a:pPr>
-            <a:r>
-              <a:rPr lang="fr-FR" sz="1200" dirty="0"/>
-              <a:t> </a:t>
-            </a:r>
-          </a:p>
-          <a:p>
-            <a:pPr marL="0" indent="0">
-              <a:buNone/>
-            </a:pPr>
-            <a:r>
-              <a:rPr lang="fr-FR" sz="1200" u="sng" dirty="0"/>
-              <a:t>Rapport 3, 28 mars</a:t>
-            </a:r>
-            <a:endParaRPr lang="fr-FR" sz="1200" dirty="0"/>
-          </a:p>
-          <a:p>
-            <a:pPr marL="0" indent="0">
-              <a:buNone/>
-            </a:pPr>
-            <a:r>
-              <a:rPr lang="fr-FR" sz="1200" dirty="0"/>
-              <a:t>Présentation de l'application fonctionnelle :</a:t>
-            </a:r>
-          </a:p>
-          <a:p>
-            <a:pPr marL="0" indent="0">
-              <a:buNone/>
-            </a:pPr>
-            <a:r>
-              <a:rPr lang="fr-FR" sz="1200" dirty="0"/>
-              <a:t>Nous avons vu ensemble si le produit fini était conforme aux attentes, nous avons discuté du fait d'intégrer un niveau de certitude dans les prédictions.</a:t>
-            </a:r>
-          </a:p>
-          <a:p>
-            <a:pPr marL="0" indent="0">
-              <a:buNone/>
-            </a:pPr>
-            <a:endParaRPr lang="fr-FR" sz="1200" dirty="0"/>
-          </a:p>
-        </p:txBody>
-      </p:sp>
-      <p:sp>
-        <p:nvSpPr>
-          <p:cNvPr id="4" name="Espace réservé du numéro de diapositive 3">
-            <a:extLst>
-              <a:ext uri="{FF2B5EF4-FFF2-40B4-BE49-F238E27FC236}">
-                <a16:creationId xmlns:a16="http://schemas.microsoft.com/office/drawing/2014/main" id="{F95C3810-9747-FEDE-D1C5-B99F4E1E90F4}"/>
-              </a:ext>
-            </a:extLst>
-          </p:cNvPr>
-          <p:cNvSpPr>
-            <a:spLocks noGrp="1"/>
-          </p:cNvSpPr>
-          <p:nvPr>
-            <p:ph type="sldNum" sz="quarter" idx="12"/>
-          </p:nvPr>
-        </p:nvSpPr>
-        <p:spPr/>
-        <p:txBody>
-          <a:bodyPr/>
-          <a:lstStyle/>
-          <a:p>
-            <a:fld id="{BA06AB71-0B36-4B80-B991-039F7D68F8CB}" type="slidenum">
-              <a:rPr lang="fr-FR" smtClean="0"/>
-              <a:t>38</a:t>
-            </a:fld>
-            <a:endParaRPr lang="fr-FR"/>
-          </a:p>
-        </p:txBody>
-      </p:sp>
-    </p:spTree>
-    <p:extLst>
-      <p:ext uri="{BB962C8B-B14F-4D97-AF65-F5344CB8AC3E}">
-        <p14:creationId xmlns:p14="http://schemas.microsoft.com/office/powerpoint/2010/main" val="1945735164"/>
       </p:ext>
     </p:extLst>
   </p:cSld>
@@ -16307,58 +17359,131 @@
       </p:grpSpPr>
       <p:sp>
         <p:nvSpPr>
-          <p:cNvPr id="3" name="Espace réservé du contenu 2"/>
-          <p:cNvSpPr>
-            <a:spLocks noGrp="1"/>
-          </p:cNvSpPr>
-          <p:nvPr>
-            <p:ph idx="1"/>
-          </p:nvPr>
+          <p:cNvPr id="5" name="Espace réservé du numéro de diapositive 4">
+            <a:extLst>
+              <a:ext uri="{FF2B5EF4-FFF2-40B4-BE49-F238E27FC236}">
+                <a16:creationId xmlns:a16="http://schemas.microsoft.com/office/drawing/2014/main" id="{DD8B8DDE-C5A7-9CE8-93A7-58AB08487FE8}"/>
+              </a:ext>
+            </a:extLst>
+          </p:cNvPr>
+          <p:cNvSpPr>
+            <a:spLocks noGrp="1"/>
+          </p:cNvSpPr>
+          <p:nvPr>
+            <p:ph type="sldNum" sz="quarter" idx="12"/>
+          </p:nvPr>
+        </p:nvSpPr>
+        <p:spPr/>
+        <p:txBody>
+          <a:bodyPr/>
+          <a:lstStyle/>
+          <a:p>
+            <a:fld id="{BA06AB71-0B36-4B80-B991-039F7D68F8CB}" type="slidenum">
+              <a:rPr lang="fr-FR" smtClean="0"/>
+              <a:t>39</a:t>
+            </a:fld>
+            <a:endParaRPr lang="fr-FR" dirty="0"/>
+          </a:p>
+        </p:txBody>
+      </p:sp>
+      <p:sp>
+        <p:nvSpPr>
+          <p:cNvPr id="2" name="ZoneTexte 1">
+            <a:extLst>
+              <a:ext uri="{FF2B5EF4-FFF2-40B4-BE49-F238E27FC236}">
+                <a16:creationId xmlns:a16="http://schemas.microsoft.com/office/drawing/2014/main" id="{2E90C11F-8091-7377-C872-B8BC996E8E1B}"/>
+              </a:ext>
+            </a:extLst>
+          </p:cNvPr>
+          <p:cNvSpPr txBox="1"/>
+          <p:nvPr/>
         </p:nvSpPr>
         <p:spPr>
           <a:xfrm>
-            <a:off x="189807" y="296083"/>
-            <a:ext cx="5331317" cy="486783"/>
+            <a:off x="145279" y="212868"/>
+            <a:ext cx="5495450" cy="3508653"/>
           </a:xfrm>
+          <a:prstGeom prst="rect">
+            <a:avLst/>
+          </a:prstGeom>
+          <a:noFill/>
         </p:spPr>
         <p:txBody>
-          <a:bodyPr/>
-          <a:lstStyle/>
-          <a:p>
-            <a:pPr marL="0" indent="0">
-              <a:buNone/>
-            </a:pPr>
-            <a:r>
-              <a:rPr lang="fr-FR" sz="2000" u="sng" dirty="0"/>
-              <a:t>Exemple de requêtes sur la BDD analytique (C2) :</a:t>
-            </a:r>
-          </a:p>
-          <a:p>
-            <a:pPr marL="0" indent="0">
-              <a:buNone/>
-            </a:pPr>
-            <a:endParaRPr lang="fr-FR" sz="1200" dirty="0"/>
+          <a:bodyPr wrap="square" rtlCol="0">
+            <a:spAutoFit/>
+          </a:bodyPr>
+          <a:lstStyle/>
+          <a:p>
+            <a:r>
+              <a:rPr lang="fr-FR" sz="2500" u="sng" dirty="0"/>
+              <a:t>3.9 Lancement de l’application</a:t>
+            </a:r>
+          </a:p>
+          <a:p>
+            <a:endParaRPr lang="fr-FR" sz="2500" u="sng" dirty="0"/>
+          </a:p>
+          <a:p>
+            <a:r>
+              <a:rPr lang="fr-FR" sz="2100" dirty="0"/>
+              <a:t>Slide de conclusion</a:t>
+            </a:r>
+          </a:p>
+          <a:p>
+            <a:endParaRPr lang="fr-FR" sz="2100" dirty="0"/>
+          </a:p>
+          <a:p>
+            <a:endParaRPr lang="fr-FR" sz="2100" dirty="0"/>
+          </a:p>
+          <a:p>
+            <a:r>
+              <a:rPr lang="fr-FR" sz="2100" dirty="0"/>
+              <a:t>Résumé</a:t>
+            </a:r>
+          </a:p>
+          <a:p>
+            <a:r>
+              <a:rPr lang="fr-FR" sz="2100" dirty="0"/>
+              <a:t>Perspective de l’application</a:t>
+            </a:r>
+          </a:p>
+          <a:p>
+            <a:r>
+              <a:rPr lang="fr-FR" sz="2100" dirty="0"/>
+              <a:t>Clients potentiels</a:t>
+            </a:r>
+          </a:p>
+          <a:p>
+            <a:endParaRPr lang="fr-FR" sz="2300" u="sng" dirty="0"/>
+          </a:p>
+          <a:p>
+            <a:endParaRPr lang="fr-FR" sz="2300" dirty="0"/>
           </a:p>
         </p:txBody>
       </p:sp>
       <p:pic>
         <p:nvPicPr>
-          <p:cNvPr id="4" name="Image 3"/>
+          <p:cNvPr id="4" name="Image 3">
+            <a:extLst>
+              <a:ext uri="{FF2B5EF4-FFF2-40B4-BE49-F238E27FC236}">
+                <a16:creationId xmlns:a16="http://schemas.microsoft.com/office/drawing/2014/main" id="{B7515140-3145-E3DB-A7ED-5F8E4A476A5A}"/>
+              </a:ext>
+            </a:extLst>
+          </p:cNvPr>
           <p:cNvPicPr>
             <a:picLocks noChangeAspect="1"/>
           </p:cNvPicPr>
           <p:nvPr/>
         </p:nvPicPr>
         <p:blipFill>
-          <a:blip r:embed="rId2"/>
+          <a:blip r:embed="rId3"/>
           <a:stretch>
             <a:fillRect/>
           </a:stretch>
         </p:blipFill>
         <p:spPr>
           <a:xfrm>
-            <a:off x="256310" y="782866"/>
-            <a:ext cx="8486775" cy="1152525"/>
+            <a:off x="5640729" y="994193"/>
+            <a:ext cx="5355220" cy="5170556"/>
           </a:xfrm>
           <a:prstGeom prst="rect">
             <a:avLst/>
@@ -16367,39 +17492,10 @@
       </p:pic>
       <p:sp>
         <p:nvSpPr>
-          <p:cNvPr id="5" name="Espace réservé du numéro de diapositive 4">
-            <a:extLst>
-              <a:ext uri="{FF2B5EF4-FFF2-40B4-BE49-F238E27FC236}">
-                <a16:creationId xmlns:a16="http://schemas.microsoft.com/office/drawing/2014/main" id="{7BC38B4D-B3FA-615A-8AC6-4AABDD61B85E}"/>
-              </a:ext>
-            </a:extLst>
-          </p:cNvPr>
-          <p:cNvSpPr>
-            <a:spLocks noGrp="1"/>
-          </p:cNvSpPr>
-          <p:nvPr>
-            <p:ph type="sldNum" sz="quarter" idx="12"/>
-          </p:nvPr>
-        </p:nvSpPr>
-        <p:spPr/>
-        <p:txBody>
-          <a:bodyPr/>
-          <a:lstStyle/>
-          <a:p>
-            <a:fld id="{BA06AB71-0B36-4B80-B991-039F7D68F8CB}" type="slidenum">
-              <a:rPr lang="fr-FR" smtClean="0"/>
-              <a:t>39</a:t>
-            </a:fld>
-            <a:endParaRPr lang="fr-FR"/>
-          </a:p>
-        </p:txBody>
-      </p:sp>
-      <p:sp>
-        <p:nvSpPr>
-          <p:cNvPr id="6" name="ZoneTexte 5">
-            <a:extLst>
-              <a:ext uri="{FF2B5EF4-FFF2-40B4-BE49-F238E27FC236}">
-                <a16:creationId xmlns:a16="http://schemas.microsoft.com/office/drawing/2014/main" id="{E56897A5-E21B-6E54-7BE4-162E3EFC1A0A}"/>
+          <p:cNvPr id="3" name="ZoneTexte 2">
+            <a:extLst>
+              <a:ext uri="{FF2B5EF4-FFF2-40B4-BE49-F238E27FC236}">
+                <a16:creationId xmlns:a16="http://schemas.microsoft.com/office/drawing/2014/main" id="{96BF14CE-974B-E449-5631-5C70A0E28E9E}"/>
               </a:ext>
             </a:extLst>
           </p:cNvPr>
@@ -16408,7 +17504,7 @@
         </p:nvSpPr>
         <p:spPr>
           <a:xfrm>
-            <a:off x="256310" y="2129786"/>
+            <a:off x="5640729" y="6288265"/>
             <a:ext cx="5431781" cy="292388"/>
           </a:xfrm>
           <a:prstGeom prst="rect">
@@ -16437,59 +17533,15 @@
                 <a:ea typeface="Calibri" panose="020F0502020204030204" pitchFamily="34" charset="0"/>
                 <a:cs typeface="Times New Roman" panose="02020603050405020304" pitchFamily="18" charset="0"/>
               </a:rPr>
-              <a:t>Figure </a:t>
-            </a:r>
-            <a:r>
-              <a:rPr lang="fr-FR" sz="1300" i="1" dirty="0">
-                <a:solidFill>
-                  <a:srgbClr val="44546A"/>
-                </a:solidFill>
-                <a:latin typeface="Calibri" panose="020F0502020204030204" pitchFamily="34" charset="0"/>
-                <a:ea typeface="Calibri" panose="020F0502020204030204" pitchFamily="34" charset="0"/>
-                <a:cs typeface="Times New Roman" panose="02020603050405020304" pitchFamily="18" charset="0"/>
-              </a:rPr>
-              <a:t>41</a:t>
-            </a:r>
-            <a:r>
-              <a:rPr lang="fr-FR" sz="1300" i="1" dirty="0">
-                <a:solidFill>
-                  <a:srgbClr val="44546A"/>
-                </a:solidFill>
-                <a:effectLst/>
-                <a:latin typeface="Calibri" panose="020F0502020204030204" pitchFamily="34" charset="0"/>
-                <a:ea typeface="Calibri" panose="020F0502020204030204" pitchFamily="34" charset="0"/>
-                <a:cs typeface="Times New Roman" panose="02020603050405020304" pitchFamily="18" charset="0"/>
-              </a:rPr>
-              <a:t> : Exemple de requêtes sur la </a:t>
-            </a:r>
-            <a:r>
-              <a:rPr lang="fr-FR" sz="1300" i="1" dirty="0" err="1">
-                <a:solidFill>
-                  <a:srgbClr val="44546A"/>
-                </a:solidFill>
-                <a:effectLst/>
-                <a:latin typeface="Calibri" panose="020F0502020204030204" pitchFamily="34" charset="0"/>
-                <a:ea typeface="Calibri" panose="020F0502020204030204" pitchFamily="34" charset="0"/>
-                <a:cs typeface="Times New Roman" panose="02020603050405020304" pitchFamily="18" charset="0"/>
-              </a:rPr>
-              <a:t>bdd</a:t>
-            </a:r>
-            <a:endParaRPr lang="fr-FR" sz="1300" i="1" dirty="0">
-              <a:solidFill>
-                <a:srgbClr val="44546A"/>
-              </a:solidFill>
-              <a:effectLst/>
-              <a:latin typeface="Calibri" panose="020F0502020204030204" pitchFamily="34" charset="0"/>
-              <a:ea typeface="Calibri" panose="020F0502020204030204" pitchFamily="34" charset="0"/>
-              <a:cs typeface="Times New Roman" panose="02020603050405020304" pitchFamily="18" charset="0"/>
-            </a:endParaRPr>
+              <a:t>Figure 40 : Fichier de lancement</a:t>
+            </a:r>
           </a:p>
         </p:txBody>
       </p:sp>
     </p:spTree>
     <p:extLst>
       <p:ext uri="{BB962C8B-B14F-4D97-AF65-F5344CB8AC3E}">
-        <p14:creationId xmlns:p14="http://schemas.microsoft.com/office/powerpoint/2010/main" val="4003701103"/>
+        <p14:creationId xmlns:p14="http://schemas.microsoft.com/office/powerpoint/2010/main" val="3473951368"/>
       </p:ext>
     </p:extLst>
   </p:cSld>
@@ -16618,7 +17670,7 @@
               <a:buNone/>
             </a:pPr>
             <a:r>
-              <a:rPr lang="fr-FR" sz="2500" dirty="0"/>
+              <a:rPr lang="fr-FR" sz="2700" dirty="0"/>
               <a:t>Questions sur l'employeur, la santé mentale</a:t>
             </a:r>
           </a:p>
@@ -16626,18 +17678,18 @@
             <a:pPr marL="0" indent="0">
               <a:buNone/>
             </a:pPr>
-            <a:endParaRPr lang="fr-FR" sz="2500" dirty="0"/>
-          </a:p>
-          <a:p>
-            <a:pPr marL="0" indent="0">
-              <a:buNone/>
-            </a:pPr>
-            <a:r>
-              <a:rPr lang="fr-FR" sz="2500" u="sng" dirty="0"/>
+            <a:endParaRPr lang="fr-FR" sz="2700" dirty="0"/>
+          </a:p>
+          <a:p>
+            <a:pPr marL="0" indent="0">
+              <a:buNone/>
+            </a:pPr>
+            <a:r>
+              <a:rPr lang="fr-FR" sz="2700" u="sng" dirty="0"/>
               <a:t>Exemple de question</a:t>
             </a:r>
             <a:r>
-              <a:rPr lang="fr-FR" sz="2500" dirty="0"/>
+              <a:rPr lang="fr-FR" sz="2700" dirty="0"/>
               <a:t> : Pensez-vous que votre employeur prend autant au sérieux la santé mentale que la santé physique ?</a:t>
             </a:r>
           </a:p>
@@ -16645,21 +17697,20 @@
             <a:pPr marL="0" indent="0">
               <a:buNone/>
             </a:pPr>
-            <a:endParaRPr lang="fr-FR" sz="2500" dirty="0"/>
-          </a:p>
-          <a:p>
-            <a:pPr marL="0" indent="0">
-              <a:buNone/>
-            </a:pPr>
-            <a:r>
-              <a:rPr lang="fr-FR" sz="2500" u="sng" dirty="0"/>
+            <a:endParaRPr lang="fr-FR" sz="2700" dirty="0"/>
+          </a:p>
+          <a:p>
+            <a:pPr marL="0" indent="0">
+              <a:buNone/>
+            </a:pPr>
+            <a:r>
+              <a:rPr lang="fr-FR" sz="2700" u="sng" dirty="0"/>
               <a:t>Question cible du modèle</a:t>
             </a:r>
             <a:r>
-              <a:rPr lang="fr-FR" sz="2500" dirty="0"/>
+              <a:rPr lang="fr-FR" sz="2700" dirty="0"/>
               <a:t>: Avez-vous déjà demandé un traitement pour un problème de santé mentale ? </a:t>
             </a:r>
-            <a:endParaRPr lang="fr-FR" dirty="0"/>
           </a:p>
           <a:p>
             <a:pPr marL="0" indent="0">
@@ -16778,6 +17829,1300 @@
     <p:extLst>
       <p:ext uri="{BB962C8B-B14F-4D97-AF65-F5344CB8AC3E}">
         <p14:creationId xmlns:p14="http://schemas.microsoft.com/office/powerpoint/2010/main" val="1274007080"/>
+      </p:ext>
+    </p:extLst>
+  </p:cSld>
+  <p:clrMapOvr>
+    <a:masterClrMapping/>
+  </p:clrMapOvr>
+</p:sld>
+</file>
+
+<file path=ppt/slides/slide40.xml><?xml version="1.0" encoding="utf-8"?>
+<p:sld xmlns:a="http://schemas.openxmlformats.org/drawingml/2006/main" xmlns:r="http://schemas.openxmlformats.org/officeDocument/2006/relationships" xmlns:p="http://schemas.openxmlformats.org/presentationml/2006/main">
+  <p:cSld>
+    <p:spTree>
+      <p:nvGrpSpPr>
+        <p:cNvPr id="1" name=""/>
+        <p:cNvGrpSpPr/>
+        <p:nvPr/>
+      </p:nvGrpSpPr>
+      <p:grpSpPr>
+        <a:xfrm>
+          <a:off x="0" y="0"/>
+          <a:ext cx="0" cy="0"/>
+          <a:chOff x="0" y="0"/>
+          <a:chExt cx="0" cy="0"/>
+        </a:xfrm>
+      </p:grpSpPr>
+      <p:sp>
+        <p:nvSpPr>
+          <p:cNvPr id="2" name="Titre 1"/>
+          <p:cNvSpPr>
+            <a:spLocks noGrp="1"/>
+          </p:cNvSpPr>
+          <p:nvPr>
+            <p:ph type="title"/>
+          </p:nvPr>
+        </p:nvSpPr>
+        <p:spPr>
+          <a:xfrm>
+            <a:off x="206433" y="198871"/>
+            <a:ext cx="10515600" cy="723842"/>
+          </a:xfrm>
+        </p:spPr>
+        <p:txBody>
+          <a:bodyPr/>
+          <a:lstStyle/>
+          <a:p>
+            <a:r>
+              <a:rPr lang="fr-FR" dirty="0"/>
+              <a:t>Références</a:t>
+            </a:r>
+          </a:p>
+        </p:txBody>
+      </p:sp>
+      <p:sp>
+        <p:nvSpPr>
+          <p:cNvPr id="3" name="Espace réservé du contenu 2"/>
+          <p:cNvSpPr>
+            <a:spLocks noGrp="1"/>
+          </p:cNvSpPr>
+          <p:nvPr>
+            <p:ph idx="1"/>
+          </p:nvPr>
+        </p:nvSpPr>
+        <p:spPr>
+          <a:xfrm>
+            <a:off x="314498" y="1285297"/>
+            <a:ext cx="10515600" cy="5373197"/>
+          </a:xfrm>
+        </p:spPr>
+        <p:txBody>
+          <a:bodyPr>
+            <a:normAutofit/>
+          </a:bodyPr>
+          <a:lstStyle/>
+          <a:p>
+            <a:pPr marL="0" indent="0">
+              <a:buNone/>
+            </a:pPr>
+            <a:r>
+              <a:rPr lang="fr-FR" sz="1600" u="sng" dirty="0"/>
+              <a:t>Contexte :</a:t>
+            </a:r>
+          </a:p>
+          <a:p>
+            <a:r>
+              <a:rPr lang="fr-FR" sz="1600" dirty="0"/>
+              <a:t>https://www.who.int/fr/news/item/02-03-2022-covid-19-pandemic-triggers-25-increase-in-prevalence-of-anxiety-and-depression-worldwide</a:t>
+            </a:r>
+          </a:p>
+          <a:p>
+            <a:r>
+              <a:rPr lang="fr-FR" sz="1600" dirty="0"/>
+              <a:t>https://www.ipsos.com/fr-fr/le-monde-en-chiffres-la-sante-mentale-des-francais</a:t>
+            </a:r>
+          </a:p>
+          <a:p>
+            <a:pPr marL="0" indent="0">
+              <a:buNone/>
+            </a:pPr>
+            <a:endParaRPr lang="fr-FR" sz="1600" dirty="0"/>
+          </a:p>
+          <a:p>
+            <a:pPr marL="0" indent="0">
+              <a:buNone/>
+            </a:pPr>
+            <a:r>
+              <a:rPr lang="fr-FR" sz="1600" u="sng" dirty="0" err="1"/>
+              <a:t>Dataset</a:t>
+            </a:r>
+            <a:r>
+              <a:rPr lang="fr-FR" sz="1600" u="sng" dirty="0"/>
+              <a:t> :</a:t>
+            </a:r>
+            <a:r>
+              <a:rPr lang="fr-FR" sz="1600" dirty="0"/>
+              <a:t> </a:t>
+            </a:r>
+          </a:p>
+          <a:p>
+            <a:r>
+              <a:rPr lang="fr-FR" sz="1600" dirty="0"/>
+              <a:t>https://www.kaggle.com/datasets/osmi/mental-health-in-tech-survey/data</a:t>
+            </a:r>
+          </a:p>
+          <a:p>
+            <a:pPr marL="0" indent="0">
+              <a:buNone/>
+            </a:pPr>
+            <a:endParaRPr lang="fr-FR" sz="1600" dirty="0"/>
+          </a:p>
+          <a:p>
+            <a:pPr marL="0" indent="0">
+              <a:buNone/>
+            </a:pPr>
+            <a:r>
+              <a:rPr lang="fr-FR" sz="1600" u="sng" dirty="0"/>
+              <a:t>Références veille technique :</a:t>
+            </a:r>
+          </a:p>
+          <a:p>
+            <a:r>
+              <a:rPr lang="fr-FR" sz="1600" dirty="0"/>
+              <a:t>https://datascientest.com/algorithme-de-classification-definition-et-principaux-modeles.</a:t>
+            </a:r>
+          </a:p>
+          <a:p>
+            <a:r>
+              <a:rPr lang="fr-FR" sz="1600" dirty="0" err="1"/>
+              <a:t>Machine_learnia</a:t>
+            </a:r>
+            <a:r>
+              <a:rPr lang="fr-FR" sz="1600" dirty="0"/>
+              <a:t>. https://www.youtube.com/watch?v=EUD07IiviJg&amp;list=PLO_fdPEVlfKqUF5BPKjGSh7aV9aBshrpY.</a:t>
+            </a:r>
+          </a:p>
+          <a:p>
+            <a:r>
+              <a:rPr lang="fr-FR" sz="1600" dirty="0" err="1"/>
+              <a:t>ChatGPT</a:t>
+            </a:r>
+            <a:r>
+              <a:rPr lang="fr-FR" sz="1600" dirty="0"/>
+              <a:t>. https://chat.openai.com/.</a:t>
+            </a:r>
+          </a:p>
+          <a:p>
+            <a:r>
+              <a:rPr lang="fr-FR" sz="1600" dirty="0" err="1"/>
+              <a:t>Statquest</a:t>
+            </a:r>
+            <a:r>
+              <a:rPr lang="fr-FR" sz="1600" dirty="0"/>
+              <a:t>. https://www.youtube.com/watch?v=_L39rN6gz7Y&amp;t=813s</a:t>
+            </a:r>
+          </a:p>
+        </p:txBody>
+      </p:sp>
+      <p:sp>
+        <p:nvSpPr>
+          <p:cNvPr id="4" name="Espace réservé du numéro de diapositive 3">
+            <a:extLst>
+              <a:ext uri="{FF2B5EF4-FFF2-40B4-BE49-F238E27FC236}">
+                <a16:creationId xmlns:a16="http://schemas.microsoft.com/office/drawing/2014/main" id="{FFB4440B-008E-876A-E874-9CC32E7D378C}"/>
+              </a:ext>
+            </a:extLst>
+          </p:cNvPr>
+          <p:cNvSpPr>
+            <a:spLocks noGrp="1"/>
+          </p:cNvSpPr>
+          <p:nvPr>
+            <p:ph type="sldNum" sz="quarter" idx="12"/>
+          </p:nvPr>
+        </p:nvSpPr>
+        <p:spPr/>
+        <p:txBody>
+          <a:bodyPr/>
+          <a:lstStyle/>
+          <a:p>
+            <a:fld id="{BA06AB71-0B36-4B80-B991-039F7D68F8CB}" type="slidenum">
+              <a:rPr lang="fr-FR" smtClean="0"/>
+              <a:t>40</a:t>
+            </a:fld>
+            <a:endParaRPr lang="fr-FR"/>
+          </a:p>
+        </p:txBody>
+      </p:sp>
+    </p:spTree>
+    <p:extLst>
+      <p:ext uri="{BB962C8B-B14F-4D97-AF65-F5344CB8AC3E}">
+        <p14:creationId xmlns:p14="http://schemas.microsoft.com/office/powerpoint/2010/main" val="1510801444"/>
+      </p:ext>
+    </p:extLst>
+  </p:cSld>
+  <p:clrMapOvr>
+    <a:masterClrMapping/>
+  </p:clrMapOvr>
+</p:sld>
+</file>
+
+<file path=ppt/slides/slide41.xml><?xml version="1.0" encoding="utf-8"?>
+<p:sld xmlns:a="http://schemas.openxmlformats.org/drawingml/2006/main" xmlns:r="http://schemas.openxmlformats.org/officeDocument/2006/relationships" xmlns:p="http://schemas.openxmlformats.org/presentationml/2006/main">
+  <p:cSld>
+    <p:spTree>
+      <p:nvGrpSpPr>
+        <p:cNvPr id="1" name=""/>
+        <p:cNvGrpSpPr/>
+        <p:nvPr/>
+      </p:nvGrpSpPr>
+      <p:grpSpPr>
+        <a:xfrm>
+          <a:off x="0" y="0"/>
+          <a:ext cx="0" cy="0"/>
+          <a:chOff x="0" y="0"/>
+          <a:chExt cx="0" cy="0"/>
+        </a:xfrm>
+      </p:grpSpPr>
+      <p:sp>
+        <p:nvSpPr>
+          <p:cNvPr id="2" name="Titre 1"/>
+          <p:cNvSpPr>
+            <a:spLocks noGrp="1"/>
+          </p:cNvSpPr>
+          <p:nvPr>
+            <p:ph type="title"/>
+          </p:nvPr>
+        </p:nvSpPr>
+        <p:spPr>
+          <a:xfrm>
+            <a:off x="114993" y="140681"/>
+            <a:ext cx="10515600" cy="682279"/>
+          </a:xfrm>
+        </p:spPr>
+        <p:txBody>
+          <a:bodyPr>
+            <a:normAutofit fontScale="90000"/>
+          </a:bodyPr>
+          <a:lstStyle/>
+          <a:p>
+            <a:r>
+              <a:rPr lang="fr-FR" dirty="0"/>
+              <a:t>Annexe</a:t>
+            </a:r>
+          </a:p>
+        </p:txBody>
+      </p:sp>
+      <p:sp>
+        <p:nvSpPr>
+          <p:cNvPr id="3" name="Espace réservé du contenu 2"/>
+          <p:cNvSpPr>
+            <a:spLocks noGrp="1"/>
+          </p:cNvSpPr>
+          <p:nvPr>
+            <p:ph idx="1"/>
+          </p:nvPr>
+        </p:nvSpPr>
+        <p:spPr>
+          <a:xfrm>
+            <a:off x="114993" y="919537"/>
+            <a:ext cx="10515600" cy="5772208"/>
+          </a:xfrm>
+        </p:spPr>
+        <p:txBody>
+          <a:bodyPr>
+            <a:noAutofit/>
+          </a:bodyPr>
+          <a:lstStyle/>
+          <a:p>
+            <a:pPr marL="0" indent="0">
+              <a:buNone/>
+            </a:pPr>
+            <a:r>
+              <a:rPr lang="fr-FR" sz="1200" u="sng" dirty="0"/>
+              <a:t>Comptes rendus d'avancement</a:t>
+            </a:r>
+          </a:p>
+          <a:p>
+            <a:pPr marL="0" indent="0">
+              <a:buNone/>
+            </a:pPr>
+            <a:r>
+              <a:rPr lang="fr-FR" sz="1200" dirty="0"/>
+              <a:t>Les réunions se sont déroulées les jeudis, à 14 heures, avec le Pr René Gallimard et Pr Hervé </a:t>
+            </a:r>
+            <a:r>
+              <a:rPr lang="fr-FR" sz="1200" dirty="0" err="1"/>
+              <a:t>Ducroc</a:t>
+            </a:r>
+            <a:r>
+              <a:rPr lang="fr-FR" sz="1200" dirty="0"/>
+              <a:t>.</a:t>
+            </a:r>
+          </a:p>
+          <a:p>
+            <a:pPr marL="0" indent="0">
+              <a:buNone/>
+            </a:pPr>
+            <a:r>
+              <a:rPr lang="fr-FR" sz="1200" u="sng" dirty="0"/>
+              <a:t>Rapport 1, 29 février</a:t>
+            </a:r>
+            <a:endParaRPr lang="fr-FR" sz="1200" dirty="0"/>
+          </a:p>
+          <a:p>
+            <a:pPr marL="0" indent="0">
+              <a:buNone/>
+            </a:pPr>
+            <a:r>
+              <a:rPr lang="fr-FR" sz="1200" dirty="0"/>
+              <a:t>Présentation du fichier d'analyse exploratoire des données :</a:t>
+            </a:r>
+          </a:p>
+          <a:p>
+            <a:pPr marL="0" indent="0">
+              <a:buNone/>
+            </a:pPr>
+            <a:r>
+              <a:rPr lang="fr-FR" sz="1200" dirty="0"/>
+              <a:t>		- Stratégie adoptée pour les valeurs manquantes, colonnes inutiles, lignes supprimées, simplification de la colonne "Genre".</a:t>
+            </a:r>
+          </a:p>
+          <a:p>
+            <a:pPr marL="0" indent="0">
+              <a:buNone/>
+            </a:pPr>
+            <a:r>
+              <a:rPr lang="fr-FR" sz="1200" dirty="0"/>
+              <a:t>		- Graphiques de représentation des données et interprétation</a:t>
+            </a:r>
+          </a:p>
+          <a:p>
+            <a:pPr marL="0" indent="0">
+              <a:buNone/>
+            </a:pPr>
+            <a:r>
+              <a:rPr lang="fr-FR" sz="1200" dirty="0"/>
+              <a:t>		- Résumé des stratégie adaptées (script python)</a:t>
+            </a:r>
+          </a:p>
+          <a:p>
+            <a:pPr marL="0" indent="0">
+              <a:buNone/>
+            </a:pPr>
+            <a:r>
+              <a:rPr lang="fr-FR" sz="1200" dirty="0"/>
+              <a:t>Nous nous sommes mis d'accord sur les stratégies adoptées de nettoyage de données, nous avons exploré ensemble les résultats de l'analyse exploratoire des données.  </a:t>
+            </a:r>
+          </a:p>
+          <a:p>
+            <a:pPr marL="0" indent="0">
+              <a:buNone/>
+            </a:pPr>
+            <a:r>
+              <a:rPr lang="fr-FR" sz="1200" dirty="0"/>
+              <a:t> </a:t>
+            </a:r>
+          </a:p>
+          <a:p>
+            <a:pPr marL="0" indent="0">
+              <a:buNone/>
+            </a:pPr>
+            <a:r>
+              <a:rPr lang="fr-FR" sz="1200" u="sng" dirty="0"/>
+              <a:t>Rapport 2, 7 mars</a:t>
+            </a:r>
+            <a:endParaRPr lang="fr-FR" sz="1200" dirty="0"/>
+          </a:p>
+          <a:p>
+            <a:pPr marL="0" indent="0">
+              <a:buNone/>
+            </a:pPr>
+            <a:r>
+              <a:rPr lang="fr-FR" sz="1200" dirty="0"/>
+              <a:t>Présentation de l'entraînement du modèle et des résultats :</a:t>
+            </a:r>
+          </a:p>
+          <a:p>
+            <a:pPr marL="0" indent="0">
+              <a:buNone/>
+            </a:pPr>
+            <a:r>
+              <a:rPr lang="fr-FR" sz="1200" dirty="0"/>
+              <a:t>		- Vulgarisation du machine </a:t>
+            </a:r>
+            <a:r>
+              <a:rPr lang="fr-FR" sz="1200" dirty="0" err="1"/>
+              <a:t>learning</a:t>
+            </a:r>
+            <a:endParaRPr lang="fr-FR" sz="1200" dirty="0"/>
+          </a:p>
+          <a:p>
+            <a:pPr marL="0" indent="0">
+              <a:buNone/>
+            </a:pPr>
+            <a:r>
+              <a:rPr lang="fr-FR" sz="1200" dirty="0"/>
+              <a:t>		- Présentation des résultats </a:t>
+            </a:r>
+          </a:p>
+          <a:p>
+            <a:pPr marL="0" indent="0">
+              <a:buNone/>
+            </a:pPr>
+            <a:r>
+              <a:rPr lang="fr-FR" sz="1200" dirty="0"/>
+              <a:t>		- Présentation d'un test</a:t>
+            </a:r>
+          </a:p>
+          <a:p>
+            <a:pPr marL="0" indent="0">
+              <a:buNone/>
+            </a:pPr>
+            <a:r>
+              <a:rPr lang="fr-FR" sz="1200" dirty="0"/>
+              <a:t>Lors de l'analyse des résultats, les professeurs ont cherché à savoir le fonctionnement interne du meilleur modèle, à savoir régression logistique, je me suis donc informé et leur ai présenté son fonctionnement.</a:t>
+            </a:r>
+          </a:p>
+          <a:p>
+            <a:pPr marL="0" indent="0">
+              <a:buNone/>
+            </a:pPr>
+            <a:r>
+              <a:rPr lang="fr-FR" sz="1200" dirty="0"/>
+              <a:t> </a:t>
+            </a:r>
+          </a:p>
+          <a:p>
+            <a:pPr marL="0" indent="0">
+              <a:buNone/>
+            </a:pPr>
+            <a:r>
+              <a:rPr lang="fr-FR" sz="1200" u="sng" dirty="0"/>
+              <a:t>Rapport 3, 28 mars</a:t>
+            </a:r>
+            <a:endParaRPr lang="fr-FR" sz="1200" dirty="0"/>
+          </a:p>
+          <a:p>
+            <a:pPr marL="0" indent="0">
+              <a:buNone/>
+            </a:pPr>
+            <a:r>
+              <a:rPr lang="fr-FR" sz="1200" dirty="0"/>
+              <a:t>Présentation de l'application fonctionnelle :</a:t>
+            </a:r>
+          </a:p>
+          <a:p>
+            <a:pPr marL="0" indent="0">
+              <a:buNone/>
+            </a:pPr>
+            <a:r>
+              <a:rPr lang="fr-FR" sz="1200" dirty="0"/>
+              <a:t>Nous avons vu ensemble si le produit fini était conforme aux attentes, nous avons discuté du fait d'intégrer un niveau de certitude dans les prédictions.</a:t>
+            </a:r>
+          </a:p>
+          <a:p>
+            <a:pPr marL="0" indent="0">
+              <a:buNone/>
+            </a:pPr>
+            <a:endParaRPr lang="fr-FR" sz="1200" dirty="0"/>
+          </a:p>
+        </p:txBody>
+      </p:sp>
+      <p:sp>
+        <p:nvSpPr>
+          <p:cNvPr id="4" name="Espace réservé du numéro de diapositive 3">
+            <a:extLst>
+              <a:ext uri="{FF2B5EF4-FFF2-40B4-BE49-F238E27FC236}">
+                <a16:creationId xmlns:a16="http://schemas.microsoft.com/office/drawing/2014/main" id="{F95C3810-9747-FEDE-D1C5-B99F4E1E90F4}"/>
+              </a:ext>
+            </a:extLst>
+          </p:cNvPr>
+          <p:cNvSpPr>
+            <a:spLocks noGrp="1"/>
+          </p:cNvSpPr>
+          <p:nvPr>
+            <p:ph type="sldNum" sz="quarter" idx="12"/>
+          </p:nvPr>
+        </p:nvSpPr>
+        <p:spPr/>
+        <p:txBody>
+          <a:bodyPr/>
+          <a:lstStyle/>
+          <a:p>
+            <a:fld id="{BA06AB71-0B36-4B80-B991-039F7D68F8CB}" type="slidenum">
+              <a:rPr lang="fr-FR" smtClean="0"/>
+              <a:t>41</a:t>
+            </a:fld>
+            <a:endParaRPr lang="fr-FR"/>
+          </a:p>
+        </p:txBody>
+      </p:sp>
+    </p:spTree>
+    <p:extLst>
+      <p:ext uri="{BB962C8B-B14F-4D97-AF65-F5344CB8AC3E}">
+        <p14:creationId xmlns:p14="http://schemas.microsoft.com/office/powerpoint/2010/main" val="2140888137"/>
+      </p:ext>
+    </p:extLst>
+  </p:cSld>
+  <p:clrMapOvr>
+    <a:masterClrMapping/>
+  </p:clrMapOvr>
+</p:sld>
+</file>
+
+<file path=ppt/slides/slide42.xml><?xml version="1.0" encoding="utf-8"?>
+<p:sld xmlns:a="http://schemas.openxmlformats.org/drawingml/2006/main" xmlns:r="http://schemas.openxmlformats.org/officeDocument/2006/relationships" xmlns:p="http://schemas.openxmlformats.org/presentationml/2006/main">
+  <p:cSld>
+    <p:spTree>
+      <p:nvGrpSpPr>
+        <p:cNvPr id="1" name=""/>
+        <p:cNvGrpSpPr/>
+        <p:nvPr/>
+      </p:nvGrpSpPr>
+      <p:grpSpPr>
+        <a:xfrm>
+          <a:off x="0" y="0"/>
+          <a:ext cx="0" cy="0"/>
+          <a:chOff x="0" y="0"/>
+          <a:chExt cx="0" cy="0"/>
+        </a:xfrm>
+      </p:grpSpPr>
+      <p:sp>
+        <p:nvSpPr>
+          <p:cNvPr id="3" name="Espace réservé du contenu 2"/>
+          <p:cNvSpPr>
+            <a:spLocks noGrp="1"/>
+          </p:cNvSpPr>
+          <p:nvPr>
+            <p:ph idx="1"/>
+          </p:nvPr>
+        </p:nvSpPr>
+        <p:spPr>
+          <a:xfrm>
+            <a:off x="189807" y="212907"/>
+            <a:ext cx="7148542" cy="569960"/>
+          </a:xfrm>
+        </p:spPr>
+        <p:txBody>
+          <a:bodyPr>
+            <a:normAutofit/>
+          </a:bodyPr>
+          <a:lstStyle/>
+          <a:p>
+            <a:pPr marL="0" indent="0">
+              <a:buNone/>
+            </a:pPr>
+            <a:r>
+              <a:rPr lang="fr-FR" sz="2300" u="sng" dirty="0"/>
+              <a:t>Exemple de requêtes sur la BDD analytique (C2) :</a:t>
+            </a:r>
+          </a:p>
+          <a:p>
+            <a:pPr marL="0" indent="0">
+              <a:buNone/>
+            </a:pPr>
+            <a:endParaRPr lang="fr-FR" sz="1200" dirty="0"/>
+          </a:p>
+        </p:txBody>
+      </p:sp>
+      <p:pic>
+        <p:nvPicPr>
+          <p:cNvPr id="4" name="Image 3"/>
+          <p:cNvPicPr>
+            <a:picLocks noChangeAspect="1"/>
+          </p:cNvPicPr>
+          <p:nvPr/>
+        </p:nvPicPr>
+        <p:blipFill>
+          <a:blip r:embed="rId2"/>
+          <a:stretch>
+            <a:fillRect/>
+          </a:stretch>
+        </p:blipFill>
+        <p:spPr>
+          <a:xfrm>
+            <a:off x="256310" y="782866"/>
+            <a:ext cx="8486775" cy="1152525"/>
+          </a:xfrm>
+          <a:prstGeom prst="rect">
+            <a:avLst/>
+          </a:prstGeom>
+        </p:spPr>
+      </p:pic>
+      <p:sp>
+        <p:nvSpPr>
+          <p:cNvPr id="5" name="Espace réservé du numéro de diapositive 4">
+            <a:extLst>
+              <a:ext uri="{FF2B5EF4-FFF2-40B4-BE49-F238E27FC236}">
+                <a16:creationId xmlns:a16="http://schemas.microsoft.com/office/drawing/2014/main" id="{7BC38B4D-B3FA-615A-8AC6-4AABDD61B85E}"/>
+              </a:ext>
+            </a:extLst>
+          </p:cNvPr>
+          <p:cNvSpPr>
+            <a:spLocks noGrp="1"/>
+          </p:cNvSpPr>
+          <p:nvPr>
+            <p:ph type="sldNum" sz="quarter" idx="12"/>
+          </p:nvPr>
+        </p:nvSpPr>
+        <p:spPr/>
+        <p:txBody>
+          <a:bodyPr/>
+          <a:lstStyle/>
+          <a:p>
+            <a:fld id="{BA06AB71-0B36-4B80-B991-039F7D68F8CB}" type="slidenum">
+              <a:rPr lang="fr-FR" smtClean="0"/>
+              <a:t>42</a:t>
+            </a:fld>
+            <a:endParaRPr lang="fr-FR"/>
+          </a:p>
+        </p:txBody>
+      </p:sp>
+      <p:sp>
+        <p:nvSpPr>
+          <p:cNvPr id="6" name="ZoneTexte 5">
+            <a:extLst>
+              <a:ext uri="{FF2B5EF4-FFF2-40B4-BE49-F238E27FC236}">
+                <a16:creationId xmlns:a16="http://schemas.microsoft.com/office/drawing/2014/main" id="{E56897A5-E21B-6E54-7BE4-162E3EFC1A0A}"/>
+              </a:ext>
+            </a:extLst>
+          </p:cNvPr>
+          <p:cNvSpPr txBox="1"/>
+          <p:nvPr/>
+        </p:nvSpPr>
+        <p:spPr>
+          <a:xfrm>
+            <a:off x="256310" y="2129786"/>
+            <a:ext cx="5431781" cy="292388"/>
+          </a:xfrm>
+          <a:prstGeom prst="rect">
+            <a:avLst/>
+          </a:prstGeom>
+          <a:noFill/>
+        </p:spPr>
+        <p:txBody>
+          <a:bodyPr wrap="square" rtlCol="0">
+            <a:spAutoFit/>
+          </a:bodyPr>
+          <a:lstStyle/>
+          <a:p>
+            <a:pPr>
+              <a:spcAft>
+                <a:spcPts val="1000"/>
+              </a:spcAft>
+            </a:pPr>
+            <a:r>
+              <a:rPr lang="fr-FR" sz="1300" i="1" dirty="0">
+                <a:solidFill>
+                  <a:srgbClr val="44546A"/>
+                </a:solidFill>
+                <a:effectLst/>
+                <a:latin typeface="Calibri" panose="020F0502020204030204" pitchFamily="34" charset="0"/>
+                <a:ea typeface="Calibri" panose="020F0502020204030204" pitchFamily="34" charset="0"/>
+                <a:cs typeface="Times New Roman" panose="02020603050405020304" pitchFamily="18" charset="0"/>
+              </a:rPr>
+              <a:t>Figure </a:t>
+            </a:r>
+            <a:r>
+              <a:rPr lang="fr-FR" sz="1300" i="1" dirty="0">
+                <a:solidFill>
+                  <a:srgbClr val="44546A"/>
+                </a:solidFill>
+                <a:latin typeface="Calibri" panose="020F0502020204030204" pitchFamily="34" charset="0"/>
+                <a:ea typeface="Calibri" panose="020F0502020204030204" pitchFamily="34" charset="0"/>
+                <a:cs typeface="Times New Roman" panose="02020603050405020304" pitchFamily="18" charset="0"/>
+              </a:rPr>
+              <a:t>41</a:t>
+            </a:r>
+            <a:r>
+              <a:rPr lang="fr-FR" sz="1300" i="1" dirty="0">
+                <a:solidFill>
+                  <a:srgbClr val="44546A"/>
+                </a:solidFill>
+                <a:effectLst/>
+                <a:latin typeface="Calibri" panose="020F0502020204030204" pitchFamily="34" charset="0"/>
+                <a:ea typeface="Calibri" panose="020F0502020204030204" pitchFamily="34" charset="0"/>
+                <a:cs typeface="Times New Roman" panose="02020603050405020304" pitchFamily="18" charset="0"/>
+              </a:rPr>
+              <a:t> : Exemple de requêtes sur la </a:t>
+            </a:r>
+            <a:r>
+              <a:rPr lang="fr-FR" sz="1300" i="1" dirty="0" err="1">
+                <a:solidFill>
+                  <a:srgbClr val="44546A"/>
+                </a:solidFill>
+                <a:effectLst/>
+                <a:latin typeface="Calibri" panose="020F0502020204030204" pitchFamily="34" charset="0"/>
+                <a:ea typeface="Calibri" panose="020F0502020204030204" pitchFamily="34" charset="0"/>
+                <a:cs typeface="Times New Roman" panose="02020603050405020304" pitchFamily="18" charset="0"/>
+              </a:rPr>
+              <a:t>bdd</a:t>
+            </a:r>
+            <a:endParaRPr lang="fr-FR" sz="1300" i="1" dirty="0">
+              <a:solidFill>
+                <a:srgbClr val="44546A"/>
+              </a:solidFill>
+              <a:effectLst/>
+              <a:latin typeface="Calibri" panose="020F0502020204030204" pitchFamily="34" charset="0"/>
+              <a:ea typeface="Calibri" panose="020F0502020204030204" pitchFamily="34" charset="0"/>
+              <a:cs typeface="Times New Roman" panose="02020603050405020304" pitchFamily="18" charset="0"/>
+            </a:endParaRPr>
+          </a:p>
+        </p:txBody>
+      </p:sp>
+      <p:pic>
+        <p:nvPicPr>
+          <p:cNvPr id="7" name="Image 6">
+            <a:extLst>
+              <a:ext uri="{FF2B5EF4-FFF2-40B4-BE49-F238E27FC236}">
+                <a16:creationId xmlns:a16="http://schemas.microsoft.com/office/drawing/2014/main" id="{3EA7DB2E-A241-16EE-45CA-C3E231A6F4A9}"/>
+              </a:ext>
+            </a:extLst>
+          </p:cNvPr>
+          <p:cNvPicPr>
+            <a:picLocks noChangeAspect="1"/>
+          </p:cNvPicPr>
+          <p:nvPr/>
+        </p:nvPicPr>
+        <p:blipFill>
+          <a:blip r:embed="rId3"/>
+          <a:stretch>
+            <a:fillRect/>
+          </a:stretch>
+        </p:blipFill>
+        <p:spPr>
+          <a:xfrm>
+            <a:off x="256310" y="3476220"/>
+            <a:ext cx="8687590" cy="2458754"/>
+          </a:xfrm>
+          <a:prstGeom prst="rect">
+            <a:avLst/>
+          </a:prstGeom>
+        </p:spPr>
+      </p:pic>
+      <p:sp>
+        <p:nvSpPr>
+          <p:cNvPr id="2" name="Espace réservé du contenu 2">
+            <a:extLst>
+              <a:ext uri="{FF2B5EF4-FFF2-40B4-BE49-F238E27FC236}">
+                <a16:creationId xmlns:a16="http://schemas.microsoft.com/office/drawing/2014/main" id="{6CF6472F-096D-2B38-FDFC-501C9145EEED}"/>
+              </a:ext>
+            </a:extLst>
+          </p:cNvPr>
+          <p:cNvSpPr txBox="1">
+            <a:spLocks/>
+          </p:cNvSpPr>
+          <p:nvPr/>
+        </p:nvSpPr>
+        <p:spPr>
+          <a:xfrm>
+            <a:off x="189806" y="2992134"/>
+            <a:ext cx="8226406" cy="486783"/>
+          </a:xfrm>
+          <a:prstGeom prst="rect">
+            <a:avLst/>
+          </a:prstGeom>
+        </p:spPr>
+        <p:txBody>
+          <a:bodyPr vert="horz" lIns="91440" tIns="45720" rIns="91440" bIns="45720" rtlCol="0">
+            <a:normAutofit/>
+          </a:bodyPr>
+          <a:lstStyle>
+            <a:lvl1pPr marL="228600" indent="-228600" algn="l" defTabSz="914400" rtl="0" eaLnBrk="1" latinLnBrk="0" hangingPunct="1">
+              <a:lnSpc>
+                <a:spcPct val="90000"/>
+              </a:lnSpc>
+              <a:spcBef>
+                <a:spcPts val="1000"/>
+              </a:spcBef>
+              <a:buFont typeface="Arial" panose="020B0604020202020204" pitchFamily="34" charset="0"/>
+              <a:buChar char="•"/>
+              <a:defRPr sz="2800" kern="1200">
+                <a:solidFill>
+                  <a:schemeClr val="tx1"/>
+                </a:solidFill>
+                <a:latin typeface="+mn-lt"/>
+                <a:ea typeface="+mn-ea"/>
+                <a:cs typeface="+mn-cs"/>
+              </a:defRPr>
+            </a:lvl1pPr>
+            <a:lvl2pPr marL="685800" indent="-228600" algn="l" defTabSz="914400" rtl="0" eaLnBrk="1" latinLnBrk="0" hangingPunct="1">
+              <a:lnSpc>
+                <a:spcPct val="90000"/>
+              </a:lnSpc>
+              <a:spcBef>
+                <a:spcPts val="500"/>
+              </a:spcBef>
+              <a:buFont typeface="Arial" panose="020B0604020202020204" pitchFamily="34" charset="0"/>
+              <a:buChar char="•"/>
+              <a:defRPr sz="2400" kern="1200">
+                <a:solidFill>
+                  <a:schemeClr val="tx1"/>
+                </a:solidFill>
+                <a:latin typeface="+mn-lt"/>
+                <a:ea typeface="+mn-ea"/>
+                <a:cs typeface="+mn-cs"/>
+              </a:defRPr>
+            </a:lvl2pPr>
+            <a:lvl3pPr marL="1143000" indent="-228600" algn="l" defTabSz="914400" rtl="0" eaLnBrk="1" latinLnBrk="0" hangingPunct="1">
+              <a:lnSpc>
+                <a:spcPct val="90000"/>
+              </a:lnSpc>
+              <a:spcBef>
+                <a:spcPts val="500"/>
+              </a:spcBef>
+              <a:buFont typeface="Arial" panose="020B0604020202020204" pitchFamily="34" charset="0"/>
+              <a:buChar char="•"/>
+              <a:defRPr sz="2000" kern="1200">
+                <a:solidFill>
+                  <a:schemeClr val="tx1"/>
+                </a:solidFill>
+                <a:latin typeface="+mn-lt"/>
+                <a:ea typeface="+mn-ea"/>
+                <a:cs typeface="+mn-cs"/>
+              </a:defRPr>
+            </a:lvl3pPr>
+            <a:lvl4pPr marL="1600200" indent="-228600" algn="l" defTabSz="914400" rtl="0" eaLnBrk="1" latinLnBrk="0" hangingPunct="1">
+              <a:lnSpc>
+                <a:spcPct val="90000"/>
+              </a:lnSpc>
+              <a:spcBef>
+                <a:spcPts val="500"/>
+              </a:spcBef>
+              <a:buFont typeface="Arial" panose="020B0604020202020204" pitchFamily="34" charset="0"/>
+              <a:buChar char="•"/>
+              <a:defRPr sz="1800" kern="1200">
+                <a:solidFill>
+                  <a:schemeClr val="tx1"/>
+                </a:solidFill>
+                <a:latin typeface="+mn-lt"/>
+                <a:ea typeface="+mn-ea"/>
+                <a:cs typeface="+mn-cs"/>
+              </a:defRPr>
+            </a:lvl4pPr>
+            <a:lvl5pPr marL="2057400" indent="-228600" algn="l" defTabSz="914400" rtl="0" eaLnBrk="1" latinLnBrk="0" hangingPunct="1">
+              <a:lnSpc>
+                <a:spcPct val="90000"/>
+              </a:lnSpc>
+              <a:spcBef>
+                <a:spcPts val="500"/>
+              </a:spcBef>
+              <a:buFont typeface="Arial" panose="020B0604020202020204" pitchFamily="34" charset="0"/>
+              <a:buChar char="•"/>
+              <a:defRPr sz="1800" kern="1200">
+                <a:solidFill>
+                  <a:schemeClr val="tx1"/>
+                </a:solidFill>
+                <a:latin typeface="+mn-lt"/>
+                <a:ea typeface="+mn-ea"/>
+                <a:cs typeface="+mn-cs"/>
+              </a:defRPr>
+            </a:lvl5pPr>
+            <a:lvl6pPr marL="2514600" indent="-228600" algn="l" defTabSz="914400" rtl="0" eaLnBrk="1" latinLnBrk="0" hangingPunct="1">
+              <a:lnSpc>
+                <a:spcPct val="90000"/>
+              </a:lnSpc>
+              <a:spcBef>
+                <a:spcPts val="500"/>
+              </a:spcBef>
+              <a:buFont typeface="Arial" panose="020B0604020202020204" pitchFamily="34" charset="0"/>
+              <a:buChar char="•"/>
+              <a:defRPr sz="1800" kern="1200">
+                <a:solidFill>
+                  <a:schemeClr val="tx1"/>
+                </a:solidFill>
+                <a:latin typeface="+mn-lt"/>
+                <a:ea typeface="+mn-ea"/>
+                <a:cs typeface="+mn-cs"/>
+              </a:defRPr>
+            </a:lvl6pPr>
+            <a:lvl7pPr marL="2971800" indent="-228600" algn="l" defTabSz="914400" rtl="0" eaLnBrk="1" latinLnBrk="0" hangingPunct="1">
+              <a:lnSpc>
+                <a:spcPct val="90000"/>
+              </a:lnSpc>
+              <a:spcBef>
+                <a:spcPts val="500"/>
+              </a:spcBef>
+              <a:buFont typeface="Arial" panose="020B0604020202020204" pitchFamily="34" charset="0"/>
+              <a:buChar char="•"/>
+              <a:defRPr sz="1800" kern="1200">
+                <a:solidFill>
+                  <a:schemeClr val="tx1"/>
+                </a:solidFill>
+                <a:latin typeface="+mn-lt"/>
+                <a:ea typeface="+mn-ea"/>
+                <a:cs typeface="+mn-cs"/>
+              </a:defRPr>
+            </a:lvl7pPr>
+            <a:lvl8pPr marL="3429000" indent="-228600" algn="l" defTabSz="914400" rtl="0" eaLnBrk="1" latinLnBrk="0" hangingPunct="1">
+              <a:lnSpc>
+                <a:spcPct val="90000"/>
+              </a:lnSpc>
+              <a:spcBef>
+                <a:spcPts val="500"/>
+              </a:spcBef>
+              <a:buFont typeface="Arial" panose="020B0604020202020204" pitchFamily="34" charset="0"/>
+              <a:buChar char="•"/>
+              <a:defRPr sz="1800" kern="1200">
+                <a:solidFill>
+                  <a:schemeClr val="tx1"/>
+                </a:solidFill>
+                <a:latin typeface="+mn-lt"/>
+                <a:ea typeface="+mn-ea"/>
+                <a:cs typeface="+mn-cs"/>
+              </a:defRPr>
+            </a:lvl8pPr>
+            <a:lvl9pPr marL="3886200" indent="-228600" algn="l" defTabSz="914400" rtl="0" eaLnBrk="1" latinLnBrk="0" hangingPunct="1">
+              <a:lnSpc>
+                <a:spcPct val="90000"/>
+              </a:lnSpc>
+              <a:spcBef>
+                <a:spcPts val="500"/>
+              </a:spcBef>
+              <a:buFont typeface="Arial" panose="020B0604020202020204" pitchFamily="34" charset="0"/>
+              <a:buChar char="•"/>
+              <a:defRPr sz="1800" kern="1200">
+                <a:solidFill>
+                  <a:schemeClr val="tx1"/>
+                </a:solidFill>
+                <a:latin typeface="+mn-lt"/>
+                <a:ea typeface="+mn-ea"/>
+                <a:cs typeface="+mn-cs"/>
+              </a:defRPr>
+            </a:lvl9pPr>
+          </a:lstStyle>
+          <a:p>
+            <a:pPr marL="0" indent="0">
+              <a:buFont typeface="Arial" panose="020B0604020202020204" pitchFamily="34" charset="0"/>
+              <a:buNone/>
+            </a:pPr>
+            <a:r>
+              <a:rPr lang="fr-FR" sz="2300" u="sng" dirty="0"/>
+              <a:t>Fonction de récupération des données sur la BDD analytique (C4) :</a:t>
+            </a:r>
+          </a:p>
+          <a:p>
+            <a:pPr marL="0" indent="0">
+              <a:buFont typeface="Arial" panose="020B0604020202020204" pitchFamily="34" charset="0"/>
+              <a:buNone/>
+            </a:pPr>
+            <a:endParaRPr lang="fr-FR" sz="1200" dirty="0"/>
+          </a:p>
+        </p:txBody>
+      </p:sp>
+      <p:sp>
+        <p:nvSpPr>
+          <p:cNvPr id="8" name="ZoneTexte 7">
+            <a:extLst>
+              <a:ext uri="{FF2B5EF4-FFF2-40B4-BE49-F238E27FC236}">
+                <a16:creationId xmlns:a16="http://schemas.microsoft.com/office/drawing/2014/main" id="{CAE6F281-79D4-9DED-018E-BBD2274340D8}"/>
+              </a:ext>
+            </a:extLst>
+          </p:cNvPr>
+          <p:cNvSpPr txBox="1"/>
+          <p:nvPr/>
+        </p:nvSpPr>
+        <p:spPr>
+          <a:xfrm>
+            <a:off x="189806" y="6063962"/>
+            <a:ext cx="5431781" cy="292388"/>
+          </a:xfrm>
+          <a:prstGeom prst="rect">
+            <a:avLst/>
+          </a:prstGeom>
+          <a:noFill/>
+        </p:spPr>
+        <p:txBody>
+          <a:bodyPr wrap="square" rtlCol="0">
+            <a:spAutoFit/>
+          </a:bodyPr>
+          <a:lstStyle/>
+          <a:p>
+            <a:pPr>
+              <a:spcAft>
+                <a:spcPts val="1000"/>
+              </a:spcAft>
+            </a:pPr>
+            <a:r>
+              <a:rPr lang="fr-FR" sz="1300" i="1" dirty="0">
+                <a:solidFill>
+                  <a:srgbClr val="44546A"/>
+                </a:solidFill>
+                <a:effectLst/>
+                <a:latin typeface="Calibri" panose="020F0502020204030204" pitchFamily="34" charset="0"/>
+                <a:ea typeface="Calibri" panose="020F0502020204030204" pitchFamily="34" charset="0"/>
+                <a:cs typeface="Times New Roman" panose="02020603050405020304" pitchFamily="18" charset="0"/>
+              </a:rPr>
+              <a:t>Figure </a:t>
+            </a:r>
+            <a:r>
+              <a:rPr lang="fr-FR" sz="1300" i="1" dirty="0">
+                <a:solidFill>
+                  <a:srgbClr val="44546A"/>
+                </a:solidFill>
+                <a:latin typeface="Calibri" panose="020F0502020204030204" pitchFamily="34" charset="0"/>
+                <a:ea typeface="Calibri" panose="020F0502020204030204" pitchFamily="34" charset="0"/>
+                <a:cs typeface="Times New Roman" panose="02020603050405020304" pitchFamily="18" charset="0"/>
+              </a:rPr>
+              <a:t>42</a:t>
+            </a:r>
+            <a:r>
+              <a:rPr lang="fr-FR" sz="1300" i="1" dirty="0">
+                <a:solidFill>
+                  <a:srgbClr val="44546A"/>
+                </a:solidFill>
+                <a:effectLst/>
+                <a:latin typeface="Calibri" panose="020F0502020204030204" pitchFamily="34" charset="0"/>
+                <a:ea typeface="Calibri" panose="020F0502020204030204" pitchFamily="34" charset="0"/>
+                <a:cs typeface="Times New Roman" panose="02020603050405020304" pitchFamily="18" charset="0"/>
+              </a:rPr>
+              <a:t> : </a:t>
+            </a:r>
+            <a:r>
+              <a:rPr lang="fr-FR" sz="1300" i="1" dirty="0"/>
+              <a:t>Fonction de récupération des données sur la BDD analytique </a:t>
+            </a:r>
+            <a:endParaRPr lang="fr-FR" sz="1300" i="1" dirty="0">
+              <a:solidFill>
+                <a:srgbClr val="44546A"/>
+              </a:solidFill>
+              <a:effectLst/>
+              <a:latin typeface="Calibri" panose="020F0502020204030204" pitchFamily="34" charset="0"/>
+              <a:ea typeface="Calibri" panose="020F0502020204030204" pitchFamily="34" charset="0"/>
+              <a:cs typeface="Times New Roman" panose="02020603050405020304" pitchFamily="18" charset="0"/>
+            </a:endParaRPr>
+          </a:p>
+        </p:txBody>
+      </p:sp>
+    </p:spTree>
+    <p:extLst>
+      <p:ext uri="{BB962C8B-B14F-4D97-AF65-F5344CB8AC3E}">
+        <p14:creationId xmlns:p14="http://schemas.microsoft.com/office/powerpoint/2010/main" val="4003701103"/>
+      </p:ext>
+    </p:extLst>
+  </p:cSld>
+  <p:clrMapOvr>
+    <a:masterClrMapping/>
+  </p:clrMapOvr>
+</p:sld>
+</file>
+
+<file path=ppt/slides/slide43.xml><?xml version="1.0" encoding="utf-8"?>
+<p:sld xmlns:a="http://schemas.openxmlformats.org/drawingml/2006/main" xmlns:r="http://schemas.openxmlformats.org/officeDocument/2006/relationships" xmlns:p="http://schemas.openxmlformats.org/presentationml/2006/main">
+  <p:cSld>
+    <p:spTree>
+      <p:nvGrpSpPr>
+        <p:cNvPr id="1" name=""/>
+        <p:cNvGrpSpPr/>
+        <p:nvPr/>
+      </p:nvGrpSpPr>
+      <p:grpSpPr>
+        <a:xfrm>
+          <a:off x="0" y="0"/>
+          <a:ext cx="0" cy="0"/>
+          <a:chOff x="0" y="0"/>
+          <a:chExt cx="0" cy="0"/>
+        </a:xfrm>
+      </p:grpSpPr>
+      <p:sp>
+        <p:nvSpPr>
+          <p:cNvPr id="3" name="Espace réservé du contenu 2"/>
+          <p:cNvSpPr>
+            <a:spLocks noGrp="1"/>
+          </p:cNvSpPr>
+          <p:nvPr>
+            <p:ph idx="1"/>
+          </p:nvPr>
+        </p:nvSpPr>
+        <p:spPr>
+          <a:xfrm>
+            <a:off x="189807" y="212907"/>
+            <a:ext cx="7148542" cy="569960"/>
+          </a:xfrm>
+        </p:spPr>
+        <p:txBody>
+          <a:bodyPr>
+            <a:normAutofit/>
+          </a:bodyPr>
+          <a:lstStyle/>
+          <a:p>
+            <a:pPr marL="0" indent="0">
+              <a:buNone/>
+            </a:pPr>
+            <a:r>
+              <a:rPr lang="fr-FR" sz="2300" u="sng" dirty="0"/>
+              <a:t>Script de </a:t>
+            </a:r>
+            <a:r>
+              <a:rPr lang="fr-FR" sz="2300" u="sng" dirty="0" err="1"/>
+              <a:t>tracking</a:t>
+            </a:r>
+            <a:r>
+              <a:rPr lang="fr-FR" sz="2300" u="sng" dirty="0"/>
+              <a:t> des performances de l’application (C15) :</a:t>
+            </a:r>
+          </a:p>
+          <a:p>
+            <a:pPr marL="0" indent="0">
+              <a:buNone/>
+            </a:pPr>
+            <a:endParaRPr lang="fr-FR" sz="1200" dirty="0"/>
+          </a:p>
+        </p:txBody>
+      </p:sp>
+      <p:sp>
+        <p:nvSpPr>
+          <p:cNvPr id="5" name="Espace réservé du numéro de diapositive 4">
+            <a:extLst>
+              <a:ext uri="{FF2B5EF4-FFF2-40B4-BE49-F238E27FC236}">
+                <a16:creationId xmlns:a16="http://schemas.microsoft.com/office/drawing/2014/main" id="{7BC38B4D-B3FA-615A-8AC6-4AABDD61B85E}"/>
+              </a:ext>
+            </a:extLst>
+          </p:cNvPr>
+          <p:cNvSpPr>
+            <a:spLocks noGrp="1"/>
+          </p:cNvSpPr>
+          <p:nvPr>
+            <p:ph type="sldNum" sz="quarter" idx="12"/>
+          </p:nvPr>
+        </p:nvSpPr>
+        <p:spPr/>
+        <p:txBody>
+          <a:bodyPr/>
+          <a:lstStyle/>
+          <a:p>
+            <a:fld id="{BA06AB71-0B36-4B80-B991-039F7D68F8CB}" type="slidenum">
+              <a:rPr lang="fr-FR" smtClean="0"/>
+              <a:t>43</a:t>
+            </a:fld>
+            <a:endParaRPr lang="fr-FR"/>
+          </a:p>
+        </p:txBody>
+      </p:sp>
+      <p:sp>
+        <p:nvSpPr>
+          <p:cNvPr id="8" name="ZoneTexte 7">
+            <a:extLst>
+              <a:ext uri="{FF2B5EF4-FFF2-40B4-BE49-F238E27FC236}">
+                <a16:creationId xmlns:a16="http://schemas.microsoft.com/office/drawing/2014/main" id="{CAE6F281-79D4-9DED-018E-BBD2274340D8}"/>
+              </a:ext>
+            </a:extLst>
+          </p:cNvPr>
+          <p:cNvSpPr txBox="1"/>
+          <p:nvPr/>
+        </p:nvSpPr>
+        <p:spPr>
+          <a:xfrm>
+            <a:off x="189807" y="6392718"/>
+            <a:ext cx="5431781" cy="292388"/>
+          </a:xfrm>
+          <a:prstGeom prst="rect">
+            <a:avLst/>
+          </a:prstGeom>
+          <a:noFill/>
+        </p:spPr>
+        <p:txBody>
+          <a:bodyPr wrap="square" rtlCol="0">
+            <a:spAutoFit/>
+          </a:bodyPr>
+          <a:lstStyle/>
+          <a:p>
+            <a:pPr>
+              <a:spcAft>
+                <a:spcPts val="1000"/>
+              </a:spcAft>
+            </a:pPr>
+            <a:r>
+              <a:rPr lang="fr-FR" sz="1300" i="1" dirty="0">
+                <a:solidFill>
+                  <a:srgbClr val="44546A"/>
+                </a:solidFill>
+                <a:effectLst/>
+                <a:latin typeface="Calibri" panose="020F0502020204030204" pitchFamily="34" charset="0"/>
+                <a:ea typeface="Calibri" panose="020F0502020204030204" pitchFamily="34" charset="0"/>
+                <a:cs typeface="Times New Roman" panose="02020603050405020304" pitchFamily="18" charset="0"/>
+              </a:rPr>
+              <a:t>Figure </a:t>
+            </a:r>
+            <a:r>
+              <a:rPr lang="fr-FR" sz="1300" i="1" dirty="0">
+                <a:solidFill>
+                  <a:srgbClr val="44546A"/>
+                </a:solidFill>
+                <a:latin typeface="Calibri" panose="020F0502020204030204" pitchFamily="34" charset="0"/>
+                <a:ea typeface="Calibri" panose="020F0502020204030204" pitchFamily="34" charset="0"/>
+                <a:cs typeface="Times New Roman" panose="02020603050405020304" pitchFamily="18" charset="0"/>
+              </a:rPr>
+              <a:t>43</a:t>
+            </a:r>
+            <a:r>
+              <a:rPr lang="fr-FR" sz="1300" i="1" dirty="0">
+                <a:solidFill>
+                  <a:srgbClr val="44546A"/>
+                </a:solidFill>
+                <a:effectLst/>
+                <a:latin typeface="Calibri" panose="020F0502020204030204" pitchFamily="34" charset="0"/>
+                <a:ea typeface="Calibri" panose="020F0502020204030204" pitchFamily="34" charset="0"/>
+                <a:cs typeface="Times New Roman" panose="02020603050405020304" pitchFamily="18" charset="0"/>
+              </a:rPr>
+              <a:t> : Script de </a:t>
+            </a:r>
+            <a:r>
+              <a:rPr lang="fr-FR" sz="1300" i="1" dirty="0" err="1">
+                <a:solidFill>
+                  <a:srgbClr val="44546A"/>
+                </a:solidFill>
+                <a:effectLst/>
+                <a:latin typeface="Calibri" panose="020F0502020204030204" pitchFamily="34" charset="0"/>
+                <a:ea typeface="Calibri" panose="020F0502020204030204" pitchFamily="34" charset="0"/>
+                <a:cs typeface="Times New Roman" panose="02020603050405020304" pitchFamily="18" charset="0"/>
+              </a:rPr>
+              <a:t>tracking</a:t>
+            </a:r>
+            <a:r>
+              <a:rPr lang="fr-FR" sz="1300" i="1" dirty="0">
+                <a:solidFill>
+                  <a:srgbClr val="44546A"/>
+                </a:solidFill>
+                <a:effectLst/>
+                <a:latin typeface="Calibri" panose="020F0502020204030204" pitchFamily="34" charset="0"/>
+                <a:ea typeface="Calibri" panose="020F0502020204030204" pitchFamily="34" charset="0"/>
+                <a:cs typeface="Times New Roman" panose="02020603050405020304" pitchFamily="18" charset="0"/>
+              </a:rPr>
+              <a:t> des performances de l’application</a:t>
+            </a:r>
+            <a:r>
+              <a:rPr lang="fr-FR" sz="1300" i="1" dirty="0"/>
+              <a:t> </a:t>
+            </a:r>
+            <a:endParaRPr lang="fr-FR" sz="1300" i="1" dirty="0">
+              <a:solidFill>
+                <a:srgbClr val="44546A"/>
+              </a:solidFill>
+              <a:effectLst/>
+              <a:latin typeface="Calibri" panose="020F0502020204030204" pitchFamily="34" charset="0"/>
+              <a:ea typeface="Calibri" panose="020F0502020204030204" pitchFamily="34" charset="0"/>
+              <a:cs typeface="Times New Roman" panose="02020603050405020304" pitchFamily="18" charset="0"/>
+            </a:endParaRPr>
+          </a:p>
+        </p:txBody>
+      </p:sp>
+      <p:pic>
+        <p:nvPicPr>
+          <p:cNvPr id="10" name="Image 9">
+            <a:extLst>
+              <a:ext uri="{FF2B5EF4-FFF2-40B4-BE49-F238E27FC236}">
+                <a16:creationId xmlns:a16="http://schemas.microsoft.com/office/drawing/2014/main" id="{64352736-BC59-0617-786C-6C8878AF90CB}"/>
+              </a:ext>
+            </a:extLst>
+          </p:cNvPr>
+          <p:cNvPicPr>
+            <a:picLocks noChangeAspect="1"/>
+          </p:cNvPicPr>
+          <p:nvPr/>
+        </p:nvPicPr>
+        <p:blipFill>
+          <a:blip r:embed="rId2"/>
+          <a:stretch>
+            <a:fillRect/>
+          </a:stretch>
+        </p:blipFill>
+        <p:spPr>
+          <a:xfrm>
+            <a:off x="189807" y="782867"/>
+            <a:ext cx="8237934" cy="5524979"/>
+          </a:xfrm>
+          <a:prstGeom prst="rect">
+            <a:avLst/>
+          </a:prstGeom>
+        </p:spPr>
+      </p:pic>
+    </p:spTree>
+    <p:extLst>
+      <p:ext uri="{BB962C8B-B14F-4D97-AF65-F5344CB8AC3E}">
+        <p14:creationId xmlns:p14="http://schemas.microsoft.com/office/powerpoint/2010/main" val="4179075318"/>
       </p:ext>
     </p:extLst>
   </p:cSld>
@@ -17210,6 +19555,67 @@
           </a:p>
         </p:txBody>
       </p:sp>
+      <p:sp>
+        <p:nvSpPr>
+          <p:cNvPr id="5" name="Rectangle 4">
+            <a:extLst>
+              <a:ext uri="{FF2B5EF4-FFF2-40B4-BE49-F238E27FC236}">
+                <a16:creationId xmlns:a16="http://schemas.microsoft.com/office/drawing/2014/main" id="{0D73EA35-CCFD-2242-46FB-EE8E8434E2E7}"/>
+              </a:ext>
+            </a:extLst>
+          </p:cNvPr>
+          <p:cNvSpPr/>
+          <p:nvPr/>
+        </p:nvSpPr>
+        <p:spPr>
+          <a:xfrm>
+            <a:off x="11274933" y="204641"/>
+            <a:ext cx="648929" cy="294968"/>
+          </a:xfrm>
+          <a:prstGeom prst="rect">
+            <a:avLst/>
+          </a:prstGeom>
+          <a:solidFill>
+            <a:srgbClr val="FFC000"/>
+          </a:solidFill>
+          <a:ln w="3175">
+            <a:solidFill>
+              <a:schemeClr val="tx1"/>
+            </a:solidFill>
+          </a:ln>
+        </p:spPr>
+        <p:style>
+          <a:lnRef idx="2">
+            <a:schemeClr val="accent1">
+              <a:shade val="15000"/>
+            </a:schemeClr>
+          </a:lnRef>
+          <a:fillRef idx="1">
+            <a:schemeClr val="accent1"/>
+          </a:fillRef>
+          <a:effectRef idx="0">
+            <a:schemeClr val="accent1"/>
+          </a:effectRef>
+          <a:fontRef idx="minor">
+            <a:schemeClr val="lt1"/>
+          </a:fontRef>
+        </p:style>
+        <p:txBody>
+          <a:bodyPr rtlCol="0" anchor="ctr"/>
+          <a:lstStyle/>
+          <a:p>
+            <a:pPr algn="ctr"/>
+            <a:r>
+              <a:rPr lang="fr-FR" sz="1400" dirty="0">
+                <a:solidFill>
+                  <a:schemeClr val="tx1"/>
+                </a:solidFill>
+              </a:rPr>
+              <a:t>C16</a:t>
+            </a:r>
+          </a:p>
+        </p:txBody>
+      </p:sp>
     </p:spTree>
     <p:extLst>
       <p:ext uri="{BB962C8B-B14F-4D97-AF65-F5344CB8AC3E}">
@@ -17242,13 +19648,7 @@
       </p:grpSpPr>
       <p:sp>
         <p:nvSpPr>
-          <p:cNvPr id="3" name="Espace réservé du contenu 2">
-            <a:extLst>
-              <a:ext uri="{FF2B5EF4-FFF2-40B4-BE49-F238E27FC236}">
-                <a16:creationId xmlns:a16="http://schemas.microsoft.com/office/drawing/2014/main" id="{6B409ECA-B691-5B1C-5CCA-878C261674CB}"/>
-              </a:ext>
-            </a:extLst>
-          </p:cNvPr>
+          <p:cNvPr id="3" name="Espace réservé du contenu 2"/>
           <p:cNvSpPr>
             <a:spLocks noGrp="1"/>
           </p:cNvSpPr>
@@ -17258,12 +19658,14 @@
         </p:nvSpPr>
         <p:spPr>
           <a:xfrm>
-            <a:off x="92019" y="1451551"/>
-            <a:ext cx="11695427" cy="5406449"/>
+            <a:off x="161291" y="204641"/>
+            <a:ext cx="11343944" cy="6346630"/>
           </a:xfrm>
         </p:spPr>
         <p:txBody>
-          <a:bodyPr/>
+          <a:bodyPr>
+            <a:noAutofit/>
+          </a:bodyPr>
           <a:lstStyle/>
           <a:p>
             <a:pPr marL="0" indent="0">
@@ -17271,94 +19673,107 @@
             </a:pPr>
             <a:r>
               <a:rPr lang="fr-FR" sz="2500" u="sng" dirty="0"/>
-              <a:t>2.1 Nettoyage des données</a:t>
-            </a:r>
-          </a:p>
-          <a:p>
-            <a:pPr marL="0" indent="0">
-              <a:buNone/>
-            </a:pPr>
-            <a:endParaRPr lang="fr-FR" u="sng" dirty="0"/>
-          </a:p>
-          <a:p>
-            <a:pPr marL="0" indent="0">
-              <a:buNone/>
-            </a:pPr>
-            <a:endParaRPr lang="fr-FR" u="sng" dirty="0"/>
-          </a:p>
-          <a:p>
-            <a:pPr marL="0" indent="0">
-              <a:buNone/>
-            </a:pPr>
-            <a:endParaRPr lang="fr-FR" dirty="0"/>
-          </a:p>
-        </p:txBody>
-      </p:sp>
-      <p:sp>
-        <p:nvSpPr>
-          <p:cNvPr id="8" name="Titre 1">
-            <a:extLst>
-              <a:ext uri="{FF2B5EF4-FFF2-40B4-BE49-F238E27FC236}">
-                <a16:creationId xmlns:a16="http://schemas.microsoft.com/office/drawing/2014/main" id="{E9C259C4-15CF-5FF1-5FA6-82A0B80722A6}"/>
-              </a:ext>
-            </a:extLst>
-          </p:cNvPr>
-          <p:cNvSpPr>
-            <a:spLocks noGrp="1"/>
-          </p:cNvSpPr>
-          <p:nvPr>
-            <p:ph type="title"/>
-          </p:nvPr>
-        </p:nvSpPr>
-        <p:spPr>
-          <a:xfrm>
-            <a:off x="92019" y="121514"/>
-            <a:ext cx="11495923" cy="766852"/>
-          </a:xfrm>
-        </p:spPr>
-        <p:txBody>
-          <a:bodyPr>
-            <a:normAutofit/>
-          </a:bodyPr>
-          <a:lstStyle/>
-          <a:p>
-            <a:r>
-              <a:rPr lang="fr-FR" sz="4000" dirty="0"/>
-              <a:t>2. Gestion des données analytiques du projet</a:t>
-            </a:r>
-          </a:p>
-        </p:txBody>
-      </p:sp>
-      <p:pic>
-        <p:nvPicPr>
-          <p:cNvPr id="2" name="Image 1"/>
-          <p:cNvPicPr>
-            <a:picLocks noChangeAspect="1"/>
-          </p:cNvPicPr>
-          <p:nvPr/>
-        </p:nvPicPr>
-        <p:blipFill>
-          <a:blip r:embed="rId3"/>
-          <a:stretch>
-            <a:fillRect/>
-          </a:stretch>
-        </p:blipFill>
-        <p:spPr>
-          <a:xfrm>
-            <a:off x="6041248" y="1137308"/>
-            <a:ext cx="5312551" cy="5584168"/>
-          </a:xfrm>
-          <a:prstGeom prst="rect">
-            <a:avLst/>
-          </a:prstGeom>
-        </p:spPr>
-      </p:pic>
+              <a:t>1.7 Comptes rendus d'avancement</a:t>
+            </a:r>
+          </a:p>
+          <a:p>
+            <a:pPr marL="0" indent="0">
+              <a:buNone/>
+            </a:pPr>
+            <a:endParaRPr lang="fr-FR" sz="2500" u="sng" dirty="0"/>
+          </a:p>
+          <a:p>
+            <a:pPr marL="0" indent="0">
+              <a:buNone/>
+            </a:pPr>
+            <a:r>
+              <a:rPr lang="fr-FR" sz="2300" dirty="0"/>
+              <a:t>Les réunions se sont déroulées les jeudis, à 14 heures, avec le Pr René Gallimard et Pr Hervé </a:t>
+            </a:r>
+            <a:r>
+              <a:rPr lang="fr-FR" sz="2300" dirty="0" err="1"/>
+              <a:t>Ducroc</a:t>
+            </a:r>
+            <a:r>
+              <a:rPr lang="fr-FR" sz="2300" dirty="0"/>
+              <a:t>.</a:t>
+            </a:r>
+          </a:p>
+          <a:p>
+            <a:pPr marL="0" indent="0">
+              <a:buNone/>
+            </a:pPr>
+            <a:endParaRPr lang="fr-FR" sz="2300" dirty="0"/>
+          </a:p>
+          <a:p>
+            <a:pPr marL="0" indent="0">
+              <a:buNone/>
+            </a:pPr>
+            <a:r>
+              <a:rPr lang="fr-FR" sz="2300" u="sng" dirty="0"/>
+              <a:t>Rapport 1, 29 février</a:t>
+            </a:r>
+            <a:endParaRPr lang="fr-FR" sz="2300" dirty="0"/>
+          </a:p>
+          <a:p>
+            <a:pPr marL="0" indent="0">
+              <a:buNone/>
+            </a:pPr>
+            <a:r>
+              <a:rPr lang="fr-FR" sz="2300" dirty="0"/>
+              <a:t>Présentation du fichier d'analyse exploratoire des données :</a:t>
+            </a:r>
+          </a:p>
+          <a:p>
+            <a:pPr marL="0" indent="0">
+              <a:buNone/>
+            </a:pPr>
+            <a:r>
+              <a:rPr lang="fr-FR" sz="2300" dirty="0"/>
+              <a:t>		- Stratégie adoptée pour les valeurs manquantes, colonnes inutiles, lignes supprimées, simplification de la colonne "Genre".</a:t>
+            </a:r>
+          </a:p>
+          <a:p>
+            <a:pPr marL="0" indent="0">
+              <a:buNone/>
+            </a:pPr>
+            <a:r>
+              <a:rPr lang="fr-FR" sz="2300" dirty="0"/>
+              <a:t>		- Graphiques de représentation des données et interprétation</a:t>
+            </a:r>
+          </a:p>
+          <a:p>
+            <a:pPr marL="0" indent="0">
+              <a:buNone/>
+            </a:pPr>
+            <a:r>
+              <a:rPr lang="fr-FR" sz="2300" dirty="0"/>
+              <a:t>		- Résumé des stratégie adaptées (script python)</a:t>
+            </a:r>
+          </a:p>
+          <a:p>
+            <a:pPr marL="0" indent="0">
+              <a:buNone/>
+            </a:pPr>
+            <a:r>
+              <a:rPr lang="fr-FR" sz="2300" dirty="0"/>
+              <a:t>Nous nous sommes mis d'accord sur les stratégies adoptées de nettoyage de données, nous avons exploré ensemble les résultats de l'analyse exploratoire des données.  </a:t>
+            </a:r>
+          </a:p>
+          <a:p>
+            <a:pPr marL="0" indent="0">
+              <a:buNone/>
+            </a:pPr>
+            <a:endParaRPr lang="fr-FR" sz="2300" dirty="0"/>
+          </a:p>
+        </p:txBody>
+      </p:sp>
       <p:sp>
         <p:nvSpPr>
           <p:cNvPr id="4" name="Espace réservé du numéro de diapositive 3">
             <a:extLst>
               <a:ext uri="{FF2B5EF4-FFF2-40B4-BE49-F238E27FC236}">
-                <a16:creationId xmlns:a16="http://schemas.microsoft.com/office/drawing/2014/main" id="{3CAF3126-CF04-04ED-80D0-99B785FAFF79}"/>
+                <a16:creationId xmlns:a16="http://schemas.microsoft.com/office/drawing/2014/main" id="{F95C3810-9747-FEDE-D1C5-B99F4E1E90F4}"/>
               </a:ext>
             </a:extLst>
           </p:cNvPr>
@@ -17384,48 +19799,61 @@
       </p:sp>
       <p:sp>
         <p:nvSpPr>
-          <p:cNvPr id="6" name="ZoneTexte 5">
-            <a:extLst>
-              <a:ext uri="{FF2B5EF4-FFF2-40B4-BE49-F238E27FC236}">
-                <a16:creationId xmlns:a16="http://schemas.microsoft.com/office/drawing/2014/main" id="{3E2EF921-A972-6302-6EE7-67D4A4C6961E}"/>
-              </a:ext>
-            </a:extLst>
-          </p:cNvPr>
-          <p:cNvSpPr txBox="1"/>
+          <p:cNvPr id="5" name="Rectangle 4">
+            <a:extLst>
+              <a:ext uri="{FF2B5EF4-FFF2-40B4-BE49-F238E27FC236}">
+                <a16:creationId xmlns:a16="http://schemas.microsoft.com/office/drawing/2014/main" id="{82279BD9-1E33-5D43-57BB-57FFC3A2D3DF}"/>
+              </a:ext>
+            </a:extLst>
+          </p:cNvPr>
+          <p:cNvSpPr/>
           <p:nvPr/>
         </p:nvSpPr>
         <p:spPr>
           <a:xfrm>
-            <a:off x="92019" y="6316669"/>
-            <a:ext cx="5431781" cy="292388"/>
+            <a:off x="11274933" y="204641"/>
+            <a:ext cx="648929" cy="294968"/>
           </a:xfrm>
           <a:prstGeom prst="rect">
             <a:avLst/>
           </a:prstGeom>
-          <a:noFill/>
+          <a:solidFill>
+            <a:srgbClr val="FFC000"/>
+          </a:solidFill>
+          <a:ln w="3175">
+            <a:solidFill>
+              <a:schemeClr val="tx1"/>
+            </a:solidFill>
+          </a:ln>
         </p:spPr>
-        <p:txBody>
-          <a:bodyPr wrap="square" rtlCol="0">
-            <a:spAutoFit/>
-          </a:bodyPr>
-          <a:lstStyle/>
-          <a:p>
-            <a:pPr>
-              <a:spcAft>
-                <a:spcPts val="1000"/>
-              </a:spcAft>
-            </a:pPr>
-            <a:r>
-              <a:rPr lang="fr-FR" sz="1300" i="1" dirty="0">
+        <p:style>
+          <a:lnRef idx="2">
+            <a:schemeClr val="accent1">
+              <a:shade val="15000"/>
+            </a:schemeClr>
+          </a:lnRef>
+          <a:fillRef idx="1">
+            <a:schemeClr val="accent1"/>
+          </a:fillRef>
+          <a:effectRef idx="0">
+            <a:schemeClr val="accent1"/>
+          </a:effectRef>
+          <a:fontRef idx="minor">
+            <a:schemeClr val="lt1"/>
+          </a:fontRef>
+        </p:style>
+        <p:txBody>
+          <a:bodyPr rtlCol="0" anchor="ctr"/>
+          <a:lstStyle/>
+          <a:p>
+            <a:pPr algn="ctr"/>
+            <a:r>
+              <a:rPr lang="fr-FR" sz="1400" dirty="0">
                 <a:solidFill>
-                  <a:srgbClr val="44546A"/>
+                  <a:schemeClr val="tx1"/>
                 </a:solidFill>
-                <a:effectLst/>
-                <a:latin typeface="Calibri" panose="020F0502020204030204" pitchFamily="34" charset="0"/>
-                <a:ea typeface="Calibri" panose="020F0502020204030204" pitchFamily="34" charset="0"/>
-                <a:cs typeface="Times New Roman" panose="02020603050405020304" pitchFamily="18" charset="0"/>
               </a:rPr>
-              <a:t>Figure 4 : Stratégie de nettoyage des données</a:t>
+              <a:t>C18</a:t>
             </a:r>
           </a:p>
         </p:txBody>
@@ -17433,7 +19861,7 @@
     </p:spTree>
     <p:extLst>
       <p:ext uri="{BB962C8B-B14F-4D97-AF65-F5344CB8AC3E}">
-        <p14:creationId xmlns:p14="http://schemas.microsoft.com/office/powerpoint/2010/main" val="2056518719"/>
+        <p14:creationId xmlns:p14="http://schemas.microsoft.com/office/powerpoint/2010/main" val="1945735164"/>
       </p:ext>
     </p:extLst>
   </p:cSld>
@@ -17462,13 +19890,7 @@
       </p:grpSpPr>
       <p:sp>
         <p:nvSpPr>
-          <p:cNvPr id="3" name="Espace réservé du contenu 2">
-            <a:extLst>
-              <a:ext uri="{FF2B5EF4-FFF2-40B4-BE49-F238E27FC236}">
-                <a16:creationId xmlns:a16="http://schemas.microsoft.com/office/drawing/2014/main" id="{6B409ECA-B691-5B1C-5CCA-878C261674CB}"/>
-              </a:ext>
-            </a:extLst>
-          </p:cNvPr>
+          <p:cNvPr id="3" name="Espace réservé du contenu 2"/>
           <p:cNvSpPr>
             <a:spLocks noGrp="1"/>
           </p:cNvSpPr>
@@ -17478,101 +19900,126 @@
         </p:nvSpPr>
         <p:spPr>
           <a:xfrm>
-            <a:off x="150208" y="237893"/>
-            <a:ext cx="11695427" cy="5406449"/>
+            <a:off x="161291" y="204641"/>
+            <a:ext cx="11343944" cy="6346630"/>
           </a:xfrm>
         </p:spPr>
         <p:txBody>
-          <a:bodyPr/>
-          <a:lstStyle/>
-          <a:p>
-            <a:pPr marL="0" indent="0">
-              <a:buNone/>
-            </a:pPr>
-            <a:r>
-              <a:rPr lang="fr-FR" sz="2500" u="sng" dirty="0"/>
-              <a:t>2.2 Analyse exploratoire des données :</a:t>
-            </a:r>
-          </a:p>
-          <a:p>
-            <a:pPr marL="0" indent="0">
-              <a:buNone/>
-            </a:pPr>
-            <a:endParaRPr lang="fr-FR" sz="2200" dirty="0"/>
-          </a:p>
-          <a:p>
-            <a:pPr marL="0" indent="0">
-              <a:buNone/>
-            </a:pPr>
-            <a:r>
-              <a:rPr lang="fr-FR" sz="2200" dirty="0"/>
-              <a:t>1259 lignes et 27 colonnes</a:t>
-            </a:r>
-          </a:p>
-          <a:p>
-            <a:pPr marL="0" indent="0">
-              <a:buNone/>
-            </a:pPr>
-            <a:endParaRPr lang="fr-FR" dirty="0"/>
-          </a:p>
-        </p:txBody>
-      </p:sp>
-      <p:pic>
-        <p:nvPicPr>
-          <p:cNvPr id="5" name="Image 4"/>
-          <p:cNvPicPr/>
-          <p:nvPr/>
-        </p:nvPicPr>
-        <p:blipFill>
-          <a:blip r:embed="rId3">
-            <a:extLst>
-              <a:ext uri="{28A0092B-C50C-407E-A947-70E740481C1C}">
-                <a14:useLocalDpi xmlns:a14="http://schemas.microsoft.com/office/drawing/2010/main" val="0"/>
-              </a:ext>
-            </a:extLst>
-          </a:blip>
-          <a:stretch>
-            <a:fillRect/>
-          </a:stretch>
-        </p:blipFill>
-        <p:spPr>
-          <a:xfrm>
-            <a:off x="554179" y="1849238"/>
-            <a:ext cx="3818316" cy="3865416"/>
-          </a:xfrm>
-          <a:prstGeom prst="rect">
-            <a:avLst/>
-          </a:prstGeom>
-        </p:spPr>
-      </p:pic>
-      <p:pic>
-        <p:nvPicPr>
-          <p:cNvPr id="7" name="Image 6"/>
-          <p:cNvPicPr/>
-          <p:nvPr/>
-        </p:nvPicPr>
-        <p:blipFill>
-          <a:blip r:embed="rId4"/>
-          <a:stretch>
-            <a:fillRect/>
-          </a:stretch>
-        </p:blipFill>
-        <p:spPr>
-          <a:xfrm>
-            <a:off x="5197934" y="2194219"/>
-            <a:ext cx="5822261" cy="3520435"/>
-          </a:xfrm>
-          <a:prstGeom prst="rect">
-            <a:avLst/>
-          </a:prstGeom>
-        </p:spPr>
-      </p:pic>
-      <p:sp>
-        <p:nvSpPr>
-          <p:cNvPr id="2" name="Espace réservé du numéro de diapositive 1">
-            <a:extLst>
-              <a:ext uri="{FF2B5EF4-FFF2-40B4-BE49-F238E27FC236}">
-                <a16:creationId xmlns:a16="http://schemas.microsoft.com/office/drawing/2014/main" id="{649067CC-BF41-5089-9E68-8B88E5697EBE}"/>
+          <a:bodyPr>
+            <a:noAutofit/>
+          </a:bodyPr>
+          <a:lstStyle/>
+          <a:p>
+            <a:pPr marL="0" indent="0">
+              <a:buNone/>
+            </a:pPr>
+            <a:r>
+              <a:rPr lang="fr-FR" sz="2300" u="sng" dirty="0"/>
+              <a:t>Rapport 2, 7 mars</a:t>
+            </a:r>
+            <a:endParaRPr lang="fr-FR" sz="2300" dirty="0"/>
+          </a:p>
+          <a:p>
+            <a:pPr marL="0" indent="0">
+              <a:buNone/>
+            </a:pPr>
+            <a:r>
+              <a:rPr lang="fr-FR" sz="2300" dirty="0"/>
+              <a:t>Présentation de l'entraînement du modèle et des résultats :</a:t>
+            </a:r>
+          </a:p>
+          <a:p>
+            <a:pPr marL="0" indent="0">
+              <a:buNone/>
+            </a:pPr>
+            <a:r>
+              <a:rPr lang="fr-FR" sz="2300" dirty="0"/>
+              <a:t>		- Vulgarisation du machine </a:t>
+            </a:r>
+            <a:r>
+              <a:rPr lang="fr-FR" sz="2300" dirty="0" err="1"/>
+              <a:t>learning</a:t>
+            </a:r>
+            <a:endParaRPr lang="fr-FR" sz="2300" dirty="0"/>
+          </a:p>
+          <a:p>
+            <a:pPr marL="0" indent="0">
+              <a:buNone/>
+            </a:pPr>
+            <a:r>
+              <a:rPr lang="fr-FR" sz="2300" dirty="0"/>
+              <a:t>		- Présentation des résultats </a:t>
+            </a:r>
+          </a:p>
+          <a:p>
+            <a:pPr marL="0" indent="0">
+              <a:buNone/>
+            </a:pPr>
+            <a:r>
+              <a:rPr lang="fr-FR" sz="2300" dirty="0"/>
+              <a:t>		- Présentation d'un test</a:t>
+            </a:r>
+          </a:p>
+          <a:p>
+            <a:pPr marL="0" indent="0">
+              <a:buNone/>
+            </a:pPr>
+            <a:r>
+              <a:rPr lang="fr-FR" sz="2300" dirty="0"/>
+              <a:t>Lors de l'analyse des résultats, les professeurs ont cherché à savoir le fonctionnement interne du meilleur modèle, à savoir régression logistique, je me suis donc informé et leur ai présenté son fonctionnement.</a:t>
+            </a:r>
+          </a:p>
+          <a:p>
+            <a:pPr marL="0" indent="0">
+              <a:buNone/>
+            </a:pPr>
+            <a:r>
+              <a:rPr lang="fr-FR" sz="2300" dirty="0"/>
+              <a:t> </a:t>
+            </a:r>
+          </a:p>
+          <a:p>
+            <a:pPr marL="0" indent="0">
+              <a:buNone/>
+            </a:pPr>
+            <a:r>
+              <a:rPr lang="fr-FR" sz="2300" u="sng" dirty="0"/>
+              <a:t>Rapport 3, 28 mars</a:t>
+            </a:r>
+            <a:endParaRPr lang="fr-FR" sz="2300" dirty="0"/>
+          </a:p>
+          <a:p>
+            <a:pPr marL="0" indent="0">
+              <a:buNone/>
+            </a:pPr>
+            <a:r>
+              <a:rPr lang="fr-FR" sz="2300" dirty="0"/>
+              <a:t>Présentation de l'application fonctionnelle :</a:t>
+            </a:r>
+          </a:p>
+          <a:p>
+            <a:pPr marL="0" indent="0">
+              <a:buNone/>
+            </a:pPr>
+            <a:r>
+              <a:rPr lang="fr-FR" sz="2300" dirty="0"/>
+              <a:t>Nous avons vu ensemble si le produit fini était conforme aux attentes, nous avons discuté du fait d'intégrer un niveau de certitude dans les prédictions.</a:t>
+            </a:r>
+          </a:p>
+          <a:p>
+            <a:pPr marL="0" indent="0">
+              <a:buNone/>
+            </a:pPr>
+            <a:endParaRPr lang="fr-FR" sz="1200" dirty="0"/>
+          </a:p>
+        </p:txBody>
+      </p:sp>
+      <p:sp>
+        <p:nvSpPr>
+          <p:cNvPr id="4" name="Espace réservé du numéro de diapositive 3">
+            <a:extLst>
+              <a:ext uri="{FF2B5EF4-FFF2-40B4-BE49-F238E27FC236}">
+                <a16:creationId xmlns:a16="http://schemas.microsoft.com/office/drawing/2014/main" id="{F95C3810-9747-FEDE-D1C5-B99F4E1E90F4}"/>
               </a:ext>
             </a:extLst>
           </p:cNvPr>
@@ -17596,141 +20043,10 @@
           </a:p>
         </p:txBody>
       </p:sp>
-      <p:sp>
-        <p:nvSpPr>
-          <p:cNvPr id="4" name="ZoneTexte 3">
-            <a:extLst>
-              <a:ext uri="{FF2B5EF4-FFF2-40B4-BE49-F238E27FC236}">
-                <a16:creationId xmlns:a16="http://schemas.microsoft.com/office/drawing/2014/main" id="{9C64543C-9B0C-AB1C-1EE2-E7DA7B39683E}"/>
-              </a:ext>
-            </a:extLst>
-          </p:cNvPr>
-          <p:cNvSpPr txBox="1"/>
-          <p:nvPr/>
-        </p:nvSpPr>
-        <p:spPr>
-          <a:xfrm>
-            <a:off x="490238" y="6063962"/>
-            <a:ext cx="5431781" cy="292388"/>
-          </a:xfrm>
-          <a:prstGeom prst="rect">
-            <a:avLst/>
-          </a:prstGeom>
-          <a:noFill/>
-        </p:spPr>
-        <p:txBody>
-          <a:bodyPr wrap="square" rtlCol="0">
-            <a:spAutoFit/>
-          </a:bodyPr>
-          <a:lstStyle/>
-          <a:p>
-            <a:pPr>
-              <a:spcAft>
-                <a:spcPts val="1000"/>
-              </a:spcAft>
-            </a:pPr>
-            <a:r>
-              <a:rPr lang="fr-FR" sz="1300" i="1" dirty="0">
-                <a:solidFill>
-                  <a:srgbClr val="44546A"/>
-                </a:solidFill>
-                <a:effectLst/>
-                <a:latin typeface="Calibri" panose="020F0502020204030204" pitchFamily="34" charset="0"/>
-                <a:ea typeface="Calibri" panose="020F0502020204030204" pitchFamily="34" charset="0"/>
-                <a:cs typeface="Times New Roman" panose="02020603050405020304" pitchFamily="18" charset="0"/>
-              </a:rPr>
-              <a:t>Figure 5 : Répartition des valeurs de la colonne "</a:t>
-            </a:r>
-            <a:r>
-              <a:rPr lang="fr-FR" sz="1300" i="1" dirty="0" err="1">
-                <a:solidFill>
-                  <a:srgbClr val="44546A"/>
-                </a:solidFill>
-                <a:effectLst/>
-                <a:latin typeface="Calibri" panose="020F0502020204030204" pitchFamily="34" charset="0"/>
-                <a:ea typeface="Calibri" panose="020F0502020204030204" pitchFamily="34" charset="0"/>
-                <a:cs typeface="Times New Roman" panose="02020603050405020304" pitchFamily="18" charset="0"/>
-              </a:rPr>
-              <a:t>treatment</a:t>
-            </a:r>
-            <a:r>
-              <a:rPr lang="fr-FR" sz="1300" i="1" dirty="0">
-                <a:solidFill>
-                  <a:srgbClr val="44546A"/>
-                </a:solidFill>
-                <a:effectLst/>
-                <a:latin typeface="Calibri" panose="020F0502020204030204" pitchFamily="34" charset="0"/>
-                <a:ea typeface="Calibri" panose="020F0502020204030204" pitchFamily="34" charset="0"/>
-                <a:cs typeface="Times New Roman" panose="02020603050405020304" pitchFamily="18" charset="0"/>
-              </a:rPr>
-              <a:t>"</a:t>
-            </a:r>
-          </a:p>
-        </p:txBody>
-      </p:sp>
-      <p:sp>
-        <p:nvSpPr>
-          <p:cNvPr id="8" name="ZoneTexte 7">
-            <a:extLst>
-              <a:ext uri="{FF2B5EF4-FFF2-40B4-BE49-F238E27FC236}">
-                <a16:creationId xmlns:a16="http://schemas.microsoft.com/office/drawing/2014/main" id="{A815EA9C-DCA9-CDDB-95D0-AC0858940BC7}"/>
-              </a:ext>
-            </a:extLst>
-          </p:cNvPr>
-          <p:cNvSpPr txBox="1"/>
-          <p:nvPr/>
-        </p:nvSpPr>
-        <p:spPr>
-          <a:xfrm>
-            <a:off x="5197934" y="6064345"/>
-            <a:ext cx="5431781" cy="292388"/>
-          </a:xfrm>
-          <a:prstGeom prst="rect">
-            <a:avLst/>
-          </a:prstGeom>
-          <a:noFill/>
-        </p:spPr>
-        <p:txBody>
-          <a:bodyPr wrap="square" rtlCol="0">
-            <a:spAutoFit/>
-          </a:bodyPr>
-          <a:lstStyle/>
-          <a:p>
-            <a:pPr>
-              <a:spcAft>
-                <a:spcPts val="1000"/>
-              </a:spcAft>
-            </a:pPr>
-            <a:r>
-              <a:rPr lang="fr-FR" sz="1300" i="1" dirty="0">
-                <a:solidFill>
-                  <a:srgbClr val="44546A"/>
-                </a:solidFill>
-                <a:effectLst/>
-                <a:latin typeface="Calibri" panose="020F0502020204030204" pitchFamily="34" charset="0"/>
-                <a:ea typeface="Calibri" panose="020F0502020204030204" pitchFamily="34" charset="0"/>
-                <a:cs typeface="Times New Roman" panose="02020603050405020304" pitchFamily="18" charset="0"/>
-              </a:rPr>
-              <a:t>Figure 6 </a:t>
-            </a:r>
-            <a:r>
-              <a:rPr lang="fr-FR" sz="1300" i="1" dirty="0">
-                <a:solidFill>
-                  <a:srgbClr val="44546A"/>
-                </a:solidFill>
-                <a:latin typeface="Calibri" panose="020F0502020204030204" pitchFamily="34" charset="0"/>
-                <a:ea typeface="Calibri" panose="020F0502020204030204" pitchFamily="34" charset="0"/>
-                <a:cs typeface="Times New Roman" panose="02020603050405020304" pitchFamily="18" charset="0"/>
-              </a:rPr>
-              <a:t>: Corrélation entre la colonne traitement et les autres colonnes</a:t>
-            </a:r>
-          </a:p>
-        </p:txBody>
-      </p:sp>
     </p:spTree>
     <p:extLst>
       <p:ext uri="{BB962C8B-B14F-4D97-AF65-F5344CB8AC3E}">
-        <p14:creationId xmlns:p14="http://schemas.microsoft.com/office/powerpoint/2010/main" val="2276690148"/>
+        <p14:creationId xmlns:p14="http://schemas.microsoft.com/office/powerpoint/2010/main" val="1957058029"/>
       </p:ext>
     </p:extLst>
   </p:cSld>
@@ -17775,7 +20091,7 @@
         </p:nvSpPr>
         <p:spPr>
           <a:xfrm>
-            <a:off x="150208" y="237893"/>
+            <a:off x="92019" y="1451551"/>
             <a:ext cx="11695427" cy="5406449"/>
           </a:xfrm>
         </p:spPr>
@@ -17787,55 +20103,83 @@
               <a:buNone/>
             </a:pPr>
             <a:r>
-              <a:rPr lang="fr-FR" sz="2300" u="sng" dirty="0" err="1"/>
-              <a:t>family_history</a:t>
-            </a:r>
-            <a:r>
-              <a:rPr lang="fr-FR" sz="2300" u="sng" dirty="0"/>
-              <a:t> :</a:t>
-            </a:r>
-            <a:r>
-              <a:rPr lang="fr-FR" sz="2300" dirty="0"/>
-              <a:t> Antécédents familiaux</a:t>
-            </a:r>
-            <a:endParaRPr lang="fr-FR" sz="2300" u="sng" dirty="0"/>
-          </a:p>
-          <a:p>
-            <a:pPr marL="0" indent="0">
-              <a:buNone/>
-            </a:pPr>
-            <a:endParaRPr lang="fr-FR" sz="2200" dirty="0"/>
+              <a:rPr lang="fr-FR" sz="2500" u="sng" dirty="0"/>
+              <a:t>2.1 Nettoyage des données</a:t>
+            </a:r>
+          </a:p>
+          <a:p>
+            <a:pPr marL="0" indent="0">
+              <a:buNone/>
+            </a:pPr>
+            <a:endParaRPr lang="fr-FR" u="sng" dirty="0"/>
+          </a:p>
+          <a:p>
+            <a:pPr marL="0" indent="0">
+              <a:buNone/>
+            </a:pPr>
+            <a:endParaRPr lang="fr-FR" u="sng" dirty="0"/>
           </a:p>
           <a:p>
             <a:pPr marL="0" indent="0">
               <a:buNone/>
             </a:pPr>
             <a:endParaRPr lang="fr-FR" dirty="0"/>
+          </a:p>
+        </p:txBody>
+      </p:sp>
+      <p:sp>
+        <p:nvSpPr>
+          <p:cNvPr id="8" name="Titre 1">
+            <a:extLst>
+              <a:ext uri="{FF2B5EF4-FFF2-40B4-BE49-F238E27FC236}">
+                <a16:creationId xmlns:a16="http://schemas.microsoft.com/office/drawing/2014/main" id="{E9C259C4-15CF-5FF1-5FA6-82A0B80722A6}"/>
+              </a:ext>
+            </a:extLst>
+          </p:cNvPr>
+          <p:cNvSpPr>
+            <a:spLocks noGrp="1"/>
+          </p:cNvSpPr>
+          <p:nvPr>
+            <p:ph type="title"/>
+          </p:nvPr>
+        </p:nvSpPr>
+        <p:spPr>
+          <a:xfrm>
+            <a:off x="92019" y="121514"/>
+            <a:ext cx="11495923" cy="766852"/>
+          </a:xfrm>
+        </p:spPr>
+        <p:txBody>
+          <a:bodyPr>
+            <a:normAutofit/>
+          </a:bodyPr>
+          <a:lstStyle/>
+          <a:p>
+            <a:r>
+              <a:rPr lang="fr-FR" sz="4000" dirty="0"/>
+              <a:t>2. Gestion des données analytiques du projet</a:t>
+            </a:r>
           </a:p>
         </p:txBody>
       </p:sp>
       <p:pic>
         <p:nvPicPr>
-          <p:cNvPr id="8" name="Image 7"/>
-          <p:cNvPicPr/>
+          <p:cNvPr id="2" name="Image 1"/>
+          <p:cNvPicPr>
+            <a:picLocks noChangeAspect="1"/>
+          </p:cNvPicPr>
           <p:nvPr/>
         </p:nvPicPr>
         <p:blipFill>
-          <a:blip r:embed="rId3">
-            <a:extLst>
-              <a:ext uri="{28A0092B-C50C-407E-A947-70E740481C1C}">
-                <a14:useLocalDpi xmlns:a14="http://schemas.microsoft.com/office/drawing/2010/main" val="0"/>
-              </a:ext>
-            </a:extLst>
-          </a:blip>
+          <a:blip r:embed="rId3"/>
           <a:stretch>
             <a:fillRect/>
           </a:stretch>
         </p:blipFill>
         <p:spPr>
           <a:xfrm>
-            <a:off x="2664893" y="1589924"/>
-            <a:ext cx="5514831" cy="4054418"/>
+            <a:off x="6041248" y="1137308"/>
+            <a:ext cx="5312551" cy="5584168"/>
           </a:xfrm>
           <a:prstGeom prst="rect">
             <a:avLst/>
@@ -17844,10 +20188,10 @@
       </p:pic>
       <p:sp>
         <p:nvSpPr>
-          <p:cNvPr id="2" name="Espace réservé du numéro de diapositive 1">
-            <a:extLst>
-              <a:ext uri="{FF2B5EF4-FFF2-40B4-BE49-F238E27FC236}">
-                <a16:creationId xmlns:a16="http://schemas.microsoft.com/office/drawing/2014/main" id="{C5803E93-B128-63F5-E939-9B9C049B9CB5}"/>
+          <p:cNvPr id="4" name="Espace réservé du numéro de diapositive 3">
+            <a:extLst>
+              <a:ext uri="{FF2B5EF4-FFF2-40B4-BE49-F238E27FC236}">
+                <a16:creationId xmlns:a16="http://schemas.microsoft.com/office/drawing/2014/main" id="{3CAF3126-CF04-04ED-80D0-99B785FAFF79}"/>
               </a:ext>
             </a:extLst>
           </p:cNvPr>
@@ -17873,10 +20217,10 @@
       </p:sp>
       <p:sp>
         <p:nvSpPr>
-          <p:cNvPr id="4" name="ZoneTexte 3">
-            <a:extLst>
-              <a:ext uri="{FF2B5EF4-FFF2-40B4-BE49-F238E27FC236}">
-                <a16:creationId xmlns:a16="http://schemas.microsoft.com/office/drawing/2014/main" id="{2CFD114E-6817-2097-F75C-2BC7EB5AA3CB}"/>
+          <p:cNvPr id="6" name="ZoneTexte 5">
+            <a:extLst>
+              <a:ext uri="{FF2B5EF4-FFF2-40B4-BE49-F238E27FC236}">
+                <a16:creationId xmlns:a16="http://schemas.microsoft.com/office/drawing/2014/main" id="{3E2EF921-A972-6302-6EE7-67D4A4C6961E}"/>
               </a:ext>
             </a:extLst>
           </p:cNvPr>
@@ -17885,7 +20229,7 @@
         </p:nvSpPr>
         <p:spPr>
           <a:xfrm>
-            <a:off x="2664893" y="5957157"/>
+            <a:off x="92019" y="6316669"/>
             <a:ext cx="5431781" cy="292388"/>
           </a:xfrm>
           <a:prstGeom prst="rect">
@@ -17914,70 +20258,15 @@
                 <a:ea typeface="Calibri" panose="020F0502020204030204" pitchFamily="34" charset="0"/>
                 <a:cs typeface="Times New Roman" panose="02020603050405020304" pitchFamily="18" charset="0"/>
               </a:rPr>
-              <a:t>Figure 7 : </a:t>
-            </a:r>
-            <a:r>
-              <a:rPr lang="fr-FR" sz="1300" i="1" dirty="0">
-                <a:solidFill>
-                  <a:srgbClr val="44546A"/>
-                </a:solidFill>
-                <a:latin typeface="Calibri" panose="020F0502020204030204" pitchFamily="34" charset="0"/>
-                <a:ea typeface="Calibri" panose="020F0502020204030204" pitchFamily="34" charset="0"/>
-                <a:cs typeface="Times New Roman" panose="02020603050405020304" pitchFamily="18" charset="0"/>
-              </a:rPr>
-              <a:t>Corrélation</a:t>
-            </a:r>
-            <a:r>
-              <a:rPr lang="fr-FR" sz="1300" i="1" dirty="0">
-                <a:solidFill>
-                  <a:srgbClr val="44546A"/>
-                </a:solidFill>
-                <a:effectLst/>
-                <a:latin typeface="Calibri" panose="020F0502020204030204" pitchFamily="34" charset="0"/>
-                <a:ea typeface="Calibri" panose="020F0502020204030204" pitchFamily="34" charset="0"/>
-                <a:cs typeface="Times New Roman" panose="02020603050405020304" pitchFamily="18" charset="0"/>
-              </a:rPr>
-              <a:t> entre antécédents familiaux et </a:t>
-            </a:r>
-            <a:r>
-              <a:rPr lang="fr-FR" sz="1300" i="1" dirty="0" err="1">
-                <a:solidFill>
-                  <a:srgbClr val="44546A"/>
-                </a:solidFill>
-                <a:latin typeface="Calibri" panose="020F0502020204030204" pitchFamily="34" charset="0"/>
-                <a:ea typeface="Calibri" panose="020F0502020204030204" pitchFamily="34" charset="0"/>
-                <a:cs typeface="Times New Roman" panose="02020603050405020304" pitchFamily="18" charset="0"/>
-              </a:rPr>
-              <a:t>t</a:t>
-            </a:r>
-            <a:r>
-              <a:rPr lang="fr-FR" sz="1300" i="1" dirty="0" err="1">
-                <a:solidFill>
-                  <a:srgbClr val="44546A"/>
-                </a:solidFill>
-                <a:effectLst/>
-                <a:latin typeface="Calibri" panose="020F0502020204030204" pitchFamily="34" charset="0"/>
-                <a:ea typeface="Calibri" panose="020F0502020204030204" pitchFamily="34" charset="0"/>
-                <a:cs typeface="Times New Roman" panose="02020603050405020304" pitchFamily="18" charset="0"/>
-              </a:rPr>
-              <a:t>reatment</a:t>
-            </a:r>
-            <a:endParaRPr lang="fr-FR" sz="1300" i="1" dirty="0">
-              <a:solidFill>
-                <a:srgbClr val="44546A"/>
-              </a:solidFill>
-              <a:effectLst/>
-              <a:latin typeface="Calibri" panose="020F0502020204030204" pitchFamily="34" charset="0"/>
-              <a:ea typeface="Calibri" panose="020F0502020204030204" pitchFamily="34" charset="0"/>
-              <a:cs typeface="Times New Roman" panose="02020603050405020304" pitchFamily="18" charset="0"/>
-            </a:endParaRPr>
+              <a:t>Figure 4 : Stratégie de nettoyage des données</a:t>
+            </a:r>
           </a:p>
         </p:txBody>
       </p:sp>
     </p:spTree>
     <p:extLst>
       <p:ext uri="{BB962C8B-B14F-4D97-AF65-F5344CB8AC3E}">
-        <p14:creationId xmlns:p14="http://schemas.microsoft.com/office/powerpoint/2010/main" val="3672431363"/>
+        <p14:creationId xmlns:p14="http://schemas.microsoft.com/office/powerpoint/2010/main" val="2056518719"/>
       </p:ext>
     </p:extLst>
   </p:cSld>

--- a/E1/diapo.PPTX
+++ b/E1/diapo.PPTX
@@ -16802,7 +16802,7 @@
                 <a:ea typeface="Calibri" panose="020F0502020204030204" pitchFamily="34" charset="0"/>
                 <a:cs typeface="Times New Roman" panose="02020603050405020304" pitchFamily="18" charset="0"/>
               </a:rPr>
-              <a:t>38</a:t>
+              <a:t>39</a:t>
             </a:r>
             <a:r>
               <a:rPr lang="fr-FR" sz="1300" i="1" dirty="0">
@@ -16925,6 +16925,149 @@
               </a:rPr>
               <a:t>C12</a:t>
             </a:r>
+          </a:p>
+        </p:txBody>
+      </p:sp>
+      <p:pic>
+        <p:nvPicPr>
+          <p:cNvPr id="8" name="Image 7">
+            <a:extLst>
+              <a:ext uri="{FF2B5EF4-FFF2-40B4-BE49-F238E27FC236}">
+                <a16:creationId xmlns:a16="http://schemas.microsoft.com/office/drawing/2014/main" id="{2D2EBAE7-C055-D9D8-6360-95E086DA293A}"/>
+              </a:ext>
+            </a:extLst>
+          </p:cNvPr>
+          <p:cNvPicPr>
+            <a:picLocks noChangeAspect="1"/>
+          </p:cNvPicPr>
+          <p:nvPr/>
+        </p:nvPicPr>
+        <p:blipFill>
+          <a:blip r:embed="rId4"/>
+          <a:stretch>
+            <a:fillRect/>
+          </a:stretch>
+        </p:blipFill>
+        <p:spPr>
+          <a:xfrm>
+            <a:off x="258500" y="2711068"/>
+            <a:ext cx="2496274" cy="4010407"/>
+          </a:xfrm>
+          <a:prstGeom prst="rect">
+            <a:avLst/>
+          </a:prstGeom>
+        </p:spPr>
+      </p:pic>
+      <p:sp>
+        <p:nvSpPr>
+          <p:cNvPr id="9" name="ZoneTexte 8">
+            <a:extLst>
+              <a:ext uri="{FF2B5EF4-FFF2-40B4-BE49-F238E27FC236}">
+                <a16:creationId xmlns:a16="http://schemas.microsoft.com/office/drawing/2014/main" id="{FA18C5D7-1A0E-1893-2489-3D0DB84EEC04}"/>
+              </a:ext>
+            </a:extLst>
+          </p:cNvPr>
+          <p:cNvSpPr txBox="1"/>
+          <p:nvPr/>
+        </p:nvSpPr>
+        <p:spPr>
+          <a:xfrm>
+            <a:off x="2867995" y="6331040"/>
+            <a:ext cx="3736326" cy="302517"/>
+          </a:xfrm>
+          <a:prstGeom prst="rect">
+            <a:avLst/>
+          </a:prstGeom>
+          <a:noFill/>
+        </p:spPr>
+        <p:txBody>
+          <a:bodyPr wrap="square" rtlCol="0">
+            <a:spAutoFit/>
+          </a:bodyPr>
+          <a:lstStyle/>
+          <a:p>
+            <a:pPr>
+              <a:spcAft>
+                <a:spcPts val="1000"/>
+              </a:spcAft>
+            </a:pPr>
+            <a:r>
+              <a:rPr lang="fr-FR" sz="1300" i="1" dirty="0">
+                <a:solidFill>
+                  <a:srgbClr val="44546A"/>
+                </a:solidFill>
+                <a:effectLst/>
+                <a:latin typeface="Calibri" panose="020F0502020204030204" pitchFamily="34" charset="0"/>
+                <a:ea typeface="Calibri" panose="020F0502020204030204" pitchFamily="34" charset="0"/>
+                <a:cs typeface="Times New Roman" panose="02020603050405020304" pitchFamily="18" charset="0"/>
+              </a:rPr>
+              <a:t>Figure </a:t>
+            </a:r>
+            <a:r>
+              <a:rPr lang="fr-FR" sz="1300" i="1" dirty="0">
+                <a:solidFill>
+                  <a:srgbClr val="44546A"/>
+                </a:solidFill>
+                <a:latin typeface="Calibri" panose="020F0502020204030204" pitchFamily="34" charset="0"/>
+                <a:ea typeface="Calibri" panose="020F0502020204030204" pitchFamily="34" charset="0"/>
+                <a:cs typeface="Times New Roman" panose="02020603050405020304" pitchFamily="18" charset="0"/>
+              </a:rPr>
+              <a:t>38</a:t>
+            </a:r>
+            <a:r>
+              <a:rPr lang="fr-FR" sz="1300" i="1" dirty="0">
+                <a:solidFill>
+                  <a:srgbClr val="44546A"/>
+                </a:solidFill>
+                <a:effectLst/>
+                <a:latin typeface="Calibri" panose="020F0502020204030204" pitchFamily="34" charset="0"/>
+                <a:ea typeface="Calibri" panose="020F0502020204030204" pitchFamily="34" charset="0"/>
+                <a:cs typeface="Times New Roman" panose="02020603050405020304" pitchFamily="18" charset="0"/>
+              </a:rPr>
+              <a:t> : </a:t>
+            </a:r>
+            <a:r>
+              <a:rPr lang="fr-FR" sz="1300" i="1" dirty="0">
+                <a:solidFill>
+                  <a:srgbClr val="44546A"/>
+                </a:solidFill>
+                <a:latin typeface="Calibri" panose="020F0502020204030204" pitchFamily="34" charset="0"/>
+                <a:ea typeface="Calibri" panose="020F0502020204030204" pitchFamily="34" charset="0"/>
+                <a:cs typeface="Times New Roman" panose="02020603050405020304" pitchFamily="18" charset="0"/>
+              </a:rPr>
+              <a:t>Tests réussis sur </a:t>
+            </a:r>
+            <a:r>
+              <a:rPr lang="fr-FR" sz="1300" i="1" dirty="0" err="1">
+                <a:solidFill>
+                  <a:srgbClr val="44546A"/>
+                </a:solidFill>
+                <a:latin typeface="Calibri" panose="020F0502020204030204" pitchFamily="34" charset="0"/>
+                <a:ea typeface="Calibri" panose="020F0502020204030204" pitchFamily="34" charset="0"/>
+                <a:cs typeface="Times New Roman" panose="02020603050405020304" pitchFamily="18" charset="0"/>
+              </a:rPr>
+              <a:t>Github</a:t>
+            </a:r>
+            <a:r>
+              <a:rPr lang="fr-FR" sz="1300" i="1" dirty="0">
+                <a:solidFill>
+                  <a:srgbClr val="44546A"/>
+                </a:solidFill>
+                <a:latin typeface="Calibri" panose="020F0502020204030204" pitchFamily="34" charset="0"/>
+                <a:ea typeface="Calibri" panose="020F0502020204030204" pitchFamily="34" charset="0"/>
+                <a:cs typeface="Times New Roman" panose="02020603050405020304" pitchFamily="18" charset="0"/>
+              </a:rPr>
+              <a:t> actions</a:t>
+            </a:r>
+            <a:endParaRPr lang="fr-FR" sz="1300" i="1" dirty="0">
+              <a:solidFill>
+                <a:srgbClr val="44546A"/>
+              </a:solidFill>
+              <a:effectLst/>
+              <a:latin typeface="Calibri" panose="020F0502020204030204" pitchFamily="34" charset="0"/>
+              <a:ea typeface="Calibri" panose="020F0502020204030204" pitchFamily="34" charset="0"/>
+              <a:cs typeface="Times New Roman" panose="02020603050405020304" pitchFamily="18" charset="0"/>
+            </a:endParaRPr>
           </a:p>
         </p:txBody>
       </p:sp>
@@ -17894,7 +18037,7 @@
         </p:nvSpPr>
         <p:spPr>
           <a:xfrm>
-            <a:off x="314498" y="1285297"/>
+            <a:off x="206433" y="1165715"/>
             <a:ext cx="10515600" cy="5373197"/>
           </a:xfrm>
         </p:spPr>
@@ -17908,19 +18051,19 @@
               <a:buNone/>
             </a:pPr>
             <a:r>
-              <a:rPr lang="fr-FR" sz="1600" u="sng" dirty="0"/>
+              <a:rPr lang="fr-FR" sz="2000" u="sng" dirty="0"/>
               <a:t>Contexte :</a:t>
             </a:r>
           </a:p>
           <a:p>
             <a:r>
-              <a:rPr lang="fr-FR" sz="1600" dirty="0"/>
+              <a:rPr lang="fr-FR" sz="2000" dirty="0"/>
               <a:t>https://www.who.int/fr/news/item/02-03-2022-covid-19-pandemic-triggers-25-increase-in-prevalence-of-anxiety-and-depression-worldwide</a:t>
             </a:r>
           </a:p>
           <a:p>
             <a:r>
-              <a:rPr lang="fr-FR" sz="1600" dirty="0"/>
+              <a:rPr lang="fr-FR" sz="2000" dirty="0"/>
               <a:t>https://www.ipsos.com/fr-fr/le-monde-en-chiffres-la-sante-mentale-des-francais</a:t>
             </a:r>
           </a:p>
@@ -17928,28 +18071,28 @@
             <a:pPr marL="0" indent="0">
               <a:buNone/>
             </a:pPr>
-            <a:endParaRPr lang="fr-FR" sz="1600" dirty="0"/>
-          </a:p>
-          <a:p>
-            <a:pPr marL="0" indent="0">
-              <a:buNone/>
-            </a:pPr>
-            <a:r>
-              <a:rPr lang="fr-FR" sz="1600" u="sng" dirty="0" err="1"/>
+            <a:endParaRPr lang="fr-FR" sz="2000" dirty="0"/>
+          </a:p>
+          <a:p>
+            <a:pPr marL="0" indent="0">
+              <a:buNone/>
+            </a:pPr>
+            <a:r>
+              <a:rPr lang="fr-FR" sz="2000" u="sng" dirty="0" err="1"/>
               <a:t>Dataset</a:t>
             </a:r>
             <a:r>
-              <a:rPr lang="fr-FR" sz="1600" u="sng" dirty="0"/>
+              <a:rPr lang="fr-FR" sz="2000" u="sng" dirty="0"/>
               <a:t> :</a:t>
             </a:r>
             <a:r>
-              <a:rPr lang="fr-FR" sz="1600" dirty="0"/>
+              <a:rPr lang="fr-FR" sz="2000" dirty="0"/>
               <a:t> </a:t>
             </a:r>
           </a:p>
           <a:p>
             <a:r>
-              <a:rPr lang="fr-FR" sz="1600" dirty="0"/>
+              <a:rPr lang="fr-FR" sz="2000" dirty="0"/>
               <a:t>https://www.kaggle.com/datasets/osmi/mental-health-in-tech-survey/data</a:t>
             </a:r>
           </a:p>
@@ -17957,50 +18100,50 @@
             <a:pPr marL="0" indent="0">
               <a:buNone/>
             </a:pPr>
-            <a:endParaRPr lang="fr-FR" sz="1600" dirty="0"/>
-          </a:p>
-          <a:p>
-            <a:pPr marL="0" indent="0">
-              <a:buNone/>
-            </a:pPr>
-            <a:r>
-              <a:rPr lang="fr-FR" sz="1600" u="sng" dirty="0"/>
+            <a:endParaRPr lang="fr-FR" sz="2000" dirty="0"/>
+          </a:p>
+          <a:p>
+            <a:pPr marL="0" indent="0">
+              <a:buNone/>
+            </a:pPr>
+            <a:r>
+              <a:rPr lang="fr-FR" sz="2000" u="sng" dirty="0"/>
               <a:t>Références veille technique :</a:t>
             </a:r>
           </a:p>
           <a:p>
             <a:r>
-              <a:rPr lang="fr-FR" sz="1600" dirty="0"/>
+              <a:rPr lang="fr-FR" sz="2000" dirty="0"/>
               <a:t>https://datascientest.com/algorithme-de-classification-definition-et-principaux-modeles.</a:t>
             </a:r>
           </a:p>
           <a:p>
             <a:r>
-              <a:rPr lang="fr-FR" sz="1600" dirty="0" err="1"/>
+              <a:rPr lang="fr-FR" sz="2000" dirty="0" err="1"/>
               <a:t>Machine_learnia</a:t>
             </a:r>
             <a:r>
-              <a:rPr lang="fr-FR" sz="1600" dirty="0"/>
+              <a:rPr lang="fr-FR" sz="2000" dirty="0"/>
               <a:t>. https://www.youtube.com/watch?v=EUD07IiviJg&amp;list=PLO_fdPEVlfKqUF5BPKjGSh7aV9aBshrpY.</a:t>
             </a:r>
           </a:p>
           <a:p>
             <a:r>
-              <a:rPr lang="fr-FR" sz="1600" dirty="0" err="1"/>
+              <a:rPr lang="fr-FR" sz="2000" dirty="0" err="1"/>
               <a:t>ChatGPT</a:t>
             </a:r>
             <a:r>
-              <a:rPr lang="fr-FR" sz="1600" dirty="0"/>
+              <a:rPr lang="fr-FR" sz="2000" dirty="0"/>
               <a:t>. https://chat.openai.com/.</a:t>
             </a:r>
           </a:p>
           <a:p>
             <a:r>
-              <a:rPr lang="fr-FR" sz="1600" dirty="0" err="1"/>
+              <a:rPr lang="fr-FR" sz="2000" dirty="0" err="1"/>
               <a:t>Statquest</a:t>
             </a:r>
             <a:r>
-              <a:rPr lang="fr-FR" sz="1600" dirty="0"/>
+              <a:rPr lang="fr-FR" sz="2000" dirty="0"/>
               <a:t>. https://www.youtube.com/watch?v=_L39rN6gz7Y&amp;t=813s</a:t>
             </a:r>
           </a:p>

--- a/E1/diapo.PPTX
+++ b/E1/diapo.PPTX
@@ -10,45 +10,45 @@
   <p:sldIdLst>
     <p:sldId id="256" r:id="rId2"/>
     <p:sldId id="259" r:id="rId3"/>
-    <p:sldId id="260" r:id="rId4"/>
-    <p:sldId id="262" r:id="rId5"/>
-    <p:sldId id="263" r:id="rId6"/>
-    <p:sldId id="266" r:id="rId7"/>
-    <p:sldId id="279" r:id="rId8"/>
-    <p:sldId id="306" r:id="rId9"/>
-    <p:sldId id="267" r:id="rId10"/>
-    <p:sldId id="268" r:id="rId11"/>
-    <p:sldId id="269" r:id="rId12"/>
-    <p:sldId id="270" r:id="rId13"/>
-    <p:sldId id="271" r:id="rId14"/>
-    <p:sldId id="274" r:id="rId15"/>
-    <p:sldId id="276" r:id="rId16"/>
-    <p:sldId id="272" r:id="rId17"/>
-    <p:sldId id="273" r:id="rId18"/>
-    <p:sldId id="277" r:id="rId19"/>
-    <p:sldId id="283" r:id="rId20"/>
-    <p:sldId id="280" r:id="rId21"/>
-    <p:sldId id="284" r:id="rId22"/>
-    <p:sldId id="285" r:id="rId23"/>
-    <p:sldId id="286" r:id="rId24"/>
-    <p:sldId id="302" r:id="rId25"/>
-    <p:sldId id="295" r:id="rId26"/>
-    <p:sldId id="287" r:id="rId27"/>
-    <p:sldId id="297" r:id="rId28"/>
-    <p:sldId id="294" r:id="rId29"/>
-    <p:sldId id="296" r:id="rId30"/>
-    <p:sldId id="299" r:id="rId31"/>
-    <p:sldId id="264" r:id="rId32"/>
-    <p:sldId id="298" r:id="rId33"/>
-    <p:sldId id="289" r:id="rId34"/>
-    <p:sldId id="290" r:id="rId35"/>
-    <p:sldId id="292" r:id="rId36"/>
-    <p:sldId id="293" r:id="rId37"/>
-    <p:sldId id="300" r:id="rId38"/>
-    <p:sldId id="301" r:id="rId39"/>
-    <p:sldId id="303" r:id="rId40"/>
-    <p:sldId id="258" r:id="rId41"/>
-    <p:sldId id="305" r:id="rId42"/>
+    <p:sldId id="307" r:id="rId4"/>
+    <p:sldId id="260" r:id="rId5"/>
+    <p:sldId id="262" r:id="rId6"/>
+    <p:sldId id="263" r:id="rId7"/>
+    <p:sldId id="266" r:id="rId8"/>
+    <p:sldId id="279" r:id="rId9"/>
+    <p:sldId id="306" r:id="rId10"/>
+    <p:sldId id="267" r:id="rId11"/>
+    <p:sldId id="268" r:id="rId12"/>
+    <p:sldId id="269" r:id="rId13"/>
+    <p:sldId id="270" r:id="rId14"/>
+    <p:sldId id="271" r:id="rId15"/>
+    <p:sldId id="274" r:id="rId16"/>
+    <p:sldId id="276" r:id="rId17"/>
+    <p:sldId id="272" r:id="rId18"/>
+    <p:sldId id="273" r:id="rId19"/>
+    <p:sldId id="277" r:id="rId20"/>
+    <p:sldId id="283" r:id="rId21"/>
+    <p:sldId id="280" r:id="rId22"/>
+    <p:sldId id="284" r:id="rId23"/>
+    <p:sldId id="285" r:id="rId24"/>
+    <p:sldId id="286" r:id="rId25"/>
+    <p:sldId id="302" r:id="rId26"/>
+    <p:sldId id="295" r:id="rId27"/>
+    <p:sldId id="287" r:id="rId28"/>
+    <p:sldId id="297" r:id="rId29"/>
+    <p:sldId id="294" r:id="rId30"/>
+    <p:sldId id="296" r:id="rId31"/>
+    <p:sldId id="299" r:id="rId32"/>
+    <p:sldId id="264" r:id="rId33"/>
+    <p:sldId id="298" r:id="rId34"/>
+    <p:sldId id="289" r:id="rId35"/>
+    <p:sldId id="290" r:id="rId36"/>
+    <p:sldId id="292" r:id="rId37"/>
+    <p:sldId id="293" r:id="rId38"/>
+    <p:sldId id="300" r:id="rId39"/>
+    <p:sldId id="301" r:id="rId40"/>
+    <p:sldId id="303" r:id="rId41"/>
+    <p:sldId id="258" r:id="rId42"/>
     <p:sldId id="282" r:id="rId43"/>
     <p:sldId id="304" r:id="rId44"/>
   </p:sldIdLst>
@@ -239,7 +239,7 @@
           <a:p>
             <a:fld id="{CBFE0C24-F68F-4E5D-B7EE-DD5107D4A260}" type="datetimeFigureOut">
               <a:rPr lang="fr-FR" smtClean="0"/>
-              <a:t>27/05/2024</a:t>
+              <a:t>28/05/2024</a:t>
             </a:fld>
             <a:endParaRPr lang="fr-FR"/>
           </a:p>
@@ -574,7 +574,7 @@
           <a:p>
             <a:fld id="{66AB49C7-41D5-4891-8EE8-309F74BEF086}" type="slidenum">
               <a:rPr lang="fr-FR" smtClean="0"/>
-              <a:t>3</a:t>
+              <a:t>4</a:t>
             </a:fld>
             <a:endParaRPr lang="fr-FR"/>
           </a:p>
@@ -669,7 +669,7 @@
           <a:p>
             <a:fld id="{66AB49C7-41D5-4891-8EE8-309F74BEF086}" type="slidenum">
               <a:rPr lang="fr-FR" smtClean="0"/>
-              <a:t>14</a:t>
+              <a:t>15</a:t>
             </a:fld>
             <a:endParaRPr lang="fr-FR"/>
           </a:p>
@@ -764,7 +764,7 @@
           <a:p>
             <a:fld id="{66AB49C7-41D5-4891-8EE8-309F74BEF086}" type="slidenum">
               <a:rPr lang="fr-FR" smtClean="0"/>
-              <a:t>15</a:t>
+              <a:t>16</a:t>
             </a:fld>
             <a:endParaRPr lang="fr-FR"/>
           </a:p>
@@ -859,7 +859,7 @@
           <a:p>
             <a:fld id="{66AB49C7-41D5-4891-8EE8-309F74BEF086}" type="slidenum">
               <a:rPr lang="fr-FR" smtClean="0"/>
-              <a:t>16</a:t>
+              <a:t>17</a:t>
             </a:fld>
             <a:endParaRPr lang="fr-FR"/>
           </a:p>
@@ -954,7 +954,7 @@
           <a:p>
             <a:fld id="{66AB49C7-41D5-4891-8EE8-309F74BEF086}" type="slidenum">
               <a:rPr lang="fr-FR" smtClean="0"/>
-              <a:t>17</a:t>
+              <a:t>18</a:t>
             </a:fld>
             <a:endParaRPr lang="fr-FR"/>
           </a:p>
@@ -1157,7 +1157,7 @@
           <a:p>
             <a:fld id="{66AB49C7-41D5-4891-8EE8-309F74BEF086}" type="slidenum">
               <a:rPr lang="fr-FR" smtClean="0"/>
-              <a:t>18</a:t>
+              <a:t>19</a:t>
             </a:fld>
             <a:endParaRPr lang="fr-FR"/>
           </a:p>
@@ -1308,7 +1308,7 @@
           <a:p>
             <a:fld id="{66AB49C7-41D5-4891-8EE8-309F74BEF086}" type="slidenum">
               <a:rPr lang="fr-FR" smtClean="0"/>
-              <a:t>19</a:t>
+              <a:t>20</a:t>
             </a:fld>
             <a:endParaRPr lang="fr-FR"/>
           </a:p>
@@ -1392,7 +1392,7 @@
           <a:p>
             <a:fld id="{66AB49C7-41D5-4891-8EE8-309F74BEF086}" type="slidenum">
               <a:rPr lang="fr-FR" smtClean="0"/>
-              <a:t>20</a:t>
+              <a:t>21</a:t>
             </a:fld>
             <a:endParaRPr lang="fr-FR"/>
           </a:p>
@@ -1484,7 +1484,7 @@
           <a:p>
             <a:fld id="{66AB49C7-41D5-4891-8EE8-309F74BEF086}" type="slidenum">
               <a:rPr lang="fr-FR" smtClean="0"/>
-              <a:t>21</a:t>
+              <a:t>22</a:t>
             </a:fld>
             <a:endParaRPr lang="fr-FR"/>
           </a:p>
@@ -1632,7 +1632,7 @@
           <a:p>
             <a:fld id="{66AB49C7-41D5-4891-8EE8-309F74BEF086}" type="slidenum">
               <a:rPr lang="fr-FR" smtClean="0"/>
-              <a:t>22</a:t>
+              <a:t>23</a:t>
             </a:fld>
             <a:endParaRPr lang="fr-FR"/>
           </a:p>
@@ -1755,7 +1755,7 @@
           <a:p>
             <a:fld id="{66AB49C7-41D5-4891-8EE8-309F74BEF086}" type="slidenum">
               <a:rPr lang="fr-FR" smtClean="0"/>
-              <a:t>23</a:t>
+              <a:t>24</a:t>
             </a:fld>
             <a:endParaRPr lang="fr-FR"/>
           </a:p>
@@ -1852,7 +1852,7 @@
           <a:p>
             <a:fld id="{66AB49C7-41D5-4891-8EE8-309F74BEF086}" type="slidenum">
               <a:rPr lang="fr-FR" smtClean="0"/>
-              <a:t>4</a:t>
+              <a:t>5</a:t>
             </a:fld>
             <a:endParaRPr lang="fr-FR"/>
           </a:p>
@@ -1945,7 +1945,7 @@
           <a:p>
             <a:fld id="{66AB49C7-41D5-4891-8EE8-309F74BEF086}" type="slidenum">
               <a:rPr lang="fr-FR" smtClean="0"/>
-              <a:t>24</a:t>
+              <a:t>25</a:t>
             </a:fld>
             <a:endParaRPr lang="fr-FR"/>
           </a:p>
@@ -2051,7 +2051,7 @@
           <a:p>
             <a:fld id="{66AB49C7-41D5-4891-8EE8-309F74BEF086}" type="slidenum">
               <a:rPr lang="fr-FR" smtClean="0"/>
-              <a:t>25</a:t>
+              <a:t>26</a:t>
             </a:fld>
             <a:endParaRPr lang="fr-FR"/>
           </a:p>
@@ -2155,7 +2155,7 @@
           <a:p>
             <a:fld id="{66AB49C7-41D5-4891-8EE8-309F74BEF086}" type="slidenum">
               <a:rPr lang="fr-FR" smtClean="0"/>
-              <a:t>26</a:t>
+              <a:t>27</a:t>
             </a:fld>
             <a:endParaRPr lang="fr-FR"/>
           </a:p>
@@ -2279,7 +2279,7 @@
           <a:p>
             <a:fld id="{66AB49C7-41D5-4891-8EE8-309F74BEF086}" type="slidenum">
               <a:rPr lang="fr-FR" smtClean="0"/>
-              <a:t>27</a:t>
+              <a:t>28</a:t>
             </a:fld>
             <a:endParaRPr lang="fr-FR"/>
           </a:p>
@@ -2384,7 +2384,7 @@
           <a:p>
             <a:fld id="{66AB49C7-41D5-4891-8EE8-309F74BEF086}" type="slidenum">
               <a:rPr lang="fr-FR" smtClean="0"/>
-              <a:t>28</a:t>
+              <a:t>29</a:t>
             </a:fld>
             <a:endParaRPr lang="fr-FR"/>
           </a:p>
@@ -2485,7 +2485,7 @@
           <a:p>
             <a:fld id="{66AB49C7-41D5-4891-8EE8-309F74BEF086}" type="slidenum">
               <a:rPr lang="fr-FR" smtClean="0"/>
-              <a:t>29</a:t>
+              <a:t>30</a:t>
             </a:fld>
             <a:endParaRPr lang="fr-FR"/>
           </a:p>
@@ -2586,7 +2586,7 @@
           <a:p>
             <a:fld id="{66AB49C7-41D5-4891-8EE8-309F74BEF086}" type="slidenum">
               <a:rPr lang="fr-FR" smtClean="0"/>
-              <a:t>30</a:t>
+              <a:t>31</a:t>
             </a:fld>
             <a:endParaRPr lang="fr-FR"/>
           </a:p>
@@ -2670,7 +2670,7 @@
           <a:p>
             <a:fld id="{66AB49C7-41D5-4891-8EE8-309F74BEF086}" type="slidenum">
               <a:rPr lang="fr-FR" smtClean="0"/>
-              <a:t>31</a:t>
+              <a:t>32</a:t>
             </a:fld>
             <a:endParaRPr lang="fr-FR"/>
           </a:p>
@@ -2754,7 +2754,7 @@
           <a:p>
             <a:fld id="{66AB49C7-41D5-4891-8EE8-309F74BEF086}" type="slidenum">
               <a:rPr lang="fr-FR" smtClean="0"/>
-              <a:t>32</a:t>
+              <a:t>33</a:t>
             </a:fld>
             <a:endParaRPr lang="fr-FR"/>
           </a:p>
@@ -2946,7 +2946,7 @@
           <a:p>
             <a:fld id="{66AB49C7-41D5-4891-8EE8-309F74BEF086}" type="slidenum">
               <a:rPr lang="fr-FR" smtClean="0"/>
-              <a:t>33</a:t>
+              <a:t>34</a:t>
             </a:fld>
             <a:endParaRPr lang="fr-FR"/>
           </a:p>
@@ -3033,7 +3033,7 @@
           <a:p>
             <a:fld id="{66AB49C7-41D5-4891-8EE8-309F74BEF086}" type="slidenum">
               <a:rPr lang="fr-FR" smtClean="0"/>
-              <a:t>5</a:t>
+              <a:t>6</a:t>
             </a:fld>
             <a:endParaRPr lang="fr-FR"/>
           </a:p>
@@ -3225,7 +3225,7 @@
           <a:p>
             <a:fld id="{66AB49C7-41D5-4891-8EE8-309F74BEF086}" type="slidenum">
               <a:rPr lang="fr-FR" smtClean="0"/>
-              <a:t>34</a:t>
+              <a:t>35</a:t>
             </a:fld>
             <a:endParaRPr lang="fr-FR"/>
           </a:p>
@@ -3349,7 +3349,7 @@
           <a:p>
             <a:fld id="{66AB49C7-41D5-4891-8EE8-309F74BEF086}" type="slidenum">
               <a:rPr lang="fr-FR" smtClean="0"/>
-              <a:t>35</a:t>
+              <a:t>36</a:t>
             </a:fld>
             <a:endParaRPr lang="fr-FR"/>
           </a:p>
@@ -3541,7 +3541,7 @@
           <a:p>
             <a:fld id="{66AB49C7-41D5-4891-8EE8-309F74BEF086}" type="slidenum">
               <a:rPr lang="fr-FR" smtClean="0"/>
-              <a:t>36</a:t>
+              <a:t>37</a:t>
             </a:fld>
             <a:endParaRPr lang="fr-FR"/>
           </a:p>
@@ -3733,7 +3733,7 @@
           <a:p>
             <a:fld id="{66AB49C7-41D5-4891-8EE8-309F74BEF086}" type="slidenum">
               <a:rPr lang="fr-FR" smtClean="0"/>
-              <a:t>37</a:t>
+              <a:t>38</a:t>
             </a:fld>
             <a:endParaRPr lang="fr-FR"/>
           </a:p>
@@ -3925,7 +3925,7 @@
           <a:p>
             <a:fld id="{66AB49C7-41D5-4891-8EE8-309F74BEF086}" type="slidenum">
               <a:rPr lang="fr-FR" smtClean="0"/>
-              <a:t>38</a:t>
+              <a:t>39</a:t>
             </a:fld>
             <a:endParaRPr lang="fr-FR"/>
           </a:p>
@@ -4117,7 +4117,7 @@
           <a:p>
             <a:fld id="{66AB49C7-41D5-4891-8EE8-309F74BEF086}" type="slidenum">
               <a:rPr lang="fr-FR" smtClean="0"/>
-              <a:t>39</a:t>
+              <a:t>40</a:t>
             </a:fld>
             <a:endParaRPr lang="fr-FR"/>
           </a:p>
@@ -4214,7 +4214,7 @@
           <a:p>
             <a:fld id="{66AB49C7-41D5-4891-8EE8-309F74BEF086}" type="slidenum">
               <a:rPr lang="fr-FR" smtClean="0"/>
-              <a:t>6</a:t>
+              <a:t>7</a:t>
             </a:fld>
             <a:endParaRPr lang="fr-FR"/>
           </a:p>
@@ -4315,7 +4315,7 @@
           <a:p>
             <a:fld id="{66AB49C7-41D5-4891-8EE8-309F74BEF086}" type="slidenum">
               <a:rPr lang="fr-FR" smtClean="0"/>
-              <a:t>9</a:t>
+              <a:t>10</a:t>
             </a:fld>
             <a:endParaRPr lang="fr-FR"/>
           </a:p>
@@ -4399,7 +4399,7 @@
           <a:p>
             <a:fld id="{66AB49C7-41D5-4891-8EE8-309F74BEF086}" type="slidenum">
               <a:rPr lang="fr-FR" smtClean="0"/>
-              <a:t>10</a:t>
+              <a:t>11</a:t>
             </a:fld>
             <a:endParaRPr lang="fr-FR"/>
           </a:p>
@@ -4494,7 +4494,7 @@
           <a:p>
             <a:fld id="{66AB49C7-41D5-4891-8EE8-309F74BEF086}" type="slidenum">
               <a:rPr lang="fr-FR" smtClean="0"/>
-              <a:t>11</a:t>
+              <a:t>12</a:t>
             </a:fld>
             <a:endParaRPr lang="fr-FR"/>
           </a:p>
@@ -4613,7 +4613,7 @@
           <a:p>
             <a:fld id="{66AB49C7-41D5-4891-8EE8-309F74BEF086}" type="slidenum">
               <a:rPr lang="fr-FR" smtClean="0"/>
-              <a:t>12</a:t>
+              <a:t>13</a:t>
             </a:fld>
             <a:endParaRPr lang="fr-FR"/>
           </a:p>
@@ -4708,7 +4708,7 @@
           <a:p>
             <a:fld id="{66AB49C7-41D5-4891-8EE8-309F74BEF086}" type="slidenum">
               <a:rPr lang="fr-FR" smtClean="0"/>
-              <a:t>13</a:t>
+              <a:t>14</a:t>
             </a:fld>
             <a:endParaRPr lang="fr-FR"/>
           </a:p>
@@ -4874,7 +4874,7 @@
           <a:p>
             <a:fld id="{030A0348-A3C9-4805-B27F-CC97A10C8170}" type="datetime1">
               <a:rPr lang="fr-FR" smtClean="0"/>
-              <a:t>27/05/2024</a:t>
+              <a:t>28/05/2024</a:t>
             </a:fld>
             <a:endParaRPr lang="fr-FR"/>
           </a:p>
@@ -5072,7 +5072,7 @@
           <a:p>
             <a:fld id="{DCE26FB0-9262-4B4A-96F0-0E4239312FC9}" type="datetime1">
               <a:rPr lang="fr-FR" smtClean="0"/>
-              <a:t>27/05/2024</a:t>
+              <a:t>28/05/2024</a:t>
             </a:fld>
             <a:endParaRPr lang="fr-FR"/>
           </a:p>
@@ -5280,7 +5280,7 @@
           <a:p>
             <a:fld id="{CF16DD70-3CEB-41AB-9288-5B2248A624F7}" type="datetime1">
               <a:rPr lang="fr-FR" smtClean="0"/>
-              <a:t>27/05/2024</a:t>
+              <a:t>28/05/2024</a:t>
             </a:fld>
             <a:endParaRPr lang="fr-FR"/>
           </a:p>
@@ -5478,7 +5478,7 @@
           <a:p>
             <a:fld id="{4D7887B7-81BD-45F0-97E4-4FE1D12A0B8E}" type="datetime1">
               <a:rPr lang="fr-FR" smtClean="0"/>
-              <a:t>27/05/2024</a:t>
+              <a:t>28/05/2024</a:t>
             </a:fld>
             <a:endParaRPr lang="fr-FR"/>
           </a:p>
@@ -5753,7 +5753,7 @@
           <a:p>
             <a:fld id="{065B97D9-FE67-452A-817F-E159775EC87A}" type="datetime1">
               <a:rPr lang="fr-FR" smtClean="0"/>
-              <a:t>27/05/2024</a:t>
+              <a:t>28/05/2024</a:t>
             </a:fld>
             <a:endParaRPr lang="fr-FR"/>
           </a:p>
@@ -6018,7 +6018,7 @@
           <a:p>
             <a:fld id="{6FEFCD70-9C02-4267-93ED-DA067C1C5C5D}" type="datetime1">
               <a:rPr lang="fr-FR" smtClean="0"/>
-              <a:t>27/05/2024</a:t>
+              <a:t>28/05/2024</a:t>
             </a:fld>
             <a:endParaRPr lang="fr-FR"/>
           </a:p>
@@ -6430,7 +6430,7 @@
           <a:p>
             <a:fld id="{EF461CD4-FE43-42F8-BA27-3A02ADC01ECA}" type="datetime1">
               <a:rPr lang="fr-FR" smtClean="0"/>
-              <a:t>27/05/2024</a:t>
+              <a:t>28/05/2024</a:t>
             </a:fld>
             <a:endParaRPr lang="fr-FR"/>
           </a:p>
@@ -6571,7 +6571,7 @@
           <a:p>
             <a:fld id="{8C036F74-5381-4024-BAA9-5901F8ADC307}" type="datetime1">
               <a:rPr lang="fr-FR" smtClean="0"/>
-              <a:t>27/05/2024</a:t>
+              <a:t>28/05/2024</a:t>
             </a:fld>
             <a:endParaRPr lang="fr-FR"/>
           </a:p>
@@ -6684,7 +6684,7 @@
           <a:p>
             <a:fld id="{0E1DE3B3-7661-43C6-8BB5-DD17A2C56882}" type="datetime1">
               <a:rPr lang="fr-FR" smtClean="0"/>
-              <a:t>27/05/2024</a:t>
+              <a:t>28/05/2024</a:t>
             </a:fld>
             <a:endParaRPr lang="fr-FR"/>
           </a:p>
@@ -6995,7 +6995,7 @@
           <a:p>
             <a:fld id="{C7DFB586-B251-4F3F-8B11-085335CDA4D7}" type="datetime1">
               <a:rPr lang="fr-FR" smtClean="0"/>
-              <a:t>27/05/2024</a:t>
+              <a:t>28/05/2024</a:t>
             </a:fld>
             <a:endParaRPr lang="fr-FR"/>
           </a:p>
@@ -7286,7 +7286,7 @@
           <a:p>
             <a:fld id="{44952A61-B580-4658-88AF-604A7DCA20BD}" type="datetime1">
               <a:rPr lang="fr-FR" smtClean="0"/>
-              <a:t>27/05/2024</a:t>
+              <a:t>28/05/2024</a:t>
             </a:fld>
             <a:endParaRPr lang="fr-FR"/>
           </a:p>
@@ -7532,7 +7532,7 @@
           <a:p>
             <a:fld id="{22897EE6-CDD6-43C1-B320-A7CD1CE4582D}" type="datetime1">
               <a:rPr lang="fr-FR" smtClean="0"/>
-              <a:t>27/05/2024</a:t>
+              <a:t>28/05/2024</a:t>
             </a:fld>
             <a:endParaRPr lang="fr-FR"/>
           </a:p>
@@ -8005,7 +8005,7 @@
         </p:nvSpPr>
         <p:spPr>
           <a:xfrm>
-            <a:off x="442451" y="4342418"/>
+            <a:off x="442451" y="4350953"/>
             <a:ext cx="11307097" cy="1177234"/>
           </a:xfrm>
         </p:spPr>
@@ -8075,6 +8075,226 @@
 </file>
 
 <file path=ppt/slides/slide10.xml><?xml version="1.0" encoding="utf-8"?>
+<p:sld xmlns:a="http://schemas.openxmlformats.org/drawingml/2006/main" xmlns:r="http://schemas.openxmlformats.org/officeDocument/2006/relationships" xmlns:p="http://schemas.openxmlformats.org/presentationml/2006/main">
+  <p:cSld>
+    <p:spTree>
+      <p:nvGrpSpPr>
+        <p:cNvPr id="1" name=""/>
+        <p:cNvGrpSpPr/>
+        <p:nvPr/>
+      </p:nvGrpSpPr>
+      <p:grpSpPr>
+        <a:xfrm>
+          <a:off x="0" y="0"/>
+          <a:ext cx="0" cy="0"/>
+          <a:chOff x="0" y="0"/>
+          <a:chExt cx="0" cy="0"/>
+        </a:xfrm>
+      </p:grpSpPr>
+      <p:sp>
+        <p:nvSpPr>
+          <p:cNvPr id="3" name="Espace réservé du contenu 2">
+            <a:extLst>
+              <a:ext uri="{FF2B5EF4-FFF2-40B4-BE49-F238E27FC236}">
+                <a16:creationId xmlns:a16="http://schemas.microsoft.com/office/drawing/2014/main" id="{6B409ECA-B691-5B1C-5CCA-878C261674CB}"/>
+              </a:ext>
+            </a:extLst>
+          </p:cNvPr>
+          <p:cNvSpPr>
+            <a:spLocks noGrp="1"/>
+          </p:cNvSpPr>
+          <p:nvPr>
+            <p:ph idx="1"/>
+          </p:nvPr>
+        </p:nvSpPr>
+        <p:spPr>
+          <a:xfrm>
+            <a:off x="92019" y="1451551"/>
+            <a:ext cx="11695427" cy="5406449"/>
+          </a:xfrm>
+        </p:spPr>
+        <p:txBody>
+          <a:bodyPr/>
+          <a:lstStyle/>
+          <a:p>
+            <a:pPr marL="0" indent="0">
+              <a:buNone/>
+            </a:pPr>
+            <a:r>
+              <a:rPr lang="fr-FR" sz="2500" u="sng" dirty="0"/>
+              <a:t>2.1 Nettoyage des données</a:t>
+            </a:r>
+          </a:p>
+          <a:p>
+            <a:pPr marL="0" indent="0">
+              <a:buNone/>
+            </a:pPr>
+            <a:endParaRPr lang="fr-FR" u="sng" dirty="0"/>
+          </a:p>
+          <a:p>
+            <a:pPr marL="0" indent="0">
+              <a:buNone/>
+            </a:pPr>
+            <a:endParaRPr lang="fr-FR" u="sng" dirty="0"/>
+          </a:p>
+          <a:p>
+            <a:pPr marL="0" indent="0">
+              <a:buNone/>
+            </a:pPr>
+            <a:endParaRPr lang="fr-FR" dirty="0"/>
+          </a:p>
+        </p:txBody>
+      </p:sp>
+      <p:sp>
+        <p:nvSpPr>
+          <p:cNvPr id="8" name="Titre 1">
+            <a:extLst>
+              <a:ext uri="{FF2B5EF4-FFF2-40B4-BE49-F238E27FC236}">
+                <a16:creationId xmlns:a16="http://schemas.microsoft.com/office/drawing/2014/main" id="{E9C259C4-15CF-5FF1-5FA6-82A0B80722A6}"/>
+              </a:ext>
+            </a:extLst>
+          </p:cNvPr>
+          <p:cNvSpPr>
+            <a:spLocks noGrp="1"/>
+          </p:cNvSpPr>
+          <p:nvPr>
+            <p:ph type="title"/>
+          </p:nvPr>
+        </p:nvSpPr>
+        <p:spPr>
+          <a:xfrm>
+            <a:off x="92019" y="121514"/>
+            <a:ext cx="11495923" cy="766852"/>
+          </a:xfrm>
+        </p:spPr>
+        <p:txBody>
+          <a:bodyPr>
+            <a:normAutofit/>
+          </a:bodyPr>
+          <a:lstStyle/>
+          <a:p>
+            <a:r>
+              <a:rPr lang="fr-FR" sz="4000" dirty="0"/>
+              <a:t>2. Gestion des données analytiques du projet</a:t>
+            </a:r>
+          </a:p>
+        </p:txBody>
+      </p:sp>
+      <p:pic>
+        <p:nvPicPr>
+          <p:cNvPr id="2" name="Image 1"/>
+          <p:cNvPicPr>
+            <a:picLocks noChangeAspect="1"/>
+          </p:cNvPicPr>
+          <p:nvPr/>
+        </p:nvPicPr>
+        <p:blipFill>
+          <a:blip r:embed="rId3"/>
+          <a:stretch>
+            <a:fillRect/>
+          </a:stretch>
+        </p:blipFill>
+        <p:spPr>
+          <a:xfrm>
+            <a:off x="6041248" y="1137308"/>
+            <a:ext cx="5312551" cy="5584168"/>
+          </a:xfrm>
+          <a:prstGeom prst="rect">
+            <a:avLst/>
+          </a:prstGeom>
+        </p:spPr>
+      </p:pic>
+      <p:sp>
+        <p:nvSpPr>
+          <p:cNvPr id="4" name="Espace réservé du numéro de diapositive 3">
+            <a:extLst>
+              <a:ext uri="{FF2B5EF4-FFF2-40B4-BE49-F238E27FC236}">
+                <a16:creationId xmlns:a16="http://schemas.microsoft.com/office/drawing/2014/main" id="{3CAF3126-CF04-04ED-80D0-99B785FAFF79}"/>
+              </a:ext>
+            </a:extLst>
+          </p:cNvPr>
+          <p:cNvSpPr>
+            <a:spLocks noGrp="1"/>
+          </p:cNvSpPr>
+          <p:nvPr>
+            <p:ph type="sldNum" sz="quarter" idx="12"/>
+          </p:nvPr>
+        </p:nvSpPr>
+        <p:spPr/>
+        <p:txBody>
+          <a:bodyPr/>
+          <a:lstStyle/>
+          <a:p>
+            <a:fld id="{BA06AB71-0B36-4B80-B991-039F7D68F8CB}" type="slidenum">
+              <a:rPr lang="fr-FR" smtClean="0"/>
+              <a:t>10</a:t>
+            </a:fld>
+            <a:endParaRPr lang="fr-FR"/>
+          </a:p>
+        </p:txBody>
+      </p:sp>
+      <p:sp>
+        <p:nvSpPr>
+          <p:cNvPr id="6" name="ZoneTexte 5">
+            <a:extLst>
+              <a:ext uri="{FF2B5EF4-FFF2-40B4-BE49-F238E27FC236}">
+                <a16:creationId xmlns:a16="http://schemas.microsoft.com/office/drawing/2014/main" id="{3E2EF921-A972-6302-6EE7-67D4A4C6961E}"/>
+              </a:ext>
+            </a:extLst>
+          </p:cNvPr>
+          <p:cNvSpPr txBox="1"/>
+          <p:nvPr/>
+        </p:nvSpPr>
+        <p:spPr>
+          <a:xfrm>
+            <a:off x="92019" y="6316669"/>
+            <a:ext cx="5431781" cy="292388"/>
+          </a:xfrm>
+          <a:prstGeom prst="rect">
+            <a:avLst/>
+          </a:prstGeom>
+          <a:noFill/>
+        </p:spPr>
+        <p:txBody>
+          <a:bodyPr wrap="square" rtlCol="0">
+            <a:spAutoFit/>
+          </a:bodyPr>
+          <a:lstStyle/>
+          <a:p>
+            <a:pPr>
+              <a:spcAft>
+                <a:spcPts val="1000"/>
+              </a:spcAft>
+            </a:pPr>
+            <a:r>
+              <a:rPr lang="fr-FR" sz="1300" i="1" dirty="0">
+                <a:solidFill>
+                  <a:srgbClr val="44546A"/>
+                </a:solidFill>
+                <a:effectLst/>
+                <a:latin typeface="Calibri" panose="020F0502020204030204" pitchFamily="34" charset="0"/>
+                <a:ea typeface="Calibri" panose="020F0502020204030204" pitchFamily="34" charset="0"/>
+                <a:cs typeface="Times New Roman" panose="02020603050405020304" pitchFamily="18" charset="0"/>
+              </a:rPr>
+              <a:t>Figure 4 : Stratégie de nettoyage des données</a:t>
+            </a:r>
+          </a:p>
+        </p:txBody>
+      </p:sp>
+    </p:spTree>
+    <p:extLst>
+      <p:ext uri="{BB962C8B-B14F-4D97-AF65-F5344CB8AC3E}">
+        <p14:creationId xmlns:p14="http://schemas.microsoft.com/office/powerpoint/2010/main" val="2056518719"/>
+      </p:ext>
+    </p:extLst>
+  </p:cSld>
+  <p:clrMapOvr>
+    <a:masterClrMapping/>
+  </p:clrMapOvr>
+</p:sld>
+</file>
+
+<file path=ppt/slides/slide11.xml><?xml version="1.0" encoding="utf-8"?>
 <p:sld xmlns:a="http://schemas.openxmlformats.org/drawingml/2006/main" xmlns:r="http://schemas.openxmlformats.org/officeDocument/2006/relationships" xmlns:p="http://schemas.openxmlformats.org/presentationml/2006/main">
   <p:cSld>
     <p:spTree>
@@ -8221,7 +8441,7 @@
           <a:p>
             <a:fld id="{BA06AB71-0B36-4B80-B991-039F7D68F8CB}" type="slidenum">
               <a:rPr lang="fr-FR" smtClean="0"/>
-              <a:t>10</a:t>
+              <a:t>11</a:t>
             </a:fld>
             <a:endParaRPr lang="fr-FR"/>
           </a:p>
@@ -8432,253 +8652,6 @@
 </p:sld>
 </file>
 
-<file path=ppt/slides/slide11.xml><?xml version="1.0" encoding="utf-8"?>
-<p:sld xmlns:a="http://schemas.openxmlformats.org/drawingml/2006/main" xmlns:r="http://schemas.openxmlformats.org/officeDocument/2006/relationships" xmlns:p="http://schemas.openxmlformats.org/presentationml/2006/main">
-  <p:cSld>
-    <p:spTree>
-      <p:nvGrpSpPr>
-        <p:cNvPr id="1" name=""/>
-        <p:cNvGrpSpPr/>
-        <p:nvPr/>
-      </p:nvGrpSpPr>
-      <p:grpSpPr>
-        <a:xfrm>
-          <a:off x="0" y="0"/>
-          <a:ext cx="0" cy="0"/>
-          <a:chOff x="0" y="0"/>
-          <a:chExt cx="0" cy="0"/>
-        </a:xfrm>
-      </p:grpSpPr>
-      <p:sp>
-        <p:nvSpPr>
-          <p:cNvPr id="3" name="Espace réservé du contenu 2">
-            <a:extLst>
-              <a:ext uri="{FF2B5EF4-FFF2-40B4-BE49-F238E27FC236}">
-                <a16:creationId xmlns:a16="http://schemas.microsoft.com/office/drawing/2014/main" id="{6B409ECA-B691-5B1C-5CCA-878C261674CB}"/>
-              </a:ext>
-            </a:extLst>
-          </p:cNvPr>
-          <p:cNvSpPr>
-            <a:spLocks noGrp="1"/>
-          </p:cNvSpPr>
-          <p:nvPr>
-            <p:ph idx="1"/>
-          </p:nvPr>
-        </p:nvSpPr>
-        <p:spPr>
-          <a:xfrm>
-            <a:off x="150208" y="237893"/>
-            <a:ext cx="11695427" cy="5406449"/>
-          </a:xfrm>
-        </p:spPr>
-        <p:txBody>
-          <a:bodyPr/>
-          <a:lstStyle/>
-          <a:p>
-            <a:pPr marL="0" indent="0">
-              <a:buNone/>
-            </a:pPr>
-            <a:r>
-              <a:rPr lang="fr-FR" sz="2300" u="sng" dirty="0" err="1"/>
-              <a:t>family_history</a:t>
-            </a:r>
-            <a:r>
-              <a:rPr lang="fr-FR" sz="2300" u="sng" dirty="0"/>
-              <a:t> :</a:t>
-            </a:r>
-            <a:r>
-              <a:rPr lang="fr-FR" sz="2300" dirty="0"/>
-              <a:t> Antécédents familiaux</a:t>
-            </a:r>
-            <a:endParaRPr lang="fr-FR" sz="2300" u="sng" dirty="0"/>
-          </a:p>
-          <a:p>
-            <a:pPr marL="0" indent="0">
-              <a:buNone/>
-            </a:pPr>
-            <a:endParaRPr lang="fr-FR" sz="2200" dirty="0"/>
-          </a:p>
-          <a:p>
-            <a:pPr marL="0" indent="0">
-              <a:buNone/>
-            </a:pPr>
-            <a:endParaRPr lang="fr-FR" dirty="0"/>
-          </a:p>
-        </p:txBody>
-      </p:sp>
-      <p:pic>
-        <p:nvPicPr>
-          <p:cNvPr id="8" name="Image 7"/>
-          <p:cNvPicPr/>
-          <p:nvPr/>
-        </p:nvPicPr>
-        <p:blipFill>
-          <a:blip r:embed="rId3">
-            <a:extLst>
-              <a:ext uri="{28A0092B-C50C-407E-A947-70E740481C1C}">
-                <a14:useLocalDpi xmlns:a14="http://schemas.microsoft.com/office/drawing/2010/main" val="0"/>
-              </a:ext>
-            </a:extLst>
-          </a:blip>
-          <a:stretch>
-            <a:fillRect/>
-          </a:stretch>
-        </p:blipFill>
-        <p:spPr>
-          <a:xfrm>
-            <a:off x="2664893" y="1589924"/>
-            <a:ext cx="5514831" cy="4054418"/>
-          </a:xfrm>
-          <a:prstGeom prst="rect">
-            <a:avLst/>
-          </a:prstGeom>
-        </p:spPr>
-      </p:pic>
-      <p:sp>
-        <p:nvSpPr>
-          <p:cNvPr id="2" name="Espace réservé du numéro de diapositive 1">
-            <a:extLst>
-              <a:ext uri="{FF2B5EF4-FFF2-40B4-BE49-F238E27FC236}">
-                <a16:creationId xmlns:a16="http://schemas.microsoft.com/office/drawing/2014/main" id="{C5803E93-B128-63F5-E939-9B9C049B9CB5}"/>
-              </a:ext>
-            </a:extLst>
-          </p:cNvPr>
-          <p:cNvSpPr>
-            <a:spLocks noGrp="1"/>
-          </p:cNvSpPr>
-          <p:nvPr>
-            <p:ph type="sldNum" sz="quarter" idx="12"/>
-          </p:nvPr>
-        </p:nvSpPr>
-        <p:spPr/>
-        <p:txBody>
-          <a:bodyPr/>
-          <a:lstStyle/>
-          <a:p>
-            <a:fld id="{BA06AB71-0B36-4B80-B991-039F7D68F8CB}" type="slidenum">
-              <a:rPr lang="fr-FR" smtClean="0"/>
-              <a:t>11</a:t>
-            </a:fld>
-            <a:endParaRPr lang="fr-FR"/>
-          </a:p>
-        </p:txBody>
-      </p:sp>
-      <p:sp>
-        <p:nvSpPr>
-          <p:cNvPr id="4" name="ZoneTexte 3">
-            <a:extLst>
-              <a:ext uri="{FF2B5EF4-FFF2-40B4-BE49-F238E27FC236}">
-                <a16:creationId xmlns:a16="http://schemas.microsoft.com/office/drawing/2014/main" id="{2CFD114E-6817-2097-F75C-2BC7EB5AA3CB}"/>
-              </a:ext>
-            </a:extLst>
-          </p:cNvPr>
-          <p:cNvSpPr txBox="1"/>
-          <p:nvPr/>
-        </p:nvSpPr>
-        <p:spPr>
-          <a:xfrm>
-            <a:off x="2664893" y="5957157"/>
-            <a:ext cx="5431781" cy="292388"/>
-          </a:xfrm>
-          <a:prstGeom prst="rect">
-            <a:avLst/>
-          </a:prstGeom>
-          <a:noFill/>
-        </p:spPr>
-        <p:txBody>
-          <a:bodyPr wrap="square" rtlCol="0">
-            <a:spAutoFit/>
-          </a:bodyPr>
-          <a:lstStyle/>
-          <a:p>
-            <a:pPr>
-              <a:spcAft>
-                <a:spcPts val="1000"/>
-              </a:spcAft>
-            </a:pPr>
-            <a:r>
-              <a:rPr lang="fr-FR" sz="1300" i="1" dirty="0">
-                <a:solidFill>
-                  <a:srgbClr val="44546A"/>
-                </a:solidFill>
-                <a:effectLst/>
-                <a:latin typeface="Calibri" panose="020F0502020204030204" pitchFamily="34" charset="0"/>
-                <a:ea typeface="Calibri" panose="020F0502020204030204" pitchFamily="34" charset="0"/>
-                <a:cs typeface="Times New Roman" panose="02020603050405020304" pitchFamily="18" charset="0"/>
-              </a:rPr>
-              <a:t>Figure 7 : </a:t>
-            </a:r>
-            <a:r>
-              <a:rPr lang="fr-FR" sz="1300" i="1" dirty="0">
-                <a:solidFill>
-                  <a:srgbClr val="44546A"/>
-                </a:solidFill>
-                <a:latin typeface="Calibri" panose="020F0502020204030204" pitchFamily="34" charset="0"/>
-                <a:ea typeface="Calibri" panose="020F0502020204030204" pitchFamily="34" charset="0"/>
-                <a:cs typeface="Times New Roman" panose="02020603050405020304" pitchFamily="18" charset="0"/>
-              </a:rPr>
-              <a:t>Corrélation</a:t>
-            </a:r>
-            <a:r>
-              <a:rPr lang="fr-FR" sz="1300" i="1" dirty="0">
-                <a:solidFill>
-                  <a:srgbClr val="44546A"/>
-                </a:solidFill>
-                <a:effectLst/>
-                <a:latin typeface="Calibri" panose="020F0502020204030204" pitchFamily="34" charset="0"/>
-                <a:ea typeface="Calibri" panose="020F0502020204030204" pitchFamily="34" charset="0"/>
-                <a:cs typeface="Times New Roman" panose="02020603050405020304" pitchFamily="18" charset="0"/>
-              </a:rPr>
-              <a:t> entre antécédents familiaux et </a:t>
-            </a:r>
-            <a:r>
-              <a:rPr lang="fr-FR" sz="1300" i="1" dirty="0" err="1">
-                <a:solidFill>
-                  <a:srgbClr val="44546A"/>
-                </a:solidFill>
-                <a:latin typeface="Calibri" panose="020F0502020204030204" pitchFamily="34" charset="0"/>
-                <a:ea typeface="Calibri" panose="020F0502020204030204" pitchFamily="34" charset="0"/>
-                <a:cs typeface="Times New Roman" panose="02020603050405020304" pitchFamily="18" charset="0"/>
-              </a:rPr>
-              <a:t>t</a:t>
-            </a:r>
-            <a:r>
-              <a:rPr lang="fr-FR" sz="1300" i="1" dirty="0" err="1">
-                <a:solidFill>
-                  <a:srgbClr val="44546A"/>
-                </a:solidFill>
-                <a:effectLst/>
-                <a:latin typeface="Calibri" panose="020F0502020204030204" pitchFamily="34" charset="0"/>
-                <a:ea typeface="Calibri" panose="020F0502020204030204" pitchFamily="34" charset="0"/>
-                <a:cs typeface="Times New Roman" panose="02020603050405020304" pitchFamily="18" charset="0"/>
-              </a:rPr>
-              <a:t>reatment</a:t>
-            </a:r>
-            <a:endParaRPr lang="fr-FR" sz="1300" i="1" dirty="0">
-              <a:solidFill>
-                <a:srgbClr val="44546A"/>
-              </a:solidFill>
-              <a:effectLst/>
-              <a:latin typeface="Calibri" panose="020F0502020204030204" pitchFamily="34" charset="0"/>
-              <a:ea typeface="Calibri" panose="020F0502020204030204" pitchFamily="34" charset="0"/>
-              <a:cs typeface="Times New Roman" panose="02020603050405020304" pitchFamily="18" charset="0"/>
-            </a:endParaRPr>
-          </a:p>
-        </p:txBody>
-      </p:sp>
-    </p:spTree>
-    <p:extLst>
-      <p:ext uri="{BB962C8B-B14F-4D97-AF65-F5344CB8AC3E}">
-        <p14:creationId xmlns:p14="http://schemas.microsoft.com/office/powerpoint/2010/main" val="3672431363"/>
-      </p:ext>
-    </p:extLst>
-  </p:cSld>
-  <p:clrMapOvr>
-    <a:masterClrMapping/>
-  </p:clrMapOvr>
-</p:sld>
-</file>
-
 <file path=ppt/slides/slide12.xml><?xml version="1.0" encoding="utf-8"?>
 <p:sld xmlns:a="http://schemas.openxmlformats.org/drawingml/2006/main" xmlns:r="http://schemas.openxmlformats.org/officeDocument/2006/relationships" xmlns:p="http://schemas.openxmlformats.org/presentationml/2006/main">
   <p:cSld>
@@ -8727,7 +8700,7 @@
             </a:pPr>
             <a:r>
               <a:rPr lang="fr-FR" sz="2300" u="sng" dirty="0" err="1"/>
-              <a:t>work_interfere</a:t>
+              <a:t>family_history</a:t>
             </a:r>
             <a:r>
               <a:rPr lang="fr-FR" sz="2300" u="sng" dirty="0"/>
@@ -8735,7 +8708,7 @@
             </a:r>
             <a:r>
               <a:rPr lang="fr-FR" sz="2300" dirty="0"/>
-              <a:t> Si vous avez un problème de santé mental, à quelle fréquence sentez-vous que cela interfère avec votre travail ?</a:t>
+              <a:t> Antécédents familiaux</a:t>
             </a:r>
             <a:endParaRPr lang="fr-FR" sz="2300" u="sng" dirty="0"/>
           </a:p>
@@ -8755,7 +8728,7 @@
       </p:sp>
       <p:pic>
         <p:nvPicPr>
-          <p:cNvPr id="5" name="Image 4"/>
+          <p:cNvPr id="8" name="Image 7"/>
           <p:cNvPicPr/>
           <p:nvPr/>
         </p:nvPicPr>
@@ -8773,8 +8746,8 @@
         </p:blipFill>
         <p:spPr>
           <a:xfrm>
-            <a:off x="2599112" y="1686229"/>
-            <a:ext cx="5879870" cy="4114800"/>
+            <a:off x="2664893" y="1589924"/>
+            <a:ext cx="5514831" cy="4054418"/>
           </a:xfrm>
           <a:prstGeom prst="rect">
             <a:avLst/>
@@ -8786,7 +8759,7 @@
           <p:cNvPr id="2" name="Espace réservé du numéro de diapositive 1">
             <a:extLst>
               <a:ext uri="{FF2B5EF4-FFF2-40B4-BE49-F238E27FC236}">
-                <a16:creationId xmlns:a16="http://schemas.microsoft.com/office/drawing/2014/main" id="{998ED89F-ADF3-9CB1-3B27-D3A8A740F0CA}"/>
+                <a16:creationId xmlns:a16="http://schemas.microsoft.com/office/drawing/2014/main" id="{C5803E93-B128-63F5-E939-9B9C049B9CB5}"/>
               </a:ext>
             </a:extLst>
           </p:cNvPr>
@@ -8815,7 +8788,7 @@
           <p:cNvPr id="4" name="ZoneTexte 3">
             <a:extLst>
               <a:ext uri="{FF2B5EF4-FFF2-40B4-BE49-F238E27FC236}">
-                <a16:creationId xmlns:a16="http://schemas.microsoft.com/office/drawing/2014/main" id="{FA31ED1A-979B-AA78-6C43-57A2599B7786}"/>
+                <a16:creationId xmlns:a16="http://schemas.microsoft.com/office/drawing/2014/main" id="{2CFD114E-6817-2097-F75C-2BC7EB5AA3CB}"/>
               </a:ext>
             </a:extLst>
           </p:cNvPr>
@@ -8824,7 +8797,7 @@
         </p:nvSpPr>
         <p:spPr>
           <a:xfrm>
-            <a:off x="2599112" y="6063962"/>
+            <a:off x="2664893" y="5957157"/>
             <a:ext cx="5431781" cy="292388"/>
           </a:xfrm>
           <a:prstGeom prst="rect">
@@ -8853,30 +8826,7 @@
                 <a:ea typeface="Calibri" panose="020F0502020204030204" pitchFamily="34" charset="0"/>
                 <a:cs typeface="Times New Roman" panose="02020603050405020304" pitchFamily="18" charset="0"/>
               </a:rPr>
-              <a:t>Figure </a:t>
-            </a:r>
-            <a:r>
-              <a:rPr lang="fr-FR" sz="1300" i="1" dirty="0">
-                <a:solidFill>
-                  <a:srgbClr val="44546A"/>
-                </a:solidFill>
-                <a:latin typeface="Calibri" panose="020F0502020204030204" pitchFamily="34" charset="0"/>
-                <a:ea typeface="Calibri" panose="020F0502020204030204" pitchFamily="34" charset="0"/>
-                <a:cs typeface="Times New Roman" panose="02020603050405020304" pitchFamily="18" charset="0"/>
-              </a:rPr>
-              <a:t>8</a:t>
-            </a:r>
-            <a:r>
-              <a:rPr lang="fr-FR" sz="1300" i="1" dirty="0">
-                <a:solidFill>
-                  <a:srgbClr val="44546A"/>
-                </a:solidFill>
-                <a:effectLst/>
-                <a:latin typeface="Calibri" panose="020F0502020204030204" pitchFamily="34" charset="0"/>
-                <a:ea typeface="Calibri" panose="020F0502020204030204" pitchFamily="34" charset="0"/>
-                <a:cs typeface="Times New Roman" panose="02020603050405020304" pitchFamily="18" charset="0"/>
-              </a:rPr>
-              <a:t> : </a:t>
+              <a:t>Figure 7 : </a:t>
             </a:r>
             <a:r>
               <a:rPr lang="fr-FR" sz="1300" i="1" dirty="0">
@@ -8906,12 +8856,23 @@
                 <a:solidFill>
                   <a:srgbClr val="44546A"/>
                 </a:solidFill>
+                <a:latin typeface="Calibri" panose="020F0502020204030204" pitchFamily="34" charset="0"/>
+                <a:ea typeface="Calibri" panose="020F0502020204030204" pitchFamily="34" charset="0"/>
+                <a:cs typeface="Times New Roman" panose="02020603050405020304" pitchFamily="18" charset="0"/>
+              </a:rPr>
+              <a:t>t</a:t>
+            </a:r>
+            <a:r>
+              <a:rPr lang="fr-FR" sz="1300" i="1" dirty="0" err="1">
+                <a:solidFill>
+                  <a:srgbClr val="44546A"/>
+                </a:solidFill>
                 <a:effectLst/>
                 <a:latin typeface="Calibri" panose="020F0502020204030204" pitchFamily="34" charset="0"/>
                 <a:ea typeface="Calibri" panose="020F0502020204030204" pitchFamily="34" charset="0"/>
                 <a:cs typeface="Times New Roman" panose="02020603050405020304" pitchFamily="18" charset="0"/>
               </a:rPr>
-              <a:t>treatment</a:t>
+              <a:t>reatment</a:t>
             </a:r>
             <a:endParaRPr lang="fr-FR" sz="1300" i="1" dirty="0">
               <a:solidFill>
@@ -8928,7 +8889,7 @@
     </p:spTree>
     <p:extLst>
       <p:ext uri="{BB962C8B-B14F-4D97-AF65-F5344CB8AC3E}">
-        <p14:creationId xmlns:p14="http://schemas.microsoft.com/office/powerpoint/2010/main" val="365764181"/>
+        <p14:creationId xmlns:p14="http://schemas.microsoft.com/office/powerpoint/2010/main" val="3672431363"/>
       </p:ext>
     </p:extLst>
   </p:cSld>
@@ -8986,7 +8947,7 @@
             </a:pPr>
             <a:r>
               <a:rPr lang="fr-FR" sz="2300" u="sng" dirty="0" err="1"/>
-              <a:t>care_options</a:t>
+              <a:t>work_interfere</a:t>
             </a:r>
             <a:r>
               <a:rPr lang="fr-FR" sz="2300" u="sng" dirty="0"/>
@@ -8994,8 +8955,15 @@
             </a:r>
             <a:r>
               <a:rPr lang="fr-FR" sz="2300" dirty="0"/>
-              <a:t> Connaissez vous les prestations de votre entreprise en matière de santé mentale pour les employés ?</a:t>
-            </a:r>
+              <a:t> Si vous avez un problème de santé mental, à quelle fréquence sentez-vous que cela interfère avec votre travail ?</a:t>
+            </a:r>
+            <a:endParaRPr lang="fr-FR" sz="2300" u="sng" dirty="0"/>
+          </a:p>
+          <a:p>
+            <a:pPr marL="0" indent="0">
+              <a:buNone/>
+            </a:pPr>
+            <a:endParaRPr lang="fr-FR" sz="2200" dirty="0"/>
           </a:p>
           <a:p>
             <a:pPr marL="0" indent="0">
@@ -9007,7 +8975,7 @@
       </p:sp>
       <p:pic>
         <p:nvPicPr>
-          <p:cNvPr id="6" name="Image 5"/>
+          <p:cNvPr id="5" name="Image 4"/>
           <p:cNvPicPr/>
           <p:nvPr/>
         </p:nvPicPr>
@@ -9025,8 +8993,8 @@
         </p:blipFill>
         <p:spPr>
           <a:xfrm>
-            <a:off x="3048287" y="1385717"/>
-            <a:ext cx="5547074" cy="4665948"/>
+            <a:off x="2599112" y="1686229"/>
+            <a:ext cx="5879870" cy="4114800"/>
           </a:xfrm>
           <a:prstGeom prst="rect">
             <a:avLst/>
@@ -9038,7 +9006,7 @@
           <p:cNvPr id="2" name="Espace réservé du numéro de diapositive 1">
             <a:extLst>
               <a:ext uri="{FF2B5EF4-FFF2-40B4-BE49-F238E27FC236}">
-                <a16:creationId xmlns:a16="http://schemas.microsoft.com/office/drawing/2014/main" id="{51E63A46-2A31-84D7-4404-858D4C695F6C}"/>
+                <a16:creationId xmlns:a16="http://schemas.microsoft.com/office/drawing/2014/main" id="{998ED89F-ADF3-9CB1-3B27-D3A8A740F0CA}"/>
               </a:ext>
             </a:extLst>
           </p:cNvPr>
@@ -9067,7 +9035,7 @@
           <p:cNvPr id="4" name="ZoneTexte 3">
             <a:extLst>
               <a:ext uri="{FF2B5EF4-FFF2-40B4-BE49-F238E27FC236}">
-                <a16:creationId xmlns:a16="http://schemas.microsoft.com/office/drawing/2014/main" id="{1EF0B551-D632-FB10-6930-1129D51E33F3}"/>
+                <a16:creationId xmlns:a16="http://schemas.microsoft.com/office/drawing/2014/main" id="{FA31ED1A-979B-AA78-6C43-57A2599B7786}"/>
               </a:ext>
             </a:extLst>
           </p:cNvPr>
@@ -9076,7 +9044,7 @@
         </p:nvSpPr>
         <p:spPr>
           <a:xfrm>
-            <a:off x="3048287" y="6246524"/>
+            <a:off x="2599112" y="6063962"/>
             <a:ext cx="5431781" cy="292388"/>
           </a:xfrm>
           <a:prstGeom prst="rect">
@@ -9090,6 +9058,11 @@
           </a:bodyPr>
           <a:lstStyle/>
           <a:p>
+            <a:pPr>
+              <a:spcAft>
+                <a:spcPts val="1000"/>
+              </a:spcAft>
+            </a:pPr>
             <a:r>
               <a:rPr lang="fr-FR" sz="1300" i="1" dirty="0">
                 <a:solidFill>
@@ -9111,7 +9084,7 @@
                 <a:ea typeface="Calibri" panose="020F0502020204030204" pitchFamily="34" charset="0"/>
                 <a:cs typeface="Times New Roman" panose="02020603050405020304" pitchFamily="18" charset="0"/>
               </a:rPr>
-              <a:t>9</a:t>
+              <a:t>8</a:t>
             </a:r>
             <a:r>
               <a:rPr lang="fr-FR" sz="1300" i="1" dirty="0">
@@ -9123,7 +9096,7 @@
                 <a:ea typeface="Calibri" panose="020F0502020204030204" pitchFamily="34" charset="0"/>
                 <a:cs typeface="Times New Roman" panose="02020603050405020304" pitchFamily="18" charset="0"/>
               </a:rPr>
-              <a:t> </a:t>
+              <a:t> : </a:t>
             </a:r>
             <a:r>
               <a:rPr lang="fr-FR" sz="1300" i="1" dirty="0">
@@ -9134,35 +9107,26 @@
                 <a:ea typeface="Calibri" panose="020F0502020204030204" pitchFamily="34" charset="0"/>
                 <a:cs typeface="Times New Roman" panose="02020603050405020304" pitchFamily="18" charset="0"/>
               </a:rPr>
-              <a:t>: Corrélation entre </a:t>
-            </a:r>
-            <a:r>
-              <a:rPr lang="fr-FR" sz="1300" i="1" dirty="0" err="1">
+              <a:t>Corrélation</a:t>
+            </a:r>
+            <a:r>
+              <a:rPr lang="fr-FR" sz="1300" i="1" dirty="0">
                 <a:solidFill>
                   <a:srgbClr val="44546A"/>
                 </a:solidFill>
+                <a:effectLst/>
                 <a:latin typeface="Calibri" panose="020F0502020204030204" pitchFamily="34" charset="0"/>
                 <a:ea typeface="Calibri" panose="020F0502020204030204" pitchFamily="34" charset="0"/>
                 <a:cs typeface="Times New Roman" panose="02020603050405020304" pitchFamily="18" charset="0"/>
               </a:rPr>
-              <a:t>care_options</a:t>
-            </a:r>
-            <a:r>
-              <a:rPr lang="fr-FR" sz="1300" i="1" dirty="0">
+              <a:t> entre antécédents familiaux et </a:t>
+            </a:r>
+            <a:r>
+              <a:rPr lang="fr-FR" sz="1300" i="1" dirty="0" err="1">
                 <a:solidFill>
                   <a:srgbClr val="44546A"/>
                 </a:solidFill>
-                <a:latin typeface="Calibri" panose="020F0502020204030204" pitchFamily="34" charset="0"/>
-                <a:ea typeface="Calibri" panose="020F0502020204030204" pitchFamily="34" charset="0"/>
-                <a:cs typeface="Times New Roman" panose="02020603050405020304" pitchFamily="18" charset="0"/>
-              </a:rPr>
-              <a:t> et </a:t>
-            </a:r>
-            <a:r>
-              <a:rPr lang="fr-FR" sz="1300" i="1" dirty="0" err="1">
-                <a:solidFill>
-                  <a:srgbClr val="44546A"/>
-                </a:solidFill>
+                <a:effectLst/>
                 <a:latin typeface="Calibri" panose="020F0502020204030204" pitchFamily="34" charset="0"/>
                 <a:ea typeface="Calibri" panose="020F0502020204030204" pitchFamily="34" charset="0"/>
                 <a:cs typeface="Times New Roman" panose="02020603050405020304" pitchFamily="18" charset="0"/>
@@ -9173,6 +9137,7 @@
               <a:solidFill>
                 <a:srgbClr val="44546A"/>
               </a:solidFill>
+              <a:effectLst/>
               <a:latin typeface="Calibri" panose="020F0502020204030204" pitchFamily="34" charset="0"/>
               <a:ea typeface="Calibri" panose="020F0502020204030204" pitchFamily="34" charset="0"/>
               <a:cs typeface="Times New Roman" panose="02020603050405020304" pitchFamily="18" charset="0"/>
@@ -9183,7 +9148,7 @@
     </p:spTree>
     <p:extLst>
       <p:ext uri="{BB962C8B-B14F-4D97-AF65-F5344CB8AC3E}">
-        <p14:creationId xmlns:p14="http://schemas.microsoft.com/office/powerpoint/2010/main" val="193986178"/>
+        <p14:creationId xmlns:p14="http://schemas.microsoft.com/office/powerpoint/2010/main" val="365764181"/>
       </p:ext>
     </p:extLst>
   </p:cSld>
@@ -9241,7 +9206,7 @@
             </a:pPr>
             <a:r>
               <a:rPr lang="fr-FR" sz="2300" u="sng" dirty="0" err="1"/>
-              <a:t>obs_consequence</a:t>
+              <a:t>care_options</a:t>
             </a:r>
             <a:r>
               <a:rPr lang="fr-FR" sz="2300" u="sng" dirty="0"/>
@@ -9249,7 +9214,7 @@
             </a:r>
             <a:r>
               <a:rPr lang="fr-FR" sz="2300" dirty="0"/>
-              <a:t> Avez-vous entendu parler ou observé des conséquences négatives pour les collègues souffrant de troubles mentaux sur votre lieu de travail ?</a:t>
+              <a:t> Connaissez vous les prestations de votre entreprise en matière de santé mentale pour les employés ?</a:t>
             </a:r>
           </a:p>
           <a:p>
@@ -9262,7 +9227,7 @@
       </p:sp>
       <p:pic>
         <p:nvPicPr>
-          <p:cNvPr id="5" name="Image 4"/>
+          <p:cNvPr id="6" name="Image 5"/>
           <p:cNvPicPr/>
           <p:nvPr/>
         </p:nvPicPr>
@@ -9280,8 +9245,8 @@
         </p:blipFill>
         <p:spPr>
           <a:xfrm>
-            <a:off x="3235379" y="1379911"/>
-            <a:ext cx="5359980" cy="4463936"/>
+            <a:off x="3048287" y="1385717"/>
+            <a:ext cx="5547074" cy="4665948"/>
           </a:xfrm>
           <a:prstGeom prst="rect">
             <a:avLst/>
@@ -9293,7 +9258,7 @@
           <p:cNvPr id="2" name="Espace réservé du numéro de diapositive 1">
             <a:extLst>
               <a:ext uri="{FF2B5EF4-FFF2-40B4-BE49-F238E27FC236}">
-                <a16:creationId xmlns:a16="http://schemas.microsoft.com/office/drawing/2014/main" id="{CBC51E27-0994-726E-6698-37F4055EF8B9}"/>
+                <a16:creationId xmlns:a16="http://schemas.microsoft.com/office/drawing/2014/main" id="{51E63A46-2A31-84D7-4404-858D4C695F6C}"/>
               </a:ext>
             </a:extLst>
           </p:cNvPr>
@@ -9322,7 +9287,7 @@
           <p:cNvPr id="4" name="ZoneTexte 3">
             <a:extLst>
               <a:ext uri="{FF2B5EF4-FFF2-40B4-BE49-F238E27FC236}">
-                <a16:creationId xmlns:a16="http://schemas.microsoft.com/office/drawing/2014/main" id="{E950DEE8-1228-7BD4-0DCB-7C0D4B88BC3E}"/>
+                <a16:creationId xmlns:a16="http://schemas.microsoft.com/office/drawing/2014/main" id="{1EF0B551-D632-FB10-6930-1129D51E33F3}"/>
               </a:ext>
             </a:extLst>
           </p:cNvPr>
@@ -9331,7 +9296,7 @@
         </p:nvSpPr>
         <p:spPr>
           <a:xfrm>
-            <a:off x="3235379" y="6190499"/>
+            <a:off x="3048287" y="6246524"/>
             <a:ext cx="5431781" cy="292388"/>
           </a:xfrm>
           <a:prstGeom prst="rect">
@@ -9355,7 +9320,30 @@
                 <a:ea typeface="Calibri" panose="020F0502020204030204" pitchFamily="34" charset="0"/>
                 <a:cs typeface="Times New Roman" panose="02020603050405020304" pitchFamily="18" charset="0"/>
               </a:rPr>
-              <a:t>Figure 10 </a:t>
+              <a:t>Figure </a:t>
+            </a:r>
+            <a:r>
+              <a:rPr lang="fr-FR" sz="1300" i="1" dirty="0">
+                <a:solidFill>
+                  <a:srgbClr val="44546A"/>
+                </a:solidFill>
+                <a:latin typeface="Calibri" panose="020F0502020204030204" pitchFamily="34" charset="0"/>
+                <a:ea typeface="Calibri" panose="020F0502020204030204" pitchFamily="34" charset="0"/>
+                <a:cs typeface="Times New Roman" panose="02020603050405020304" pitchFamily="18" charset="0"/>
+              </a:rPr>
+              <a:t>9</a:t>
+            </a:r>
+            <a:r>
+              <a:rPr lang="fr-FR" sz="1300" i="1" dirty="0">
+                <a:solidFill>
+                  <a:srgbClr val="44546A"/>
+                </a:solidFill>
+                <a:effectLst/>
+                <a:latin typeface="Calibri" panose="020F0502020204030204" pitchFamily="34" charset="0"/>
+                <a:ea typeface="Calibri" panose="020F0502020204030204" pitchFamily="34" charset="0"/>
+                <a:cs typeface="Times New Roman" panose="02020603050405020304" pitchFamily="18" charset="0"/>
+              </a:rPr>
+              <a:t> </a:t>
             </a:r>
             <a:r>
               <a:rPr lang="fr-FR" sz="1300" i="1" dirty="0">
@@ -9377,7 +9365,7 @@
                 <a:ea typeface="Calibri" panose="020F0502020204030204" pitchFamily="34" charset="0"/>
                 <a:cs typeface="Times New Roman" panose="02020603050405020304" pitchFamily="18" charset="0"/>
               </a:rPr>
-              <a:t>obs_consequence</a:t>
+              <a:t>care_options</a:t>
             </a:r>
             <a:r>
               <a:rPr lang="fr-FR" sz="1300" i="1" dirty="0">
@@ -9415,7 +9403,7 @@
     </p:spTree>
     <p:extLst>
       <p:ext uri="{BB962C8B-B14F-4D97-AF65-F5344CB8AC3E}">
-        <p14:creationId xmlns:p14="http://schemas.microsoft.com/office/powerpoint/2010/main" val="1291448673"/>
+        <p14:creationId xmlns:p14="http://schemas.microsoft.com/office/powerpoint/2010/main" val="193986178"/>
       </p:ext>
     </p:extLst>
   </p:cSld>
@@ -9465,25 +9453,36 @@
           </a:xfrm>
         </p:spPr>
         <p:txBody>
-          <a:bodyPr>
-            <a:normAutofit/>
-          </a:bodyPr>
+          <a:bodyPr/>
           <a:lstStyle/>
           <a:p>
             <a:pPr marL="0" indent="0">
               <a:buNone/>
             </a:pPr>
             <a:r>
+              <a:rPr lang="fr-FR" sz="2300" u="sng" dirty="0" err="1"/>
+              <a:t>obs_consequence</a:t>
+            </a:r>
+            <a:r>
               <a:rPr lang="fr-FR" sz="2300" u="sng" dirty="0"/>
-              <a:t>genre :</a:t>
-            </a:r>
-            <a:endParaRPr lang="fr-FR" sz="2300" dirty="0"/>
+              <a:t> :</a:t>
+            </a:r>
+            <a:r>
+              <a:rPr lang="fr-FR" sz="2300" dirty="0"/>
+              <a:t> Avez-vous entendu parler ou observé des conséquences négatives pour les collègues souffrant de troubles mentaux sur votre lieu de travail ?</a:t>
+            </a:r>
+          </a:p>
+          <a:p>
+            <a:pPr marL="0" indent="0">
+              <a:buNone/>
+            </a:pPr>
+            <a:endParaRPr lang="fr-FR" dirty="0"/>
           </a:p>
         </p:txBody>
       </p:sp>
       <p:pic>
         <p:nvPicPr>
-          <p:cNvPr id="6" name="Image 5"/>
+          <p:cNvPr id="5" name="Image 4"/>
           <p:cNvPicPr/>
           <p:nvPr/>
         </p:nvPicPr>
@@ -9501,8 +9500,8 @@
         </p:blipFill>
         <p:spPr>
           <a:xfrm>
-            <a:off x="2832531" y="955965"/>
-            <a:ext cx="6330780" cy="4779816"/>
+            <a:off x="3235379" y="1379911"/>
+            <a:ext cx="5359980" cy="4463936"/>
           </a:xfrm>
           <a:prstGeom prst="rect">
             <a:avLst/>
@@ -9514,7 +9513,7 @@
           <p:cNvPr id="2" name="Espace réservé du numéro de diapositive 1">
             <a:extLst>
               <a:ext uri="{FF2B5EF4-FFF2-40B4-BE49-F238E27FC236}">
-                <a16:creationId xmlns:a16="http://schemas.microsoft.com/office/drawing/2014/main" id="{D85D2A30-397F-A020-ADC0-A3B4211A623C}"/>
+                <a16:creationId xmlns:a16="http://schemas.microsoft.com/office/drawing/2014/main" id="{CBC51E27-0994-726E-6698-37F4055EF8B9}"/>
               </a:ext>
             </a:extLst>
           </p:cNvPr>
@@ -9543,7 +9542,7 @@
           <p:cNvPr id="4" name="ZoneTexte 3">
             <a:extLst>
               <a:ext uri="{FF2B5EF4-FFF2-40B4-BE49-F238E27FC236}">
-                <a16:creationId xmlns:a16="http://schemas.microsoft.com/office/drawing/2014/main" id="{5232B333-1FEF-6C4F-147F-668653FBC679}"/>
+                <a16:creationId xmlns:a16="http://schemas.microsoft.com/office/drawing/2014/main" id="{E950DEE8-1228-7BD4-0DCB-7C0D4B88BC3E}"/>
               </a:ext>
             </a:extLst>
           </p:cNvPr>
@@ -9552,7 +9551,7 @@
         </p:nvSpPr>
         <p:spPr>
           <a:xfrm>
-            <a:off x="2832531" y="6063962"/>
+            <a:off x="3235379" y="6190499"/>
             <a:ext cx="5431781" cy="292388"/>
           </a:xfrm>
           <a:prstGeom prst="rect">
@@ -9576,7 +9575,7 @@
                 <a:ea typeface="Calibri" panose="020F0502020204030204" pitchFamily="34" charset="0"/>
                 <a:cs typeface="Times New Roman" panose="02020603050405020304" pitchFamily="18" charset="0"/>
               </a:rPr>
-              <a:t>Figure </a:t>
+              <a:t>Figure 10 </a:t>
             </a:r>
             <a:r>
               <a:rPr lang="fr-FR" sz="1300" i="1" dirty="0">
@@ -9587,19 +9586,18 @@
                 <a:ea typeface="Calibri" panose="020F0502020204030204" pitchFamily="34" charset="0"/>
                 <a:cs typeface="Times New Roman" panose="02020603050405020304" pitchFamily="18" charset="0"/>
               </a:rPr>
-              <a:t>11</a:t>
-            </a:r>
-            <a:r>
-              <a:rPr lang="fr-FR" sz="1300" i="1" dirty="0">
+              <a:t>: Corrélation entre </a:t>
+            </a:r>
+            <a:r>
+              <a:rPr lang="fr-FR" sz="1300" i="1" dirty="0" err="1">
                 <a:solidFill>
                   <a:srgbClr val="44546A"/>
                 </a:solidFill>
-                <a:effectLst/>
                 <a:latin typeface="Calibri" panose="020F0502020204030204" pitchFamily="34" charset="0"/>
                 <a:ea typeface="Calibri" panose="020F0502020204030204" pitchFamily="34" charset="0"/>
                 <a:cs typeface="Times New Roman" panose="02020603050405020304" pitchFamily="18" charset="0"/>
               </a:rPr>
-              <a:t> </a:t>
+              <a:t>obs_consequence</a:t>
             </a:r>
             <a:r>
               <a:rPr lang="fr-FR" sz="1300" i="1" dirty="0">
@@ -9610,7 +9608,7 @@
                 <a:ea typeface="Calibri" panose="020F0502020204030204" pitchFamily="34" charset="0"/>
                 <a:cs typeface="Times New Roman" panose="02020603050405020304" pitchFamily="18" charset="0"/>
               </a:rPr>
-              <a:t>: Corrélation entre genre et </a:t>
+              <a:t> et </a:t>
             </a:r>
             <a:r>
               <a:rPr lang="fr-FR" sz="1300" i="1" dirty="0" err="1">
@@ -9637,7 +9635,7 @@
     </p:spTree>
     <p:extLst>
       <p:ext uri="{BB962C8B-B14F-4D97-AF65-F5344CB8AC3E}">
-        <p14:creationId xmlns:p14="http://schemas.microsoft.com/office/powerpoint/2010/main" val="4231608795"/>
+        <p14:creationId xmlns:p14="http://schemas.microsoft.com/office/powerpoint/2010/main" val="1291448673"/>
       </p:ext>
     </p:extLst>
   </p:cSld>
@@ -9687,36 +9685,25 @@
           </a:xfrm>
         </p:spPr>
         <p:txBody>
-          <a:bodyPr/>
+          <a:bodyPr>
+            <a:normAutofit/>
+          </a:bodyPr>
           <a:lstStyle/>
           <a:p>
             <a:pPr marL="0" indent="0">
               <a:buNone/>
             </a:pPr>
             <a:r>
-              <a:rPr lang="fr-FR" sz="2300" u="sng" dirty="0" err="1"/>
-              <a:t>benefits</a:t>
-            </a:r>
-            <a:r>
               <a:rPr lang="fr-FR" sz="2300" u="sng" dirty="0"/>
-              <a:t> :</a:t>
-            </a:r>
-            <a:r>
-              <a:rPr lang="fr-FR" sz="2300" dirty="0"/>
-              <a:t> Votre employeur offre-t-il des prestations en matière de santé mentale aux employés ?</a:t>
-            </a:r>
-          </a:p>
-          <a:p>
-            <a:pPr marL="0" indent="0">
-              <a:buNone/>
-            </a:pPr>
-            <a:endParaRPr lang="fr-FR" dirty="0"/>
+              <a:t>genre :</a:t>
+            </a:r>
+            <a:endParaRPr lang="fr-FR" sz="2300" dirty="0"/>
           </a:p>
         </p:txBody>
       </p:sp>
       <p:pic>
         <p:nvPicPr>
-          <p:cNvPr id="5" name="Image 4"/>
+          <p:cNvPr id="6" name="Image 5"/>
           <p:cNvPicPr/>
           <p:nvPr/>
         </p:nvPicPr>
@@ -9734,8 +9721,8 @@
         </p:blipFill>
         <p:spPr>
           <a:xfrm>
-            <a:off x="2565860" y="1562794"/>
-            <a:ext cx="5996250" cy="4447308"/>
+            <a:off x="2832531" y="955965"/>
+            <a:ext cx="6330780" cy="4779816"/>
           </a:xfrm>
           <a:prstGeom prst="rect">
             <a:avLst/>
@@ -9747,7 +9734,7 @@
           <p:cNvPr id="2" name="Espace réservé du numéro de diapositive 1">
             <a:extLst>
               <a:ext uri="{FF2B5EF4-FFF2-40B4-BE49-F238E27FC236}">
-                <a16:creationId xmlns:a16="http://schemas.microsoft.com/office/drawing/2014/main" id="{852D6146-2910-AB91-B676-E884358C3ADA}"/>
+                <a16:creationId xmlns:a16="http://schemas.microsoft.com/office/drawing/2014/main" id="{D85D2A30-397F-A020-ADC0-A3B4211A623C}"/>
               </a:ext>
             </a:extLst>
           </p:cNvPr>
@@ -9776,7 +9763,7 @@
           <p:cNvPr id="4" name="ZoneTexte 3">
             <a:extLst>
               <a:ext uri="{FF2B5EF4-FFF2-40B4-BE49-F238E27FC236}">
-                <a16:creationId xmlns:a16="http://schemas.microsoft.com/office/drawing/2014/main" id="{7BF16009-C623-FEA5-C718-2396060F5C0B}"/>
+                <a16:creationId xmlns:a16="http://schemas.microsoft.com/office/drawing/2014/main" id="{5232B333-1FEF-6C4F-147F-668653FBC679}"/>
               </a:ext>
             </a:extLst>
           </p:cNvPr>
@@ -9785,7 +9772,7 @@
         </p:nvSpPr>
         <p:spPr>
           <a:xfrm>
-            <a:off x="2565860" y="6259947"/>
+            <a:off x="2832531" y="6063962"/>
             <a:ext cx="5431781" cy="292388"/>
           </a:xfrm>
           <a:prstGeom prst="rect">
@@ -9820,7 +9807,7 @@
                 <a:ea typeface="Calibri" panose="020F0502020204030204" pitchFamily="34" charset="0"/>
                 <a:cs typeface="Times New Roman" panose="02020603050405020304" pitchFamily="18" charset="0"/>
               </a:rPr>
-              <a:t>12</a:t>
+              <a:t>11</a:t>
             </a:r>
             <a:r>
               <a:rPr lang="fr-FR" sz="1300" i="1" dirty="0">
@@ -9843,29 +9830,7 @@
                 <a:ea typeface="Calibri" panose="020F0502020204030204" pitchFamily="34" charset="0"/>
                 <a:cs typeface="Times New Roman" panose="02020603050405020304" pitchFamily="18" charset="0"/>
               </a:rPr>
-              <a:t>: Corrélation entre </a:t>
-            </a:r>
-            <a:r>
-              <a:rPr lang="fr-FR" sz="1300" i="1" dirty="0" err="1">
-                <a:solidFill>
-                  <a:srgbClr val="44546A"/>
-                </a:solidFill>
-                <a:latin typeface="Calibri" panose="020F0502020204030204" pitchFamily="34" charset="0"/>
-                <a:ea typeface="Calibri" panose="020F0502020204030204" pitchFamily="34" charset="0"/>
-                <a:cs typeface="Times New Roman" panose="02020603050405020304" pitchFamily="18" charset="0"/>
-              </a:rPr>
-              <a:t>benefits</a:t>
-            </a:r>
-            <a:r>
-              <a:rPr lang="fr-FR" sz="1300" i="1" dirty="0">
-                <a:solidFill>
-                  <a:srgbClr val="44546A"/>
-                </a:solidFill>
-                <a:latin typeface="Calibri" panose="020F0502020204030204" pitchFamily="34" charset="0"/>
-                <a:ea typeface="Calibri" panose="020F0502020204030204" pitchFamily="34" charset="0"/>
-                <a:cs typeface="Times New Roman" panose="02020603050405020304" pitchFamily="18" charset="0"/>
-              </a:rPr>
-              <a:t> et </a:t>
+              <a:t>: Corrélation entre genre et </a:t>
             </a:r>
             <a:r>
               <a:rPr lang="fr-FR" sz="1300" i="1" dirty="0" err="1">
@@ -9892,7 +9857,7 @@
     </p:spTree>
     <p:extLst>
       <p:ext uri="{BB962C8B-B14F-4D97-AF65-F5344CB8AC3E}">
-        <p14:creationId xmlns:p14="http://schemas.microsoft.com/office/powerpoint/2010/main" val="200318154"/>
+        <p14:creationId xmlns:p14="http://schemas.microsoft.com/office/powerpoint/2010/main" val="4231608795"/>
       </p:ext>
     </p:extLst>
   </p:cSld>
@@ -9950,7 +9915,7 @@
             </a:pPr>
             <a:r>
               <a:rPr lang="fr-FR" sz="2300" u="sng" dirty="0" err="1"/>
-              <a:t>mental_health_consequence</a:t>
+              <a:t>benefits</a:t>
             </a:r>
             <a:r>
               <a:rPr lang="fr-FR" sz="2300" u="sng" dirty="0"/>
@@ -9958,7 +9923,7 @@
             </a:r>
             <a:r>
               <a:rPr lang="fr-FR" sz="2300" dirty="0"/>
-              <a:t> Pensez-vous que le fait de parler d'un problème de santé mentale à votre employeur aurait des conséquences négatives ?</a:t>
+              <a:t> Votre employeur offre-t-il des prestations en matière de santé mentale aux employés ?</a:t>
             </a:r>
           </a:p>
           <a:p>
@@ -9989,8 +9954,8 @@
         </p:blipFill>
         <p:spPr>
           <a:xfrm>
-            <a:off x="2782135" y="1745670"/>
-            <a:ext cx="6229006" cy="4098178"/>
+            <a:off x="2565860" y="1562794"/>
+            <a:ext cx="5996250" cy="4447308"/>
           </a:xfrm>
           <a:prstGeom prst="rect">
             <a:avLst/>
@@ -10002,7 +9967,7 @@
           <p:cNvPr id="2" name="Espace réservé du numéro de diapositive 1">
             <a:extLst>
               <a:ext uri="{FF2B5EF4-FFF2-40B4-BE49-F238E27FC236}">
-                <a16:creationId xmlns:a16="http://schemas.microsoft.com/office/drawing/2014/main" id="{096B9616-C70E-F85B-DA04-F7B4E61FECA8}"/>
+                <a16:creationId xmlns:a16="http://schemas.microsoft.com/office/drawing/2014/main" id="{852D6146-2910-AB91-B676-E884358C3ADA}"/>
               </a:ext>
             </a:extLst>
           </p:cNvPr>
@@ -10031,7 +9996,7 @@
           <p:cNvPr id="4" name="ZoneTexte 3">
             <a:extLst>
               <a:ext uri="{FF2B5EF4-FFF2-40B4-BE49-F238E27FC236}">
-                <a16:creationId xmlns:a16="http://schemas.microsoft.com/office/drawing/2014/main" id="{70762B7F-2077-C70F-BD23-A2CF408A0CD5}"/>
+                <a16:creationId xmlns:a16="http://schemas.microsoft.com/office/drawing/2014/main" id="{7BF16009-C623-FEA5-C718-2396060F5C0B}"/>
               </a:ext>
             </a:extLst>
           </p:cNvPr>
@@ -10040,7 +10005,7 @@
         </p:nvSpPr>
         <p:spPr>
           <a:xfrm>
-            <a:off x="2782135" y="6210156"/>
+            <a:off x="2565860" y="6259947"/>
             <a:ext cx="5431781" cy="292388"/>
           </a:xfrm>
           <a:prstGeom prst="rect">
@@ -10075,7 +10040,7 @@
                 <a:ea typeface="Calibri" panose="020F0502020204030204" pitchFamily="34" charset="0"/>
                 <a:cs typeface="Times New Roman" panose="02020603050405020304" pitchFamily="18" charset="0"/>
               </a:rPr>
-              <a:t>13</a:t>
+              <a:t>12</a:t>
             </a:r>
             <a:r>
               <a:rPr lang="fr-FR" sz="1300" i="1" dirty="0">
@@ -10109,7 +10074,7 @@
                 <a:ea typeface="Calibri" panose="020F0502020204030204" pitchFamily="34" charset="0"/>
                 <a:cs typeface="Times New Roman" panose="02020603050405020304" pitchFamily="18" charset="0"/>
               </a:rPr>
-              <a:t>mental_health_consequence</a:t>
+              <a:t>benefits</a:t>
             </a:r>
             <a:r>
               <a:rPr lang="fr-FR" sz="1300" i="1" dirty="0">
@@ -10147,7 +10112,7 @@
     </p:spTree>
     <p:extLst>
       <p:ext uri="{BB962C8B-B14F-4D97-AF65-F5344CB8AC3E}">
-        <p14:creationId xmlns:p14="http://schemas.microsoft.com/office/powerpoint/2010/main" val="1560599468"/>
+        <p14:creationId xmlns:p14="http://schemas.microsoft.com/office/powerpoint/2010/main" val="200318154"/>
       </p:ext>
     </p:extLst>
   </p:cSld>
@@ -10192,6 +10157,261 @@
         </p:nvSpPr>
         <p:spPr>
           <a:xfrm>
+            <a:off x="150208" y="237893"/>
+            <a:ext cx="11695427" cy="5406449"/>
+          </a:xfrm>
+        </p:spPr>
+        <p:txBody>
+          <a:bodyPr/>
+          <a:lstStyle/>
+          <a:p>
+            <a:pPr marL="0" indent="0">
+              <a:buNone/>
+            </a:pPr>
+            <a:r>
+              <a:rPr lang="fr-FR" sz="2300" u="sng" dirty="0" err="1"/>
+              <a:t>mental_health_consequence</a:t>
+            </a:r>
+            <a:r>
+              <a:rPr lang="fr-FR" sz="2300" u="sng" dirty="0"/>
+              <a:t> :</a:t>
+            </a:r>
+            <a:r>
+              <a:rPr lang="fr-FR" sz="2300" dirty="0"/>
+              <a:t> Pensez-vous que le fait de parler d'un problème de santé mentale à votre employeur aurait des conséquences négatives ?</a:t>
+            </a:r>
+          </a:p>
+          <a:p>
+            <a:pPr marL="0" indent="0">
+              <a:buNone/>
+            </a:pPr>
+            <a:endParaRPr lang="fr-FR" dirty="0"/>
+          </a:p>
+        </p:txBody>
+      </p:sp>
+      <p:pic>
+        <p:nvPicPr>
+          <p:cNvPr id="5" name="Image 4"/>
+          <p:cNvPicPr/>
+          <p:nvPr/>
+        </p:nvPicPr>
+        <p:blipFill>
+          <a:blip r:embed="rId3">
+            <a:extLst>
+              <a:ext uri="{28A0092B-C50C-407E-A947-70E740481C1C}">
+                <a14:useLocalDpi xmlns:a14="http://schemas.microsoft.com/office/drawing/2010/main" val="0"/>
+              </a:ext>
+            </a:extLst>
+          </a:blip>
+          <a:stretch>
+            <a:fillRect/>
+          </a:stretch>
+        </p:blipFill>
+        <p:spPr>
+          <a:xfrm>
+            <a:off x="2782135" y="1745670"/>
+            <a:ext cx="6229006" cy="4098178"/>
+          </a:xfrm>
+          <a:prstGeom prst="rect">
+            <a:avLst/>
+          </a:prstGeom>
+        </p:spPr>
+      </p:pic>
+      <p:sp>
+        <p:nvSpPr>
+          <p:cNvPr id="2" name="Espace réservé du numéro de diapositive 1">
+            <a:extLst>
+              <a:ext uri="{FF2B5EF4-FFF2-40B4-BE49-F238E27FC236}">
+                <a16:creationId xmlns:a16="http://schemas.microsoft.com/office/drawing/2014/main" id="{096B9616-C70E-F85B-DA04-F7B4E61FECA8}"/>
+              </a:ext>
+            </a:extLst>
+          </p:cNvPr>
+          <p:cNvSpPr>
+            <a:spLocks noGrp="1"/>
+          </p:cNvSpPr>
+          <p:nvPr>
+            <p:ph type="sldNum" sz="quarter" idx="12"/>
+          </p:nvPr>
+        </p:nvSpPr>
+        <p:spPr/>
+        <p:txBody>
+          <a:bodyPr/>
+          <a:lstStyle/>
+          <a:p>
+            <a:fld id="{BA06AB71-0B36-4B80-B991-039F7D68F8CB}" type="slidenum">
+              <a:rPr lang="fr-FR" smtClean="0"/>
+              <a:t>18</a:t>
+            </a:fld>
+            <a:endParaRPr lang="fr-FR"/>
+          </a:p>
+        </p:txBody>
+      </p:sp>
+      <p:sp>
+        <p:nvSpPr>
+          <p:cNvPr id="4" name="ZoneTexte 3">
+            <a:extLst>
+              <a:ext uri="{FF2B5EF4-FFF2-40B4-BE49-F238E27FC236}">
+                <a16:creationId xmlns:a16="http://schemas.microsoft.com/office/drawing/2014/main" id="{70762B7F-2077-C70F-BD23-A2CF408A0CD5}"/>
+              </a:ext>
+            </a:extLst>
+          </p:cNvPr>
+          <p:cNvSpPr txBox="1"/>
+          <p:nvPr/>
+        </p:nvSpPr>
+        <p:spPr>
+          <a:xfrm>
+            <a:off x="2782135" y="6210156"/>
+            <a:ext cx="5431781" cy="292388"/>
+          </a:xfrm>
+          <a:prstGeom prst="rect">
+            <a:avLst/>
+          </a:prstGeom>
+          <a:noFill/>
+        </p:spPr>
+        <p:txBody>
+          <a:bodyPr wrap="square" rtlCol="0">
+            <a:spAutoFit/>
+          </a:bodyPr>
+          <a:lstStyle/>
+          <a:p>
+            <a:r>
+              <a:rPr lang="fr-FR" sz="1300" i="1" dirty="0">
+                <a:solidFill>
+                  <a:srgbClr val="44546A"/>
+                </a:solidFill>
+                <a:effectLst/>
+                <a:latin typeface="Calibri" panose="020F0502020204030204" pitchFamily="34" charset="0"/>
+                <a:ea typeface="Calibri" panose="020F0502020204030204" pitchFamily="34" charset="0"/>
+                <a:cs typeface="Times New Roman" panose="02020603050405020304" pitchFamily="18" charset="0"/>
+              </a:rPr>
+              <a:t>Figure </a:t>
+            </a:r>
+            <a:r>
+              <a:rPr lang="fr-FR" sz="1300" i="1" dirty="0">
+                <a:solidFill>
+                  <a:srgbClr val="44546A"/>
+                </a:solidFill>
+                <a:latin typeface="Calibri" panose="020F0502020204030204" pitchFamily="34" charset="0"/>
+                <a:ea typeface="Calibri" panose="020F0502020204030204" pitchFamily="34" charset="0"/>
+                <a:cs typeface="Times New Roman" panose="02020603050405020304" pitchFamily="18" charset="0"/>
+              </a:rPr>
+              <a:t>13</a:t>
+            </a:r>
+            <a:r>
+              <a:rPr lang="fr-FR" sz="1300" i="1" dirty="0">
+                <a:solidFill>
+                  <a:srgbClr val="44546A"/>
+                </a:solidFill>
+                <a:effectLst/>
+                <a:latin typeface="Calibri" panose="020F0502020204030204" pitchFamily="34" charset="0"/>
+                <a:ea typeface="Calibri" panose="020F0502020204030204" pitchFamily="34" charset="0"/>
+                <a:cs typeface="Times New Roman" panose="02020603050405020304" pitchFamily="18" charset="0"/>
+              </a:rPr>
+              <a:t> </a:t>
+            </a:r>
+            <a:r>
+              <a:rPr lang="fr-FR" sz="1300" i="1" dirty="0">
+                <a:solidFill>
+                  <a:srgbClr val="44546A"/>
+                </a:solidFill>
+                <a:latin typeface="Calibri" panose="020F0502020204030204" pitchFamily="34" charset="0"/>
+                <a:ea typeface="Calibri" panose="020F0502020204030204" pitchFamily="34" charset="0"/>
+                <a:cs typeface="Times New Roman" panose="02020603050405020304" pitchFamily="18" charset="0"/>
+              </a:rPr>
+              <a:t>: Corrélation entre </a:t>
+            </a:r>
+            <a:r>
+              <a:rPr lang="fr-FR" sz="1300" i="1" dirty="0" err="1">
+                <a:solidFill>
+                  <a:srgbClr val="44546A"/>
+                </a:solidFill>
+                <a:latin typeface="Calibri" panose="020F0502020204030204" pitchFamily="34" charset="0"/>
+                <a:ea typeface="Calibri" panose="020F0502020204030204" pitchFamily="34" charset="0"/>
+                <a:cs typeface="Times New Roman" panose="02020603050405020304" pitchFamily="18" charset="0"/>
+              </a:rPr>
+              <a:t>mental_health_consequence</a:t>
+            </a:r>
+            <a:r>
+              <a:rPr lang="fr-FR" sz="1300" i="1" dirty="0">
+                <a:solidFill>
+                  <a:srgbClr val="44546A"/>
+                </a:solidFill>
+                <a:latin typeface="Calibri" panose="020F0502020204030204" pitchFamily="34" charset="0"/>
+                <a:ea typeface="Calibri" panose="020F0502020204030204" pitchFamily="34" charset="0"/>
+                <a:cs typeface="Times New Roman" panose="02020603050405020304" pitchFamily="18" charset="0"/>
+              </a:rPr>
+              <a:t> et </a:t>
+            </a:r>
+            <a:r>
+              <a:rPr lang="fr-FR" sz="1300" i="1" dirty="0" err="1">
+                <a:solidFill>
+                  <a:srgbClr val="44546A"/>
+                </a:solidFill>
+                <a:latin typeface="Calibri" panose="020F0502020204030204" pitchFamily="34" charset="0"/>
+                <a:ea typeface="Calibri" panose="020F0502020204030204" pitchFamily="34" charset="0"/>
+                <a:cs typeface="Times New Roman" panose="02020603050405020304" pitchFamily="18" charset="0"/>
+              </a:rPr>
+              <a:t>treatment</a:t>
+            </a:r>
+            <a:endParaRPr lang="fr-FR" sz="1300" i="1" dirty="0">
+              <a:solidFill>
+                <a:srgbClr val="44546A"/>
+              </a:solidFill>
+              <a:latin typeface="Calibri" panose="020F0502020204030204" pitchFamily="34" charset="0"/>
+              <a:ea typeface="Calibri" panose="020F0502020204030204" pitchFamily="34" charset="0"/>
+              <a:cs typeface="Times New Roman" panose="02020603050405020304" pitchFamily="18" charset="0"/>
+            </a:endParaRPr>
+          </a:p>
+        </p:txBody>
+      </p:sp>
+    </p:spTree>
+    <p:extLst>
+      <p:ext uri="{BB962C8B-B14F-4D97-AF65-F5344CB8AC3E}">
+        <p14:creationId xmlns:p14="http://schemas.microsoft.com/office/powerpoint/2010/main" val="1560599468"/>
+      </p:ext>
+    </p:extLst>
+  </p:cSld>
+  <p:clrMapOvr>
+    <a:masterClrMapping/>
+  </p:clrMapOvr>
+</p:sld>
+</file>
+
+<file path=ppt/slides/slide19.xml><?xml version="1.0" encoding="utf-8"?>
+<p:sld xmlns:a="http://schemas.openxmlformats.org/drawingml/2006/main" xmlns:r="http://schemas.openxmlformats.org/officeDocument/2006/relationships" xmlns:p="http://schemas.openxmlformats.org/presentationml/2006/main">
+  <p:cSld>
+    <p:spTree>
+      <p:nvGrpSpPr>
+        <p:cNvPr id="1" name=""/>
+        <p:cNvGrpSpPr/>
+        <p:nvPr/>
+      </p:nvGrpSpPr>
+      <p:grpSpPr>
+        <a:xfrm>
+          <a:off x="0" y="0"/>
+          <a:ext cx="0" cy="0"/>
+          <a:chOff x="0" y="0"/>
+          <a:chExt cx="0" cy="0"/>
+        </a:xfrm>
+      </p:grpSpPr>
+      <p:sp>
+        <p:nvSpPr>
+          <p:cNvPr id="3" name="Espace réservé du contenu 2">
+            <a:extLst>
+              <a:ext uri="{FF2B5EF4-FFF2-40B4-BE49-F238E27FC236}">
+                <a16:creationId xmlns:a16="http://schemas.microsoft.com/office/drawing/2014/main" id="{6B409ECA-B691-5B1C-5CCA-878C261674CB}"/>
+              </a:ext>
+            </a:extLst>
+          </p:cNvPr>
+          <p:cNvSpPr>
+            <a:spLocks noGrp="1"/>
+          </p:cNvSpPr>
+          <p:nvPr>
+            <p:ph idx="1"/>
+          </p:nvPr>
+        </p:nvSpPr>
+        <p:spPr>
+          <a:xfrm>
             <a:off x="150208" y="237894"/>
             <a:ext cx="11695427" cy="2489279"/>
           </a:xfrm>
@@ -10528,7 +10748,7 @@
           <a:p>
             <a:fld id="{BA06AB71-0B36-4B80-B991-039F7D68F8CB}" type="slidenum">
               <a:rPr lang="fr-FR" smtClean="0"/>
-              <a:t>18</a:t>
+              <a:t>19</a:t>
             </a:fld>
             <a:endParaRPr lang="fr-FR"/>
           </a:p>
@@ -10864,7 +11084,7 @@
 </p:sld>
 </file>
 
-<file path=ppt/slides/slide19.xml><?xml version="1.0" encoding="utf-8"?>
+<file path=ppt/slides/slide2.xml><?xml version="1.0" encoding="utf-8"?>
 <p:sld xmlns:a="http://schemas.openxmlformats.org/drawingml/2006/main" xmlns:r="http://schemas.openxmlformats.org/officeDocument/2006/relationships" xmlns:p="http://schemas.openxmlformats.org/presentationml/2006/main">
   <p:cSld>
     <p:spTree>
@@ -10883,6 +11103,208 @@
       </p:grpSpPr>
       <p:sp>
         <p:nvSpPr>
+          <p:cNvPr id="2" name="Titre 1">
+            <a:extLst>
+              <a:ext uri="{FF2B5EF4-FFF2-40B4-BE49-F238E27FC236}">
+                <a16:creationId xmlns:a16="http://schemas.microsoft.com/office/drawing/2014/main" id="{E9C259C4-15CF-5FF1-5FA6-82A0B80722A6}"/>
+              </a:ext>
+            </a:extLst>
+          </p:cNvPr>
+          <p:cNvSpPr>
+            <a:spLocks noGrp="1"/>
+          </p:cNvSpPr>
+          <p:nvPr>
+            <p:ph type="title"/>
+          </p:nvPr>
+        </p:nvSpPr>
+        <p:spPr>
+          <a:xfrm>
+            <a:off x="4206083" y="585180"/>
+            <a:ext cx="10490081" cy="714814"/>
+          </a:xfrm>
+        </p:spPr>
+        <p:txBody>
+          <a:bodyPr/>
+          <a:lstStyle/>
+          <a:p>
+            <a:r>
+              <a:rPr lang="fr-FR" dirty="0"/>
+              <a:t>Sommaire</a:t>
+            </a:r>
+          </a:p>
+        </p:txBody>
+      </p:sp>
+      <p:sp>
+        <p:nvSpPr>
+          <p:cNvPr id="3" name="Espace réservé du contenu 2">
+            <a:extLst>
+              <a:ext uri="{FF2B5EF4-FFF2-40B4-BE49-F238E27FC236}">
+                <a16:creationId xmlns:a16="http://schemas.microsoft.com/office/drawing/2014/main" id="{6B409ECA-B691-5B1C-5CCA-878C261674CB}"/>
+              </a:ext>
+            </a:extLst>
+          </p:cNvPr>
+          <p:cNvSpPr>
+            <a:spLocks noGrp="1"/>
+          </p:cNvSpPr>
+          <p:nvPr>
+            <p:ph idx="1"/>
+          </p:nvPr>
+        </p:nvSpPr>
+        <p:spPr>
+          <a:xfrm>
+            <a:off x="1613353" y="1315026"/>
+            <a:ext cx="11695427" cy="5406449"/>
+          </a:xfrm>
+        </p:spPr>
+        <p:txBody>
+          <a:bodyPr/>
+          <a:lstStyle/>
+          <a:p>
+            <a:pPr marL="0" indent="0">
+              <a:buNone/>
+            </a:pPr>
+            <a:endParaRPr lang="fr-FR" sz="2500" u="sng" dirty="0"/>
+          </a:p>
+          <a:p>
+            <a:pPr marL="0" indent="0">
+              <a:buNone/>
+            </a:pPr>
+            <a:endParaRPr lang="fr-FR" dirty="0"/>
+          </a:p>
+        </p:txBody>
+      </p:sp>
+      <p:sp>
+        <p:nvSpPr>
+          <p:cNvPr id="4" name="Espace réservé du numéro de diapositive 3">
+            <a:extLst>
+              <a:ext uri="{FF2B5EF4-FFF2-40B4-BE49-F238E27FC236}">
+                <a16:creationId xmlns:a16="http://schemas.microsoft.com/office/drawing/2014/main" id="{6AF8CBB2-DFF3-0D98-A730-9B20741C3B18}"/>
+              </a:ext>
+            </a:extLst>
+          </p:cNvPr>
+          <p:cNvSpPr>
+            <a:spLocks noGrp="1"/>
+          </p:cNvSpPr>
+          <p:nvPr>
+            <p:ph type="sldNum" sz="quarter" idx="12"/>
+          </p:nvPr>
+        </p:nvSpPr>
+        <p:spPr/>
+        <p:txBody>
+          <a:bodyPr/>
+          <a:lstStyle/>
+          <a:p>
+            <a:fld id="{BA06AB71-0B36-4B80-B991-039F7D68F8CB}" type="slidenum">
+              <a:rPr lang="fr-FR" smtClean="0"/>
+              <a:t>2</a:t>
+            </a:fld>
+            <a:endParaRPr lang="fr-FR"/>
+          </a:p>
+        </p:txBody>
+      </p:sp>
+      <p:sp>
+        <p:nvSpPr>
+          <p:cNvPr id="5" name="ZoneTexte 4">
+            <a:extLst>
+              <a:ext uri="{FF2B5EF4-FFF2-40B4-BE49-F238E27FC236}">
+                <a16:creationId xmlns:a16="http://schemas.microsoft.com/office/drawing/2014/main" id="{57E9A7A2-12EC-9921-E0E8-7E4D386E574E}"/>
+              </a:ext>
+            </a:extLst>
+          </p:cNvPr>
+          <p:cNvSpPr txBox="1"/>
+          <p:nvPr/>
+        </p:nvSpPr>
+        <p:spPr>
+          <a:xfrm>
+            <a:off x="729204" y="2703232"/>
+            <a:ext cx="10463514" cy="2569934"/>
+          </a:xfrm>
+          <a:prstGeom prst="rect">
+            <a:avLst/>
+          </a:prstGeom>
+          <a:noFill/>
+        </p:spPr>
+        <p:txBody>
+          <a:bodyPr wrap="square" rtlCol="0">
+            <a:spAutoFit/>
+          </a:bodyPr>
+          <a:lstStyle/>
+          <a:p>
+            <a:r>
+              <a:rPr lang="fr-FR" sz="2300" dirty="0"/>
+              <a:t>1. Introduction</a:t>
+            </a:r>
+          </a:p>
+          <a:p>
+            <a:r>
+              <a:rPr lang="fr-FR" sz="2300" dirty="0"/>
+              <a:t>2. Gestion des données analytiques du projet</a:t>
+            </a:r>
+          </a:p>
+          <a:p>
+            <a:r>
+              <a:rPr lang="fr-FR" sz="2300" dirty="0"/>
+              <a:t>3. Développer un programme d'intelligence artificielle</a:t>
+            </a:r>
+          </a:p>
+          <a:p>
+            <a:r>
+              <a:rPr lang="fr-FR" sz="2300" dirty="0"/>
+              <a:t>4. Développement de l’application</a:t>
+            </a:r>
+          </a:p>
+          <a:p>
+            <a:r>
+              <a:rPr lang="fr-FR" sz="2300" dirty="0"/>
+              <a:t>5. Conclusion</a:t>
+            </a:r>
+          </a:p>
+          <a:p>
+            <a:r>
+              <a:rPr lang="fr-FR" sz="2300" dirty="0"/>
+              <a:t>Références</a:t>
+            </a:r>
+          </a:p>
+          <a:p>
+            <a:r>
+              <a:rPr lang="fr-FR" sz="2300" dirty="0"/>
+              <a:t>Annexe</a:t>
+            </a:r>
+          </a:p>
+        </p:txBody>
+      </p:sp>
+    </p:spTree>
+    <p:extLst>
+      <p:ext uri="{BB962C8B-B14F-4D97-AF65-F5344CB8AC3E}">
+        <p14:creationId xmlns:p14="http://schemas.microsoft.com/office/powerpoint/2010/main" val="2928106828"/>
+      </p:ext>
+    </p:extLst>
+  </p:cSld>
+  <p:clrMapOvr>
+    <a:masterClrMapping/>
+  </p:clrMapOvr>
+</p:sld>
+</file>
+
+<file path=ppt/slides/slide20.xml><?xml version="1.0" encoding="utf-8"?>
+<p:sld xmlns:a="http://schemas.openxmlformats.org/drawingml/2006/main" xmlns:r="http://schemas.openxmlformats.org/officeDocument/2006/relationships" xmlns:p="http://schemas.openxmlformats.org/presentationml/2006/main">
+  <p:cSld>
+    <p:spTree>
+      <p:nvGrpSpPr>
+        <p:cNvPr id="1" name=""/>
+        <p:cNvGrpSpPr/>
+        <p:nvPr/>
+      </p:nvGrpSpPr>
+      <p:grpSpPr>
+        <a:xfrm>
+          <a:off x="0" y="0"/>
+          <a:ext cx="0" cy="0"/>
+          <a:chOff x="0" y="0"/>
+          <a:chExt cx="0" cy="0"/>
+        </a:xfrm>
+      </p:grpSpPr>
+      <p:sp>
+        <p:nvSpPr>
           <p:cNvPr id="3" name="Espace réservé du contenu 2">
             <a:extLst>
               <a:ext uri="{FF2B5EF4-FFF2-40B4-BE49-F238E27FC236}">
@@ -10997,7 +11419,7 @@
           <a:p>
             <a:fld id="{BA06AB71-0B36-4B80-B991-039F7D68F8CB}" type="slidenum">
               <a:rPr lang="fr-FR" smtClean="0"/>
-              <a:t>19</a:t>
+              <a:t>20</a:t>
             </a:fld>
             <a:endParaRPr lang="fr-FR"/>
           </a:p>
@@ -11288,201 +11710,7 @@
 </p:sld>
 </file>
 
-<file path=ppt/slides/slide2.xml><?xml version="1.0" encoding="utf-8"?>
-<p:sld xmlns:a="http://schemas.openxmlformats.org/drawingml/2006/main" xmlns:r="http://schemas.openxmlformats.org/officeDocument/2006/relationships" xmlns:p="http://schemas.openxmlformats.org/presentationml/2006/main">
-  <p:cSld>
-    <p:spTree>
-      <p:nvGrpSpPr>
-        <p:cNvPr id="1" name=""/>
-        <p:cNvGrpSpPr/>
-        <p:nvPr/>
-      </p:nvGrpSpPr>
-      <p:grpSpPr>
-        <a:xfrm>
-          <a:off x="0" y="0"/>
-          <a:ext cx="0" cy="0"/>
-          <a:chOff x="0" y="0"/>
-          <a:chExt cx="0" cy="0"/>
-        </a:xfrm>
-      </p:grpSpPr>
-      <p:sp>
-        <p:nvSpPr>
-          <p:cNvPr id="2" name="Titre 1">
-            <a:extLst>
-              <a:ext uri="{FF2B5EF4-FFF2-40B4-BE49-F238E27FC236}">
-                <a16:creationId xmlns:a16="http://schemas.microsoft.com/office/drawing/2014/main" id="{E9C259C4-15CF-5FF1-5FA6-82A0B80722A6}"/>
-              </a:ext>
-            </a:extLst>
-          </p:cNvPr>
-          <p:cNvSpPr>
-            <a:spLocks noGrp="1"/>
-          </p:cNvSpPr>
-          <p:nvPr>
-            <p:ph type="title"/>
-          </p:nvPr>
-        </p:nvSpPr>
-        <p:spPr>
-          <a:xfrm>
-            <a:off x="108645" y="133084"/>
-            <a:ext cx="10490081" cy="714814"/>
-          </a:xfrm>
-        </p:spPr>
-        <p:txBody>
-          <a:bodyPr/>
-          <a:lstStyle/>
-          <a:p>
-            <a:r>
-              <a:rPr lang="fr-FR" dirty="0"/>
-              <a:t>1. Introduction</a:t>
-            </a:r>
-          </a:p>
-        </p:txBody>
-      </p:sp>
-      <p:sp>
-        <p:nvSpPr>
-          <p:cNvPr id="3" name="Espace réservé du contenu 2">
-            <a:extLst>
-              <a:ext uri="{FF2B5EF4-FFF2-40B4-BE49-F238E27FC236}">
-                <a16:creationId xmlns:a16="http://schemas.microsoft.com/office/drawing/2014/main" id="{6B409ECA-B691-5B1C-5CCA-878C261674CB}"/>
-              </a:ext>
-            </a:extLst>
-          </p:cNvPr>
-          <p:cNvSpPr>
-            <a:spLocks noGrp="1"/>
-          </p:cNvSpPr>
-          <p:nvPr>
-            <p:ph idx="1"/>
-          </p:nvPr>
-        </p:nvSpPr>
-        <p:spPr>
-          <a:xfrm>
-            <a:off x="108645" y="898899"/>
-            <a:ext cx="11695427" cy="5406449"/>
-          </a:xfrm>
-        </p:spPr>
-        <p:txBody>
-          <a:bodyPr/>
-          <a:lstStyle/>
-          <a:p>
-            <a:pPr marL="0" indent="0">
-              <a:buNone/>
-            </a:pPr>
-            <a:endParaRPr lang="fr-FR" sz="2500" u="sng" dirty="0"/>
-          </a:p>
-          <a:p>
-            <a:pPr marL="0" indent="0">
-              <a:buNone/>
-            </a:pPr>
-            <a:r>
-              <a:rPr lang="fr-FR" sz="2500" u="sng" dirty="0"/>
-              <a:t>1.1 Contexte</a:t>
-            </a:r>
-            <a:endParaRPr lang="fr-FR" u="sng" dirty="0"/>
-          </a:p>
-          <a:p>
-            <a:pPr marL="0" indent="0">
-              <a:buNone/>
-            </a:pPr>
-            <a:endParaRPr lang="fr-FR" u="sng" dirty="0"/>
-          </a:p>
-          <a:p>
-            <a:pPr marL="0" indent="0">
-              <a:buNone/>
-            </a:pPr>
-            <a:r>
-              <a:rPr lang="fr-FR" sz="2300" dirty="0"/>
-              <a:t>- Hausse des cas de soucis de santé mentale : </a:t>
-            </a:r>
-            <a:r>
-              <a:rPr lang="fr-FR" sz="2300" b="1" dirty="0"/>
-              <a:t>Les cas d’anxiété et de dépression sont en hausse de 25 % dans le monde en raison de la pandémie de COVID-19 </a:t>
-            </a:r>
-            <a:r>
-              <a:rPr lang="fr-FR" sz="2300" dirty="0"/>
-              <a:t>(OMS)</a:t>
-            </a:r>
-          </a:p>
-          <a:p>
-            <a:pPr marL="0" indent="0">
-              <a:buNone/>
-            </a:pPr>
-            <a:endParaRPr lang="fr-FR" sz="2300" dirty="0"/>
-          </a:p>
-          <a:p>
-            <a:pPr marL="0" indent="0">
-              <a:buNone/>
-            </a:pPr>
-            <a:r>
-              <a:rPr lang="fr-FR" sz="2300" dirty="0"/>
-              <a:t>- 25% des Français se sont sentis déprimés pendant plusieurs semaines au moins au cours de l'année précédente. </a:t>
-            </a:r>
-          </a:p>
-          <a:p>
-            <a:pPr marL="0" indent="0">
-              <a:buNone/>
-            </a:pPr>
-            <a:endParaRPr lang="fr-FR" sz="2300" dirty="0"/>
-          </a:p>
-          <a:p>
-            <a:pPr marL="0" indent="0">
-              <a:buNone/>
-            </a:pPr>
-            <a:r>
-              <a:rPr lang="fr-FR" sz="2300" dirty="0"/>
-              <a:t>- Près d'une personne sur dix (9%) a envisagé le suicide ou l'automutilation au cours de l'année passée. (Ipsos)</a:t>
-            </a:r>
-          </a:p>
-          <a:p>
-            <a:pPr marL="0" indent="0">
-              <a:buNone/>
-            </a:pPr>
-            <a:endParaRPr lang="fr-FR" dirty="0"/>
-          </a:p>
-        </p:txBody>
-      </p:sp>
-      <p:sp>
-        <p:nvSpPr>
-          <p:cNvPr id="4" name="Espace réservé du numéro de diapositive 3">
-            <a:extLst>
-              <a:ext uri="{FF2B5EF4-FFF2-40B4-BE49-F238E27FC236}">
-                <a16:creationId xmlns:a16="http://schemas.microsoft.com/office/drawing/2014/main" id="{6AF8CBB2-DFF3-0D98-A730-9B20741C3B18}"/>
-              </a:ext>
-            </a:extLst>
-          </p:cNvPr>
-          <p:cNvSpPr>
-            <a:spLocks noGrp="1"/>
-          </p:cNvSpPr>
-          <p:nvPr>
-            <p:ph type="sldNum" sz="quarter" idx="12"/>
-          </p:nvPr>
-        </p:nvSpPr>
-        <p:spPr/>
-        <p:txBody>
-          <a:bodyPr/>
-          <a:lstStyle/>
-          <a:p>
-            <a:fld id="{BA06AB71-0B36-4B80-B991-039F7D68F8CB}" type="slidenum">
-              <a:rPr lang="fr-FR" smtClean="0"/>
-              <a:t>2</a:t>
-            </a:fld>
-            <a:endParaRPr lang="fr-FR"/>
-          </a:p>
-        </p:txBody>
-      </p:sp>
-    </p:spTree>
-    <p:extLst>
-      <p:ext uri="{BB962C8B-B14F-4D97-AF65-F5344CB8AC3E}">
-        <p14:creationId xmlns:p14="http://schemas.microsoft.com/office/powerpoint/2010/main" val="2928106828"/>
-      </p:ext>
-    </p:extLst>
-  </p:cSld>
-  <p:clrMapOvr>
-    <a:masterClrMapping/>
-  </p:clrMapOvr>
-</p:sld>
-</file>
-
-<file path=ppt/slides/slide20.xml><?xml version="1.0" encoding="utf-8"?>
+<file path=ppt/slides/slide21.xml><?xml version="1.0" encoding="utf-8"?>
 <p:sld xmlns:a="http://schemas.openxmlformats.org/drawingml/2006/main" xmlns:r="http://schemas.openxmlformats.org/officeDocument/2006/relationships" xmlns:p="http://schemas.openxmlformats.org/presentationml/2006/main">
   <p:cSld>
     <p:spTree>
@@ -11613,7 +11841,7 @@
           <a:p>
             <a:fld id="{BA06AB71-0B36-4B80-B991-039F7D68F8CB}" type="slidenum">
               <a:rPr lang="fr-FR" smtClean="0"/>
-              <a:t>20</a:t>
+              <a:t>21</a:t>
             </a:fld>
             <a:endParaRPr lang="fr-FR"/>
           </a:p>
@@ -12005,7 +12233,7 @@
 </p:sld>
 </file>
 
-<file path=ppt/slides/slide21.xml><?xml version="1.0" encoding="utf-8"?>
+<file path=ppt/slides/slide22.xml><?xml version="1.0" encoding="utf-8"?>
 <p:sld xmlns:a="http://schemas.openxmlformats.org/drawingml/2006/main" xmlns:r="http://schemas.openxmlformats.org/officeDocument/2006/relationships" xmlns:p="http://schemas.openxmlformats.org/presentationml/2006/main">
   <p:cSld>
     <p:spTree>
@@ -12201,7 +12429,7 @@
           <a:p>
             <a:fld id="{BA06AB71-0B36-4B80-B991-039F7D68F8CB}" type="slidenum">
               <a:rPr lang="fr-FR" smtClean="0"/>
-              <a:t>21</a:t>
+              <a:t>22</a:t>
             </a:fld>
             <a:endParaRPr lang="fr-FR"/>
           </a:p>
@@ -12477,7 +12705,7 @@
 </p:sld>
 </file>
 
-<file path=ppt/slides/slide22.xml><?xml version="1.0" encoding="utf-8"?>
+<file path=ppt/slides/slide23.xml><?xml version="1.0" encoding="utf-8"?>
 <p:sld xmlns:a="http://schemas.openxmlformats.org/drawingml/2006/main" xmlns:r="http://schemas.openxmlformats.org/officeDocument/2006/relationships" xmlns:p="http://schemas.openxmlformats.org/presentationml/2006/main">
   <p:cSld>
     <p:spTree>
@@ -12607,7 +12835,7 @@
           <a:p>
             <a:fld id="{BA06AB71-0B36-4B80-B991-039F7D68F8CB}" type="slidenum">
               <a:rPr lang="fr-FR" smtClean="0"/>
-              <a:t>22</a:t>
+              <a:t>23</a:t>
             </a:fld>
             <a:endParaRPr lang="fr-FR"/>
           </a:p>
@@ -12846,7 +13074,7 @@
 </p:sld>
 </file>
 
-<file path=ppt/slides/slide23.xml><?xml version="1.0" encoding="utf-8"?>
+<file path=ppt/slides/slide24.xml><?xml version="1.0" encoding="utf-8"?>
 <p:sld xmlns:a="http://schemas.openxmlformats.org/drawingml/2006/main" xmlns:r="http://schemas.openxmlformats.org/officeDocument/2006/relationships" xmlns:p="http://schemas.openxmlformats.org/presentationml/2006/main">
   <p:cSld>
     <p:spTree>
@@ -13034,7 +13262,7 @@
           <a:p>
             <a:fld id="{BA06AB71-0B36-4B80-B991-039F7D68F8CB}" type="slidenum">
               <a:rPr lang="fr-FR" smtClean="0"/>
-              <a:t>23</a:t>
+              <a:t>24</a:t>
             </a:fld>
             <a:endParaRPr lang="fr-FR"/>
           </a:p>
@@ -13296,7 +13524,7 @@
 </p:sld>
 </file>
 
-<file path=ppt/slides/slide24.xml><?xml version="1.0" encoding="utf-8"?>
+<file path=ppt/slides/slide25.xml><?xml version="1.0" encoding="utf-8"?>
 <p:sld xmlns:a="http://schemas.openxmlformats.org/drawingml/2006/main" xmlns:r="http://schemas.openxmlformats.org/officeDocument/2006/relationships" xmlns:p="http://schemas.openxmlformats.org/presentationml/2006/main">
   <p:cSld>
     <p:spTree>
@@ -13411,7 +13639,7 @@
           <a:p>
             <a:fld id="{BA06AB71-0B36-4B80-B991-039F7D68F8CB}" type="slidenum">
               <a:rPr lang="fr-FR" smtClean="0"/>
-              <a:t>24</a:t>
+              <a:t>25</a:t>
             </a:fld>
             <a:endParaRPr lang="fr-FR"/>
           </a:p>
@@ -13531,7 +13759,7 @@
 </p:sld>
 </file>
 
-<file path=ppt/slides/slide25.xml><?xml version="1.0" encoding="utf-8"?>
+<file path=ppt/slides/slide26.xml><?xml version="1.0" encoding="utf-8"?>
 <p:sld xmlns:a="http://schemas.openxmlformats.org/drawingml/2006/main" xmlns:r="http://schemas.openxmlformats.org/officeDocument/2006/relationships" xmlns:p="http://schemas.openxmlformats.org/presentationml/2006/main">
   <p:cSld>
     <p:spTree>
@@ -13579,7 +13807,7 @@
             </a:pPr>
             <a:r>
               <a:rPr lang="fr-FR" sz="2500" u="sng" dirty="0"/>
-              <a:t>3.1 Analyse du besoin fonctionnel côté </a:t>
+              <a:t>4.1 Analyse du besoin fonctionnel côté </a:t>
             </a:r>
             <a:r>
               <a:rPr lang="fr-FR" sz="2500" u="sng" dirty="0" err="1"/>
@@ -13618,7 +13846,7 @@
           <a:p>
             <a:fld id="{BA06AB71-0B36-4B80-B991-039F7D68F8CB}" type="slidenum">
               <a:rPr lang="fr-FR" smtClean="0"/>
-              <a:t>25</a:t>
+              <a:t>26</a:t>
             </a:fld>
             <a:endParaRPr lang="fr-FR"/>
           </a:p>
@@ -13654,7 +13882,7 @@
           <a:p>
             <a:r>
               <a:rPr lang="fr-FR" dirty="0"/>
-              <a:t>3. </a:t>
+              <a:t>4. </a:t>
             </a:r>
             <a:r>
               <a:rPr lang="fr-FR" sz="4400" dirty="0"/>
@@ -13845,7 +14073,7 @@
 </p:sld>
 </file>
 
-<file path=ppt/slides/slide26.xml><?xml version="1.0" encoding="utf-8"?>
+<file path=ppt/slides/slide27.xml><?xml version="1.0" encoding="utf-8"?>
 <p:sld xmlns:a="http://schemas.openxmlformats.org/drawingml/2006/main" xmlns:r="http://schemas.openxmlformats.org/officeDocument/2006/relationships" xmlns:p="http://schemas.openxmlformats.org/presentationml/2006/main">
   <p:cSld>
     <p:spTree>
@@ -13895,7 +14123,7 @@
             </a:pPr>
             <a:r>
               <a:rPr lang="fr-FR" sz="2500" u="sng" dirty="0"/>
-              <a:t>3.2 Analyse du besoin fonctionnel côté </a:t>
+              <a:t>4.2 Analyse du besoin fonctionnel côté </a:t>
             </a:r>
             <a:r>
               <a:rPr lang="fr-FR" sz="2500" u="sng" dirty="0" err="1"/>
@@ -14018,7 +14246,7 @@
           <a:p>
             <a:fld id="{BA06AB71-0B36-4B80-B991-039F7D68F8CB}" type="slidenum">
               <a:rPr lang="fr-FR" smtClean="0"/>
-              <a:t>26</a:t>
+              <a:t>27</a:t>
             </a:fld>
             <a:endParaRPr lang="fr-FR" dirty="0"/>
           </a:p>
@@ -14183,7 +14411,7 @@
 </p:sld>
 </file>
 
-<file path=ppt/slides/slide27.xml><?xml version="1.0" encoding="utf-8"?>
+<file path=ppt/slides/slide28.xml><?xml version="1.0" encoding="utf-8"?>
 <p:sld xmlns:a="http://schemas.openxmlformats.org/drawingml/2006/main" xmlns:r="http://schemas.openxmlformats.org/officeDocument/2006/relationships" xmlns:p="http://schemas.openxmlformats.org/presentationml/2006/main">
   <p:cSld>
     <p:spTree>
@@ -14233,7 +14461,7 @@
             </a:pPr>
             <a:r>
               <a:rPr lang="fr-FR" sz="2500" u="sng" dirty="0"/>
-              <a:t>3.3 Analyse du besoin d’une base de donnée de prédictions</a:t>
+              <a:t>4.3 Analyse du besoin d’une base de donnée de prédictions</a:t>
             </a:r>
           </a:p>
           <a:p>
@@ -14315,7 +14543,7 @@
           <a:p>
             <a:fld id="{BA06AB71-0B36-4B80-B991-039F7D68F8CB}" type="slidenum">
               <a:rPr lang="fr-FR" smtClean="0"/>
-              <a:t>27</a:t>
+              <a:t>28</a:t>
             </a:fld>
             <a:endParaRPr lang="fr-FR" dirty="0"/>
           </a:p>
@@ -14519,7 +14747,7 @@
 </p:sld>
 </file>
 
-<file path=ppt/slides/slide28.xml><?xml version="1.0" encoding="utf-8"?>
+<file path=ppt/slides/slide29.xml><?xml version="1.0" encoding="utf-8"?>
 <p:sld xmlns:a="http://schemas.openxmlformats.org/drawingml/2006/main" xmlns:r="http://schemas.openxmlformats.org/officeDocument/2006/relationships" xmlns:p="http://schemas.openxmlformats.org/presentationml/2006/main">
   <p:cSld>
     <p:spTree>
@@ -14559,7 +14787,7 @@
           <a:p>
             <a:fld id="{BA06AB71-0B36-4B80-B991-039F7D68F8CB}" type="slidenum">
               <a:rPr lang="fr-FR" smtClean="0"/>
-              <a:t>28</a:t>
+              <a:t>29</a:t>
             </a:fld>
             <a:endParaRPr lang="fr-FR"/>
           </a:p>
@@ -14702,157 +14930,6 @@
 </p:sld>
 </file>
 
-<file path=ppt/slides/slide29.xml><?xml version="1.0" encoding="utf-8"?>
-<p:sld xmlns:a="http://schemas.openxmlformats.org/drawingml/2006/main" xmlns:r="http://schemas.openxmlformats.org/officeDocument/2006/relationships" xmlns:p="http://schemas.openxmlformats.org/presentationml/2006/main">
-  <p:cSld>
-    <p:spTree>
-      <p:nvGrpSpPr>
-        <p:cNvPr id="1" name=""/>
-        <p:cNvGrpSpPr/>
-        <p:nvPr/>
-      </p:nvGrpSpPr>
-      <p:grpSpPr>
-        <a:xfrm>
-          <a:off x="0" y="0"/>
-          <a:ext cx="0" cy="0"/>
-          <a:chOff x="0" y="0"/>
-          <a:chExt cx="0" cy="0"/>
-        </a:xfrm>
-      </p:grpSpPr>
-      <p:sp>
-        <p:nvSpPr>
-          <p:cNvPr id="2" name="Espace réservé du numéro de diapositive 1">
-            <a:extLst>
-              <a:ext uri="{FF2B5EF4-FFF2-40B4-BE49-F238E27FC236}">
-                <a16:creationId xmlns:a16="http://schemas.microsoft.com/office/drawing/2014/main" id="{2072E990-D5A1-07FE-55AF-A1121BE84B74}"/>
-              </a:ext>
-            </a:extLst>
-          </p:cNvPr>
-          <p:cNvSpPr>
-            <a:spLocks noGrp="1"/>
-          </p:cNvSpPr>
-          <p:nvPr>
-            <p:ph type="sldNum" sz="quarter" idx="12"/>
-          </p:nvPr>
-        </p:nvSpPr>
-        <p:spPr/>
-        <p:txBody>
-          <a:bodyPr/>
-          <a:lstStyle/>
-          <a:p>
-            <a:fld id="{BA06AB71-0B36-4B80-B991-039F7D68F8CB}" type="slidenum">
-              <a:rPr lang="fr-FR" smtClean="0"/>
-              <a:t>29</a:t>
-            </a:fld>
-            <a:endParaRPr lang="fr-FR" dirty="0"/>
-          </a:p>
-        </p:txBody>
-      </p:sp>
-      <p:sp>
-        <p:nvSpPr>
-          <p:cNvPr id="12" name="Espace réservé du contenu 2">
-            <a:extLst>
-              <a:ext uri="{FF2B5EF4-FFF2-40B4-BE49-F238E27FC236}">
-                <a16:creationId xmlns:a16="http://schemas.microsoft.com/office/drawing/2014/main" id="{CB5625BA-CF46-87C4-5BAB-F7D8EFBDAD88}"/>
-              </a:ext>
-            </a:extLst>
-          </p:cNvPr>
-          <p:cNvSpPr>
-            <a:spLocks noGrp="1"/>
-          </p:cNvSpPr>
-          <p:nvPr>
-            <p:ph idx="1"/>
-          </p:nvPr>
-        </p:nvSpPr>
-        <p:spPr>
-          <a:xfrm>
-            <a:off x="2497732" y="2857030"/>
-            <a:ext cx="7373651" cy="454593"/>
-          </a:xfrm>
-        </p:spPr>
-        <p:txBody>
-          <a:bodyPr>
-            <a:normAutofit/>
-          </a:bodyPr>
-          <a:lstStyle/>
-          <a:p>
-            <a:pPr marL="0" indent="0">
-              <a:buNone/>
-            </a:pPr>
-            <a:r>
-              <a:rPr lang="fr-FR" sz="2500" u="sng" dirty="0"/>
-              <a:t>3.4 Réponse apportée pour la partie fonctionnalité</a:t>
-            </a:r>
-          </a:p>
-          <a:p>
-            <a:pPr marL="0" indent="0">
-              <a:buNone/>
-            </a:pPr>
-            <a:endParaRPr lang="fr-FR" sz="2300" dirty="0"/>
-          </a:p>
-          <a:p>
-            <a:pPr marL="0" indent="0">
-              <a:buNone/>
-            </a:pPr>
-            <a:endParaRPr lang="fr-FR" sz="2300" dirty="0"/>
-          </a:p>
-          <a:p>
-            <a:pPr marL="0" indent="0">
-              <a:buNone/>
-            </a:pPr>
-            <a:endParaRPr lang="fr-FR" sz="2300" dirty="0"/>
-          </a:p>
-          <a:p>
-            <a:pPr marL="0" indent="0">
-              <a:buNone/>
-            </a:pPr>
-            <a:endParaRPr lang="fr-FR" sz="2300" dirty="0"/>
-          </a:p>
-          <a:p>
-            <a:pPr marL="0" indent="0">
-              <a:buNone/>
-            </a:pPr>
-            <a:endParaRPr lang="fr-FR" sz="2300" dirty="0"/>
-          </a:p>
-          <a:p>
-            <a:pPr marL="0" indent="0">
-              <a:buNone/>
-            </a:pPr>
-            <a:endParaRPr lang="fr-FR" sz="2300" dirty="0"/>
-          </a:p>
-          <a:p>
-            <a:pPr marL="0" indent="0">
-              <a:buNone/>
-            </a:pPr>
-            <a:endParaRPr lang="fr-FR" sz="2300" dirty="0"/>
-          </a:p>
-          <a:p>
-            <a:pPr marL="0" indent="0">
-              <a:buNone/>
-            </a:pPr>
-            <a:endParaRPr lang="fr-FR" sz="2300" dirty="0"/>
-          </a:p>
-          <a:p>
-            <a:pPr marL="0" indent="0">
-              <a:buNone/>
-            </a:pPr>
-            <a:endParaRPr lang="fr-FR" sz="2300" dirty="0"/>
-          </a:p>
-        </p:txBody>
-      </p:sp>
-    </p:spTree>
-    <p:extLst>
-      <p:ext uri="{BB962C8B-B14F-4D97-AF65-F5344CB8AC3E}">
-        <p14:creationId xmlns:p14="http://schemas.microsoft.com/office/powerpoint/2010/main" val="660259246"/>
-      </p:ext>
-    </p:extLst>
-  </p:cSld>
-  <p:clrMapOvr>
-    <a:masterClrMapping/>
-  </p:clrMapOvr>
-</p:sld>
-</file>
-
 <file path=ppt/slides/slide3.xml><?xml version="1.0" encoding="utf-8"?>
 <p:sld xmlns:a="http://schemas.openxmlformats.org/drawingml/2006/main" xmlns:r="http://schemas.openxmlformats.org/officeDocument/2006/relationships" xmlns:p="http://schemas.openxmlformats.org/presentationml/2006/main">
   <p:cSld>
@@ -14872,135 +14949,145 @@
       </p:grpSpPr>
       <p:sp>
         <p:nvSpPr>
-          <p:cNvPr id="3" name="Espace réservé du contenu 2">
-            <a:extLst>
-              <a:ext uri="{FF2B5EF4-FFF2-40B4-BE49-F238E27FC236}">
-                <a16:creationId xmlns:a16="http://schemas.microsoft.com/office/drawing/2014/main" id="{6B409ECA-B691-5B1C-5CCA-878C261674CB}"/>
-              </a:ext>
-            </a:extLst>
-          </p:cNvPr>
-          <p:cNvSpPr>
-            <a:spLocks noGrp="1"/>
-          </p:cNvSpPr>
-          <p:nvPr>
-            <p:ph idx="1"/>
+          <p:cNvPr id="2" name="Titre 1">
+            <a:extLst>
+              <a:ext uri="{FF2B5EF4-FFF2-40B4-BE49-F238E27FC236}">
+                <a16:creationId xmlns:a16="http://schemas.microsoft.com/office/drawing/2014/main" id="{E9C259C4-15CF-5FF1-5FA6-82A0B80722A6}"/>
+              </a:ext>
+            </a:extLst>
+          </p:cNvPr>
+          <p:cNvSpPr>
+            <a:spLocks noGrp="1"/>
+          </p:cNvSpPr>
+          <p:nvPr>
+            <p:ph type="title"/>
           </p:nvPr>
         </p:nvSpPr>
         <p:spPr>
           <a:xfrm>
-            <a:off x="249961" y="429084"/>
-            <a:ext cx="11695427" cy="5927266"/>
+            <a:off x="108645" y="133084"/>
+            <a:ext cx="10490081" cy="714814"/>
           </a:xfrm>
         </p:spPr>
         <p:txBody>
-          <a:bodyPr>
-            <a:normAutofit/>
-          </a:bodyPr>
+          <a:bodyPr/>
+          <a:lstStyle/>
+          <a:p>
+            <a:r>
+              <a:rPr lang="fr-FR" dirty="0"/>
+              <a:t>1. Introduction</a:t>
+            </a:r>
+          </a:p>
+        </p:txBody>
+      </p:sp>
+      <p:sp>
+        <p:nvSpPr>
+          <p:cNvPr id="3" name="Espace réservé du contenu 2">
+            <a:extLst>
+              <a:ext uri="{FF2B5EF4-FFF2-40B4-BE49-F238E27FC236}">
+                <a16:creationId xmlns:a16="http://schemas.microsoft.com/office/drawing/2014/main" id="{6B409ECA-B691-5B1C-5CCA-878C261674CB}"/>
+              </a:ext>
+            </a:extLst>
+          </p:cNvPr>
+          <p:cNvSpPr>
+            <a:spLocks noGrp="1"/>
+          </p:cNvSpPr>
+          <p:nvPr>
+            <p:ph idx="1"/>
+          </p:nvPr>
+        </p:nvSpPr>
+        <p:spPr>
+          <a:xfrm>
+            <a:off x="108645" y="898899"/>
+            <a:ext cx="11695427" cy="5406449"/>
+          </a:xfrm>
+        </p:spPr>
+        <p:txBody>
+          <a:bodyPr/>
           <a:lstStyle/>
           <a:p>
             <a:pPr marL="0" indent="0">
               <a:buNone/>
             </a:pPr>
+            <a:endParaRPr lang="fr-FR" sz="2500" u="sng" dirty="0"/>
+          </a:p>
+          <a:p>
+            <a:pPr marL="0" indent="0">
+              <a:buNone/>
+            </a:pPr>
             <a:r>
               <a:rPr lang="fr-FR" sz="2500" u="sng" dirty="0"/>
-              <a:t>1.2 Formulation de la problématique</a:t>
-            </a:r>
+              <a:t>1.1 Contexte</a:t>
+            </a:r>
+            <a:endParaRPr lang="fr-FR" u="sng" dirty="0"/>
           </a:p>
           <a:p>
             <a:pPr marL="0" indent="0">
               <a:buNone/>
             </a:pPr>
+            <a:endParaRPr lang="fr-FR" u="sng" dirty="0"/>
+          </a:p>
+          <a:p>
+            <a:pPr marL="0" indent="0">
+              <a:buNone/>
+            </a:pPr>
+            <a:r>
+              <a:rPr lang="fr-FR" sz="2300" dirty="0"/>
+              <a:t>- Hausse des cas de soucis de santé mentale : </a:t>
+            </a:r>
+            <a:r>
+              <a:rPr lang="fr-FR" sz="2300" b="1" dirty="0"/>
+              <a:t>Les cas d’anxiété et de dépression sont en hausse de 25 % dans le monde en raison de la pandémie de COVID-19 </a:t>
+            </a:r>
+            <a:r>
+              <a:rPr lang="fr-FR" sz="2300" dirty="0"/>
+              <a:t>(OMS)</a:t>
+            </a:r>
+          </a:p>
+          <a:p>
+            <a:pPr marL="0" indent="0">
+              <a:buNone/>
+            </a:pPr>
+            <a:endParaRPr lang="fr-FR" sz="2300" dirty="0"/>
+          </a:p>
+          <a:p>
+            <a:pPr marL="0" indent="0">
+              <a:buNone/>
+            </a:pPr>
+            <a:r>
+              <a:rPr lang="fr-FR" sz="2300" dirty="0"/>
+              <a:t>- 25% des Français se sont sentis déprimés pendant plusieurs semaines au moins au cours de l'année précédente. </a:t>
+            </a:r>
+          </a:p>
+          <a:p>
+            <a:pPr marL="0" indent="0">
+              <a:buNone/>
+            </a:pPr>
+            <a:endParaRPr lang="fr-FR" sz="2300" dirty="0"/>
+          </a:p>
+          <a:p>
+            <a:pPr marL="0" indent="0">
+              <a:buNone/>
+            </a:pPr>
+            <a:r>
+              <a:rPr lang="fr-FR" sz="2300" dirty="0"/>
+              <a:t>- Près d'une personne sur dix (9%) a envisagé le suicide ou l'automutilation au cours de l'année passée. (Ipsos)</a:t>
+            </a:r>
+          </a:p>
+          <a:p>
+            <a:pPr marL="0" indent="0">
+              <a:buNone/>
+            </a:pPr>
             <a:endParaRPr lang="fr-FR" dirty="0"/>
           </a:p>
-          <a:p>
-            <a:pPr marL="0" indent="0">
-              <a:buNone/>
-            </a:pPr>
-            <a:r>
-              <a:rPr lang="fr-FR" sz="2300" u="sng" dirty="0"/>
-              <a:t>Requête client</a:t>
-            </a:r>
-            <a:r>
-              <a:rPr lang="fr-FR" sz="2300" dirty="0"/>
-              <a:t> : Application qui détecte le besoin de traitement pour un problème de santé mentale</a:t>
-            </a:r>
-          </a:p>
-          <a:p>
-            <a:pPr marL="0" indent="0">
-              <a:buNone/>
-            </a:pPr>
-            <a:endParaRPr lang="fr-FR" sz="2300" dirty="0"/>
-          </a:p>
-          <a:p>
-            <a:pPr marL="0" indent="0">
-              <a:buNone/>
-            </a:pPr>
-            <a:r>
-              <a:rPr lang="fr-FR" sz="2300" u="sng" dirty="0"/>
-              <a:t>Jeu de données </a:t>
-            </a:r>
-            <a:r>
-              <a:rPr lang="fr-FR" sz="2300" dirty="0"/>
-              <a:t>: Enquête du client auprès des travailleurs du domaine de la tech</a:t>
-            </a:r>
-          </a:p>
-          <a:p>
-            <a:pPr marL="0" indent="0">
-              <a:buNone/>
-            </a:pPr>
-            <a:endParaRPr lang="fr-FR" sz="2300" dirty="0"/>
-          </a:p>
-          <a:p>
-            <a:pPr marL="0" indent="0">
-              <a:buNone/>
-            </a:pPr>
-            <a:r>
-              <a:rPr lang="fr-FR" sz="2300" u="sng" dirty="0"/>
-              <a:t>Utilisateurs du projet</a:t>
-            </a:r>
-            <a:r>
-              <a:rPr lang="fr-FR" sz="2300" dirty="0"/>
-              <a:t> : Personnes travaillant dans le domaine de la tech et voulant faire un test afin de détecter un éventuel besoin de traitement</a:t>
-            </a:r>
-          </a:p>
-          <a:p>
-            <a:pPr marL="0" indent="0">
-              <a:buNone/>
-            </a:pPr>
-            <a:endParaRPr lang="fr-FR" sz="2300" dirty="0"/>
-          </a:p>
-          <a:p>
-            <a:pPr marL="0" indent="0">
-              <a:buNone/>
-            </a:pPr>
-            <a:r>
-              <a:rPr lang="fr-FR" sz="2300" dirty="0"/>
-              <a:t>Une </a:t>
-            </a:r>
-            <a:r>
-              <a:rPr lang="fr-FR" sz="2300" u="sng" dirty="0"/>
-              <a:t>entreprise de la tech </a:t>
-            </a:r>
-            <a:r>
-              <a:rPr lang="fr-FR" sz="2300" dirty="0"/>
-              <a:t>développe et commercialise des nouvelles technologies (logiciels, matériel hardware, site web)</a:t>
-            </a:r>
-            <a:endParaRPr lang="fr-FR" dirty="0"/>
-          </a:p>
-          <a:p>
-            <a:pPr marL="0" indent="0">
-              <a:buNone/>
-            </a:pPr>
-            <a:endParaRPr lang="fr-FR" dirty="0"/>
-          </a:p>
-        </p:txBody>
-      </p:sp>
-      <p:sp>
-        <p:nvSpPr>
-          <p:cNvPr id="2" name="Espace réservé du numéro de diapositive 1">
-            <a:extLst>
-              <a:ext uri="{FF2B5EF4-FFF2-40B4-BE49-F238E27FC236}">
-                <a16:creationId xmlns:a16="http://schemas.microsoft.com/office/drawing/2014/main" id="{C4C66A6F-4D15-1FDE-6C8C-EAF144693263}"/>
+        </p:txBody>
+      </p:sp>
+      <p:sp>
+        <p:nvSpPr>
+          <p:cNvPr id="4" name="Espace réservé du numéro de diapositive 3">
+            <a:extLst>
+              <a:ext uri="{FF2B5EF4-FFF2-40B4-BE49-F238E27FC236}">
+                <a16:creationId xmlns:a16="http://schemas.microsoft.com/office/drawing/2014/main" id="{6AF8CBB2-DFF3-0D98-A730-9B20741C3B18}"/>
               </a:ext>
             </a:extLst>
           </p:cNvPr>
@@ -15027,7 +15114,7 @@
     </p:spTree>
     <p:extLst>
       <p:ext uri="{BB962C8B-B14F-4D97-AF65-F5344CB8AC3E}">
-        <p14:creationId xmlns:p14="http://schemas.microsoft.com/office/powerpoint/2010/main" val="2277982386"/>
+        <p14:creationId xmlns:p14="http://schemas.microsoft.com/office/powerpoint/2010/main" val="1043943632"/>
       </p:ext>
     </p:extLst>
   </p:cSld>
@@ -15078,6 +15165,157 @@
             <a:fld id="{BA06AB71-0B36-4B80-B991-039F7D68F8CB}" type="slidenum">
               <a:rPr lang="fr-FR" smtClean="0"/>
               <a:t>30</a:t>
+            </a:fld>
+            <a:endParaRPr lang="fr-FR" dirty="0"/>
+          </a:p>
+        </p:txBody>
+      </p:sp>
+      <p:sp>
+        <p:nvSpPr>
+          <p:cNvPr id="12" name="Espace réservé du contenu 2">
+            <a:extLst>
+              <a:ext uri="{FF2B5EF4-FFF2-40B4-BE49-F238E27FC236}">
+                <a16:creationId xmlns:a16="http://schemas.microsoft.com/office/drawing/2014/main" id="{CB5625BA-CF46-87C4-5BAB-F7D8EFBDAD88}"/>
+              </a:ext>
+            </a:extLst>
+          </p:cNvPr>
+          <p:cNvSpPr>
+            <a:spLocks noGrp="1"/>
+          </p:cNvSpPr>
+          <p:nvPr>
+            <p:ph idx="1"/>
+          </p:nvPr>
+        </p:nvSpPr>
+        <p:spPr>
+          <a:xfrm>
+            <a:off x="2497732" y="2857030"/>
+            <a:ext cx="7373651" cy="454593"/>
+          </a:xfrm>
+        </p:spPr>
+        <p:txBody>
+          <a:bodyPr>
+            <a:normAutofit/>
+          </a:bodyPr>
+          <a:lstStyle/>
+          <a:p>
+            <a:pPr marL="0" indent="0">
+              <a:buNone/>
+            </a:pPr>
+            <a:r>
+              <a:rPr lang="fr-FR" sz="2500" u="sng" dirty="0"/>
+              <a:t>4.4 Réponse apportée pour la partie fonctionnalité</a:t>
+            </a:r>
+          </a:p>
+          <a:p>
+            <a:pPr marL="0" indent="0">
+              <a:buNone/>
+            </a:pPr>
+            <a:endParaRPr lang="fr-FR" sz="2300" dirty="0"/>
+          </a:p>
+          <a:p>
+            <a:pPr marL="0" indent="0">
+              <a:buNone/>
+            </a:pPr>
+            <a:endParaRPr lang="fr-FR" sz="2300" dirty="0"/>
+          </a:p>
+          <a:p>
+            <a:pPr marL="0" indent="0">
+              <a:buNone/>
+            </a:pPr>
+            <a:endParaRPr lang="fr-FR" sz="2300" dirty="0"/>
+          </a:p>
+          <a:p>
+            <a:pPr marL="0" indent="0">
+              <a:buNone/>
+            </a:pPr>
+            <a:endParaRPr lang="fr-FR" sz="2300" dirty="0"/>
+          </a:p>
+          <a:p>
+            <a:pPr marL="0" indent="0">
+              <a:buNone/>
+            </a:pPr>
+            <a:endParaRPr lang="fr-FR" sz="2300" dirty="0"/>
+          </a:p>
+          <a:p>
+            <a:pPr marL="0" indent="0">
+              <a:buNone/>
+            </a:pPr>
+            <a:endParaRPr lang="fr-FR" sz="2300" dirty="0"/>
+          </a:p>
+          <a:p>
+            <a:pPr marL="0" indent="0">
+              <a:buNone/>
+            </a:pPr>
+            <a:endParaRPr lang="fr-FR" sz="2300" dirty="0"/>
+          </a:p>
+          <a:p>
+            <a:pPr marL="0" indent="0">
+              <a:buNone/>
+            </a:pPr>
+            <a:endParaRPr lang="fr-FR" sz="2300" dirty="0"/>
+          </a:p>
+          <a:p>
+            <a:pPr marL="0" indent="0">
+              <a:buNone/>
+            </a:pPr>
+            <a:endParaRPr lang="fr-FR" sz="2300" dirty="0"/>
+          </a:p>
+        </p:txBody>
+      </p:sp>
+    </p:spTree>
+    <p:extLst>
+      <p:ext uri="{BB962C8B-B14F-4D97-AF65-F5344CB8AC3E}">
+        <p14:creationId xmlns:p14="http://schemas.microsoft.com/office/powerpoint/2010/main" val="660259246"/>
+      </p:ext>
+    </p:extLst>
+  </p:cSld>
+  <p:clrMapOvr>
+    <a:masterClrMapping/>
+  </p:clrMapOvr>
+</p:sld>
+</file>
+
+<file path=ppt/slides/slide31.xml><?xml version="1.0" encoding="utf-8"?>
+<p:sld xmlns:a="http://schemas.openxmlformats.org/drawingml/2006/main" xmlns:r="http://schemas.openxmlformats.org/officeDocument/2006/relationships" xmlns:p="http://schemas.openxmlformats.org/presentationml/2006/main">
+  <p:cSld>
+    <p:spTree>
+      <p:nvGrpSpPr>
+        <p:cNvPr id="1" name=""/>
+        <p:cNvGrpSpPr/>
+        <p:nvPr/>
+      </p:nvGrpSpPr>
+      <p:grpSpPr>
+        <a:xfrm>
+          <a:off x="0" y="0"/>
+          <a:ext cx="0" cy="0"/>
+          <a:chOff x="0" y="0"/>
+          <a:chExt cx="0" cy="0"/>
+        </a:xfrm>
+      </p:grpSpPr>
+      <p:sp>
+        <p:nvSpPr>
+          <p:cNvPr id="2" name="Espace réservé du numéro de diapositive 1">
+            <a:extLst>
+              <a:ext uri="{FF2B5EF4-FFF2-40B4-BE49-F238E27FC236}">
+                <a16:creationId xmlns:a16="http://schemas.microsoft.com/office/drawing/2014/main" id="{2072E990-D5A1-07FE-55AF-A1121BE84B74}"/>
+              </a:ext>
+            </a:extLst>
+          </p:cNvPr>
+          <p:cNvSpPr>
+            <a:spLocks noGrp="1"/>
+          </p:cNvSpPr>
+          <p:nvPr>
+            <p:ph type="sldNum" sz="quarter" idx="12"/>
+          </p:nvPr>
+        </p:nvSpPr>
+        <p:spPr/>
+        <p:txBody>
+          <a:bodyPr/>
+          <a:lstStyle/>
+          <a:p>
+            <a:fld id="{BA06AB71-0B36-4B80-B991-039F7D68F8CB}" type="slidenum">
+              <a:rPr lang="fr-FR" smtClean="0"/>
+              <a:t>31</a:t>
             </a:fld>
             <a:endParaRPr lang="fr-FR" dirty="0"/>
           </a:p>
@@ -15296,7 +15534,7 @@
 </p:sld>
 </file>
 
-<file path=ppt/slides/slide31.xml><?xml version="1.0" encoding="utf-8"?>
+<file path=ppt/slides/slide32.xml><?xml version="1.0" encoding="utf-8"?>
 <p:sld xmlns:a="http://schemas.openxmlformats.org/drawingml/2006/main" xmlns:r="http://schemas.openxmlformats.org/officeDocument/2006/relationships" xmlns:p="http://schemas.openxmlformats.org/presentationml/2006/main">
   <p:cSld>
     <p:spTree>
@@ -15336,7 +15574,7 @@
           <a:p>
             <a:fld id="{BA06AB71-0B36-4B80-B991-039F7D68F8CB}" type="slidenum">
               <a:rPr lang="fr-FR" smtClean="0"/>
-              <a:t>31</a:t>
+              <a:t>32</a:t>
             </a:fld>
             <a:endParaRPr lang="fr-FR"/>
           </a:p>
@@ -15497,7 +15735,7 @@
             </a:pPr>
             <a:r>
               <a:rPr lang="fr-FR" sz="2500" u="sng" dirty="0"/>
-              <a:t>3.5 Réponse apportée pour la partie </a:t>
+              <a:t>4.5 Réponse apportée pour la partie </a:t>
             </a:r>
             <a:r>
               <a:rPr lang="fr-FR" sz="2500" u="sng" dirty="0" err="1"/>
@@ -15635,7 +15873,7 @@
 </p:sld>
 </file>
 
-<file path=ppt/slides/slide32.xml><?xml version="1.0" encoding="utf-8"?>
+<file path=ppt/slides/slide33.xml><?xml version="1.0" encoding="utf-8"?>
 <p:sld xmlns:a="http://schemas.openxmlformats.org/drawingml/2006/main" xmlns:r="http://schemas.openxmlformats.org/officeDocument/2006/relationships" xmlns:p="http://schemas.openxmlformats.org/presentationml/2006/main">
   <p:cSld>
     <p:spTree>
@@ -15731,7 +15969,7 @@
           <a:p>
             <a:fld id="{BA06AB71-0B36-4B80-B991-039F7D68F8CB}" type="slidenum">
               <a:rPr lang="fr-FR" smtClean="0"/>
-              <a:t>32</a:t>
+              <a:t>33</a:t>
             </a:fld>
             <a:endParaRPr lang="fr-FR"/>
           </a:p>
@@ -15869,7 +16107,7 @@
 </p:sld>
 </file>
 
-<file path=ppt/slides/slide33.xml><?xml version="1.0" encoding="utf-8"?>
+<file path=ppt/slides/slide34.xml><?xml version="1.0" encoding="utf-8"?>
 <p:sld xmlns:a="http://schemas.openxmlformats.org/drawingml/2006/main" xmlns:r="http://schemas.openxmlformats.org/officeDocument/2006/relationships" xmlns:p="http://schemas.openxmlformats.org/presentationml/2006/main">
   <p:cSld>
     <p:spTree>
@@ -15919,7 +16157,7 @@
             </a:pPr>
             <a:r>
               <a:rPr lang="fr-FR" sz="2500" u="sng" dirty="0"/>
-              <a:t>3.6 </a:t>
+              <a:t>4.6 </a:t>
             </a:r>
             <a:r>
               <a:rPr lang="fr-FR" sz="2500" u="sng" dirty="0" err="1"/>
@@ -15982,7 +16220,7 @@
           <a:p>
             <a:fld id="{BA06AB71-0B36-4B80-B991-039F7D68F8CB}" type="slidenum">
               <a:rPr lang="fr-FR" smtClean="0"/>
-              <a:t>33</a:t>
+              <a:t>34</a:t>
             </a:fld>
             <a:endParaRPr lang="fr-FR"/>
           </a:p>
@@ -16122,7 +16360,7 @@
 </p:sld>
 </file>
 
-<file path=ppt/slides/slide34.xml><?xml version="1.0" encoding="utf-8"?>
+<file path=ppt/slides/slide35.xml><?xml version="1.0" encoding="utf-8"?>
 <p:sld xmlns:a="http://schemas.openxmlformats.org/drawingml/2006/main" xmlns:r="http://schemas.openxmlformats.org/officeDocument/2006/relationships" xmlns:p="http://schemas.openxmlformats.org/presentationml/2006/main">
   <p:cSld>
     <p:spTree>
@@ -16162,7 +16400,7 @@
           <a:p>
             <a:fld id="{BA06AB71-0B36-4B80-B991-039F7D68F8CB}" type="slidenum">
               <a:rPr lang="fr-FR" smtClean="0"/>
-              <a:t>34</a:t>
+              <a:t>35</a:t>
             </a:fld>
             <a:endParaRPr lang="fr-FR"/>
           </a:p>
@@ -16311,7 +16549,7 @@
 </p:sld>
 </file>
 
-<file path=ppt/slides/slide35.xml><?xml version="1.0" encoding="utf-8"?>
+<file path=ppt/slides/slide36.xml><?xml version="1.0" encoding="utf-8"?>
 <p:sld xmlns:a="http://schemas.openxmlformats.org/drawingml/2006/main" xmlns:r="http://schemas.openxmlformats.org/officeDocument/2006/relationships" xmlns:p="http://schemas.openxmlformats.org/presentationml/2006/main">
   <p:cSld>
     <p:spTree>
@@ -16352,7 +16590,7 @@
           <a:p>
             <a:r>
               <a:rPr lang="fr-FR" sz="2500" u="sng" dirty="0"/>
-              <a:t>3.7 Monitorage de l'application</a:t>
+              <a:t>4.7 Monitorage de l'application</a:t>
             </a:r>
           </a:p>
           <a:p>
@@ -16418,7 +16656,7 @@
           <a:p>
             <a:fld id="{BA06AB71-0B36-4B80-B991-039F7D68F8CB}" type="slidenum">
               <a:rPr lang="fr-FR" smtClean="0"/>
-              <a:t>35</a:t>
+              <a:t>36</a:t>
             </a:fld>
             <a:endParaRPr lang="fr-FR"/>
           </a:p>
@@ -16596,7 +16834,7 @@
 </p:sld>
 </file>
 
-<file path=ppt/slides/slide36.xml><?xml version="1.0" encoding="utf-8"?>
+<file path=ppt/slides/slide37.xml><?xml version="1.0" encoding="utf-8"?>
 <p:sld xmlns:a="http://schemas.openxmlformats.org/drawingml/2006/main" xmlns:r="http://schemas.openxmlformats.org/officeDocument/2006/relationships" xmlns:p="http://schemas.openxmlformats.org/presentationml/2006/main">
   <p:cSld>
     <p:spTree>
@@ -16637,7 +16875,7 @@
           <a:p>
             <a:r>
               <a:rPr lang="fr-FR" sz="2500" u="sng" dirty="0"/>
-              <a:t>3.8 Tests automatisés</a:t>
+              <a:t>4.8 Tests automatisés</a:t>
             </a:r>
           </a:p>
           <a:p>
@@ -16742,7 +16980,7 @@
           <a:p>
             <a:fld id="{BA06AB71-0B36-4B80-B991-039F7D68F8CB}" type="slidenum">
               <a:rPr lang="fr-FR" smtClean="0"/>
-              <a:t>36</a:t>
+              <a:t>37</a:t>
             </a:fld>
             <a:endParaRPr lang="fr-FR" dirty="0"/>
           </a:p>
@@ -17084,7 +17322,7 @@
 </p:sld>
 </file>
 
-<file path=ppt/slides/slide37.xml><?xml version="1.0" encoding="utf-8"?>
+<file path=ppt/slides/slide38.xml><?xml version="1.0" encoding="utf-8"?>
 <p:sld xmlns:a="http://schemas.openxmlformats.org/drawingml/2006/main" xmlns:r="http://schemas.openxmlformats.org/officeDocument/2006/relationships" xmlns:p="http://schemas.openxmlformats.org/presentationml/2006/main">
   <p:cSld>
     <p:spTree>
@@ -17124,7 +17362,7 @@
           <a:p>
             <a:fld id="{BA06AB71-0B36-4B80-B991-039F7D68F8CB}" type="slidenum">
               <a:rPr lang="fr-FR" smtClean="0"/>
-              <a:t>37</a:t>
+              <a:t>38</a:t>
             </a:fld>
             <a:endParaRPr lang="fr-FR" dirty="0"/>
           </a:p>
@@ -17244,7 +17482,7 @@
 </p:sld>
 </file>
 
-<file path=ppt/slides/slide38.xml><?xml version="1.0" encoding="utf-8"?>
+<file path=ppt/slides/slide39.xml><?xml version="1.0" encoding="utf-8"?>
 <p:sld xmlns:a="http://schemas.openxmlformats.org/drawingml/2006/main" xmlns:r="http://schemas.openxmlformats.org/officeDocument/2006/relationships" xmlns:p="http://schemas.openxmlformats.org/presentationml/2006/main">
   <p:cSld>
     <p:spTree>
@@ -17284,7 +17522,7 @@
           <a:p>
             <a:fld id="{BA06AB71-0B36-4B80-B991-039F7D68F8CB}" type="slidenum">
               <a:rPr lang="fr-FR" smtClean="0"/>
-              <a:t>38</a:t>
+              <a:t>39</a:t>
             </a:fld>
             <a:endParaRPr lang="fr-FR" dirty="0"/>
           </a:p>
@@ -17320,7 +17558,7 @@
           <a:p>
             <a:r>
               <a:rPr lang="fr-FR" sz="2500" u="sng" dirty="0"/>
-              <a:t>3.9 Lancement de l’application</a:t>
+              <a:t>4.9 Lancement de l’application</a:t>
             </a:r>
           </a:p>
           <a:p>
@@ -17474,217 +17712,6 @@
     <p:extLst>
       <p:ext uri="{BB962C8B-B14F-4D97-AF65-F5344CB8AC3E}">
         <p14:creationId xmlns:p14="http://schemas.microsoft.com/office/powerpoint/2010/main" val="789456968"/>
-      </p:ext>
-    </p:extLst>
-  </p:cSld>
-  <p:clrMapOvr>
-    <a:masterClrMapping/>
-  </p:clrMapOvr>
-</p:sld>
-</file>
-
-<file path=ppt/slides/slide39.xml><?xml version="1.0" encoding="utf-8"?>
-<p:sld xmlns:a="http://schemas.openxmlformats.org/drawingml/2006/main" xmlns:r="http://schemas.openxmlformats.org/officeDocument/2006/relationships" xmlns:p="http://schemas.openxmlformats.org/presentationml/2006/main">
-  <p:cSld>
-    <p:spTree>
-      <p:nvGrpSpPr>
-        <p:cNvPr id="1" name=""/>
-        <p:cNvGrpSpPr/>
-        <p:nvPr/>
-      </p:nvGrpSpPr>
-      <p:grpSpPr>
-        <a:xfrm>
-          <a:off x="0" y="0"/>
-          <a:ext cx="0" cy="0"/>
-          <a:chOff x="0" y="0"/>
-          <a:chExt cx="0" cy="0"/>
-        </a:xfrm>
-      </p:grpSpPr>
-      <p:sp>
-        <p:nvSpPr>
-          <p:cNvPr id="5" name="Espace réservé du numéro de diapositive 4">
-            <a:extLst>
-              <a:ext uri="{FF2B5EF4-FFF2-40B4-BE49-F238E27FC236}">
-                <a16:creationId xmlns:a16="http://schemas.microsoft.com/office/drawing/2014/main" id="{DD8B8DDE-C5A7-9CE8-93A7-58AB08487FE8}"/>
-              </a:ext>
-            </a:extLst>
-          </p:cNvPr>
-          <p:cNvSpPr>
-            <a:spLocks noGrp="1"/>
-          </p:cNvSpPr>
-          <p:nvPr>
-            <p:ph type="sldNum" sz="quarter" idx="12"/>
-          </p:nvPr>
-        </p:nvSpPr>
-        <p:spPr/>
-        <p:txBody>
-          <a:bodyPr/>
-          <a:lstStyle/>
-          <a:p>
-            <a:fld id="{BA06AB71-0B36-4B80-B991-039F7D68F8CB}" type="slidenum">
-              <a:rPr lang="fr-FR" smtClean="0"/>
-              <a:t>39</a:t>
-            </a:fld>
-            <a:endParaRPr lang="fr-FR" dirty="0"/>
-          </a:p>
-        </p:txBody>
-      </p:sp>
-      <p:sp>
-        <p:nvSpPr>
-          <p:cNvPr id="2" name="ZoneTexte 1">
-            <a:extLst>
-              <a:ext uri="{FF2B5EF4-FFF2-40B4-BE49-F238E27FC236}">
-                <a16:creationId xmlns:a16="http://schemas.microsoft.com/office/drawing/2014/main" id="{2E90C11F-8091-7377-C872-B8BC996E8E1B}"/>
-              </a:ext>
-            </a:extLst>
-          </p:cNvPr>
-          <p:cNvSpPr txBox="1"/>
-          <p:nvPr/>
-        </p:nvSpPr>
-        <p:spPr>
-          <a:xfrm>
-            <a:off x="145279" y="212868"/>
-            <a:ext cx="5495450" cy="3508653"/>
-          </a:xfrm>
-          <a:prstGeom prst="rect">
-            <a:avLst/>
-          </a:prstGeom>
-          <a:noFill/>
-        </p:spPr>
-        <p:txBody>
-          <a:bodyPr wrap="square" rtlCol="0">
-            <a:spAutoFit/>
-          </a:bodyPr>
-          <a:lstStyle/>
-          <a:p>
-            <a:r>
-              <a:rPr lang="fr-FR" sz="2500" u="sng" dirty="0"/>
-              <a:t>3.9 Lancement de l’application</a:t>
-            </a:r>
-          </a:p>
-          <a:p>
-            <a:endParaRPr lang="fr-FR" sz="2500" u="sng" dirty="0"/>
-          </a:p>
-          <a:p>
-            <a:r>
-              <a:rPr lang="fr-FR" sz="2100" dirty="0"/>
-              <a:t>Slide de conclusion</a:t>
-            </a:r>
-          </a:p>
-          <a:p>
-            <a:endParaRPr lang="fr-FR" sz="2100" dirty="0"/>
-          </a:p>
-          <a:p>
-            <a:endParaRPr lang="fr-FR" sz="2100" dirty="0"/>
-          </a:p>
-          <a:p>
-            <a:r>
-              <a:rPr lang="fr-FR" sz="2100" dirty="0"/>
-              <a:t>Résumé</a:t>
-            </a:r>
-          </a:p>
-          <a:p>
-            <a:r>
-              <a:rPr lang="fr-FR" sz="2100" dirty="0"/>
-              <a:t>Perspective de l’application</a:t>
-            </a:r>
-          </a:p>
-          <a:p>
-            <a:r>
-              <a:rPr lang="fr-FR" sz="2100" dirty="0"/>
-              <a:t>Clients potentiels</a:t>
-            </a:r>
-          </a:p>
-          <a:p>
-            <a:endParaRPr lang="fr-FR" sz="2300" u="sng" dirty="0"/>
-          </a:p>
-          <a:p>
-            <a:endParaRPr lang="fr-FR" sz="2300" dirty="0"/>
-          </a:p>
-        </p:txBody>
-      </p:sp>
-      <p:pic>
-        <p:nvPicPr>
-          <p:cNvPr id="4" name="Image 3">
-            <a:extLst>
-              <a:ext uri="{FF2B5EF4-FFF2-40B4-BE49-F238E27FC236}">
-                <a16:creationId xmlns:a16="http://schemas.microsoft.com/office/drawing/2014/main" id="{B7515140-3145-E3DB-A7ED-5F8E4A476A5A}"/>
-              </a:ext>
-            </a:extLst>
-          </p:cNvPr>
-          <p:cNvPicPr>
-            <a:picLocks noChangeAspect="1"/>
-          </p:cNvPicPr>
-          <p:nvPr/>
-        </p:nvPicPr>
-        <p:blipFill>
-          <a:blip r:embed="rId3"/>
-          <a:stretch>
-            <a:fillRect/>
-          </a:stretch>
-        </p:blipFill>
-        <p:spPr>
-          <a:xfrm>
-            <a:off x="5640729" y="994193"/>
-            <a:ext cx="5355220" cy="5170556"/>
-          </a:xfrm>
-          <a:prstGeom prst="rect">
-            <a:avLst/>
-          </a:prstGeom>
-        </p:spPr>
-      </p:pic>
-      <p:sp>
-        <p:nvSpPr>
-          <p:cNvPr id="3" name="ZoneTexte 2">
-            <a:extLst>
-              <a:ext uri="{FF2B5EF4-FFF2-40B4-BE49-F238E27FC236}">
-                <a16:creationId xmlns:a16="http://schemas.microsoft.com/office/drawing/2014/main" id="{96BF14CE-974B-E449-5631-5C70A0E28E9E}"/>
-              </a:ext>
-            </a:extLst>
-          </p:cNvPr>
-          <p:cNvSpPr txBox="1"/>
-          <p:nvPr/>
-        </p:nvSpPr>
-        <p:spPr>
-          <a:xfrm>
-            <a:off x="5640729" y="6288265"/>
-            <a:ext cx="5431781" cy="292388"/>
-          </a:xfrm>
-          <a:prstGeom prst="rect">
-            <a:avLst/>
-          </a:prstGeom>
-          <a:noFill/>
-        </p:spPr>
-        <p:txBody>
-          <a:bodyPr wrap="square" rtlCol="0">
-            <a:spAutoFit/>
-          </a:bodyPr>
-          <a:lstStyle/>
-          <a:p>
-            <a:pPr>
-              <a:spcAft>
-                <a:spcPts val="1000"/>
-              </a:spcAft>
-            </a:pPr>
-            <a:r>
-              <a:rPr lang="fr-FR" sz="1300" i="1" dirty="0">
-                <a:solidFill>
-                  <a:srgbClr val="44546A"/>
-                </a:solidFill>
-                <a:effectLst/>
-                <a:latin typeface="Calibri" panose="020F0502020204030204" pitchFamily="34" charset="0"/>
-                <a:ea typeface="Calibri" panose="020F0502020204030204" pitchFamily="34" charset="0"/>
-                <a:cs typeface="Times New Roman" panose="02020603050405020304" pitchFamily="18" charset="0"/>
-              </a:rPr>
-              <a:t>Figure 40 : Fichier de lancement</a:t>
-            </a:r>
-          </a:p>
-        </p:txBody>
-      </p:sp>
-    </p:spTree>
-    <p:extLst>
-      <p:ext uri="{BB962C8B-B14F-4D97-AF65-F5344CB8AC3E}">
-        <p14:creationId xmlns:p14="http://schemas.microsoft.com/office/powerpoint/2010/main" val="3473951368"/>
       </p:ext>
     </p:extLst>
   </p:cSld>
@@ -17729,13 +17756,13 @@
         </p:nvSpPr>
         <p:spPr>
           <a:xfrm>
-            <a:off x="125271" y="239480"/>
-            <a:ext cx="11695427" cy="6403977"/>
+            <a:off x="249961" y="429084"/>
+            <a:ext cx="11695427" cy="5927266"/>
           </a:xfrm>
         </p:spPr>
         <p:txBody>
           <a:bodyPr>
-            <a:normAutofit fontScale="85000" lnSpcReduction="20000"/>
+            <a:normAutofit/>
           </a:bodyPr>
           <a:lstStyle/>
           <a:p>
@@ -17743,10 +17770,9 @@
               <a:buNone/>
             </a:pPr>
             <a:r>
-              <a:rPr lang="fr-FR" sz="2900" u="sng" dirty="0"/>
-              <a:t>1.3 Aspect du jeu de données</a:t>
-            </a:r>
-            <a:endParaRPr lang="fr-FR" sz="2900" dirty="0"/>
+              <a:rPr lang="fr-FR" sz="2500" u="sng" dirty="0"/>
+              <a:t>1.2 Formulation de la problématique</a:t>
+            </a:r>
           </a:p>
           <a:p>
             <a:pPr marL="0" indent="0">
@@ -17758,6 +17784,75 @@
             <a:pPr marL="0" indent="0">
               <a:buNone/>
             </a:pPr>
+            <a:r>
+              <a:rPr lang="fr-FR" sz="2300" u="sng" dirty="0"/>
+              <a:t>Requête client</a:t>
+            </a:r>
+            <a:r>
+              <a:rPr lang="fr-FR" sz="2300" dirty="0"/>
+              <a:t> : Application qui détecte le besoin de traitement pour un problème de santé mentale</a:t>
+            </a:r>
+          </a:p>
+          <a:p>
+            <a:pPr marL="0" indent="0">
+              <a:buNone/>
+            </a:pPr>
+            <a:endParaRPr lang="fr-FR" sz="2300" dirty="0"/>
+          </a:p>
+          <a:p>
+            <a:pPr marL="0" indent="0">
+              <a:buNone/>
+            </a:pPr>
+            <a:r>
+              <a:rPr lang="fr-FR" sz="2300" u="sng" dirty="0"/>
+              <a:t>Jeu de données </a:t>
+            </a:r>
+            <a:r>
+              <a:rPr lang="fr-FR" sz="2300" dirty="0"/>
+              <a:t>: Enquête du client auprès des travailleurs du domaine de la tech</a:t>
+            </a:r>
+          </a:p>
+          <a:p>
+            <a:pPr marL="0" indent="0">
+              <a:buNone/>
+            </a:pPr>
+            <a:endParaRPr lang="fr-FR" sz="2300" dirty="0"/>
+          </a:p>
+          <a:p>
+            <a:pPr marL="0" indent="0">
+              <a:buNone/>
+            </a:pPr>
+            <a:r>
+              <a:rPr lang="fr-FR" sz="2300" u="sng" dirty="0"/>
+              <a:t>Utilisateurs du projet</a:t>
+            </a:r>
+            <a:r>
+              <a:rPr lang="fr-FR" sz="2300" dirty="0"/>
+              <a:t> : Personnes travaillant dans le domaine de la tech et voulant faire un test afin de détecter un éventuel besoin de traitement</a:t>
+            </a:r>
+          </a:p>
+          <a:p>
+            <a:pPr marL="0" indent="0">
+              <a:buNone/>
+            </a:pPr>
+            <a:endParaRPr lang="fr-FR" sz="2300" dirty="0"/>
+          </a:p>
+          <a:p>
+            <a:pPr marL="0" indent="0">
+              <a:buNone/>
+            </a:pPr>
+            <a:r>
+              <a:rPr lang="fr-FR" sz="2300" dirty="0"/>
+              <a:t>Une </a:t>
+            </a:r>
+            <a:r>
+              <a:rPr lang="fr-FR" sz="2300" u="sng" dirty="0"/>
+              <a:t>entreprise de la tech </a:t>
+            </a:r>
+            <a:r>
+              <a:rPr lang="fr-FR" sz="2300" dirty="0"/>
+              <a:t>développe et commercialise des nouvelles technologies (logiciels, matériel hardware, site web)</a:t>
+            </a:r>
             <a:endParaRPr lang="fr-FR" dirty="0"/>
           </a:p>
           <a:p>
@@ -17766,137 +17861,14 @@
             </a:pPr>
             <a:endParaRPr lang="fr-FR" dirty="0"/>
           </a:p>
-          <a:p>
-            <a:pPr marL="0" indent="0">
-              <a:buNone/>
-            </a:pPr>
-            <a:endParaRPr lang="fr-FR" dirty="0"/>
-          </a:p>
-          <a:p>
-            <a:pPr marL="0" indent="0">
-              <a:buNone/>
-            </a:pPr>
-            <a:endParaRPr lang="fr-FR" dirty="0"/>
-          </a:p>
-          <a:p>
-            <a:pPr marL="0" indent="0">
-              <a:buNone/>
-            </a:pPr>
-            <a:endParaRPr lang="fr-FR" dirty="0"/>
-          </a:p>
-          <a:p>
-            <a:pPr marL="0" indent="0">
-              <a:buNone/>
-            </a:pPr>
-            <a:endParaRPr lang="fr-FR" sz="2300" dirty="0"/>
-          </a:p>
-          <a:p>
-            <a:pPr marL="0" indent="0">
-              <a:buNone/>
-            </a:pPr>
-            <a:endParaRPr lang="fr-FR" sz="2300" dirty="0"/>
-          </a:p>
-          <a:p>
-            <a:pPr marL="0" indent="0">
-              <a:buNone/>
-            </a:pPr>
-            <a:endParaRPr lang="fr-FR" sz="2300" dirty="0"/>
-          </a:p>
-          <a:p>
-            <a:pPr marL="0" indent="0">
-              <a:buNone/>
-            </a:pPr>
-            <a:endParaRPr lang="fr-FR" sz="2300" dirty="0"/>
-          </a:p>
-          <a:p>
-            <a:pPr marL="0" indent="0">
-              <a:buNone/>
-            </a:pPr>
-            <a:r>
-              <a:rPr lang="fr-FR" sz="2700" dirty="0"/>
-              <a:t>Questions sur l'employeur, la santé mentale</a:t>
-            </a:r>
-          </a:p>
-          <a:p>
-            <a:pPr marL="0" indent="0">
-              <a:buNone/>
-            </a:pPr>
-            <a:endParaRPr lang="fr-FR" sz="2700" dirty="0"/>
-          </a:p>
-          <a:p>
-            <a:pPr marL="0" indent="0">
-              <a:buNone/>
-            </a:pPr>
-            <a:r>
-              <a:rPr lang="fr-FR" sz="2700" u="sng" dirty="0"/>
-              <a:t>Exemple de question</a:t>
-            </a:r>
-            <a:r>
-              <a:rPr lang="fr-FR" sz="2700" dirty="0"/>
-              <a:t> : Pensez-vous que votre employeur prend autant au sérieux la santé mentale que la santé physique ?</a:t>
-            </a:r>
-          </a:p>
-          <a:p>
-            <a:pPr marL="0" indent="0">
-              <a:buNone/>
-            </a:pPr>
-            <a:endParaRPr lang="fr-FR" sz="2700" dirty="0"/>
-          </a:p>
-          <a:p>
-            <a:pPr marL="0" indent="0">
-              <a:buNone/>
-            </a:pPr>
-            <a:r>
-              <a:rPr lang="fr-FR" sz="2700" u="sng" dirty="0"/>
-              <a:t>Question cible du modèle</a:t>
-            </a:r>
-            <a:r>
-              <a:rPr lang="fr-FR" sz="2700" dirty="0"/>
-              <a:t>: Avez-vous déjà demandé un traitement pour un problème de santé mentale ? </a:t>
-            </a:r>
-          </a:p>
-          <a:p>
-            <a:pPr marL="0" indent="0">
-              <a:buNone/>
-            </a:pPr>
-            <a:endParaRPr lang="fr-FR" dirty="0"/>
-          </a:p>
-        </p:txBody>
-      </p:sp>
-      <p:pic>
-        <p:nvPicPr>
-          <p:cNvPr id="4" name="Image 3" descr="Une image contenant capture d’écran, texte, noir&#10;&#10;Description générée automatiquement"/>
-          <p:cNvPicPr/>
-          <p:nvPr/>
-        </p:nvPicPr>
-        <p:blipFill>
-          <a:blip r:embed="rId3">
-            <a:extLst>
-              <a:ext uri="{28A0092B-C50C-407E-A947-70E740481C1C}">
-                <a14:useLocalDpi xmlns:a14="http://schemas.microsoft.com/office/drawing/2010/main" val="0"/>
-              </a:ext>
-            </a:extLst>
-          </a:blip>
-          <a:stretch>
-            <a:fillRect/>
-          </a:stretch>
-        </p:blipFill>
-        <p:spPr>
-          <a:xfrm>
-            <a:off x="241648" y="1054467"/>
-            <a:ext cx="10864156" cy="2345438"/>
-          </a:xfrm>
-          <a:prstGeom prst="rect">
-            <a:avLst/>
-          </a:prstGeom>
-        </p:spPr>
-      </p:pic>
+        </p:txBody>
+      </p:sp>
       <p:sp>
         <p:nvSpPr>
           <p:cNvPr id="2" name="Espace réservé du numéro de diapositive 1">
             <a:extLst>
               <a:ext uri="{FF2B5EF4-FFF2-40B4-BE49-F238E27FC236}">
-                <a16:creationId xmlns:a16="http://schemas.microsoft.com/office/drawing/2014/main" id="{B49866FB-0723-7C84-2859-D587B7BC7C32}"/>
+                <a16:creationId xmlns:a16="http://schemas.microsoft.com/office/drawing/2014/main" id="{C4C66A6F-4D15-1FDE-6C8C-EAF144693263}"/>
               </a:ext>
             </a:extLst>
           </p:cNvPr>
@@ -17920,58 +17892,10 @@
           </a:p>
         </p:txBody>
       </p:sp>
-      <p:sp>
-        <p:nvSpPr>
-          <p:cNvPr id="7" name="ZoneTexte 6">
-            <a:extLst>
-              <a:ext uri="{FF2B5EF4-FFF2-40B4-BE49-F238E27FC236}">
-                <a16:creationId xmlns:a16="http://schemas.microsoft.com/office/drawing/2014/main" id="{2D255CFE-E6F4-39C7-183A-488D81395ED4}"/>
-              </a:ext>
-            </a:extLst>
-          </p:cNvPr>
-          <p:cNvSpPr txBox="1"/>
-          <p:nvPr/>
-        </p:nvSpPr>
-        <p:spPr>
-          <a:xfrm>
-            <a:off x="241648" y="3570054"/>
-            <a:ext cx="5431781" cy="292388"/>
-          </a:xfrm>
-          <a:prstGeom prst="rect">
-            <a:avLst/>
-          </a:prstGeom>
-          <a:noFill/>
-        </p:spPr>
-        <p:txBody>
-          <a:bodyPr wrap="square" rtlCol="0">
-            <a:spAutoFit/>
-          </a:bodyPr>
-          <a:lstStyle/>
-          <a:p>
-            <a:pPr>
-              <a:spcAft>
-                <a:spcPts val="1000"/>
-              </a:spcAft>
-            </a:pPr>
-            <a:r>
-              <a:rPr lang="fr-FR" sz="1300" i="1" dirty="0">
-                <a:solidFill>
-                  <a:srgbClr val="44546A"/>
-                </a:solidFill>
-                <a:effectLst/>
-                <a:latin typeface="Calibri" panose="020F0502020204030204" pitchFamily="34" charset="0"/>
-                <a:ea typeface="Calibri" panose="020F0502020204030204" pitchFamily="34" charset="0"/>
-                <a:cs typeface="Times New Roman" panose="02020603050405020304" pitchFamily="18" charset="0"/>
-              </a:rPr>
-              <a:t>Figure 1 : Schéma de formalisation des fonctionnalités de l'application</a:t>
-            </a:r>
-          </a:p>
-        </p:txBody>
-      </p:sp>
     </p:spTree>
     <p:extLst>
       <p:ext uri="{BB962C8B-B14F-4D97-AF65-F5344CB8AC3E}">
-        <p14:creationId xmlns:p14="http://schemas.microsoft.com/office/powerpoint/2010/main" val="1274007080"/>
+        <p14:creationId xmlns:p14="http://schemas.microsoft.com/office/powerpoint/2010/main" val="2277982386"/>
       </p:ext>
     </p:extLst>
   </p:cSld>
@@ -18000,161 +17924,10 @@
       </p:grpSpPr>
       <p:sp>
         <p:nvSpPr>
-          <p:cNvPr id="2" name="Titre 1"/>
-          <p:cNvSpPr>
-            <a:spLocks noGrp="1"/>
-          </p:cNvSpPr>
-          <p:nvPr>
-            <p:ph type="title"/>
-          </p:nvPr>
-        </p:nvSpPr>
-        <p:spPr>
-          <a:xfrm>
-            <a:off x="206433" y="198871"/>
-            <a:ext cx="10515600" cy="723842"/>
-          </a:xfrm>
-        </p:spPr>
-        <p:txBody>
-          <a:bodyPr/>
-          <a:lstStyle/>
-          <a:p>
-            <a:r>
-              <a:rPr lang="fr-FR" dirty="0"/>
-              <a:t>Références</a:t>
-            </a:r>
-          </a:p>
-        </p:txBody>
-      </p:sp>
-      <p:sp>
-        <p:nvSpPr>
-          <p:cNvPr id="3" name="Espace réservé du contenu 2"/>
-          <p:cNvSpPr>
-            <a:spLocks noGrp="1"/>
-          </p:cNvSpPr>
-          <p:nvPr>
-            <p:ph idx="1"/>
-          </p:nvPr>
-        </p:nvSpPr>
-        <p:spPr>
-          <a:xfrm>
-            <a:off x="206433" y="1165715"/>
-            <a:ext cx="10515600" cy="5373197"/>
-          </a:xfrm>
-        </p:spPr>
-        <p:txBody>
-          <a:bodyPr>
-            <a:normAutofit/>
-          </a:bodyPr>
-          <a:lstStyle/>
-          <a:p>
-            <a:pPr marL="0" indent="0">
-              <a:buNone/>
-            </a:pPr>
-            <a:r>
-              <a:rPr lang="fr-FR" sz="2000" u="sng" dirty="0"/>
-              <a:t>Contexte :</a:t>
-            </a:r>
-          </a:p>
-          <a:p>
-            <a:r>
-              <a:rPr lang="fr-FR" sz="2000" dirty="0"/>
-              <a:t>https://www.who.int/fr/news/item/02-03-2022-covid-19-pandemic-triggers-25-increase-in-prevalence-of-anxiety-and-depression-worldwide</a:t>
-            </a:r>
-          </a:p>
-          <a:p>
-            <a:r>
-              <a:rPr lang="fr-FR" sz="2000" dirty="0"/>
-              <a:t>https://www.ipsos.com/fr-fr/le-monde-en-chiffres-la-sante-mentale-des-francais</a:t>
-            </a:r>
-          </a:p>
-          <a:p>
-            <a:pPr marL="0" indent="0">
-              <a:buNone/>
-            </a:pPr>
-            <a:endParaRPr lang="fr-FR" sz="2000" dirty="0"/>
-          </a:p>
-          <a:p>
-            <a:pPr marL="0" indent="0">
-              <a:buNone/>
-            </a:pPr>
-            <a:r>
-              <a:rPr lang="fr-FR" sz="2000" u="sng" dirty="0" err="1"/>
-              <a:t>Dataset</a:t>
-            </a:r>
-            <a:r>
-              <a:rPr lang="fr-FR" sz="2000" u="sng" dirty="0"/>
-              <a:t> :</a:t>
-            </a:r>
-            <a:r>
-              <a:rPr lang="fr-FR" sz="2000" dirty="0"/>
-              <a:t> </a:t>
-            </a:r>
-          </a:p>
-          <a:p>
-            <a:r>
-              <a:rPr lang="fr-FR" sz="2000" dirty="0"/>
-              <a:t>https://www.kaggle.com/datasets/osmi/mental-health-in-tech-survey/data</a:t>
-            </a:r>
-          </a:p>
-          <a:p>
-            <a:pPr marL="0" indent="0">
-              <a:buNone/>
-            </a:pPr>
-            <a:endParaRPr lang="fr-FR" sz="2000" dirty="0"/>
-          </a:p>
-          <a:p>
-            <a:pPr marL="0" indent="0">
-              <a:buNone/>
-            </a:pPr>
-            <a:r>
-              <a:rPr lang="fr-FR" sz="2000" u="sng" dirty="0"/>
-              <a:t>Références veille technique :</a:t>
-            </a:r>
-          </a:p>
-          <a:p>
-            <a:r>
-              <a:rPr lang="fr-FR" sz="2000" dirty="0"/>
-              <a:t>https://datascientest.com/algorithme-de-classification-definition-et-principaux-modeles.</a:t>
-            </a:r>
-          </a:p>
-          <a:p>
-            <a:r>
-              <a:rPr lang="fr-FR" sz="2000" dirty="0" err="1"/>
-              <a:t>Machine_learnia</a:t>
-            </a:r>
-            <a:r>
-              <a:rPr lang="fr-FR" sz="2000" dirty="0"/>
-              <a:t>. https://www.youtube.com/watch?v=EUD07IiviJg&amp;list=PLO_fdPEVlfKqUF5BPKjGSh7aV9aBshrpY.</a:t>
-            </a:r>
-          </a:p>
-          <a:p>
-            <a:r>
-              <a:rPr lang="fr-FR" sz="2000" dirty="0" err="1"/>
-              <a:t>ChatGPT</a:t>
-            </a:r>
-            <a:r>
-              <a:rPr lang="fr-FR" sz="2000" dirty="0"/>
-              <a:t>. https://chat.openai.com/.</a:t>
-            </a:r>
-          </a:p>
-          <a:p>
-            <a:r>
-              <a:rPr lang="fr-FR" sz="2000" dirty="0" err="1"/>
-              <a:t>Statquest</a:t>
-            </a:r>
-            <a:r>
-              <a:rPr lang="fr-FR" sz="2000" dirty="0"/>
-              <a:t>. https://www.youtube.com/watch?v=_L39rN6gz7Y&amp;t=813s</a:t>
-            </a:r>
-          </a:p>
-        </p:txBody>
-      </p:sp>
-      <p:sp>
-        <p:nvSpPr>
-          <p:cNvPr id="4" name="Espace réservé du numéro de diapositive 3">
-            <a:extLst>
-              <a:ext uri="{FF2B5EF4-FFF2-40B4-BE49-F238E27FC236}">
-                <a16:creationId xmlns:a16="http://schemas.microsoft.com/office/drawing/2014/main" id="{FFB4440B-008E-876A-E874-9CC32E7D378C}"/>
+          <p:cNvPr id="5" name="Espace réservé du numéro de diapositive 4">
+            <a:extLst>
+              <a:ext uri="{FF2B5EF4-FFF2-40B4-BE49-F238E27FC236}">
+                <a16:creationId xmlns:a16="http://schemas.microsoft.com/office/drawing/2014/main" id="{DD8B8DDE-C5A7-9CE8-93A7-58AB08487FE8}"/>
               </a:ext>
             </a:extLst>
           </p:cNvPr>
@@ -18174,14 +17947,89 @@
               <a:rPr lang="fr-FR" smtClean="0"/>
               <a:t>40</a:t>
             </a:fld>
-            <a:endParaRPr lang="fr-FR"/>
+            <a:endParaRPr lang="fr-FR" dirty="0"/>
+          </a:p>
+        </p:txBody>
+      </p:sp>
+      <p:sp>
+        <p:nvSpPr>
+          <p:cNvPr id="2" name="ZoneTexte 1">
+            <a:extLst>
+              <a:ext uri="{FF2B5EF4-FFF2-40B4-BE49-F238E27FC236}">
+                <a16:creationId xmlns:a16="http://schemas.microsoft.com/office/drawing/2014/main" id="{2E90C11F-8091-7377-C872-B8BC996E8E1B}"/>
+              </a:ext>
+            </a:extLst>
+          </p:cNvPr>
+          <p:cNvSpPr txBox="1"/>
+          <p:nvPr/>
+        </p:nvSpPr>
+        <p:spPr>
+          <a:xfrm>
+            <a:off x="527243" y="282316"/>
+            <a:ext cx="10318235" cy="5755422"/>
+          </a:xfrm>
+          <a:prstGeom prst="rect">
+            <a:avLst/>
+          </a:prstGeom>
+          <a:noFill/>
+        </p:spPr>
+        <p:txBody>
+          <a:bodyPr wrap="square" rtlCol="0">
+            <a:spAutoFit/>
+          </a:bodyPr>
+          <a:lstStyle/>
+          <a:p>
+            <a:r>
+              <a:rPr lang="fr-FR" sz="4400" dirty="0">
+                <a:latin typeface="+mj-lt"/>
+                <a:ea typeface="+mj-ea"/>
+                <a:cs typeface="+mj-cs"/>
+              </a:rPr>
+              <a:t>5. Conclusion</a:t>
+            </a:r>
+          </a:p>
+          <a:p>
+            <a:endParaRPr lang="fr-FR" sz="2500" u="sng" dirty="0"/>
+          </a:p>
+          <a:p>
+            <a:r>
+              <a:rPr lang="fr-FR" sz="2300" dirty="0"/>
+              <a:t>Au cours de l’analyse des données, nous avons pu explorer les relations entre les données, ce qui fut très intéressant.</a:t>
+            </a:r>
+          </a:p>
+          <a:p>
+            <a:r>
+              <a:rPr lang="fr-FR" sz="2300" dirty="0"/>
+              <a:t>Pour améliorer l’application, on pourrait envisager de recueillir des données qui auraient un rapport plus important aux problèmes de santé mentale. On pourrait aussi implémenter un taux de certitude dans la prédiction, à partir duquel on pourrait donner des réponses sûres.</a:t>
+            </a:r>
+          </a:p>
+          <a:p>
+            <a:endParaRPr lang="fr-FR" sz="2300" dirty="0"/>
+          </a:p>
+          <a:p>
+            <a:r>
+              <a:rPr lang="fr-FR" sz="2300" dirty="0"/>
+              <a:t>Les clients pourraient être les hôpitaux, ou même un site internet de détection en libre accès, avec de la pub.</a:t>
+            </a:r>
+          </a:p>
+          <a:p>
+            <a:endParaRPr lang="fr-FR" sz="2300" u="sng" dirty="0"/>
+          </a:p>
+          <a:p>
+            <a:r>
+              <a:rPr lang="fr-FR" sz="2300" dirty="0"/>
+              <a:t>Pour aboutir le projet, il s’agirait aussi de réaliser une prise en charge psychologique via l’application (sociologie, philosophie, bonnes habitudes, sport, cuisine). </a:t>
+            </a:r>
+          </a:p>
+          <a:p>
+            <a:endParaRPr lang="fr-FR" sz="2300" dirty="0"/>
           </a:p>
         </p:txBody>
       </p:sp>
     </p:spTree>
     <p:extLst>
       <p:ext uri="{BB962C8B-B14F-4D97-AF65-F5344CB8AC3E}">
-        <p14:creationId xmlns:p14="http://schemas.microsoft.com/office/powerpoint/2010/main" val="1510801444"/>
+        <p14:creationId xmlns:p14="http://schemas.microsoft.com/office/powerpoint/2010/main" val="3473951368"/>
       </p:ext>
     </p:extLst>
   </p:cSld>
@@ -18220,19 +18068,17 @@
         </p:nvSpPr>
         <p:spPr>
           <a:xfrm>
-            <a:off x="114993" y="140681"/>
-            <a:ext cx="10515600" cy="682279"/>
+            <a:off x="206433" y="198871"/>
+            <a:ext cx="10515600" cy="723842"/>
           </a:xfrm>
         </p:spPr>
         <p:txBody>
-          <a:bodyPr>
-            <a:normAutofit fontScale="90000"/>
-          </a:bodyPr>
+          <a:bodyPr/>
           <a:lstStyle/>
           <a:p>
             <a:r>
               <a:rPr lang="fr-FR" dirty="0"/>
-              <a:t>Annexe</a:t>
+              <a:t>Références</a:t>
             </a:r>
           </a:p>
         </p:txBody>
@@ -18249,13 +18095,13 @@
         </p:nvSpPr>
         <p:spPr>
           <a:xfrm>
-            <a:off x="114993" y="919537"/>
-            <a:ext cx="10515600" cy="5772208"/>
+            <a:off x="206433" y="1165715"/>
+            <a:ext cx="10515600" cy="5373197"/>
           </a:xfrm>
         </p:spPr>
         <p:txBody>
           <a:bodyPr>
-            <a:noAutofit/>
+            <a:normAutofit/>
           </a:bodyPr>
           <a:lstStyle/>
           <a:p>
@@ -18263,193 +18109,101 @@
               <a:buNone/>
             </a:pPr>
             <a:r>
-              <a:rPr lang="fr-FR" sz="1200" u="sng" dirty="0"/>
-              <a:t>Comptes rendus d'avancement</a:t>
+              <a:rPr lang="fr-FR" sz="2000" u="sng" dirty="0"/>
+              <a:t>Contexte :</a:t>
+            </a:r>
+          </a:p>
+          <a:p>
+            <a:r>
+              <a:rPr lang="fr-FR" sz="2000" dirty="0"/>
+              <a:t>https://www.who.int/fr/news/item/02-03-2022-covid-19-pandemic-triggers-25-increase-in-prevalence-of-anxiety-and-depression-worldwide</a:t>
+            </a:r>
+          </a:p>
+          <a:p>
+            <a:r>
+              <a:rPr lang="fr-FR" sz="2000" dirty="0"/>
+              <a:t>https://www.ipsos.com/fr-fr/le-monde-en-chiffres-la-sante-mentale-des-francais</a:t>
             </a:r>
           </a:p>
           <a:p>
             <a:pPr marL="0" indent="0">
               <a:buNone/>
             </a:pPr>
-            <a:r>
-              <a:rPr lang="fr-FR" sz="1200" dirty="0"/>
-              <a:t>Les réunions se sont déroulées les jeudis, à 14 heures, avec le Pr René Gallimard et Pr Hervé </a:t>
-            </a:r>
-            <a:r>
-              <a:rPr lang="fr-FR" sz="1200" dirty="0" err="1"/>
-              <a:t>Ducroc</a:t>
-            </a:r>
-            <a:r>
-              <a:rPr lang="fr-FR" sz="1200" dirty="0"/>
-              <a:t>.</a:t>
-            </a:r>
+            <a:endParaRPr lang="fr-FR" sz="2000" dirty="0"/>
           </a:p>
           <a:p>
             <a:pPr marL="0" indent="0">
               <a:buNone/>
             </a:pPr>
             <a:r>
-              <a:rPr lang="fr-FR" sz="1200" u="sng" dirty="0"/>
-              <a:t>Rapport 1, 29 février</a:t>
-            </a:r>
-            <a:endParaRPr lang="fr-FR" sz="1200" dirty="0"/>
+              <a:rPr lang="fr-FR" sz="2000" u="sng" dirty="0" err="1"/>
+              <a:t>Dataset</a:t>
+            </a:r>
+            <a:r>
+              <a:rPr lang="fr-FR" sz="2000" u="sng" dirty="0"/>
+              <a:t> :</a:t>
+            </a:r>
+            <a:r>
+              <a:rPr lang="fr-FR" sz="2000" dirty="0"/>
+              <a:t> </a:t>
+            </a:r>
+          </a:p>
+          <a:p>
+            <a:r>
+              <a:rPr lang="fr-FR" sz="2000" dirty="0"/>
+              <a:t>https://www.kaggle.com/datasets/osmi/mental-health-in-tech-survey/data</a:t>
+            </a:r>
           </a:p>
           <a:p>
             <a:pPr marL="0" indent="0">
               <a:buNone/>
             </a:pPr>
-            <a:r>
-              <a:rPr lang="fr-FR" sz="1200" dirty="0"/>
-              <a:t>Présentation du fichier d'analyse exploratoire des données :</a:t>
-            </a:r>
+            <a:endParaRPr lang="fr-FR" sz="2000" dirty="0"/>
           </a:p>
           <a:p>
             <a:pPr marL="0" indent="0">
               <a:buNone/>
             </a:pPr>
             <a:r>
-              <a:rPr lang="fr-FR" sz="1200" dirty="0"/>
-              <a:t>		- Stratégie adoptée pour les valeurs manquantes, colonnes inutiles, lignes supprimées, simplification de la colonne "Genre".</a:t>
-            </a:r>
-          </a:p>
-          <a:p>
-            <a:pPr marL="0" indent="0">
-              <a:buNone/>
-            </a:pPr>
-            <a:r>
-              <a:rPr lang="fr-FR" sz="1200" dirty="0"/>
-              <a:t>		- Graphiques de représentation des données et interprétation</a:t>
-            </a:r>
-          </a:p>
-          <a:p>
-            <a:pPr marL="0" indent="0">
-              <a:buNone/>
-            </a:pPr>
-            <a:r>
-              <a:rPr lang="fr-FR" sz="1200" dirty="0"/>
-              <a:t>		- Résumé des stratégie adaptées (script python)</a:t>
-            </a:r>
-          </a:p>
-          <a:p>
-            <a:pPr marL="0" indent="0">
-              <a:buNone/>
-            </a:pPr>
-            <a:r>
-              <a:rPr lang="fr-FR" sz="1200" dirty="0"/>
-              <a:t>Nous nous sommes mis d'accord sur les stratégies adoptées de nettoyage de données, nous avons exploré ensemble les résultats de l'analyse exploratoire des données.  </a:t>
-            </a:r>
-          </a:p>
-          <a:p>
-            <a:pPr marL="0" indent="0">
-              <a:buNone/>
-            </a:pPr>
-            <a:r>
-              <a:rPr lang="fr-FR" sz="1200" dirty="0"/>
-              <a:t> </a:t>
-            </a:r>
-          </a:p>
-          <a:p>
-            <a:pPr marL="0" indent="0">
-              <a:buNone/>
-            </a:pPr>
-            <a:r>
-              <a:rPr lang="fr-FR" sz="1200" u="sng" dirty="0"/>
-              <a:t>Rapport 2, 7 mars</a:t>
-            </a:r>
-            <a:endParaRPr lang="fr-FR" sz="1200" dirty="0"/>
-          </a:p>
-          <a:p>
-            <a:pPr marL="0" indent="0">
-              <a:buNone/>
-            </a:pPr>
-            <a:r>
-              <a:rPr lang="fr-FR" sz="1200" dirty="0"/>
-              <a:t>Présentation de l'entraînement du modèle et des résultats :</a:t>
-            </a:r>
-          </a:p>
-          <a:p>
-            <a:pPr marL="0" indent="0">
-              <a:buNone/>
-            </a:pPr>
-            <a:r>
-              <a:rPr lang="fr-FR" sz="1200" dirty="0"/>
-              <a:t>		- Vulgarisation du machine </a:t>
-            </a:r>
-            <a:r>
-              <a:rPr lang="fr-FR" sz="1200" dirty="0" err="1"/>
-              <a:t>learning</a:t>
-            </a:r>
-            <a:endParaRPr lang="fr-FR" sz="1200" dirty="0"/>
-          </a:p>
-          <a:p>
-            <a:pPr marL="0" indent="0">
-              <a:buNone/>
-            </a:pPr>
-            <a:r>
-              <a:rPr lang="fr-FR" sz="1200" dirty="0"/>
-              <a:t>		- Présentation des résultats </a:t>
-            </a:r>
-          </a:p>
-          <a:p>
-            <a:pPr marL="0" indent="0">
-              <a:buNone/>
-            </a:pPr>
-            <a:r>
-              <a:rPr lang="fr-FR" sz="1200" dirty="0"/>
-              <a:t>		- Présentation d'un test</a:t>
-            </a:r>
-          </a:p>
-          <a:p>
-            <a:pPr marL="0" indent="0">
-              <a:buNone/>
-            </a:pPr>
-            <a:r>
-              <a:rPr lang="fr-FR" sz="1200" dirty="0"/>
-              <a:t>Lors de l'analyse des résultats, les professeurs ont cherché à savoir le fonctionnement interne du meilleur modèle, à savoir régression logistique, je me suis donc informé et leur ai présenté son fonctionnement.</a:t>
-            </a:r>
-          </a:p>
-          <a:p>
-            <a:pPr marL="0" indent="0">
-              <a:buNone/>
-            </a:pPr>
-            <a:r>
-              <a:rPr lang="fr-FR" sz="1200" dirty="0"/>
-              <a:t> </a:t>
-            </a:r>
-          </a:p>
-          <a:p>
-            <a:pPr marL="0" indent="0">
-              <a:buNone/>
-            </a:pPr>
-            <a:r>
-              <a:rPr lang="fr-FR" sz="1200" u="sng" dirty="0"/>
-              <a:t>Rapport 3, 28 mars</a:t>
-            </a:r>
-            <a:endParaRPr lang="fr-FR" sz="1200" dirty="0"/>
-          </a:p>
-          <a:p>
-            <a:pPr marL="0" indent="0">
-              <a:buNone/>
-            </a:pPr>
-            <a:r>
-              <a:rPr lang="fr-FR" sz="1200" dirty="0"/>
-              <a:t>Présentation de l'application fonctionnelle :</a:t>
-            </a:r>
-          </a:p>
-          <a:p>
-            <a:pPr marL="0" indent="0">
-              <a:buNone/>
-            </a:pPr>
-            <a:r>
-              <a:rPr lang="fr-FR" sz="1200" dirty="0"/>
-              <a:t>Nous avons vu ensemble si le produit fini était conforme aux attentes, nous avons discuté du fait d'intégrer un niveau de certitude dans les prédictions.</a:t>
-            </a:r>
-          </a:p>
-          <a:p>
-            <a:pPr marL="0" indent="0">
-              <a:buNone/>
-            </a:pPr>
-            <a:endParaRPr lang="fr-FR" sz="1200" dirty="0"/>
+              <a:rPr lang="fr-FR" sz="2000" u="sng" dirty="0"/>
+              <a:t>Références veille technique :</a:t>
+            </a:r>
+          </a:p>
+          <a:p>
+            <a:r>
+              <a:rPr lang="fr-FR" sz="2000" dirty="0"/>
+              <a:t>https://datascientest.com/algorithme-de-classification-definition-et-principaux-modeles.</a:t>
+            </a:r>
+          </a:p>
+          <a:p>
+            <a:r>
+              <a:rPr lang="fr-FR" sz="2000" dirty="0" err="1"/>
+              <a:t>Machine_learnia</a:t>
+            </a:r>
+            <a:r>
+              <a:rPr lang="fr-FR" sz="2000" dirty="0"/>
+              <a:t>. https://www.youtube.com/watch?v=EUD07IiviJg&amp;list=PLO_fdPEVlfKqUF5BPKjGSh7aV9aBshrpY.</a:t>
+            </a:r>
+          </a:p>
+          <a:p>
+            <a:r>
+              <a:rPr lang="fr-FR" sz="2000" dirty="0" err="1"/>
+              <a:t>ChatGPT</a:t>
+            </a:r>
+            <a:r>
+              <a:rPr lang="fr-FR" sz="2000" dirty="0"/>
+              <a:t>. https://chat.openai.com/.</a:t>
+            </a:r>
+          </a:p>
+          <a:p>
+            <a:r>
+              <a:rPr lang="fr-FR" sz="2000" dirty="0" err="1"/>
+              <a:t>Statquest</a:t>
+            </a:r>
+            <a:r>
+              <a:rPr lang="fr-FR" sz="2000" dirty="0"/>
+              <a:t>. https://www.youtube.com/watch?v=_L39rN6gz7Y&amp;t=813s</a:t>
+            </a:r>
           </a:p>
         </p:txBody>
       </p:sp>
@@ -18458,7 +18212,7 @@
           <p:cNvPr id="4" name="Espace réservé du numéro de diapositive 3">
             <a:extLst>
               <a:ext uri="{FF2B5EF4-FFF2-40B4-BE49-F238E27FC236}">
-                <a16:creationId xmlns:a16="http://schemas.microsoft.com/office/drawing/2014/main" id="{F95C3810-9747-FEDE-D1C5-B99F4E1E90F4}"/>
+                <a16:creationId xmlns:a16="http://schemas.microsoft.com/office/drawing/2014/main" id="{FFB4440B-008E-876A-E874-9CC32E7D378C}"/>
               </a:ext>
             </a:extLst>
           </p:cNvPr>
@@ -18485,7 +18239,7 @@
     </p:spTree>
     <p:extLst>
       <p:ext uri="{BB962C8B-B14F-4D97-AF65-F5344CB8AC3E}">
-        <p14:creationId xmlns:p14="http://schemas.microsoft.com/office/powerpoint/2010/main" val="2140888137"/>
+        <p14:creationId xmlns:p14="http://schemas.microsoft.com/office/powerpoint/2010/main" val="1510801444"/>
       </p:ext>
     </p:extLst>
   </p:cSld>
@@ -18524,7 +18278,7 @@
         </p:nvSpPr>
         <p:spPr>
           <a:xfrm>
-            <a:off x="189807" y="212907"/>
+            <a:off x="189806" y="1115693"/>
             <a:ext cx="7148542" cy="569960"/>
           </a:xfrm>
         </p:spPr>
@@ -18566,7 +18320,7 @@
         </p:blipFill>
         <p:spPr>
           <a:xfrm>
-            <a:off x="256310" y="782866"/>
+            <a:off x="256310" y="1724589"/>
             <a:ext cx="8486775" cy="1152525"/>
           </a:xfrm>
           <a:prstGeom prst="rect">
@@ -18617,7 +18371,7 @@
         </p:nvSpPr>
         <p:spPr>
           <a:xfrm>
-            <a:off x="256310" y="2129786"/>
+            <a:off x="256310" y="2930355"/>
             <a:ext cx="5431781" cy="292388"/>
           </a:xfrm>
           <a:prstGeom prst="rect">
@@ -18717,7 +18471,7 @@
         </p:blipFill>
         <p:spPr>
           <a:xfrm>
-            <a:off x="256310" y="3476220"/>
+            <a:off x="256310" y="3897596"/>
             <a:ext cx="8687590" cy="2458754"/>
           </a:xfrm>
           <a:prstGeom prst="rect">
@@ -18741,7 +18495,7 @@
         </p:nvSpPr>
         <p:spPr>
           <a:xfrm>
-            <a:off x="189806" y="2992134"/>
+            <a:off x="189806" y="3357572"/>
             <a:ext cx="8226406" cy="486783"/>
           </a:xfrm>
           <a:prstGeom prst="rect">
@@ -18949,7 +18703,7 @@
         </p:nvSpPr>
         <p:spPr>
           <a:xfrm>
-            <a:off x="189806" y="6063962"/>
+            <a:off x="189806" y="6419060"/>
             <a:ext cx="5431781" cy="292388"/>
           </a:xfrm>
           <a:prstGeom prst="rect">
@@ -19016,6 +18770,41 @@
               <a:ea typeface="Calibri" panose="020F0502020204030204" pitchFamily="34" charset="0"/>
               <a:cs typeface="Times New Roman" panose="02020603050405020304" pitchFamily="18" charset="0"/>
             </a:endParaRPr>
+          </a:p>
+        </p:txBody>
+      </p:sp>
+      <p:sp>
+        <p:nvSpPr>
+          <p:cNvPr id="9" name="Titre 1">
+            <a:extLst>
+              <a:ext uri="{FF2B5EF4-FFF2-40B4-BE49-F238E27FC236}">
+                <a16:creationId xmlns:a16="http://schemas.microsoft.com/office/drawing/2014/main" id="{E14585E1-109A-25D3-4159-BC5C0F2D139A}"/>
+              </a:ext>
+            </a:extLst>
+          </p:cNvPr>
+          <p:cNvSpPr>
+            <a:spLocks noGrp="1"/>
+          </p:cNvSpPr>
+          <p:nvPr>
+            <p:ph type="title"/>
+          </p:nvPr>
+        </p:nvSpPr>
+        <p:spPr>
+          <a:xfrm>
+            <a:off x="189806" y="160510"/>
+            <a:ext cx="10515600" cy="682279"/>
+          </a:xfrm>
+        </p:spPr>
+        <p:txBody>
+          <a:bodyPr>
+            <a:noAutofit/>
+          </a:bodyPr>
+          <a:lstStyle/>
+          <a:p>
+            <a:r>
+              <a:rPr lang="fr-FR" dirty="0"/>
+              <a:t>Annexe</a:t>
+            </a:r>
           </a:p>
         </p:txBody>
       </p:sp>
@@ -19310,19 +19099,29 @@
         </p:nvSpPr>
         <p:spPr>
           <a:xfrm>
-            <a:off x="166834" y="271143"/>
-            <a:ext cx="11695427" cy="5206393"/>
+            <a:off x="125271" y="239480"/>
+            <a:ext cx="11695427" cy="6403977"/>
           </a:xfrm>
         </p:spPr>
         <p:txBody>
           <a:bodyPr>
-            <a:normAutofit/>
+            <a:normAutofit fontScale="85000" lnSpcReduction="20000"/>
           </a:bodyPr>
           <a:lstStyle/>
           <a:p>
             <a:pPr marL="0" indent="0">
               <a:buNone/>
             </a:pPr>
+            <a:r>
+              <a:rPr lang="fr-FR" sz="2900" u="sng" dirty="0"/>
+              <a:t>1.3 Aspect du jeu de données</a:t>
+            </a:r>
+            <a:endParaRPr lang="fr-FR" sz="2900" dirty="0"/>
+          </a:p>
+          <a:p>
+            <a:pPr marL="0" indent="0">
+              <a:buNone/>
+            </a:pPr>
             <a:endParaRPr lang="fr-FR" dirty="0"/>
           </a:p>
           <a:p>
@@ -19335,9 +19134,95 @@
             <a:pPr marL="0" indent="0">
               <a:buNone/>
             </a:pPr>
-            <a:r>
-              <a:rPr lang="fr-FR" dirty="0"/>
-              <a:t>	</a:t>
+            <a:endParaRPr lang="fr-FR" dirty="0"/>
+          </a:p>
+          <a:p>
+            <a:pPr marL="0" indent="0">
+              <a:buNone/>
+            </a:pPr>
+            <a:endParaRPr lang="fr-FR" dirty="0"/>
+          </a:p>
+          <a:p>
+            <a:pPr marL="0" indent="0">
+              <a:buNone/>
+            </a:pPr>
+            <a:endParaRPr lang="fr-FR" dirty="0"/>
+          </a:p>
+          <a:p>
+            <a:pPr marL="0" indent="0">
+              <a:buNone/>
+            </a:pPr>
+            <a:endParaRPr lang="fr-FR" dirty="0"/>
+          </a:p>
+          <a:p>
+            <a:pPr marL="0" indent="0">
+              <a:buNone/>
+            </a:pPr>
+            <a:endParaRPr lang="fr-FR" sz="2300" dirty="0"/>
+          </a:p>
+          <a:p>
+            <a:pPr marL="0" indent="0">
+              <a:buNone/>
+            </a:pPr>
+            <a:endParaRPr lang="fr-FR" sz="2300" dirty="0"/>
+          </a:p>
+          <a:p>
+            <a:pPr marL="0" indent="0">
+              <a:buNone/>
+            </a:pPr>
+            <a:endParaRPr lang="fr-FR" sz="2300" dirty="0"/>
+          </a:p>
+          <a:p>
+            <a:pPr marL="0" indent="0">
+              <a:buNone/>
+            </a:pPr>
+            <a:endParaRPr lang="fr-FR" sz="2300" dirty="0"/>
+          </a:p>
+          <a:p>
+            <a:pPr marL="0" indent="0">
+              <a:buNone/>
+            </a:pPr>
+            <a:r>
+              <a:rPr lang="fr-FR" sz="2700" dirty="0"/>
+              <a:t>Questions sur l'employeur, la santé mentale</a:t>
+            </a:r>
+          </a:p>
+          <a:p>
+            <a:pPr marL="0" indent="0">
+              <a:buNone/>
+            </a:pPr>
+            <a:endParaRPr lang="fr-FR" sz="2700" dirty="0"/>
+          </a:p>
+          <a:p>
+            <a:pPr marL="0" indent="0">
+              <a:buNone/>
+            </a:pPr>
+            <a:r>
+              <a:rPr lang="fr-FR" sz="2700" u="sng" dirty="0"/>
+              <a:t>Exemple de question</a:t>
+            </a:r>
+            <a:r>
+              <a:rPr lang="fr-FR" sz="2700" dirty="0"/>
+              <a:t> : Pensez-vous que votre employeur prend autant au sérieux la santé mentale que la santé physique ?</a:t>
+            </a:r>
+          </a:p>
+          <a:p>
+            <a:pPr marL="0" indent="0">
+              <a:buNone/>
+            </a:pPr>
+            <a:endParaRPr lang="fr-FR" sz="2700" dirty="0"/>
+          </a:p>
+          <a:p>
+            <a:pPr marL="0" indent="0">
+              <a:buNone/>
+            </a:pPr>
+            <a:r>
+              <a:rPr lang="fr-FR" sz="2700" u="sng" dirty="0"/>
+              <a:t>Question cible du modèle</a:t>
+            </a:r>
+            <a:r>
+              <a:rPr lang="fr-FR" sz="2700" dirty="0"/>
+              <a:t>: Avez-vous déjà demandé un traitement pour un problème de santé mentale ? </a:t>
             </a:r>
           </a:p>
           <a:p>
@@ -19350,7 +19235,7 @@
       </p:sp>
       <p:pic>
         <p:nvPicPr>
-          <p:cNvPr id="6" name="Image 5" descr="Une image contenant texte, capture d’écran, diagramme, Police&#10;&#10;Description générée automatiquement"/>
+          <p:cNvPr id="4" name="Image 3" descr="Une image contenant capture d’écran, texte, noir&#10;&#10;Description générée automatiquement"/>
           <p:cNvPicPr/>
           <p:nvPr/>
         </p:nvPicPr>
@@ -19362,23 +19247,18 @@
               </a:ext>
             </a:extLst>
           </a:blip>
-          <a:srcRect/>
           <a:stretch>
             <a:fillRect/>
           </a:stretch>
         </p:blipFill>
-        <p:spPr bwMode="auto">
+        <p:spPr>
           <a:xfrm>
-            <a:off x="1331801" y="1052837"/>
-            <a:ext cx="9478052" cy="5067506"/>
+            <a:off x="241648" y="1054467"/>
+            <a:ext cx="10864156" cy="2345438"/>
           </a:xfrm>
           <a:prstGeom prst="rect">
             <a:avLst/>
           </a:prstGeom>
-          <a:noFill/>
-          <a:ln>
-            <a:noFill/>
-          </a:ln>
         </p:spPr>
       </p:pic>
       <p:sp>
@@ -19386,7 +19266,7 @@
           <p:cNvPr id="2" name="Espace réservé du numéro de diapositive 1">
             <a:extLst>
               <a:ext uri="{FF2B5EF4-FFF2-40B4-BE49-F238E27FC236}">
-                <a16:creationId xmlns:a16="http://schemas.microsoft.com/office/drawing/2014/main" id="{83873A2C-242D-4345-8998-2798F7CECFAC}"/>
+                <a16:creationId xmlns:a16="http://schemas.microsoft.com/office/drawing/2014/main" id="{B49866FB-0723-7C84-2859-D587B7BC7C32}"/>
               </a:ext>
             </a:extLst>
           </p:cNvPr>
@@ -19412,10 +19292,10 @@
       </p:sp>
       <p:sp>
         <p:nvSpPr>
-          <p:cNvPr id="4" name="ZoneTexte 3">
-            <a:extLst>
-              <a:ext uri="{FF2B5EF4-FFF2-40B4-BE49-F238E27FC236}">
-                <a16:creationId xmlns:a16="http://schemas.microsoft.com/office/drawing/2014/main" id="{901E334C-5E3A-1FF8-D1B0-2726BF930FF2}"/>
+          <p:cNvPr id="7" name="ZoneTexte 6">
+            <a:extLst>
+              <a:ext uri="{FF2B5EF4-FFF2-40B4-BE49-F238E27FC236}">
+                <a16:creationId xmlns:a16="http://schemas.microsoft.com/office/drawing/2014/main" id="{2D255CFE-E6F4-39C7-183A-488D81395ED4}"/>
               </a:ext>
             </a:extLst>
           </p:cNvPr>
@@ -19424,45 +19304,7 @@
         </p:nvSpPr>
         <p:spPr>
           <a:xfrm>
-            <a:off x="166834" y="329562"/>
-            <a:ext cx="7186073" cy="754053"/>
-          </a:xfrm>
-          <a:prstGeom prst="rect">
-            <a:avLst/>
-          </a:prstGeom>
-          <a:noFill/>
-        </p:spPr>
-        <p:txBody>
-          <a:bodyPr wrap="square" rtlCol="0">
-            <a:spAutoFit/>
-          </a:bodyPr>
-          <a:lstStyle/>
-          <a:p>
-            <a:r>
-              <a:rPr lang="fr-FR" sz="2500" u="sng" dirty="0"/>
-              <a:t>1.5 Outils de développement utilisés</a:t>
-            </a:r>
-          </a:p>
-          <a:p>
-            <a:endParaRPr lang="fr-FR" dirty="0"/>
-          </a:p>
-        </p:txBody>
-      </p:sp>
-      <p:sp>
-        <p:nvSpPr>
-          <p:cNvPr id="5" name="ZoneTexte 4">
-            <a:extLst>
-              <a:ext uri="{FF2B5EF4-FFF2-40B4-BE49-F238E27FC236}">
-                <a16:creationId xmlns:a16="http://schemas.microsoft.com/office/drawing/2014/main" id="{23391959-58DE-B53C-EE7C-981F3C8BBBBE}"/>
-              </a:ext>
-            </a:extLst>
-          </p:cNvPr>
-          <p:cNvSpPr txBox="1"/>
-          <p:nvPr/>
-        </p:nvSpPr>
-        <p:spPr>
-          <a:xfrm>
-            <a:off x="1331801" y="6214682"/>
+            <a:off x="241648" y="3570054"/>
             <a:ext cx="5431781" cy="292388"/>
           </a:xfrm>
           <a:prstGeom prst="rect">
@@ -19491,7 +19333,7 @@
                 <a:ea typeface="Calibri" panose="020F0502020204030204" pitchFamily="34" charset="0"/>
                 <a:cs typeface="Times New Roman" panose="02020603050405020304" pitchFamily="18" charset="0"/>
               </a:rPr>
-              <a:t>Figure 2 : Schéma fonctionnel utilisé pour le projet</a:t>
+              <a:t>Figure 1 : Schéma de formalisation des fonctionnalités de l'application</a:t>
             </a:r>
           </a:p>
         </p:txBody>
@@ -19499,7 +19341,7 @@
     </p:spTree>
     <p:extLst>
       <p:ext uri="{BB962C8B-B14F-4D97-AF65-F5344CB8AC3E}">
-        <p14:creationId xmlns:p14="http://schemas.microsoft.com/office/powerpoint/2010/main" val="1378035668"/>
+        <p14:creationId xmlns:p14="http://schemas.microsoft.com/office/powerpoint/2010/main" val="1274007080"/>
       </p:ext>
     </p:extLst>
   </p:cSld>
@@ -19544,6 +19386,240 @@
         </p:nvSpPr>
         <p:spPr>
           <a:xfrm>
+            <a:off x="166834" y="271143"/>
+            <a:ext cx="11695427" cy="5206393"/>
+          </a:xfrm>
+        </p:spPr>
+        <p:txBody>
+          <a:bodyPr>
+            <a:normAutofit/>
+          </a:bodyPr>
+          <a:lstStyle/>
+          <a:p>
+            <a:pPr marL="0" indent="0">
+              <a:buNone/>
+            </a:pPr>
+            <a:endParaRPr lang="fr-FR" dirty="0"/>
+          </a:p>
+          <a:p>
+            <a:pPr marL="0" indent="0">
+              <a:buNone/>
+            </a:pPr>
+            <a:endParaRPr lang="fr-FR" dirty="0"/>
+          </a:p>
+          <a:p>
+            <a:pPr marL="0" indent="0">
+              <a:buNone/>
+            </a:pPr>
+            <a:r>
+              <a:rPr lang="fr-FR" dirty="0"/>
+              <a:t>	</a:t>
+            </a:r>
+          </a:p>
+          <a:p>
+            <a:pPr marL="0" indent="0">
+              <a:buNone/>
+            </a:pPr>
+            <a:endParaRPr lang="fr-FR" dirty="0"/>
+          </a:p>
+        </p:txBody>
+      </p:sp>
+      <p:pic>
+        <p:nvPicPr>
+          <p:cNvPr id="6" name="Image 5" descr="Une image contenant texte, capture d’écran, diagramme, Police&#10;&#10;Description générée automatiquement"/>
+          <p:cNvPicPr/>
+          <p:nvPr/>
+        </p:nvPicPr>
+        <p:blipFill>
+          <a:blip r:embed="rId3">
+            <a:extLst>
+              <a:ext uri="{28A0092B-C50C-407E-A947-70E740481C1C}">
+                <a14:useLocalDpi xmlns:a14="http://schemas.microsoft.com/office/drawing/2010/main" val="0"/>
+              </a:ext>
+            </a:extLst>
+          </a:blip>
+          <a:srcRect/>
+          <a:stretch>
+            <a:fillRect/>
+          </a:stretch>
+        </p:blipFill>
+        <p:spPr bwMode="auto">
+          <a:xfrm>
+            <a:off x="1331801" y="1052837"/>
+            <a:ext cx="9478052" cy="5067506"/>
+          </a:xfrm>
+          <a:prstGeom prst="rect">
+            <a:avLst/>
+          </a:prstGeom>
+          <a:noFill/>
+          <a:ln>
+            <a:noFill/>
+          </a:ln>
+        </p:spPr>
+      </p:pic>
+      <p:sp>
+        <p:nvSpPr>
+          <p:cNvPr id="2" name="Espace réservé du numéro de diapositive 1">
+            <a:extLst>
+              <a:ext uri="{FF2B5EF4-FFF2-40B4-BE49-F238E27FC236}">
+                <a16:creationId xmlns:a16="http://schemas.microsoft.com/office/drawing/2014/main" id="{83873A2C-242D-4345-8998-2798F7CECFAC}"/>
+              </a:ext>
+            </a:extLst>
+          </p:cNvPr>
+          <p:cNvSpPr>
+            <a:spLocks noGrp="1"/>
+          </p:cNvSpPr>
+          <p:nvPr>
+            <p:ph type="sldNum" sz="quarter" idx="12"/>
+          </p:nvPr>
+        </p:nvSpPr>
+        <p:spPr/>
+        <p:txBody>
+          <a:bodyPr/>
+          <a:lstStyle/>
+          <a:p>
+            <a:fld id="{BA06AB71-0B36-4B80-B991-039F7D68F8CB}" type="slidenum">
+              <a:rPr lang="fr-FR" smtClean="0"/>
+              <a:t>6</a:t>
+            </a:fld>
+            <a:endParaRPr lang="fr-FR"/>
+          </a:p>
+        </p:txBody>
+      </p:sp>
+      <p:sp>
+        <p:nvSpPr>
+          <p:cNvPr id="4" name="ZoneTexte 3">
+            <a:extLst>
+              <a:ext uri="{FF2B5EF4-FFF2-40B4-BE49-F238E27FC236}">
+                <a16:creationId xmlns:a16="http://schemas.microsoft.com/office/drawing/2014/main" id="{901E334C-5E3A-1FF8-D1B0-2726BF930FF2}"/>
+              </a:ext>
+            </a:extLst>
+          </p:cNvPr>
+          <p:cNvSpPr txBox="1"/>
+          <p:nvPr/>
+        </p:nvSpPr>
+        <p:spPr>
+          <a:xfrm>
+            <a:off x="166834" y="329562"/>
+            <a:ext cx="7186073" cy="754053"/>
+          </a:xfrm>
+          <a:prstGeom prst="rect">
+            <a:avLst/>
+          </a:prstGeom>
+          <a:noFill/>
+        </p:spPr>
+        <p:txBody>
+          <a:bodyPr wrap="square" rtlCol="0">
+            <a:spAutoFit/>
+          </a:bodyPr>
+          <a:lstStyle/>
+          <a:p>
+            <a:r>
+              <a:rPr lang="fr-FR" sz="2500" u="sng" dirty="0"/>
+              <a:t>1.4 Outils de développement utilisés</a:t>
+            </a:r>
+          </a:p>
+          <a:p>
+            <a:endParaRPr lang="fr-FR" dirty="0"/>
+          </a:p>
+        </p:txBody>
+      </p:sp>
+      <p:sp>
+        <p:nvSpPr>
+          <p:cNvPr id="5" name="ZoneTexte 4">
+            <a:extLst>
+              <a:ext uri="{FF2B5EF4-FFF2-40B4-BE49-F238E27FC236}">
+                <a16:creationId xmlns:a16="http://schemas.microsoft.com/office/drawing/2014/main" id="{23391959-58DE-B53C-EE7C-981F3C8BBBBE}"/>
+              </a:ext>
+            </a:extLst>
+          </p:cNvPr>
+          <p:cNvSpPr txBox="1"/>
+          <p:nvPr/>
+        </p:nvSpPr>
+        <p:spPr>
+          <a:xfrm>
+            <a:off x="1331801" y="6214682"/>
+            <a:ext cx="5431781" cy="292388"/>
+          </a:xfrm>
+          <a:prstGeom prst="rect">
+            <a:avLst/>
+          </a:prstGeom>
+          <a:noFill/>
+        </p:spPr>
+        <p:txBody>
+          <a:bodyPr wrap="square" rtlCol="0">
+            <a:spAutoFit/>
+          </a:bodyPr>
+          <a:lstStyle/>
+          <a:p>
+            <a:pPr>
+              <a:spcAft>
+                <a:spcPts val="1000"/>
+              </a:spcAft>
+            </a:pPr>
+            <a:r>
+              <a:rPr lang="fr-FR" sz="1300" i="1" dirty="0">
+                <a:solidFill>
+                  <a:srgbClr val="44546A"/>
+                </a:solidFill>
+                <a:effectLst/>
+                <a:latin typeface="Calibri" panose="020F0502020204030204" pitchFamily="34" charset="0"/>
+                <a:ea typeface="Calibri" panose="020F0502020204030204" pitchFamily="34" charset="0"/>
+                <a:cs typeface="Times New Roman" panose="02020603050405020304" pitchFamily="18" charset="0"/>
+              </a:rPr>
+              <a:t>Figure 2 : Schéma fonctionnel utilisé pour le projet</a:t>
+            </a:r>
+          </a:p>
+        </p:txBody>
+      </p:sp>
+    </p:spTree>
+    <p:extLst>
+      <p:ext uri="{BB962C8B-B14F-4D97-AF65-F5344CB8AC3E}">
+        <p14:creationId xmlns:p14="http://schemas.microsoft.com/office/powerpoint/2010/main" val="1378035668"/>
+      </p:ext>
+    </p:extLst>
+  </p:cSld>
+  <p:clrMapOvr>
+    <a:masterClrMapping/>
+  </p:clrMapOvr>
+</p:sld>
+</file>
+
+<file path=ppt/slides/slide7.xml><?xml version="1.0" encoding="utf-8"?>
+<p:sld xmlns:a="http://schemas.openxmlformats.org/drawingml/2006/main" xmlns:r="http://schemas.openxmlformats.org/officeDocument/2006/relationships" xmlns:p="http://schemas.openxmlformats.org/presentationml/2006/main">
+  <p:cSld>
+    <p:spTree>
+      <p:nvGrpSpPr>
+        <p:cNvPr id="1" name=""/>
+        <p:cNvGrpSpPr/>
+        <p:nvPr/>
+      </p:nvGrpSpPr>
+      <p:grpSpPr>
+        <a:xfrm>
+          <a:off x="0" y="0"/>
+          <a:ext cx="0" cy="0"/>
+          <a:chOff x="0" y="0"/>
+          <a:chExt cx="0" cy="0"/>
+        </a:xfrm>
+      </p:grpSpPr>
+      <p:sp>
+        <p:nvSpPr>
+          <p:cNvPr id="3" name="Espace réservé du contenu 2">
+            <a:extLst>
+              <a:ext uri="{FF2B5EF4-FFF2-40B4-BE49-F238E27FC236}">
+                <a16:creationId xmlns:a16="http://schemas.microsoft.com/office/drawing/2014/main" id="{6B409ECA-B691-5B1C-5CCA-878C261674CB}"/>
+              </a:ext>
+            </a:extLst>
+          </p:cNvPr>
+          <p:cNvSpPr>
+            <a:spLocks noGrp="1"/>
+          </p:cNvSpPr>
+          <p:nvPr>
+            <p:ph idx="1"/>
+          </p:nvPr>
+        </p:nvSpPr>
+        <p:spPr>
+          <a:xfrm>
             <a:off x="108644" y="204641"/>
             <a:ext cx="11695427" cy="5406449"/>
           </a:xfrm>
@@ -19559,7 +19635,7 @@
             </a:pPr>
             <a:r>
               <a:rPr lang="fr-FR" sz="2500" u="sng" dirty="0"/>
-              <a:t>1.6 Gestion de projet</a:t>
+              <a:t>1.5 Gestion de projet</a:t>
             </a:r>
             <a:endParaRPr lang="fr-FR" sz="2500" dirty="0"/>
           </a:p>
@@ -19644,7 +19720,7 @@
           <a:p>
             <a:fld id="{BA06AB71-0B36-4B80-B991-039F7D68F8CB}" type="slidenum">
               <a:rPr lang="fr-FR" smtClean="0"/>
-              <a:t>6</a:t>
+              <a:t>7</a:t>
             </a:fld>
             <a:endParaRPr lang="fr-FR"/>
           </a:p>
@@ -19772,7 +19848,7 @@
 </p:sld>
 </file>
 
-<file path=ppt/slides/slide7.xml><?xml version="1.0" encoding="utf-8"?>
+<file path=ppt/slides/slide8.xml><?xml version="1.0" encoding="utf-8"?>
 <p:sld xmlns:a="http://schemas.openxmlformats.org/drawingml/2006/main" xmlns:r="http://schemas.openxmlformats.org/officeDocument/2006/relationships" xmlns:p="http://schemas.openxmlformats.org/presentationml/2006/main">
   <p:cSld>
     <p:spTree>
@@ -19816,7 +19892,7 @@
             </a:pPr>
             <a:r>
               <a:rPr lang="fr-FR" sz="2500" u="sng" dirty="0"/>
-              <a:t>1.7 Comptes rendus d'avancement</a:t>
+              <a:t>1.6 Comptes rendus d'avancement</a:t>
             </a:r>
           </a:p>
           <a:p>
@@ -19934,7 +20010,7 @@
           <a:p>
             <a:fld id="{BA06AB71-0B36-4B80-B991-039F7D68F8CB}" type="slidenum">
               <a:rPr lang="fr-FR" smtClean="0"/>
-              <a:t>7</a:t>
+              <a:t>8</a:t>
             </a:fld>
             <a:endParaRPr lang="fr-FR"/>
           </a:p>
@@ -20014,191 +20090,6 @@
 </p:sld>
 </file>
 
-<file path=ppt/slides/slide8.xml><?xml version="1.0" encoding="utf-8"?>
-<p:sld xmlns:a="http://schemas.openxmlformats.org/drawingml/2006/main" xmlns:r="http://schemas.openxmlformats.org/officeDocument/2006/relationships" xmlns:p="http://schemas.openxmlformats.org/presentationml/2006/main">
-  <p:cSld>
-    <p:spTree>
-      <p:nvGrpSpPr>
-        <p:cNvPr id="1" name=""/>
-        <p:cNvGrpSpPr/>
-        <p:nvPr/>
-      </p:nvGrpSpPr>
-      <p:grpSpPr>
-        <a:xfrm>
-          <a:off x="0" y="0"/>
-          <a:ext cx="0" cy="0"/>
-          <a:chOff x="0" y="0"/>
-          <a:chExt cx="0" cy="0"/>
-        </a:xfrm>
-      </p:grpSpPr>
-      <p:sp>
-        <p:nvSpPr>
-          <p:cNvPr id="3" name="Espace réservé du contenu 2"/>
-          <p:cNvSpPr>
-            <a:spLocks noGrp="1"/>
-          </p:cNvSpPr>
-          <p:nvPr>
-            <p:ph idx="1"/>
-          </p:nvPr>
-        </p:nvSpPr>
-        <p:spPr>
-          <a:xfrm>
-            <a:off x="161291" y="204641"/>
-            <a:ext cx="11343944" cy="6346630"/>
-          </a:xfrm>
-        </p:spPr>
-        <p:txBody>
-          <a:bodyPr>
-            <a:noAutofit/>
-          </a:bodyPr>
-          <a:lstStyle/>
-          <a:p>
-            <a:pPr marL="0" indent="0">
-              <a:buNone/>
-            </a:pPr>
-            <a:r>
-              <a:rPr lang="fr-FR" sz="2300" u="sng" dirty="0"/>
-              <a:t>Rapport 2, 7 mars</a:t>
-            </a:r>
-            <a:endParaRPr lang="fr-FR" sz="2300" dirty="0"/>
-          </a:p>
-          <a:p>
-            <a:pPr marL="0" indent="0">
-              <a:buNone/>
-            </a:pPr>
-            <a:r>
-              <a:rPr lang="fr-FR" sz="2300" dirty="0"/>
-              <a:t>Présentation de l'entraînement du modèle et des résultats :</a:t>
-            </a:r>
-          </a:p>
-          <a:p>
-            <a:pPr marL="0" indent="0">
-              <a:buNone/>
-            </a:pPr>
-            <a:r>
-              <a:rPr lang="fr-FR" sz="2300" dirty="0"/>
-              <a:t>		- Vulgarisation du machine </a:t>
-            </a:r>
-            <a:r>
-              <a:rPr lang="fr-FR" sz="2300" dirty="0" err="1"/>
-              <a:t>learning</a:t>
-            </a:r>
-            <a:endParaRPr lang="fr-FR" sz="2300" dirty="0"/>
-          </a:p>
-          <a:p>
-            <a:pPr marL="0" indent="0">
-              <a:buNone/>
-            </a:pPr>
-            <a:r>
-              <a:rPr lang="fr-FR" sz="2300" dirty="0"/>
-              <a:t>		- Présentation des résultats </a:t>
-            </a:r>
-          </a:p>
-          <a:p>
-            <a:pPr marL="0" indent="0">
-              <a:buNone/>
-            </a:pPr>
-            <a:r>
-              <a:rPr lang="fr-FR" sz="2300" dirty="0"/>
-              <a:t>		- Présentation d'un test</a:t>
-            </a:r>
-          </a:p>
-          <a:p>
-            <a:pPr marL="0" indent="0">
-              <a:buNone/>
-            </a:pPr>
-            <a:r>
-              <a:rPr lang="fr-FR" sz="2300" dirty="0"/>
-              <a:t>Lors de l'analyse des résultats, les professeurs ont cherché à savoir le fonctionnement interne du meilleur modèle, à savoir régression logistique, je me suis donc informé et leur ai présenté son fonctionnement.</a:t>
-            </a:r>
-          </a:p>
-          <a:p>
-            <a:pPr marL="0" indent="0">
-              <a:buNone/>
-            </a:pPr>
-            <a:r>
-              <a:rPr lang="fr-FR" sz="2300" dirty="0"/>
-              <a:t> </a:t>
-            </a:r>
-          </a:p>
-          <a:p>
-            <a:pPr marL="0" indent="0">
-              <a:buNone/>
-            </a:pPr>
-            <a:r>
-              <a:rPr lang="fr-FR" sz="2300" u="sng" dirty="0"/>
-              <a:t>Rapport 3, 28 mars</a:t>
-            </a:r>
-            <a:endParaRPr lang="fr-FR" sz="2300" dirty="0"/>
-          </a:p>
-          <a:p>
-            <a:pPr marL="0" indent="0">
-              <a:buNone/>
-            </a:pPr>
-            <a:r>
-              <a:rPr lang="fr-FR" sz="2300" dirty="0"/>
-              <a:t>Présentation de l'application fonctionnelle :</a:t>
-            </a:r>
-          </a:p>
-          <a:p>
-            <a:pPr marL="0" indent="0">
-              <a:buNone/>
-            </a:pPr>
-            <a:r>
-              <a:rPr lang="fr-FR" sz="2300" dirty="0"/>
-              <a:t>Nous avons vu ensemble si le produit fini était conforme aux attentes, nous avons discuté du fait d'intégrer un niveau de certitude dans les prédictions.</a:t>
-            </a:r>
-          </a:p>
-          <a:p>
-            <a:pPr marL="0" indent="0">
-              <a:buNone/>
-            </a:pPr>
-            <a:endParaRPr lang="fr-FR" sz="1200" dirty="0"/>
-          </a:p>
-        </p:txBody>
-      </p:sp>
-      <p:sp>
-        <p:nvSpPr>
-          <p:cNvPr id="4" name="Espace réservé du numéro de diapositive 3">
-            <a:extLst>
-              <a:ext uri="{FF2B5EF4-FFF2-40B4-BE49-F238E27FC236}">
-                <a16:creationId xmlns:a16="http://schemas.microsoft.com/office/drawing/2014/main" id="{F95C3810-9747-FEDE-D1C5-B99F4E1E90F4}"/>
-              </a:ext>
-            </a:extLst>
-          </p:cNvPr>
-          <p:cNvSpPr>
-            <a:spLocks noGrp="1"/>
-          </p:cNvSpPr>
-          <p:nvPr>
-            <p:ph type="sldNum" sz="quarter" idx="12"/>
-          </p:nvPr>
-        </p:nvSpPr>
-        <p:spPr/>
-        <p:txBody>
-          <a:bodyPr/>
-          <a:lstStyle/>
-          <a:p>
-            <a:fld id="{BA06AB71-0B36-4B80-B991-039F7D68F8CB}" type="slidenum">
-              <a:rPr lang="fr-FR" smtClean="0"/>
-              <a:t>8</a:t>
-            </a:fld>
-            <a:endParaRPr lang="fr-FR"/>
-          </a:p>
-        </p:txBody>
-      </p:sp>
-    </p:spTree>
-    <p:extLst>
-      <p:ext uri="{BB962C8B-B14F-4D97-AF65-F5344CB8AC3E}">
-        <p14:creationId xmlns:p14="http://schemas.microsoft.com/office/powerpoint/2010/main" val="1957058029"/>
-      </p:ext>
-    </p:extLst>
-  </p:cSld>
-  <p:clrMapOvr>
-    <a:masterClrMapping/>
-  </p:clrMapOvr>
-</p:sld>
-</file>
-
 <file path=ppt/slides/slide9.xml><?xml version="1.0" encoding="utf-8"?>
 <p:sld xmlns:a="http://schemas.openxmlformats.org/drawingml/2006/main" xmlns:r="http://schemas.openxmlformats.org/officeDocument/2006/relationships" xmlns:p="http://schemas.openxmlformats.org/presentationml/2006/main">
   <p:cSld>
@@ -20218,13 +20109,7 @@
       </p:grpSpPr>
       <p:sp>
         <p:nvSpPr>
-          <p:cNvPr id="3" name="Espace réservé du contenu 2">
-            <a:extLst>
-              <a:ext uri="{FF2B5EF4-FFF2-40B4-BE49-F238E27FC236}">
-                <a16:creationId xmlns:a16="http://schemas.microsoft.com/office/drawing/2014/main" id="{6B409ECA-B691-5B1C-5CCA-878C261674CB}"/>
-              </a:ext>
-            </a:extLst>
-          </p:cNvPr>
+          <p:cNvPr id="3" name="Espace réservé du contenu 2"/>
           <p:cNvSpPr>
             <a:spLocks noGrp="1"/>
           </p:cNvSpPr>
@@ -20234,107 +20119,126 @@
         </p:nvSpPr>
         <p:spPr>
           <a:xfrm>
-            <a:off x="92019" y="1451551"/>
-            <a:ext cx="11695427" cy="5406449"/>
+            <a:off x="161291" y="204641"/>
+            <a:ext cx="11343944" cy="6346630"/>
           </a:xfrm>
         </p:spPr>
         <p:txBody>
-          <a:bodyPr/>
+          <a:bodyPr>
+            <a:noAutofit/>
+          </a:bodyPr>
           <a:lstStyle/>
           <a:p>
             <a:pPr marL="0" indent="0">
               <a:buNone/>
             </a:pPr>
             <a:r>
-              <a:rPr lang="fr-FR" sz="2500" u="sng" dirty="0"/>
-              <a:t>2.1 Nettoyage des données</a:t>
-            </a:r>
+              <a:rPr lang="fr-FR" sz="2300" u="sng" dirty="0"/>
+              <a:t>Rapport 2, 7 mars</a:t>
+            </a:r>
+            <a:endParaRPr lang="fr-FR" sz="2300" dirty="0"/>
           </a:p>
           <a:p>
             <a:pPr marL="0" indent="0">
               <a:buNone/>
             </a:pPr>
-            <a:endParaRPr lang="fr-FR" u="sng" dirty="0"/>
+            <a:r>
+              <a:rPr lang="fr-FR" sz="2300" dirty="0"/>
+              <a:t>Présentation de l'entraînement du modèle et des résultats :</a:t>
+            </a:r>
           </a:p>
           <a:p>
             <a:pPr marL="0" indent="0">
               <a:buNone/>
             </a:pPr>
-            <a:endParaRPr lang="fr-FR" u="sng" dirty="0"/>
+            <a:r>
+              <a:rPr lang="fr-FR" sz="2300" dirty="0"/>
+              <a:t>		- Vulgarisation du machine </a:t>
+            </a:r>
+            <a:r>
+              <a:rPr lang="fr-FR" sz="2300" dirty="0" err="1"/>
+              <a:t>learning</a:t>
+            </a:r>
+            <a:endParaRPr lang="fr-FR" sz="2300" dirty="0"/>
           </a:p>
           <a:p>
             <a:pPr marL="0" indent="0">
               <a:buNone/>
             </a:pPr>
-            <a:endParaRPr lang="fr-FR" dirty="0"/>
-          </a:p>
-        </p:txBody>
-      </p:sp>
-      <p:sp>
-        <p:nvSpPr>
-          <p:cNvPr id="8" name="Titre 1">
-            <a:extLst>
-              <a:ext uri="{FF2B5EF4-FFF2-40B4-BE49-F238E27FC236}">
-                <a16:creationId xmlns:a16="http://schemas.microsoft.com/office/drawing/2014/main" id="{E9C259C4-15CF-5FF1-5FA6-82A0B80722A6}"/>
-              </a:ext>
-            </a:extLst>
-          </p:cNvPr>
-          <p:cNvSpPr>
-            <a:spLocks noGrp="1"/>
-          </p:cNvSpPr>
-          <p:nvPr>
-            <p:ph type="title"/>
-          </p:nvPr>
-        </p:nvSpPr>
-        <p:spPr>
-          <a:xfrm>
-            <a:off x="92019" y="121514"/>
-            <a:ext cx="11495923" cy="766852"/>
-          </a:xfrm>
-        </p:spPr>
-        <p:txBody>
-          <a:bodyPr>
-            <a:normAutofit/>
-          </a:bodyPr>
-          <a:lstStyle/>
-          <a:p>
-            <a:r>
-              <a:rPr lang="fr-FR" sz="4000" dirty="0"/>
-              <a:t>2. Gestion des données analytiques du projet</a:t>
-            </a:r>
-          </a:p>
-        </p:txBody>
-      </p:sp>
-      <p:pic>
-        <p:nvPicPr>
-          <p:cNvPr id="2" name="Image 1"/>
-          <p:cNvPicPr>
-            <a:picLocks noChangeAspect="1"/>
-          </p:cNvPicPr>
-          <p:nvPr/>
-        </p:nvPicPr>
-        <p:blipFill>
-          <a:blip r:embed="rId3"/>
-          <a:stretch>
-            <a:fillRect/>
-          </a:stretch>
-        </p:blipFill>
-        <p:spPr>
-          <a:xfrm>
-            <a:off x="6041248" y="1137308"/>
-            <a:ext cx="5312551" cy="5584168"/>
-          </a:xfrm>
-          <a:prstGeom prst="rect">
-            <a:avLst/>
-          </a:prstGeom>
-        </p:spPr>
-      </p:pic>
+            <a:r>
+              <a:rPr lang="fr-FR" sz="2300" dirty="0"/>
+              <a:t>		- Présentation des résultats </a:t>
+            </a:r>
+          </a:p>
+          <a:p>
+            <a:pPr marL="0" indent="0">
+              <a:buNone/>
+            </a:pPr>
+            <a:r>
+              <a:rPr lang="fr-FR" sz="2300" dirty="0"/>
+              <a:t>		- Présentation d'un test</a:t>
+            </a:r>
+          </a:p>
+          <a:p>
+            <a:pPr marL="0" indent="0">
+              <a:buNone/>
+            </a:pPr>
+            <a:r>
+              <a:rPr lang="fr-FR" sz="2300" dirty="0"/>
+              <a:t>Lors de l'analyse des résultats, les professeurs ont cherché à savoir le fonctionnement interne du meilleur modèle, à savoir régression logistique, je me suis donc informé et leur ai présenté son fonctionnement.</a:t>
+            </a:r>
+          </a:p>
+          <a:p>
+            <a:pPr marL="0" indent="0">
+              <a:buNone/>
+            </a:pPr>
+            <a:r>
+              <a:rPr lang="fr-FR" sz="2300" dirty="0"/>
+              <a:t> </a:t>
+            </a:r>
+          </a:p>
+          <a:p>
+            <a:pPr marL="0" indent="0">
+              <a:buNone/>
+            </a:pPr>
+            <a:r>
+              <a:rPr lang="fr-FR" sz="2300" u="sng" dirty="0"/>
+              <a:t>Rapport 3, 28 mars</a:t>
+            </a:r>
+            <a:endParaRPr lang="fr-FR" sz="2300" dirty="0"/>
+          </a:p>
+          <a:p>
+            <a:pPr marL="0" indent="0">
+              <a:buNone/>
+            </a:pPr>
+            <a:r>
+              <a:rPr lang="fr-FR" sz="2300" dirty="0"/>
+              <a:t>Présentation de l'application fonctionnelle :</a:t>
+            </a:r>
+          </a:p>
+          <a:p>
+            <a:pPr marL="0" indent="0">
+              <a:buNone/>
+            </a:pPr>
+            <a:r>
+              <a:rPr lang="fr-FR" sz="2300" dirty="0"/>
+              <a:t>Nous avons vu ensemble si le produit fini était conforme aux attentes, nous avons discuté du fait d'intégrer un niveau de certitude dans les prédictions.</a:t>
+            </a:r>
+          </a:p>
+          <a:p>
+            <a:pPr marL="0" indent="0">
+              <a:buNone/>
+            </a:pPr>
+            <a:endParaRPr lang="fr-FR" sz="1200" dirty="0"/>
+          </a:p>
+        </p:txBody>
+      </p:sp>
       <p:sp>
         <p:nvSpPr>
           <p:cNvPr id="4" name="Espace réservé du numéro de diapositive 3">
             <a:extLst>
               <a:ext uri="{FF2B5EF4-FFF2-40B4-BE49-F238E27FC236}">
-                <a16:creationId xmlns:a16="http://schemas.microsoft.com/office/drawing/2014/main" id="{3CAF3126-CF04-04ED-80D0-99B785FAFF79}"/>
+                <a16:creationId xmlns:a16="http://schemas.microsoft.com/office/drawing/2014/main" id="{F95C3810-9747-FEDE-D1C5-B99F4E1E90F4}"/>
               </a:ext>
             </a:extLst>
           </p:cNvPr>
@@ -20358,58 +20262,10 @@
           </a:p>
         </p:txBody>
       </p:sp>
-      <p:sp>
-        <p:nvSpPr>
-          <p:cNvPr id="6" name="ZoneTexte 5">
-            <a:extLst>
-              <a:ext uri="{FF2B5EF4-FFF2-40B4-BE49-F238E27FC236}">
-                <a16:creationId xmlns:a16="http://schemas.microsoft.com/office/drawing/2014/main" id="{3E2EF921-A972-6302-6EE7-67D4A4C6961E}"/>
-              </a:ext>
-            </a:extLst>
-          </p:cNvPr>
-          <p:cNvSpPr txBox="1"/>
-          <p:nvPr/>
-        </p:nvSpPr>
-        <p:spPr>
-          <a:xfrm>
-            <a:off x="92019" y="6316669"/>
-            <a:ext cx="5431781" cy="292388"/>
-          </a:xfrm>
-          <a:prstGeom prst="rect">
-            <a:avLst/>
-          </a:prstGeom>
-          <a:noFill/>
-        </p:spPr>
-        <p:txBody>
-          <a:bodyPr wrap="square" rtlCol="0">
-            <a:spAutoFit/>
-          </a:bodyPr>
-          <a:lstStyle/>
-          <a:p>
-            <a:pPr>
-              <a:spcAft>
-                <a:spcPts val="1000"/>
-              </a:spcAft>
-            </a:pPr>
-            <a:r>
-              <a:rPr lang="fr-FR" sz="1300" i="1" dirty="0">
-                <a:solidFill>
-                  <a:srgbClr val="44546A"/>
-                </a:solidFill>
-                <a:effectLst/>
-                <a:latin typeface="Calibri" panose="020F0502020204030204" pitchFamily="34" charset="0"/>
-                <a:ea typeface="Calibri" panose="020F0502020204030204" pitchFamily="34" charset="0"/>
-                <a:cs typeface="Times New Roman" panose="02020603050405020304" pitchFamily="18" charset="0"/>
-              </a:rPr>
-              <a:t>Figure 4 : Stratégie de nettoyage des données</a:t>
-            </a:r>
-          </a:p>
-        </p:txBody>
-      </p:sp>
     </p:spTree>
     <p:extLst>
       <p:ext uri="{BB962C8B-B14F-4D97-AF65-F5344CB8AC3E}">
-        <p14:creationId xmlns:p14="http://schemas.microsoft.com/office/powerpoint/2010/main" val="2056518719"/>
+        <p14:creationId xmlns:p14="http://schemas.microsoft.com/office/powerpoint/2010/main" val="1957058029"/>
       </p:ext>
     </p:extLst>
   </p:cSld>

--- a/E1/diapo.PPTX
+++ b/E1/diapo.PPTX
@@ -239,7 +239,7 @@
           <a:p>
             <a:fld id="{CBFE0C24-F68F-4E5D-B7EE-DD5107D4A260}" type="datetimeFigureOut">
               <a:rPr lang="fr-FR" smtClean="0"/>
-              <a:t>28/05/2024</a:t>
+              <a:t>29/05/2024</a:t>
             </a:fld>
             <a:endParaRPr lang="fr-FR"/>
           </a:p>
@@ -4874,7 +4874,7 @@
           <a:p>
             <a:fld id="{030A0348-A3C9-4805-B27F-CC97A10C8170}" type="datetime1">
               <a:rPr lang="fr-FR" smtClean="0"/>
-              <a:t>28/05/2024</a:t>
+              <a:t>29/05/2024</a:t>
             </a:fld>
             <a:endParaRPr lang="fr-FR"/>
           </a:p>
@@ -5072,7 +5072,7 @@
           <a:p>
             <a:fld id="{DCE26FB0-9262-4B4A-96F0-0E4239312FC9}" type="datetime1">
               <a:rPr lang="fr-FR" smtClean="0"/>
-              <a:t>28/05/2024</a:t>
+              <a:t>29/05/2024</a:t>
             </a:fld>
             <a:endParaRPr lang="fr-FR"/>
           </a:p>
@@ -5280,7 +5280,7 @@
           <a:p>
             <a:fld id="{CF16DD70-3CEB-41AB-9288-5B2248A624F7}" type="datetime1">
               <a:rPr lang="fr-FR" smtClean="0"/>
-              <a:t>28/05/2024</a:t>
+              <a:t>29/05/2024</a:t>
             </a:fld>
             <a:endParaRPr lang="fr-FR"/>
           </a:p>
@@ -5478,7 +5478,7 @@
           <a:p>
             <a:fld id="{4D7887B7-81BD-45F0-97E4-4FE1D12A0B8E}" type="datetime1">
               <a:rPr lang="fr-FR" smtClean="0"/>
-              <a:t>28/05/2024</a:t>
+              <a:t>29/05/2024</a:t>
             </a:fld>
             <a:endParaRPr lang="fr-FR"/>
           </a:p>
@@ -5753,7 +5753,7 @@
           <a:p>
             <a:fld id="{065B97D9-FE67-452A-817F-E159775EC87A}" type="datetime1">
               <a:rPr lang="fr-FR" smtClean="0"/>
-              <a:t>28/05/2024</a:t>
+              <a:t>29/05/2024</a:t>
             </a:fld>
             <a:endParaRPr lang="fr-FR"/>
           </a:p>
@@ -6018,7 +6018,7 @@
           <a:p>
             <a:fld id="{6FEFCD70-9C02-4267-93ED-DA067C1C5C5D}" type="datetime1">
               <a:rPr lang="fr-FR" smtClean="0"/>
-              <a:t>28/05/2024</a:t>
+              <a:t>29/05/2024</a:t>
             </a:fld>
             <a:endParaRPr lang="fr-FR"/>
           </a:p>
@@ -6430,7 +6430,7 @@
           <a:p>
             <a:fld id="{EF461CD4-FE43-42F8-BA27-3A02ADC01ECA}" type="datetime1">
               <a:rPr lang="fr-FR" smtClean="0"/>
-              <a:t>28/05/2024</a:t>
+              <a:t>29/05/2024</a:t>
             </a:fld>
             <a:endParaRPr lang="fr-FR"/>
           </a:p>
@@ -6571,7 +6571,7 @@
           <a:p>
             <a:fld id="{8C036F74-5381-4024-BAA9-5901F8ADC307}" type="datetime1">
               <a:rPr lang="fr-FR" smtClean="0"/>
-              <a:t>28/05/2024</a:t>
+              <a:t>29/05/2024</a:t>
             </a:fld>
             <a:endParaRPr lang="fr-FR"/>
           </a:p>
@@ -6684,7 +6684,7 @@
           <a:p>
             <a:fld id="{0E1DE3B3-7661-43C6-8BB5-DD17A2C56882}" type="datetime1">
               <a:rPr lang="fr-FR" smtClean="0"/>
-              <a:t>28/05/2024</a:t>
+              <a:t>29/05/2024</a:t>
             </a:fld>
             <a:endParaRPr lang="fr-FR"/>
           </a:p>
@@ -6995,7 +6995,7 @@
           <a:p>
             <a:fld id="{C7DFB586-B251-4F3F-8B11-085335CDA4D7}" type="datetime1">
               <a:rPr lang="fr-FR" smtClean="0"/>
-              <a:t>28/05/2024</a:t>
+              <a:t>29/05/2024</a:t>
             </a:fld>
             <a:endParaRPr lang="fr-FR"/>
           </a:p>
@@ -7286,7 +7286,7 @@
           <a:p>
             <a:fld id="{44952A61-B580-4658-88AF-604A7DCA20BD}" type="datetime1">
               <a:rPr lang="fr-FR" smtClean="0"/>
-              <a:t>28/05/2024</a:t>
+              <a:t>29/05/2024</a:t>
             </a:fld>
             <a:endParaRPr lang="fr-FR"/>
           </a:p>
@@ -7532,7 +7532,7 @@
           <a:p>
             <a:fld id="{22897EE6-CDD6-43C1-B320-A7CD1CE4582D}" type="datetime1">
               <a:rPr lang="fr-FR" smtClean="0"/>
-              <a:t>28/05/2024</a:t>
+              <a:t>29/05/2024</a:t>
             </a:fld>
             <a:endParaRPr lang="fr-FR"/>
           </a:p>
@@ -17966,7 +17966,7 @@
         <p:spPr>
           <a:xfrm>
             <a:off x="527243" y="282316"/>
-            <a:ext cx="10318235" cy="5755422"/>
+            <a:ext cx="11267360" cy="6817251"/>
           </a:xfrm>
           <a:prstGeom prst="rect">
             <a:avLst/>
@@ -17992,24 +17992,57 @@
             <a:endParaRPr lang="fr-FR" sz="2500" u="sng" dirty="0"/>
           </a:p>
           <a:p>
+            <a:pPr marL="342900" indent="-342900">
+              <a:buFontTx/>
+              <a:buChar char="-"/>
+            </a:pPr>
             <a:r>
               <a:rPr lang="fr-FR" sz="2300" dirty="0"/>
-              <a:t>Au cours de l’analyse des données, nous avons pu explorer les relations entre les données, ce qui fut très intéressant.</a:t>
-            </a:r>
+              <a:t>Nous avons pu explorer les relations entre les données, ce qui fut très intéressant.</a:t>
+            </a:r>
+          </a:p>
+          <a:p>
+            <a:endParaRPr lang="fr-FR" sz="2300" dirty="0"/>
           </a:p>
           <a:p>
             <a:r>
               <a:rPr lang="fr-FR" sz="2300" dirty="0"/>
-              <a:t>Pour améliorer l’application, on pourrait envisager de recueillir des données qui auraient un rapport plus important aux problèmes de santé mentale. On pourrait aussi implémenter un taux de certitude dans la prédiction, à partir duquel on pourrait donner des réponses sûres.</a:t>
+              <a:t>Pour améliorer l’application : </a:t>
             </a:r>
           </a:p>
           <a:p>
             <a:endParaRPr lang="fr-FR" sz="2300" dirty="0"/>
           </a:p>
           <a:p>
+            <a:pPr marL="342900" indent="-342900">
+              <a:buFontTx/>
+              <a:buChar char="-"/>
+            </a:pPr>
             <a:r>
               <a:rPr lang="fr-FR" sz="2300" dirty="0"/>
-              <a:t>Les clients pourraient être les hôpitaux, ou même un site internet de détection en libre accès, avec de la pub.</a:t>
+              <a:t>Recueillir des données qui auraient un rapport plus important avec les problèmes de santé mentale pour avoir une détection plus pertinente</a:t>
+            </a:r>
+          </a:p>
+          <a:p>
+            <a:endParaRPr lang="fr-FR" sz="2300" dirty="0"/>
+          </a:p>
+          <a:p>
+            <a:pPr marL="342900" indent="-342900">
+              <a:buFontTx/>
+              <a:buChar char="-"/>
+            </a:pPr>
+            <a:r>
+              <a:rPr lang="fr-FR" sz="2300" dirty="0"/>
+              <a:t>Implémenter un taux de certitude dans la prédiction, à partir duquel on pourrait donner des réponses sûres</a:t>
+            </a:r>
+          </a:p>
+          <a:p>
+            <a:endParaRPr lang="fr-FR" sz="2300" dirty="0"/>
+          </a:p>
+          <a:p>
+            <a:r>
+              <a:rPr lang="fr-FR" sz="2300" dirty="0"/>
+              <a:t>Les clients pourraient être les hôpitaux, ou même un site internet de détection en libre accès, financé avec de la pub.</a:t>
             </a:r>
           </a:p>
           <a:p>
@@ -18018,7 +18051,7 @@
           <a:p>
             <a:r>
               <a:rPr lang="fr-FR" sz="2300" dirty="0"/>
-              <a:t>Pour aboutir le projet, il s’agirait aussi de réaliser une prise en charge psychologique via l’application (sociologie, philosophie, bonnes habitudes, sport, cuisine). </a:t>
+              <a:t>On pourrait aussi réaliser une prise en charge psychologique via l’application (sociologie, philosophie, bonnes habitudes, sport, cuisine). </a:t>
             </a:r>
           </a:p>
           <a:p>

--- a/E1/diapo.PPTX
+++ b/E1/diapo.PPTX
@@ -17965,8 +17965,8 @@
         </p:nvSpPr>
         <p:spPr>
           <a:xfrm>
-            <a:off x="527243" y="282316"/>
-            <a:ext cx="11267360" cy="6817251"/>
+            <a:off x="295749" y="-13946"/>
+            <a:ext cx="11267360" cy="7171194"/>
           </a:xfrm>
           <a:prstGeom prst="rect">
             <a:avLst/>
@@ -17998,20 +17998,8 @@
             </a:pPr>
             <a:r>
               <a:rPr lang="fr-FR" sz="2300" dirty="0"/>
-              <a:t>Nous avons pu explorer les relations entre les données, ce qui fut très intéressant.</a:t>
-            </a:r>
-          </a:p>
-          <a:p>
-            <a:endParaRPr lang="fr-FR" sz="2300" dirty="0"/>
-          </a:p>
-          <a:p>
-            <a:r>
-              <a:rPr lang="fr-FR" sz="2300" dirty="0"/>
-              <a:t>Pour améliorer l’application : </a:t>
-            </a:r>
-          </a:p>
-          <a:p>
-            <a:endParaRPr lang="fr-FR" sz="2300" dirty="0"/>
+              <a:t>Nous avons pu explorer les relations entre les données du questionnaire</a:t>
+            </a:r>
           </a:p>
           <a:p>
             <a:pPr marL="342900" indent="-342900">
@@ -18020,7 +18008,16 @@
             </a:pPr>
             <a:r>
               <a:rPr lang="fr-FR" sz="2300" dirty="0"/>
-              <a:t>Recueillir des données qui auraient un rapport plus important avec les problèmes de santé mentale pour avoir une détection plus pertinente</a:t>
+              <a:t>Construire une application de détection de problème de santé mentale à partir d’un questionnaire</a:t>
+            </a:r>
+          </a:p>
+          <a:p>
+            <a:endParaRPr lang="fr-FR" sz="2300" dirty="0"/>
+          </a:p>
+          <a:p>
+            <a:r>
+              <a:rPr lang="fr-FR" sz="2300" dirty="0"/>
+              <a:t>Pour améliorer l’application : </a:t>
             </a:r>
           </a:p>
           <a:p>
@@ -18033,6 +18030,16 @@
             </a:pPr>
             <a:r>
               <a:rPr lang="fr-FR" sz="2300" dirty="0"/>
+              <a:t>Recueillir des données qui auraient un rapport plus important avec les problèmes de santé mentale, pour avoir une détection plus pertinente</a:t>
+            </a:r>
+          </a:p>
+          <a:p>
+            <a:pPr marL="342900" indent="-342900">
+              <a:buFontTx/>
+              <a:buChar char="-"/>
+            </a:pPr>
+            <a:r>
+              <a:rPr lang="fr-FR" sz="2300" dirty="0"/>
               <a:t>Implémenter un taux de certitude dans la prédiction, à partir duquel on pourrait donner des réponses sûres</a:t>
             </a:r>
           </a:p>
@@ -18042,7 +18049,7 @@
           <a:p>
             <a:r>
               <a:rPr lang="fr-FR" sz="2300" dirty="0"/>
-              <a:t>Les clients pourraient être les hôpitaux, ou même un site internet de détection en libre accès, financé avec de la pub.</a:t>
+              <a:t>Les clients pourraient être les hôpitaux, on pourrait aussi faire un site internet de détection en libre accès, financé avec de la pub.</a:t>
             </a:r>
           </a:p>
           <a:p>
@@ -18051,7 +18058,7 @@
           <a:p>
             <a:r>
               <a:rPr lang="fr-FR" sz="2300" dirty="0"/>
-              <a:t>On pourrait aussi réaliser une prise en charge psychologique via l’application (sociologie, philosophie, bonnes habitudes, sport, cuisine). </a:t>
+              <a:t>On pourrait aussi réaliser une prise en charge psychologique via l’application (conseils sociologiques, philosophiques, bonnes habitudes, sport, marche, cuisine). </a:t>
             </a:r>
           </a:p>
           <a:p>
